--- a/presentations/slides-111-BRSKI-AE.pptx
+++ b/presentations/slides-111-BRSKI-AE.pptx
@@ -5,43 +5,45 @@
     <p:sldMasterId id="2147483663" r:id="rId1"/>
   </p:sldMasterIdLst>
   <p:notesMasterIdLst>
-    <p:notesMasterId r:id="rId36"/>
+    <p:notesMasterId r:id="rId38"/>
   </p:notesMasterIdLst>
   <p:sldIdLst>
     <p:sldId id="256" r:id="rId2"/>
     <p:sldId id="273" r:id="rId3"/>
     <p:sldId id="299" r:id="rId4"/>
     <p:sldId id="300" r:id="rId5"/>
-    <p:sldId id="305" r:id="rId6"/>
-    <p:sldId id="257" r:id="rId7"/>
-    <p:sldId id="258" r:id="rId8"/>
-    <p:sldId id="259" r:id="rId9"/>
-    <p:sldId id="260" r:id="rId10"/>
-    <p:sldId id="261" r:id="rId11"/>
-    <p:sldId id="262" r:id="rId12"/>
-    <p:sldId id="263" r:id="rId13"/>
-    <p:sldId id="264" r:id="rId14"/>
-    <p:sldId id="265" r:id="rId15"/>
-    <p:sldId id="266" r:id="rId16"/>
-    <p:sldId id="306" r:id="rId17"/>
-    <p:sldId id="307" r:id="rId18"/>
-    <p:sldId id="308" r:id="rId19"/>
-    <p:sldId id="309" r:id="rId20"/>
-    <p:sldId id="267" r:id="rId21"/>
-    <p:sldId id="268" r:id="rId22"/>
-    <p:sldId id="310" r:id="rId23"/>
-    <p:sldId id="302" r:id="rId24"/>
-    <p:sldId id="283" r:id="rId25"/>
-    <p:sldId id="285" r:id="rId26"/>
-    <p:sldId id="296" r:id="rId27"/>
-    <p:sldId id="304" r:id="rId28"/>
-    <p:sldId id="303" r:id="rId29"/>
-    <p:sldId id="297" r:id="rId30"/>
-    <p:sldId id="298" r:id="rId31"/>
-    <p:sldId id="295" r:id="rId32"/>
-    <p:sldId id="291" r:id="rId33"/>
-    <p:sldId id="294" r:id="rId34"/>
-    <p:sldId id="293" r:id="rId35"/>
+    <p:sldId id="313" r:id="rId6"/>
+    <p:sldId id="305" r:id="rId7"/>
+    <p:sldId id="257" r:id="rId8"/>
+    <p:sldId id="258" r:id="rId9"/>
+    <p:sldId id="259" r:id="rId10"/>
+    <p:sldId id="260" r:id="rId11"/>
+    <p:sldId id="261" r:id="rId12"/>
+    <p:sldId id="262" r:id="rId13"/>
+    <p:sldId id="263" r:id="rId14"/>
+    <p:sldId id="264" r:id="rId15"/>
+    <p:sldId id="265" r:id="rId16"/>
+    <p:sldId id="266" r:id="rId17"/>
+    <p:sldId id="306" r:id="rId18"/>
+    <p:sldId id="307" r:id="rId19"/>
+    <p:sldId id="308" r:id="rId20"/>
+    <p:sldId id="309" r:id="rId21"/>
+    <p:sldId id="267" r:id="rId22"/>
+    <p:sldId id="268" r:id="rId23"/>
+    <p:sldId id="310" r:id="rId24"/>
+    <p:sldId id="302" r:id="rId25"/>
+    <p:sldId id="283" r:id="rId26"/>
+    <p:sldId id="312" r:id="rId27"/>
+    <p:sldId id="285" r:id="rId28"/>
+    <p:sldId id="296" r:id="rId29"/>
+    <p:sldId id="304" r:id="rId30"/>
+    <p:sldId id="303" r:id="rId31"/>
+    <p:sldId id="297" r:id="rId32"/>
+    <p:sldId id="298" r:id="rId33"/>
+    <p:sldId id="295" r:id="rId34"/>
+    <p:sldId id="291" r:id="rId35"/>
+    <p:sldId id="294" r:id="rId36"/>
+    <p:sldId id="293" r:id="rId37"/>
   </p:sldIdLst>
   <p:sldSz cx="12192000" cy="6858000"/>
   <p:notesSz cx="6858000" cy="9144000"/>
@@ -256,7 +258,7 @@
           <a:p>
             <a:fld id="{33B5B5E8-CA78-4A82-83A0-867EF5A818AE}" type="datetimeFigureOut">
               <a:rPr lang="en-US" smtClean="0"/>
-              <a:t>7/9/2021</a:t>
+              <a:t>7/17/2021</a:t>
             </a:fld>
             <a:endParaRPr lang="en-US"/>
           </a:p>
@@ -750,6 +752,31 @@
         </a:xfrm>
       </p:grpSpPr>
     </p:spTree>
+  </p:cSld>
+  <p:clrMapOvr>
+    <a:masterClrMapping/>
+  </p:clrMapOvr>
+</p:notes>
+</file>
+
+<file path=ppt/notesSlides/notesSlide16.xml><?xml version="1.0" encoding="utf-8"?>
+<p:notes xmlns:a="http://schemas.openxmlformats.org/drawingml/2006/main" xmlns:r="http://schemas.openxmlformats.org/officeDocument/2006/relationships" xmlns:p="http://schemas.openxmlformats.org/presentationml/2006/main">
+  <p:cSld>
+    <p:spTree>
+      <p:nvGrpSpPr>
+        <p:cNvPr id="1" name=""/>
+        <p:cNvGrpSpPr/>
+        <p:nvPr/>
+      </p:nvGrpSpPr>
+      <p:grpSpPr>
+        <a:xfrm>
+          <a:off x="0" y="0"/>
+          <a:ext cx="0" cy="0"/>
+          <a:chOff x="0" y="0"/>
+          <a:chExt cx="0" cy="0"/>
+        </a:xfrm>
+      </p:grpSpPr>
+    </p:spTree>
     <p:extLst>
       <p:ext uri="{BB962C8B-B14F-4D97-AF65-F5344CB8AC3E}">
         <p14:creationId xmlns:p14="http://schemas.microsoft.com/office/powerpoint/2010/main" val="1351854876"/>
@@ -762,7 +789,7 @@
 </p:notes>
 </file>
 
-<file path=ppt/notesSlides/notesSlide16.xml><?xml version="1.0" encoding="utf-8"?>
+<file path=ppt/notesSlides/notesSlide17.xml><?xml version="1.0" encoding="utf-8"?>
 <p:notes xmlns:a="http://schemas.openxmlformats.org/drawingml/2006/main" xmlns:r="http://schemas.openxmlformats.org/officeDocument/2006/relationships" xmlns:p="http://schemas.openxmlformats.org/presentationml/2006/main">
   <p:cSld>
     <p:spTree>
@@ -792,7 +819,7 @@
 </p:notes>
 </file>
 
-<file path=ppt/notesSlides/notesSlide17.xml><?xml version="1.0" encoding="utf-8"?>
+<file path=ppt/notesSlides/notesSlide18.xml><?xml version="1.0" encoding="utf-8"?>
 <p:notes xmlns:a="http://schemas.openxmlformats.org/drawingml/2006/main" xmlns:r="http://schemas.openxmlformats.org/officeDocument/2006/relationships" xmlns:p="http://schemas.openxmlformats.org/presentationml/2006/main">
   <p:cSld>
     <p:spTree>
@@ -822,7 +849,7 @@
 </p:notes>
 </file>
 
-<file path=ppt/notesSlides/notesSlide18.xml><?xml version="1.0" encoding="utf-8"?>
+<file path=ppt/notesSlides/notesSlide19.xml><?xml version="1.0" encoding="utf-8"?>
 <p:notes xmlns:a="http://schemas.openxmlformats.org/drawingml/2006/main" xmlns:r="http://schemas.openxmlformats.org/officeDocument/2006/relationships" xmlns:p="http://schemas.openxmlformats.org/presentationml/2006/main">
   <p:cSld>
     <p:spTree>
@@ -845,31 +872,6 @@
         <p14:creationId xmlns:p14="http://schemas.microsoft.com/office/powerpoint/2010/main" val="452146499"/>
       </p:ext>
     </p:extLst>
-  </p:cSld>
-  <p:clrMapOvr>
-    <a:masterClrMapping/>
-  </p:clrMapOvr>
-</p:notes>
-</file>
-
-<file path=ppt/notesSlides/notesSlide19.xml><?xml version="1.0" encoding="utf-8"?>
-<p:notes xmlns:a="http://schemas.openxmlformats.org/drawingml/2006/main" xmlns:r="http://schemas.openxmlformats.org/officeDocument/2006/relationships" xmlns:p="http://schemas.openxmlformats.org/presentationml/2006/main">
-  <p:cSld>
-    <p:spTree>
-      <p:nvGrpSpPr>
-        <p:cNvPr id="1" name=""/>
-        <p:cNvGrpSpPr/>
-        <p:nvPr/>
-      </p:nvGrpSpPr>
-      <p:grpSpPr>
-        <a:xfrm>
-          <a:off x="0" y="0"/>
-          <a:ext cx="0" cy="0"/>
-          <a:chOff x="0" y="0"/>
-          <a:chExt cx="0" cy="0"/>
-        </a:xfrm>
-      </p:grpSpPr>
-    </p:spTree>
   </p:cSld>
   <p:clrMapOvr>
     <a:masterClrMapping/>
@@ -1004,11 +1006,6 @@
         </a:xfrm>
       </p:grpSpPr>
     </p:spTree>
-    <p:extLst>
-      <p:ext uri="{BB962C8B-B14F-4D97-AF65-F5344CB8AC3E}">
-        <p14:creationId xmlns:p14="http://schemas.microsoft.com/office/powerpoint/2010/main" val="2225644692"/>
-      </p:ext>
-    </p:extLst>
   </p:cSld>
   <p:clrMapOvr>
     <a:masterClrMapping/>
@@ -1033,64 +1030,10 @@
           <a:chExt cx="0" cy="0"/>
         </a:xfrm>
       </p:grpSpPr>
-      <p:sp>
-        <p:nvSpPr>
-          <p:cNvPr id="2" name="Slide Image Placeholder 1"/>
-          <p:cNvSpPr>
-            <a:spLocks noGrp="1" noRot="1" noChangeAspect="1"/>
-          </p:cNvSpPr>
-          <p:nvPr>
-            <p:ph type="sldImg"/>
-          </p:nvPr>
-        </p:nvSpPr>
-        <p:spPr/>
-      </p:sp>
-      <p:sp>
-        <p:nvSpPr>
-          <p:cNvPr id="3" name="Notes Placeholder 2"/>
-          <p:cNvSpPr>
-            <a:spLocks noGrp="1"/>
-          </p:cNvSpPr>
-          <p:nvPr>
-            <p:ph type="body" idx="1"/>
-          </p:nvPr>
-        </p:nvSpPr>
-        <p:spPr/>
-        <p:txBody>
-          <a:bodyPr/>
-          <a:lstStyle/>
-          <a:p>
-            <a:endParaRPr lang="en-US" dirty="0"/>
-          </a:p>
-        </p:txBody>
-      </p:sp>
-      <p:sp>
-        <p:nvSpPr>
-          <p:cNvPr id="4" name="Slide Number Placeholder 3"/>
-          <p:cNvSpPr>
-            <a:spLocks noGrp="1"/>
-          </p:cNvSpPr>
-          <p:nvPr>
-            <p:ph type="sldNum" sz="quarter" idx="5"/>
-          </p:nvPr>
-        </p:nvSpPr>
-        <p:spPr/>
-        <p:txBody>
-          <a:bodyPr/>
-          <a:lstStyle/>
-          <a:p>
-            <a:fld id="{4C6D392E-C4EF-4AC5-9CF0-E17168E17BBE}" type="slidenum">
-              <a:rPr lang="en-US" smtClean="0"/>
-              <a:t>23</a:t>
-            </a:fld>
-            <a:endParaRPr lang="en-US"/>
-          </a:p>
-        </p:txBody>
-      </p:sp>
     </p:spTree>
     <p:extLst>
       <p:ext uri="{BB962C8B-B14F-4D97-AF65-F5344CB8AC3E}">
-        <p14:creationId xmlns:p14="http://schemas.microsoft.com/office/powerpoint/2010/main" val="2936741162"/>
+        <p14:creationId xmlns:p14="http://schemas.microsoft.com/office/powerpoint/2010/main" val="2225644692"/>
       </p:ext>
     </p:extLst>
   </p:cSld>
@@ -1174,7 +1117,7 @@
     </p:spTree>
     <p:extLst>
       <p:ext uri="{BB962C8B-B14F-4D97-AF65-F5344CB8AC3E}">
-        <p14:creationId xmlns:p14="http://schemas.microsoft.com/office/powerpoint/2010/main" val="2430214839"/>
+        <p14:creationId xmlns:p14="http://schemas.microsoft.com/office/powerpoint/2010/main" val="2936741162"/>
       </p:ext>
     </p:extLst>
   </p:cSld>
@@ -1258,7 +1201,7 @@
     </p:spTree>
     <p:extLst>
       <p:ext uri="{BB962C8B-B14F-4D97-AF65-F5344CB8AC3E}">
-        <p14:creationId xmlns:p14="http://schemas.microsoft.com/office/powerpoint/2010/main" val="1926212273"/>
+        <p14:creationId xmlns:p14="http://schemas.microsoft.com/office/powerpoint/2010/main" val="2430214839"/>
       </p:ext>
     </p:extLst>
   </p:cSld>
@@ -1342,7 +1285,7 @@
     </p:spTree>
     <p:extLst>
       <p:ext uri="{BB962C8B-B14F-4D97-AF65-F5344CB8AC3E}">
-        <p14:creationId xmlns:p14="http://schemas.microsoft.com/office/powerpoint/2010/main" val="1583835573"/>
+        <p14:creationId xmlns:p14="http://schemas.microsoft.com/office/powerpoint/2010/main" val="849644681"/>
       </p:ext>
     </p:extLst>
   </p:cSld>
@@ -1426,7 +1369,7 @@
     </p:spTree>
     <p:extLst>
       <p:ext uri="{BB962C8B-B14F-4D97-AF65-F5344CB8AC3E}">
-        <p14:creationId xmlns:p14="http://schemas.microsoft.com/office/powerpoint/2010/main" val="925438820"/>
+        <p14:creationId xmlns:p14="http://schemas.microsoft.com/office/powerpoint/2010/main" val="1926212273"/>
       </p:ext>
     </p:extLst>
   </p:cSld>
@@ -1510,7 +1453,7 @@
     </p:spTree>
     <p:extLst>
       <p:ext uri="{BB962C8B-B14F-4D97-AF65-F5344CB8AC3E}">
-        <p14:creationId xmlns:p14="http://schemas.microsoft.com/office/powerpoint/2010/main" val="374273065"/>
+        <p14:creationId xmlns:p14="http://schemas.microsoft.com/office/powerpoint/2010/main" val="1583835573"/>
       </p:ext>
     </p:extLst>
   </p:cSld>
@@ -1594,7 +1537,7 @@
     </p:spTree>
     <p:extLst>
       <p:ext uri="{BB962C8B-B14F-4D97-AF65-F5344CB8AC3E}">
-        <p14:creationId xmlns:p14="http://schemas.microsoft.com/office/powerpoint/2010/main" val="161290813"/>
+        <p14:creationId xmlns:p14="http://schemas.microsoft.com/office/powerpoint/2010/main" val="925438820"/>
       </p:ext>
     </p:extLst>
   </p:cSld>
@@ -1678,7 +1621,7 @@
     </p:spTree>
     <p:extLst>
       <p:ext uri="{BB962C8B-B14F-4D97-AF65-F5344CB8AC3E}">
-        <p14:creationId xmlns:p14="http://schemas.microsoft.com/office/powerpoint/2010/main" val="1742505115"/>
+        <p14:creationId xmlns:p14="http://schemas.microsoft.com/office/powerpoint/2010/main" val="374273065"/>
       </p:ext>
     </p:extLst>
   </p:cSld>
@@ -1846,7 +1789,7 @@
     </p:spTree>
     <p:extLst>
       <p:ext uri="{BB962C8B-B14F-4D97-AF65-F5344CB8AC3E}">
-        <p14:creationId xmlns:p14="http://schemas.microsoft.com/office/powerpoint/2010/main" val="372985589"/>
+        <p14:creationId xmlns:p14="http://schemas.microsoft.com/office/powerpoint/2010/main" val="161290813"/>
       </p:ext>
     </p:extLst>
   </p:cSld>
@@ -1930,7 +1873,7 @@
     </p:spTree>
     <p:extLst>
       <p:ext uri="{BB962C8B-B14F-4D97-AF65-F5344CB8AC3E}">
-        <p14:creationId xmlns:p14="http://schemas.microsoft.com/office/powerpoint/2010/main" val="4264118584"/>
+        <p14:creationId xmlns:p14="http://schemas.microsoft.com/office/powerpoint/2010/main" val="1742505115"/>
       </p:ext>
     </p:extLst>
   </p:cSld>
@@ -2014,7 +1957,7 @@
     </p:spTree>
     <p:extLst>
       <p:ext uri="{BB962C8B-B14F-4D97-AF65-F5344CB8AC3E}">
-        <p14:creationId xmlns:p14="http://schemas.microsoft.com/office/powerpoint/2010/main" val="879273493"/>
+        <p14:creationId xmlns:p14="http://schemas.microsoft.com/office/powerpoint/2010/main" val="372985589"/>
       </p:ext>
     </p:extLst>
   </p:cSld>
@@ -2098,6 +2041,174 @@
     </p:spTree>
     <p:extLst>
       <p:ext uri="{BB962C8B-B14F-4D97-AF65-F5344CB8AC3E}">
+        <p14:creationId xmlns:p14="http://schemas.microsoft.com/office/powerpoint/2010/main" val="4264118584"/>
+      </p:ext>
+    </p:extLst>
+  </p:cSld>
+  <p:clrMapOvr>
+    <a:masterClrMapping/>
+  </p:clrMapOvr>
+</p:notes>
+</file>
+
+<file path=ppt/notesSlides/notesSlide34.xml><?xml version="1.0" encoding="utf-8"?>
+<p:notes xmlns:a="http://schemas.openxmlformats.org/drawingml/2006/main" xmlns:r="http://schemas.openxmlformats.org/officeDocument/2006/relationships" xmlns:p="http://schemas.openxmlformats.org/presentationml/2006/main">
+  <p:cSld>
+    <p:spTree>
+      <p:nvGrpSpPr>
+        <p:cNvPr id="1" name=""/>
+        <p:cNvGrpSpPr/>
+        <p:nvPr/>
+      </p:nvGrpSpPr>
+      <p:grpSpPr>
+        <a:xfrm>
+          <a:off x="0" y="0"/>
+          <a:ext cx="0" cy="0"/>
+          <a:chOff x="0" y="0"/>
+          <a:chExt cx="0" cy="0"/>
+        </a:xfrm>
+      </p:grpSpPr>
+      <p:sp>
+        <p:nvSpPr>
+          <p:cNvPr id="2" name="Slide Image Placeholder 1"/>
+          <p:cNvSpPr>
+            <a:spLocks noGrp="1" noRot="1" noChangeAspect="1"/>
+          </p:cNvSpPr>
+          <p:nvPr>
+            <p:ph type="sldImg"/>
+          </p:nvPr>
+        </p:nvSpPr>
+        <p:spPr/>
+      </p:sp>
+      <p:sp>
+        <p:nvSpPr>
+          <p:cNvPr id="3" name="Notes Placeholder 2"/>
+          <p:cNvSpPr>
+            <a:spLocks noGrp="1"/>
+          </p:cNvSpPr>
+          <p:nvPr>
+            <p:ph type="body" idx="1"/>
+          </p:nvPr>
+        </p:nvSpPr>
+        <p:spPr/>
+        <p:txBody>
+          <a:bodyPr/>
+          <a:lstStyle/>
+          <a:p>
+            <a:endParaRPr lang="en-US" dirty="0"/>
+          </a:p>
+        </p:txBody>
+      </p:sp>
+      <p:sp>
+        <p:nvSpPr>
+          <p:cNvPr id="4" name="Slide Number Placeholder 3"/>
+          <p:cNvSpPr>
+            <a:spLocks noGrp="1"/>
+          </p:cNvSpPr>
+          <p:nvPr>
+            <p:ph type="sldNum" sz="quarter" idx="5"/>
+          </p:nvPr>
+        </p:nvSpPr>
+        <p:spPr/>
+        <p:txBody>
+          <a:bodyPr/>
+          <a:lstStyle/>
+          <a:p>
+            <a:fld id="{4C6D392E-C4EF-4AC5-9CF0-E17168E17BBE}" type="slidenum">
+              <a:rPr lang="en-US" smtClean="0"/>
+              <a:t>35</a:t>
+            </a:fld>
+            <a:endParaRPr lang="en-US"/>
+          </a:p>
+        </p:txBody>
+      </p:sp>
+    </p:spTree>
+    <p:extLst>
+      <p:ext uri="{BB962C8B-B14F-4D97-AF65-F5344CB8AC3E}">
+        <p14:creationId xmlns:p14="http://schemas.microsoft.com/office/powerpoint/2010/main" val="879273493"/>
+      </p:ext>
+    </p:extLst>
+  </p:cSld>
+  <p:clrMapOvr>
+    <a:masterClrMapping/>
+  </p:clrMapOvr>
+</p:notes>
+</file>
+
+<file path=ppt/notesSlides/notesSlide35.xml><?xml version="1.0" encoding="utf-8"?>
+<p:notes xmlns:a="http://schemas.openxmlformats.org/drawingml/2006/main" xmlns:r="http://schemas.openxmlformats.org/officeDocument/2006/relationships" xmlns:p="http://schemas.openxmlformats.org/presentationml/2006/main">
+  <p:cSld>
+    <p:spTree>
+      <p:nvGrpSpPr>
+        <p:cNvPr id="1" name=""/>
+        <p:cNvGrpSpPr/>
+        <p:nvPr/>
+      </p:nvGrpSpPr>
+      <p:grpSpPr>
+        <a:xfrm>
+          <a:off x="0" y="0"/>
+          <a:ext cx="0" cy="0"/>
+          <a:chOff x="0" y="0"/>
+          <a:chExt cx="0" cy="0"/>
+        </a:xfrm>
+      </p:grpSpPr>
+      <p:sp>
+        <p:nvSpPr>
+          <p:cNvPr id="2" name="Slide Image Placeholder 1"/>
+          <p:cNvSpPr>
+            <a:spLocks noGrp="1" noRot="1" noChangeAspect="1"/>
+          </p:cNvSpPr>
+          <p:nvPr>
+            <p:ph type="sldImg"/>
+          </p:nvPr>
+        </p:nvSpPr>
+        <p:spPr/>
+      </p:sp>
+      <p:sp>
+        <p:nvSpPr>
+          <p:cNvPr id="3" name="Notes Placeholder 2"/>
+          <p:cNvSpPr>
+            <a:spLocks noGrp="1"/>
+          </p:cNvSpPr>
+          <p:nvPr>
+            <p:ph type="body" idx="1"/>
+          </p:nvPr>
+        </p:nvSpPr>
+        <p:spPr/>
+        <p:txBody>
+          <a:bodyPr/>
+          <a:lstStyle/>
+          <a:p>
+            <a:endParaRPr lang="en-US" dirty="0"/>
+          </a:p>
+        </p:txBody>
+      </p:sp>
+      <p:sp>
+        <p:nvSpPr>
+          <p:cNvPr id="4" name="Slide Number Placeholder 3"/>
+          <p:cNvSpPr>
+            <a:spLocks noGrp="1"/>
+          </p:cNvSpPr>
+          <p:nvPr>
+            <p:ph type="sldNum" sz="quarter" idx="5"/>
+          </p:nvPr>
+        </p:nvSpPr>
+        <p:spPr/>
+        <p:txBody>
+          <a:bodyPr/>
+          <a:lstStyle/>
+          <a:p>
+            <a:fld id="{4C6D392E-C4EF-4AC5-9CF0-E17168E17BBE}" type="slidenum">
+              <a:rPr lang="en-US" smtClean="0"/>
+              <a:t>36</a:t>
+            </a:fld>
+            <a:endParaRPr lang="en-US"/>
+          </a:p>
+        </p:txBody>
+      </p:sp>
+    </p:spTree>
+    <p:extLst>
+      <p:ext uri="{BB962C8B-B14F-4D97-AF65-F5344CB8AC3E}">
         <p14:creationId xmlns:p14="http://schemas.microsoft.com/office/powerpoint/2010/main" val="2489507836"/>
       </p:ext>
     </p:extLst>
@@ -2125,7 +2236,66 @@
           <a:chExt cx="0" cy="0"/>
         </a:xfrm>
       </p:grpSpPr>
+      <p:sp>
+        <p:nvSpPr>
+          <p:cNvPr id="2" name="Slide Image Placeholder 1"/>
+          <p:cNvSpPr>
+            <a:spLocks noGrp="1" noRot="1" noChangeAspect="1"/>
+          </p:cNvSpPr>
+          <p:nvPr>
+            <p:ph type="sldImg"/>
+          </p:nvPr>
+        </p:nvSpPr>
+        <p:spPr/>
+      </p:sp>
+      <p:sp>
+        <p:nvSpPr>
+          <p:cNvPr id="3" name="Notes Placeholder 2"/>
+          <p:cNvSpPr>
+            <a:spLocks noGrp="1"/>
+          </p:cNvSpPr>
+          <p:nvPr>
+            <p:ph type="body" idx="1"/>
+          </p:nvPr>
+        </p:nvSpPr>
+        <p:spPr/>
+        <p:txBody>
+          <a:bodyPr/>
+          <a:lstStyle/>
+          <a:p>
+            <a:endParaRPr lang="en-US" dirty="0"/>
+          </a:p>
+        </p:txBody>
+      </p:sp>
+      <p:sp>
+        <p:nvSpPr>
+          <p:cNvPr id="4" name="Slide Number Placeholder 3"/>
+          <p:cNvSpPr>
+            <a:spLocks noGrp="1"/>
+          </p:cNvSpPr>
+          <p:nvPr>
+            <p:ph type="sldNum" sz="quarter" idx="5"/>
+          </p:nvPr>
+        </p:nvSpPr>
+        <p:spPr/>
+        <p:txBody>
+          <a:bodyPr/>
+          <a:lstStyle/>
+          <a:p>
+            <a:fld id="{4C6D392E-C4EF-4AC5-9CF0-E17168E17BBE}" type="slidenum">
+              <a:rPr lang="en-US" smtClean="0"/>
+              <a:t>5</a:t>
+            </a:fld>
+            <a:endParaRPr lang="en-US"/>
+          </a:p>
+        </p:txBody>
+      </p:sp>
     </p:spTree>
+    <p:extLst>
+      <p:ext uri="{BB962C8B-B14F-4D97-AF65-F5344CB8AC3E}">
+        <p14:creationId xmlns:p14="http://schemas.microsoft.com/office/powerpoint/2010/main" val="2521226205"/>
+      </p:ext>
+    </p:extLst>
   </p:cSld>
   <p:clrMapOvr>
     <a:masterClrMapping/>
@@ -2413,7 +2583,7 @@
           <a:p>
             <a:fld id="{8C792E63-5F21-4F54-A864-D84D9F273FCA}" type="datetimeFigureOut">
               <a:rPr lang="en-US" smtClean="0"/>
-              <a:t>7/9/2021</a:t>
+              <a:t>7/17/2021</a:t>
             </a:fld>
             <a:endParaRPr lang="en-US" dirty="0"/>
           </a:p>
@@ -2631,7 +2801,7 @@
           <a:p>
             <a:fld id="{8C792E63-5F21-4F54-A864-D84D9F273FCA}" type="datetimeFigureOut">
               <a:rPr lang="en-US" smtClean="0"/>
-              <a:t>7/9/2021</a:t>
+              <a:t>7/17/2021</a:t>
             </a:fld>
             <a:endParaRPr lang="en-US"/>
           </a:p>
@@ -2855,7 +3025,7 @@
           <a:p>
             <a:fld id="{8C792E63-5F21-4F54-A864-D84D9F273FCA}" type="datetimeFigureOut">
               <a:rPr lang="en-US" smtClean="0"/>
-              <a:t>7/9/2021</a:t>
+              <a:t>7/17/2021</a:t>
             </a:fld>
             <a:endParaRPr lang="en-US"/>
           </a:p>
@@ -3069,7 +3239,7 @@
           <a:p>
             <a:fld id="{8C792E63-5F21-4F54-A864-D84D9F273FCA}" type="datetimeFigureOut">
               <a:rPr lang="en-US" smtClean="0"/>
-              <a:t>7/9/2021</a:t>
+              <a:t>7/17/2021</a:t>
             </a:fld>
             <a:endParaRPr lang="en-US"/>
           </a:p>
@@ -3360,7 +3530,7 @@
           <a:p>
             <a:fld id="{8C792E63-5F21-4F54-A864-D84D9F273FCA}" type="datetimeFigureOut">
               <a:rPr lang="en-US" smtClean="0"/>
-              <a:t>7/9/2021</a:t>
+              <a:t>7/17/2021</a:t>
             </a:fld>
             <a:endParaRPr lang="en-US"/>
           </a:p>
@@ -3641,7 +3811,7 @@
           <a:p>
             <a:fld id="{8C792E63-5F21-4F54-A864-D84D9F273FCA}" type="datetimeFigureOut">
               <a:rPr lang="en-US" smtClean="0"/>
-              <a:t>7/9/2021</a:t>
+              <a:t>7/17/2021</a:t>
             </a:fld>
             <a:endParaRPr lang="en-US"/>
           </a:p>
@@ -4069,7 +4239,7 @@
           <a:p>
             <a:fld id="{8C792E63-5F21-4F54-A864-D84D9F273FCA}" type="datetimeFigureOut">
               <a:rPr lang="en-US" smtClean="0"/>
-              <a:t>7/9/2021</a:t>
+              <a:t>7/17/2021</a:t>
             </a:fld>
             <a:endParaRPr lang="en-US"/>
           </a:p>
@@ -4226,7 +4396,7 @@
           <a:p>
             <a:fld id="{8C792E63-5F21-4F54-A864-D84D9F273FCA}" type="datetimeFigureOut">
               <a:rPr lang="en-US" smtClean="0"/>
-              <a:t>7/9/2021</a:t>
+              <a:t>7/17/2021</a:t>
             </a:fld>
             <a:endParaRPr lang="en-US"/>
           </a:p>
@@ -4355,7 +4525,7 @@
           <a:p>
             <a:fld id="{8C792E63-5F21-4F54-A864-D84D9F273FCA}" type="datetimeFigureOut">
               <a:rPr lang="en-US" smtClean="0"/>
-              <a:t>7/9/2021</a:t>
+              <a:t>7/17/2021</a:t>
             </a:fld>
             <a:endParaRPr lang="en-US"/>
           </a:p>
@@ -4682,7 +4852,7 @@
           <a:p>
             <a:fld id="{8C792E63-5F21-4F54-A864-D84D9F273FCA}" type="datetimeFigureOut">
               <a:rPr lang="en-US" smtClean="0"/>
-              <a:t>7/9/2021</a:t>
+              <a:t>7/17/2021</a:t>
             </a:fld>
             <a:endParaRPr lang="en-US"/>
           </a:p>
@@ -4986,7 +5156,7 @@
           <a:p>
             <a:fld id="{8C792E63-5F21-4F54-A864-D84D9F273FCA}" type="datetimeFigureOut">
               <a:rPr lang="en-US" smtClean="0"/>
-              <a:t>7/9/2021</a:t>
+              <a:t>7/17/2021</a:t>
             </a:fld>
             <a:endParaRPr lang="en-US"/>
           </a:p>
@@ -5278,7 +5448,7 @@
           <a:p>
             <a:fld id="{8C792E63-5F21-4F54-A864-D84D9F273FCA}" type="datetimeFigureOut">
               <a:rPr lang="en-US" smtClean="0"/>
-              <a:t>7/9/2021</a:t>
+              <a:t>7/17/2021</a:t>
             </a:fld>
             <a:endParaRPr lang="en-US"/>
           </a:p>
@@ -5788,6 +5958,1512 @@
           <p:cNvPr id="3" name="Graphic 2">
             <a:extLst>
               <a:ext uri="{FF2B5EF4-FFF2-40B4-BE49-F238E27FC236}">
+                <a16:creationId xmlns:a16="http://schemas.microsoft.com/office/drawing/2014/main" id="{4DE01AAE-045D-4A0A-8F8C-4CD904308940}"/>
+              </a:ext>
+            </a:extLst>
+          </p:cNvPr>
+          <p:cNvPicPr>
+            <a:picLocks noChangeAspect="1"/>
+          </p:cNvPicPr>
+          <p:nvPr/>
+        </p:nvPicPr>
+        <p:blipFill>
+          <a:blip r:embed="rId3">
+            <a:lum/>
+            <a:alphaModFix/>
+            <a:extLst>
+              <a:ext uri="{96DAC541-7B7A-43D3-8B79-37D633B846F1}">
+                <asvg:svgBlip xmlns:asvg="http://schemas.microsoft.com/office/drawing/2016/SVG/main" r:embed="rId4"/>
+              </a:ext>
+            </a:extLst>
+          </a:blip>
+          <a:srcRect/>
+          <a:stretch>
+            <a:fillRect/>
+          </a:stretch>
+        </p:blipFill>
+        <p:spPr>
+          <a:xfrm>
+            <a:off x="2580314" y="3772188"/>
+            <a:ext cx="1113717" cy="1113717"/>
+          </a:xfrm>
+          <a:prstGeom prst="rect">
+            <a:avLst/>
+          </a:prstGeom>
+          <a:noFill/>
+          <a:ln>
+            <a:noFill/>
+          </a:ln>
+        </p:spPr>
+      </p:pic>
+      <p:cxnSp>
+        <p:nvCxnSpPr>
+          <p:cNvPr id="4" name="Connector: Curved 3">
+            <a:extLst>
+              <a:ext uri="{FF2B5EF4-FFF2-40B4-BE49-F238E27FC236}">
+                <a16:creationId xmlns:a16="http://schemas.microsoft.com/office/drawing/2014/main" id="{DA910CD9-0FC4-4D18-B3A9-B4289472B343}"/>
+              </a:ext>
+            </a:extLst>
+          </p:cNvPr>
+          <p:cNvCxnSpPr>
+            <a:cxnSpLocks/>
+          </p:cNvCxnSpPr>
+          <p:nvPr/>
+        </p:nvCxnSpPr>
+        <p:spPr>
+          <a:xfrm rot="5400000" flipH="1" flipV="1">
+            <a:off x="5311493" y="2424122"/>
+            <a:ext cx="155867" cy="4767698"/>
+          </a:xfrm>
+          <a:prstGeom prst="curvedConnector3">
+            <a:avLst>
+              <a:gd name="adj1" fmla="val -177376"/>
+            </a:avLst>
+          </a:prstGeom>
+          <a:noFill/>
+          <a:ln w="0">
+            <a:solidFill>
+              <a:srgbClr val="000000"/>
+            </a:solidFill>
+            <a:prstDash val="solid"/>
+            <a:tailEnd type="arrow"/>
+          </a:ln>
+        </p:spPr>
+      </p:cxnSp>
+      <p:grpSp>
+        <p:nvGrpSpPr>
+          <p:cNvPr id="5" name="Group 4">
+            <a:extLst>
+              <a:ext uri="{FF2B5EF4-FFF2-40B4-BE49-F238E27FC236}">
+                <a16:creationId xmlns:a16="http://schemas.microsoft.com/office/drawing/2014/main" id="{6AB21509-83E4-4A4F-A280-22FB9E79A6EE}"/>
+              </a:ext>
+            </a:extLst>
+          </p:cNvPr>
+          <p:cNvGrpSpPr/>
+          <p:nvPr/>
+        </p:nvGrpSpPr>
+        <p:grpSpPr>
+          <a:xfrm>
+            <a:off x="2211538" y="5406627"/>
+            <a:ext cx="1145936" cy="1200796"/>
+            <a:chOff x="1828440" y="4470480"/>
+            <a:chExt cx="947520" cy="992880"/>
+          </a:xfrm>
+        </p:grpSpPr>
+        <p:grpSp>
+          <p:nvGrpSpPr>
+            <p:cNvPr id="6" name="Group 5">
+              <a:extLst>
+                <a:ext uri="{FF2B5EF4-FFF2-40B4-BE49-F238E27FC236}">
+                  <a16:creationId xmlns:a16="http://schemas.microsoft.com/office/drawing/2014/main" id="{9E0DB7B4-F756-4B3C-B9AB-7EBE64497169}"/>
+                </a:ext>
+              </a:extLst>
+            </p:cNvPr>
+            <p:cNvGrpSpPr/>
+            <p:nvPr/>
+          </p:nvGrpSpPr>
+          <p:grpSpPr>
+            <a:xfrm>
+              <a:off x="1828440" y="4470480"/>
+              <a:ext cx="904318" cy="981720"/>
+              <a:chOff x="1828440" y="4470480"/>
+              <a:chExt cx="904318" cy="981720"/>
+            </a:xfrm>
+          </p:grpSpPr>
+          <p:sp>
+            <p:nvSpPr>
+              <p:cNvPr id="7" name="Freeform: Shape 6">
+                <a:extLst>
+                  <a:ext uri="{FF2B5EF4-FFF2-40B4-BE49-F238E27FC236}">
+                    <a16:creationId xmlns:a16="http://schemas.microsoft.com/office/drawing/2014/main" id="{26007698-B1A9-4075-91F6-3287A599FAA2}"/>
+                  </a:ext>
+                </a:extLst>
+              </p:cNvPr>
+              <p:cNvSpPr/>
+              <p:nvPr/>
+            </p:nvSpPr>
+            <p:spPr>
+              <a:xfrm>
+                <a:off x="1869479" y="4521600"/>
+                <a:ext cx="863279" cy="930600"/>
+              </a:xfrm>
+              <a:custGeom>
+                <a:avLst/>
+                <a:gdLst>
+                  <a:gd name="f0" fmla="val 0"/>
+                  <a:gd name="f1" fmla="val 21600"/>
+                </a:gdLst>
+                <a:ahLst/>
+                <a:cxnLst>
+                  <a:cxn ang="3cd4">
+                    <a:pos x="hc" y="t"/>
+                  </a:cxn>
+                  <a:cxn ang="0">
+                    <a:pos x="r" y="vc"/>
+                  </a:cxn>
+                  <a:cxn ang="cd4">
+                    <a:pos x="hc" y="b"/>
+                  </a:cxn>
+                  <a:cxn ang="cd2">
+                    <a:pos x="l" y="vc"/>
+                  </a:cxn>
+                </a:cxnLst>
+                <a:rect l="l" t="t" r="r" b="b"/>
+                <a:pathLst>
+                  <a:path w="21600" h="21600">
+                    <a:moveTo>
+                      <a:pt x="f0" y="f0"/>
+                    </a:moveTo>
+                    <a:lnTo>
+                      <a:pt x="f1" y="f0"/>
+                    </a:lnTo>
+                    <a:lnTo>
+                      <a:pt x="f1" y="f1"/>
+                    </a:lnTo>
+                    <a:lnTo>
+                      <a:pt x="f0" y="f1"/>
+                    </a:lnTo>
+                    <a:lnTo>
+                      <a:pt x="f0" y="f0"/>
+                    </a:lnTo>
+                    <a:close/>
+                  </a:path>
+                </a:pathLst>
+              </a:custGeom>
+              <a:solidFill>
+                <a:srgbClr val="FFD320"/>
+              </a:solidFill>
+              <a:ln w="0">
+                <a:solidFill>
+                  <a:srgbClr val="3465A4"/>
+                </a:solidFill>
+                <a:prstDash val="solid"/>
+              </a:ln>
+            </p:spPr>
+            <p:txBody>
+              <a:bodyPr wrap="none" lIns="108847" tIns="54423" rIns="108847" bIns="54423" anchor="ctr" anchorCtr="0" compatLnSpc="0">
+                <a:noAutofit/>
+              </a:bodyPr>
+              <a:lstStyle/>
+              <a:p>
+                <a:pPr hangingPunct="0"/>
+                <a:endParaRPr lang="en-CA" sz="2177">
+                  <a:latin typeface="Liberation Sans" pitchFamily="18"/>
+                  <a:ea typeface="DejaVu Sans" pitchFamily="2"/>
+                  <a:cs typeface="FreeSans" pitchFamily="2"/>
+                </a:endParaRPr>
+              </a:p>
+            </p:txBody>
+          </p:sp>
+          <p:sp>
+            <p:nvSpPr>
+              <p:cNvPr id="8" name="TextBox 7">
+                <a:extLst>
+                  <a:ext uri="{FF2B5EF4-FFF2-40B4-BE49-F238E27FC236}">
+                    <a16:creationId xmlns:a16="http://schemas.microsoft.com/office/drawing/2014/main" id="{F34509B3-C9F2-4DBD-A904-0DDA8F8E52C5}"/>
+                  </a:ext>
+                </a:extLst>
+              </p:cNvPr>
+              <p:cNvSpPr txBox="1"/>
+              <p:nvPr/>
+            </p:nvSpPr>
+            <p:spPr>
+              <a:xfrm>
+                <a:off x="1828440" y="4470480"/>
+                <a:ext cx="764955" cy="858365"/>
+              </a:xfrm>
+              <a:prstGeom prst="rect">
+                <a:avLst/>
+              </a:prstGeom>
+              <a:noFill/>
+              <a:ln>
+                <a:noFill/>
+              </a:ln>
+            </p:spPr>
+            <p:txBody>
+              <a:bodyPr wrap="none" lIns="108847" tIns="54423" rIns="108847" bIns="54423" anchorCtr="0" compatLnSpc="0">
+                <a:spAutoFit/>
+              </a:bodyPr>
+              <a:lstStyle/>
+              <a:p>
+                <a:pPr hangingPunct="0"/>
+                <a:r>
+                  <a:rPr lang="en-CA" sz="847" dirty="0">
+                    <a:latin typeface="Hack" pitchFamily="17"/>
+                    <a:ea typeface="DejaVu Sans" pitchFamily="2"/>
+                    <a:cs typeface="FreeSans" pitchFamily="2"/>
+                  </a:rPr>
+                  <a:t>Voucher</a:t>
+                </a:r>
+              </a:p>
+              <a:p>
+                <a:pPr hangingPunct="0"/>
+                <a:r>
+                  <a:rPr lang="en-CA" sz="847" dirty="0">
+                    <a:latin typeface="Hack" pitchFamily="17"/>
+                    <a:ea typeface="DejaVu Sans" pitchFamily="2"/>
+                    <a:cs typeface="FreeSans" pitchFamily="2"/>
+                  </a:rPr>
+                  <a:t>Request</a:t>
+                </a:r>
+              </a:p>
+              <a:p>
+                <a:pPr hangingPunct="0"/>
+                <a:endParaRPr lang="en-CA" sz="847" dirty="0">
+                  <a:latin typeface="Hack" pitchFamily="17"/>
+                  <a:ea typeface="DejaVu Sans" pitchFamily="2"/>
+                  <a:cs typeface="FreeSans" pitchFamily="2"/>
+                </a:endParaRPr>
+              </a:p>
+              <a:p>
+                <a:pPr hangingPunct="0"/>
+                <a:r>
+                  <a:rPr lang="en-CA" sz="847" dirty="0">
+                    <a:latin typeface="Hack" pitchFamily="17"/>
+                    <a:ea typeface="DejaVu Sans" pitchFamily="2"/>
+                    <a:cs typeface="FreeSans" pitchFamily="2"/>
+                  </a:rPr>
+                  <a:t>SN: 1234</a:t>
+                </a:r>
+              </a:p>
+              <a:p>
+                <a:pPr hangingPunct="0"/>
+                <a:r>
+                  <a:rPr lang="en-CA" sz="847" dirty="0" err="1">
+                    <a:latin typeface="Hack" pitchFamily="17"/>
+                    <a:ea typeface="DejaVu Sans" pitchFamily="2"/>
+                    <a:cs typeface="FreeSans" pitchFamily="2"/>
+                  </a:rPr>
+                  <a:t>LDevID</a:t>
+                </a:r>
+                <a:r>
+                  <a:rPr lang="en-CA" sz="847" dirty="0">
+                    <a:latin typeface="Hack" pitchFamily="17"/>
+                    <a:ea typeface="DejaVu Sans" pitchFamily="2"/>
+                    <a:cs typeface="FreeSans" pitchFamily="2"/>
+                  </a:rPr>
+                  <a:t> EE (Reg)</a:t>
+                </a:r>
+              </a:p>
+              <a:p>
+                <a:pPr hangingPunct="0"/>
+                <a:r>
+                  <a:rPr lang="en-CA" sz="847" dirty="0">
+                    <a:latin typeface="Hack" pitchFamily="17"/>
+                    <a:ea typeface="DejaVu Sans" pitchFamily="2"/>
+                    <a:cs typeface="FreeSans" pitchFamily="2"/>
+                  </a:rPr>
+                  <a:t>Assertion:</a:t>
+                </a:r>
+              </a:p>
+              <a:p>
+                <a:pPr hangingPunct="0"/>
+                <a:r>
+                  <a:rPr lang="en-CA" sz="847" dirty="0">
+                    <a:latin typeface="Hack" pitchFamily="17"/>
+                    <a:ea typeface="DejaVu Sans" pitchFamily="2"/>
+                    <a:cs typeface="FreeSans" pitchFamily="2"/>
+                  </a:rPr>
+                  <a:t>agent-proximity</a:t>
+                </a:r>
+              </a:p>
+            </p:txBody>
+          </p:sp>
+        </p:grpSp>
+        <p:grpSp>
+          <p:nvGrpSpPr>
+            <p:cNvPr id="9" name="Group 8">
+              <a:extLst>
+                <a:ext uri="{FF2B5EF4-FFF2-40B4-BE49-F238E27FC236}">
+                  <a16:creationId xmlns:a16="http://schemas.microsoft.com/office/drawing/2014/main" id="{13A48AB2-8015-4C90-83B0-0127E018964D}"/>
+                </a:ext>
+              </a:extLst>
+            </p:cNvPr>
+            <p:cNvGrpSpPr/>
+            <p:nvPr/>
+          </p:nvGrpSpPr>
+          <p:grpSpPr>
+            <a:xfrm>
+              <a:off x="2272320" y="5179320"/>
+              <a:ext cx="503640" cy="284040"/>
+              <a:chOff x="2272320" y="5179320"/>
+              <a:chExt cx="503640" cy="284040"/>
+            </a:xfrm>
+          </p:grpSpPr>
+          <p:sp>
+            <p:nvSpPr>
+              <p:cNvPr id="10" name="Freeform: Shape 9">
+                <a:extLst>
+                  <a:ext uri="{FF2B5EF4-FFF2-40B4-BE49-F238E27FC236}">
+                    <a16:creationId xmlns:a16="http://schemas.microsoft.com/office/drawing/2014/main" id="{CBE25946-7CC0-43F9-A111-CB6FA0EE0232}"/>
+                  </a:ext>
+                </a:extLst>
+              </p:cNvPr>
+              <p:cNvSpPr/>
+              <p:nvPr/>
+            </p:nvSpPr>
+            <p:spPr>
+              <a:xfrm>
+                <a:off x="2272320" y="5179320"/>
+                <a:ext cx="503640" cy="284040"/>
+              </a:xfrm>
+              <a:custGeom>
+                <a:avLst/>
+                <a:gdLst>
+                  <a:gd name="f0" fmla="val 10800000"/>
+                  <a:gd name="f1" fmla="val 5400000"/>
+                  <a:gd name="f2" fmla="val 180"/>
+                  <a:gd name="f3" fmla="val w"/>
+                  <a:gd name="f4" fmla="val h"/>
+                  <a:gd name="f5" fmla="*/ 5419351 1 1725033"/>
+                  <a:gd name="f6" fmla="*/ 10800 10800 1"/>
+                  <a:gd name="f7" fmla="+- 0 0 0"/>
+                  <a:gd name="f8" fmla="+- 0 0 360"/>
+                  <a:gd name="f9" fmla="val 10800"/>
+                  <a:gd name="f10" fmla="*/ f3 1 21600"/>
+                  <a:gd name="f11" fmla="*/ f4 1 21600"/>
+                  <a:gd name="f12" fmla="*/ 0 f5 1"/>
+                  <a:gd name="f13" fmla="*/ f7 f0 1"/>
+                  <a:gd name="f14" fmla="*/ f8 f0 1"/>
+                  <a:gd name="f15" fmla="*/ 3163 f10 1"/>
+                  <a:gd name="f16" fmla="*/ 18437 f10 1"/>
+                  <a:gd name="f17" fmla="*/ 18437 f11 1"/>
+                  <a:gd name="f18" fmla="*/ 3163 f11 1"/>
+                  <a:gd name="f19" fmla="*/ f12 1 f2"/>
+                  <a:gd name="f20" fmla="*/ f13 1 f2"/>
+                  <a:gd name="f21" fmla="*/ f14 1 f2"/>
+                  <a:gd name="f22" fmla="*/ 10800 f10 1"/>
+                  <a:gd name="f23" fmla="*/ 0 f11 1"/>
+                  <a:gd name="f24" fmla="*/ 0 f10 1"/>
+                  <a:gd name="f25" fmla="*/ 10800 f11 1"/>
+                  <a:gd name="f26" fmla="*/ 21600 f11 1"/>
+                  <a:gd name="f27" fmla="*/ 21600 f10 1"/>
+                  <a:gd name="f28" fmla="+- 0 0 f19"/>
+                  <a:gd name="f29" fmla="+- f20 0 f1"/>
+                  <a:gd name="f30" fmla="+- f21 0 f1"/>
+                  <a:gd name="f31" fmla="*/ f28 f0 1"/>
+                  <a:gd name="f32" fmla="+- f30 0 f29"/>
+                  <a:gd name="f33" fmla="*/ f31 1 f5"/>
+                  <a:gd name="f34" fmla="+- f33 0 f1"/>
+                  <a:gd name="f35" fmla="cos 1 f34"/>
+                  <a:gd name="f36" fmla="sin 1 f34"/>
+                  <a:gd name="f37" fmla="+- 0 0 f35"/>
+                  <a:gd name="f38" fmla="+- 0 0 f36"/>
+                  <a:gd name="f39" fmla="*/ 10800 f37 1"/>
+                  <a:gd name="f40" fmla="*/ 10800 f38 1"/>
+                  <a:gd name="f41" fmla="*/ f39 f39 1"/>
+                  <a:gd name="f42" fmla="*/ f40 f40 1"/>
+                  <a:gd name="f43" fmla="+- f41 f42 0"/>
+                  <a:gd name="f44" fmla="sqrt f43"/>
+                  <a:gd name="f45" fmla="*/ f6 1 f44"/>
+                  <a:gd name="f46" fmla="*/ f37 f45 1"/>
+                  <a:gd name="f47" fmla="*/ f38 f45 1"/>
+                  <a:gd name="f48" fmla="+- 10800 0 f46"/>
+                  <a:gd name="f49" fmla="+- 10800 0 f47"/>
+                </a:gdLst>
+                <a:ahLst/>
+                <a:cxnLst>
+                  <a:cxn ang="3cd4">
+                    <a:pos x="hc" y="t"/>
+                  </a:cxn>
+                  <a:cxn ang="0">
+                    <a:pos x="r" y="vc"/>
+                  </a:cxn>
+                  <a:cxn ang="cd4">
+                    <a:pos x="hc" y="b"/>
+                  </a:cxn>
+                  <a:cxn ang="cd2">
+                    <a:pos x="l" y="vc"/>
+                  </a:cxn>
+                  <a:cxn ang="f29">
+                    <a:pos x="f22" y="f23"/>
+                  </a:cxn>
+                  <a:cxn ang="f29">
+                    <a:pos x="f15" y="f18"/>
+                  </a:cxn>
+                  <a:cxn ang="f29">
+                    <a:pos x="f24" y="f25"/>
+                  </a:cxn>
+                  <a:cxn ang="f29">
+                    <a:pos x="f15" y="f17"/>
+                  </a:cxn>
+                  <a:cxn ang="f29">
+                    <a:pos x="f22" y="f26"/>
+                  </a:cxn>
+                  <a:cxn ang="f29">
+                    <a:pos x="f16" y="f17"/>
+                  </a:cxn>
+                  <a:cxn ang="f29">
+                    <a:pos x="f27" y="f25"/>
+                  </a:cxn>
+                  <a:cxn ang="f29">
+                    <a:pos x="f16" y="f18"/>
+                  </a:cxn>
+                </a:cxnLst>
+                <a:rect l="f15" t="f18" r="f16" b="f17"/>
+                <a:pathLst>
+                  <a:path w="21600" h="21600">
+                    <a:moveTo>
+                      <a:pt x="f48" y="f49"/>
+                    </a:moveTo>
+                    <a:arcTo wR="f9" hR="f9" stAng="f29" swAng="f32"/>
+                    <a:close/>
+                  </a:path>
+                </a:pathLst>
+              </a:custGeom>
+              <a:solidFill>
+                <a:srgbClr val="FF420E"/>
+              </a:solidFill>
+              <a:ln w="0">
+                <a:solidFill>
+                  <a:srgbClr val="3465A4"/>
+                </a:solidFill>
+                <a:prstDash val="solid"/>
+              </a:ln>
+            </p:spPr>
+            <p:txBody>
+              <a:bodyPr wrap="none" lIns="108847" tIns="54423" rIns="108847" bIns="54423" anchor="ctr" anchorCtr="0" compatLnSpc="0">
+                <a:noAutofit/>
+              </a:bodyPr>
+              <a:lstStyle/>
+              <a:p>
+                <a:pPr hangingPunct="0"/>
+                <a:endParaRPr lang="en-CA" sz="2177">
+                  <a:latin typeface="Liberation Sans" pitchFamily="18"/>
+                  <a:ea typeface="DejaVu Sans" pitchFamily="2"/>
+                  <a:cs typeface="FreeSans" pitchFamily="2"/>
+                </a:endParaRPr>
+              </a:p>
+            </p:txBody>
+          </p:sp>
+          <p:sp>
+            <p:nvSpPr>
+              <p:cNvPr id="11" name="Freeform: Shape 10">
+                <a:extLst>
+                  <a:ext uri="{FF2B5EF4-FFF2-40B4-BE49-F238E27FC236}">
+                    <a16:creationId xmlns:a16="http://schemas.microsoft.com/office/drawing/2014/main" id="{DF228FF6-D4D6-4950-AB3C-BFBE00ED6E71}"/>
+                  </a:ext>
+                </a:extLst>
+              </p:cNvPr>
+              <p:cNvSpPr/>
+              <p:nvPr/>
+            </p:nvSpPr>
+            <p:spPr>
+              <a:xfrm>
+                <a:off x="2320560" y="5200920"/>
+                <a:ext cx="426240" cy="219600"/>
+              </a:xfrm>
+              <a:custGeom>
+                <a:avLst/>
+                <a:gdLst>
+                  <a:gd name="f0" fmla="val 0"/>
+                  <a:gd name="f1" fmla="val 21600"/>
+                </a:gdLst>
+                <a:ahLst/>
+                <a:cxnLst>
+                  <a:cxn ang="3cd4">
+                    <a:pos x="hc" y="t"/>
+                  </a:cxn>
+                  <a:cxn ang="0">
+                    <a:pos x="r" y="vc"/>
+                  </a:cxn>
+                  <a:cxn ang="cd4">
+                    <a:pos x="hc" y="b"/>
+                  </a:cxn>
+                  <a:cxn ang="cd2">
+                    <a:pos x="l" y="vc"/>
+                  </a:cxn>
+                </a:cxnLst>
+                <a:rect l="l" t="t" r="r" b="b"/>
+                <a:pathLst>
+                  <a:path w="21600" h="21600">
+                    <a:moveTo>
+                      <a:pt x="f0" y="f0"/>
+                    </a:moveTo>
+                    <a:lnTo>
+                      <a:pt x="f1" y="f0"/>
+                    </a:lnTo>
+                    <a:lnTo>
+                      <a:pt x="f1" y="f1"/>
+                    </a:lnTo>
+                    <a:lnTo>
+                      <a:pt x="f0" y="f1"/>
+                    </a:lnTo>
+                    <a:lnTo>
+                      <a:pt x="f0" y="f0"/>
+                    </a:lnTo>
+                    <a:close/>
+                  </a:path>
+                </a:pathLst>
+              </a:custGeom>
+              <a:solidFill>
+                <a:srgbClr val="AECF00"/>
+              </a:solidFill>
+              <a:ln w="0">
+                <a:solidFill>
+                  <a:srgbClr val="3465A4"/>
+                </a:solidFill>
+                <a:prstDash val="solid"/>
+              </a:ln>
+            </p:spPr>
+            <p:txBody>
+              <a:bodyPr wrap="none" lIns="108847" tIns="54423" rIns="108847" bIns="54423" anchor="ctr" anchorCtr="0" compatLnSpc="0">
+                <a:noAutofit/>
+              </a:bodyPr>
+              <a:lstStyle/>
+              <a:p>
+                <a:pPr hangingPunct="0"/>
+                <a:r>
+                  <a:rPr lang="en-CA" sz="726">
+                    <a:latin typeface="Hack" pitchFamily="17"/>
+                    <a:ea typeface="DejaVu Sans" pitchFamily="2"/>
+                    <a:cs typeface="FreeSans" pitchFamily="2"/>
+                  </a:rPr>
+                  <a:t>SN: 1234</a:t>
+                </a:r>
+              </a:p>
+              <a:p>
+                <a:pPr hangingPunct="0"/>
+                <a:r>
+                  <a:rPr lang="en-CA" sz="726">
+                    <a:latin typeface="Hack" pitchFamily="17"/>
+                    <a:ea typeface="DejaVu Sans" pitchFamily="2"/>
+                    <a:cs typeface="FreeSans" pitchFamily="2"/>
+                  </a:rPr>
+                  <a:t>2021-04-16</a:t>
+                </a:r>
+              </a:p>
+            </p:txBody>
+          </p:sp>
+        </p:grpSp>
+      </p:grpSp>
+      <p:sp>
+        <p:nvSpPr>
+          <p:cNvPr id="12" name="Straight Connector 11">
+            <a:extLst>
+              <a:ext uri="{FF2B5EF4-FFF2-40B4-BE49-F238E27FC236}">
+                <a16:creationId xmlns:a16="http://schemas.microsoft.com/office/drawing/2014/main" id="{3D10C008-6307-428A-9AFD-A2C8E60A7BB7}"/>
+              </a:ext>
+            </a:extLst>
+          </p:cNvPr>
+          <p:cNvSpPr/>
+          <p:nvPr/>
+        </p:nvSpPr>
+        <p:spPr>
+          <a:xfrm flipV="1">
+            <a:off x="635878" y="2608400"/>
+            <a:ext cx="7759020" cy="13497"/>
+          </a:xfrm>
+          <a:prstGeom prst="line">
+            <a:avLst/>
+          </a:prstGeom>
+          <a:noFill/>
+          <a:ln w="36000">
+            <a:solidFill>
+              <a:srgbClr val="000000"/>
+            </a:solidFill>
+            <a:prstDash val="solid"/>
+          </a:ln>
+        </p:spPr>
+        <p:txBody>
+          <a:bodyPr wrap="none" lIns="130616" tIns="76193" rIns="130616" bIns="76193" anchor="ctr" anchorCtr="0" compatLnSpc="0"/>
+          <a:lstStyle/>
+          <a:p>
+            <a:pPr hangingPunct="0"/>
+            <a:endParaRPr lang="en-CA" sz="2177">
+              <a:latin typeface="Liberation Sans" pitchFamily="18"/>
+              <a:ea typeface="DejaVu Sans" pitchFamily="2"/>
+              <a:cs typeface="FreeSans" pitchFamily="2"/>
+            </a:endParaRPr>
+          </a:p>
+        </p:txBody>
+      </p:sp>
+      <p:sp>
+        <p:nvSpPr>
+          <p:cNvPr id="13" name="Straight Connector 12">
+            <a:extLst>
+              <a:ext uri="{FF2B5EF4-FFF2-40B4-BE49-F238E27FC236}">
+                <a16:creationId xmlns:a16="http://schemas.microsoft.com/office/drawing/2014/main" id="{D1EAF57E-7004-494E-B570-643DF7A71AC8}"/>
+              </a:ext>
+            </a:extLst>
+          </p:cNvPr>
+          <p:cNvSpPr/>
+          <p:nvPr/>
+        </p:nvSpPr>
+        <p:spPr>
+          <a:xfrm>
+            <a:off x="8421457" y="3292391"/>
+            <a:ext cx="675284" cy="0"/>
+          </a:xfrm>
+          <a:prstGeom prst="line">
+            <a:avLst/>
+          </a:prstGeom>
+          <a:noFill/>
+          <a:ln w="36000">
+            <a:solidFill>
+              <a:srgbClr val="000000"/>
+            </a:solidFill>
+            <a:prstDash val="solid"/>
+          </a:ln>
+        </p:spPr>
+        <p:txBody>
+          <a:bodyPr wrap="none" lIns="130616" tIns="76193" rIns="130616" bIns="76193" anchor="ctr" anchorCtr="0" compatLnSpc="0"/>
+          <a:lstStyle/>
+          <a:p>
+            <a:pPr hangingPunct="0"/>
+            <a:endParaRPr lang="en-CA" sz="2177">
+              <a:latin typeface="Liberation Sans" pitchFamily="18"/>
+              <a:ea typeface="DejaVu Sans" pitchFamily="2"/>
+              <a:cs typeface="FreeSans" pitchFamily="2"/>
+            </a:endParaRPr>
+          </a:p>
+        </p:txBody>
+      </p:sp>
+      <p:sp>
+        <p:nvSpPr>
+          <p:cNvPr id="14" name="Straight Connector 13">
+            <a:extLst>
+              <a:ext uri="{FF2B5EF4-FFF2-40B4-BE49-F238E27FC236}">
+                <a16:creationId xmlns:a16="http://schemas.microsoft.com/office/drawing/2014/main" id="{93563F8D-7A64-40CD-AFB9-6A0CDF6923DB}"/>
+              </a:ext>
+            </a:extLst>
+          </p:cNvPr>
+          <p:cNvSpPr/>
+          <p:nvPr/>
+        </p:nvSpPr>
+        <p:spPr>
+          <a:xfrm>
+            <a:off x="9096741" y="3963322"/>
+            <a:ext cx="675284" cy="0"/>
+          </a:xfrm>
+          <a:prstGeom prst="line">
+            <a:avLst/>
+          </a:prstGeom>
+          <a:noFill/>
+          <a:ln w="36000">
+            <a:solidFill>
+              <a:srgbClr val="000000"/>
+            </a:solidFill>
+            <a:prstDash val="solid"/>
+          </a:ln>
+        </p:spPr>
+        <p:txBody>
+          <a:bodyPr wrap="none" lIns="130616" tIns="76193" rIns="130616" bIns="76193" anchor="ctr" anchorCtr="0" compatLnSpc="0"/>
+          <a:lstStyle/>
+          <a:p>
+            <a:pPr hangingPunct="0"/>
+            <a:endParaRPr lang="en-CA" sz="2177">
+              <a:latin typeface="Liberation Sans" pitchFamily="18"/>
+              <a:ea typeface="DejaVu Sans" pitchFamily="2"/>
+              <a:cs typeface="FreeSans" pitchFamily="2"/>
+            </a:endParaRPr>
+          </a:p>
+        </p:txBody>
+      </p:sp>
+      <p:sp>
+        <p:nvSpPr>
+          <p:cNvPr id="15" name="Straight Connector 14">
+            <a:extLst>
+              <a:ext uri="{FF2B5EF4-FFF2-40B4-BE49-F238E27FC236}">
+                <a16:creationId xmlns:a16="http://schemas.microsoft.com/office/drawing/2014/main" id="{F5A60CF6-E855-44F9-8D74-7AD9BC1433A5}"/>
+              </a:ext>
+            </a:extLst>
+          </p:cNvPr>
+          <p:cNvSpPr/>
+          <p:nvPr/>
+        </p:nvSpPr>
+        <p:spPr>
+          <a:xfrm>
+            <a:off x="9772025" y="4634251"/>
+            <a:ext cx="675284" cy="0"/>
+          </a:xfrm>
+          <a:prstGeom prst="line">
+            <a:avLst/>
+          </a:prstGeom>
+          <a:noFill/>
+          <a:ln w="36000">
+            <a:solidFill>
+              <a:srgbClr val="000000"/>
+            </a:solidFill>
+            <a:prstDash val="solid"/>
+          </a:ln>
+        </p:spPr>
+        <p:txBody>
+          <a:bodyPr wrap="none" lIns="130616" tIns="76193" rIns="130616" bIns="76193" anchor="ctr" anchorCtr="0" compatLnSpc="0"/>
+          <a:lstStyle/>
+          <a:p>
+            <a:pPr hangingPunct="0"/>
+            <a:endParaRPr lang="en-CA" sz="2177">
+              <a:latin typeface="Liberation Sans" pitchFamily="18"/>
+              <a:ea typeface="DejaVu Sans" pitchFamily="2"/>
+              <a:cs typeface="FreeSans" pitchFamily="2"/>
+            </a:endParaRPr>
+          </a:p>
+        </p:txBody>
+      </p:sp>
+      <p:sp>
+        <p:nvSpPr>
+          <p:cNvPr id="16" name="Straight Connector 15">
+            <a:extLst>
+              <a:ext uri="{FF2B5EF4-FFF2-40B4-BE49-F238E27FC236}">
+                <a16:creationId xmlns:a16="http://schemas.microsoft.com/office/drawing/2014/main" id="{8CF3687C-52FF-4B79-82D7-CBF2E60B4BD8}"/>
+              </a:ext>
+            </a:extLst>
+          </p:cNvPr>
+          <p:cNvSpPr/>
+          <p:nvPr/>
+        </p:nvSpPr>
+        <p:spPr>
+          <a:xfrm>
+            <a:off x="10447309" y="5305183"/>
+            <a:ext cx="675284" cy="0"/>
+          </a:xfrm>
+          <a:prstGeom prst="line">
+            <a:avLst/>
+          </a:prstGeom>
+          <a:noFill/>
+          <a:ln w="36000">
+            <a:solidFill>
+              <a:srgbClr val="000000"/>
+            </a:solidFill>
+            <a:prstDash val="solid"/>
+          </a:ln>
+        </p:spPr>
+        <p:txBody>
+          <a:bodyPr wrap="none" lIns="130616" tIns="76193" rIns="130616" bIns="76193" anchor="ctr" anchorCtr="0" compatLnSpc="0"/>
+          <a:lstStyle/>
+          <a:p>
+            <a:pPr hangingPunct="0"/>
+            <a:endParaRPr lang="en-CA" sz="2177">
+              <a:latin typeface="Liberation Sans" pitchFamily="18"/>
+              <a:ea typeface="DejaVu Sans" pitchFamily="2"/>
+              <a:cs typeface="FreeSans" pitchFamily="2"/>
+            </a:endParaRPr>
+          </a:p>
+        </p:txBody>
+      </p:sp>
+      <p:sp>
+        <p:nvSpPr>
+          <p:cNvPr id="17" name="Straight Connector 16">
+            <a:extLst>
+              <a:ext uri="{FF2B5EF4-FFF2-40B4-BE49-F238E27FC236}">
+                <a16:creationId xmlns:a16="http://schemas.microsoft.com/office/drawing/2014/main" id="{57BF9EF4-0CF3-4CD4-9935-31C523FB12AC}"/>
+              </a:ext>
+            </a:extLst>
+          </p:cNvPr>
+          <p:cNvSpPr/>
+          <p:nvPr/>
+        </p:nvSpPr>
+        <p:spPr>
+          <a:xfrm flipH="1" flipV="1">
+            <a:off x="8394898" y="2621461"/>
+            <a:ext cx="26994" cy="670930"/>
+          </a:xfrm>
+          <a:prstGeom prst="line">
+            <a:avLst/>
+          </a:prstGeom>
+          <a:noFill/>
+          <a:ln w="36000">
+            <a:solidFill>
+              <a:srgbClr val="000000"/>
+            </a:solidFill>
+            <a:prstDash val="solid"/>
+          </a:ln>
+        </p:spPr>
+        <p:txBody>
+          <a:bodyPr wrap="none" lIns="130616" tIns="76193" rIns="130616" bIns="76193" anchor="ctr" anchorCtr="0" compatLnSpc="0"/>
+          <a:lstStyle/>
+          <a:p>
+            <a:pPr hangingPunct="0"/>
+            <a:endParaRPr lang="en-CA" sz="2177">
+              <a:latin typeface="Liberation Sans" pitchFamily="18"/>
+              <a:ea typeface="DejaVu Sans" pitchFamily="2"/>
+              <a:cs typeface="FreeSans" pitchFamily="2"/>
+            </a:endParaRPr>
+          </a:p>
+        </p:txBody>
+      </p:sp>
+      <p:sp>
+        <p:nvSpPr>
+          <p:cNvPr id="18" name="Straight Connector 17">
+            <a:extLst>
+              <a:ext uri="{FF2B5EF4-FFF2-40B4-BE49-F238E27FC236}">
+                <a16:creationId xmlns:a16="http://schemas.microsoft.com/office/drawing/2014/main" id="{BC87387E-BCD4-44DC-8469-5004B9666FE9}"/>
+              </a:ext>
+            </a:extLst>
+          </p:cNvPr>
+          <p:cNvSpPr/>
+          <p:nvPr/>
+        </p:nvSpPr>
+        <p:spPr>
+          <a:xfrm flipH="1" flipV="1">
+            <a:off x="9096741" y="3292392"/>
+            <a:ext cx="26993" cy="670930"/>
+          </a:xfrm>
+          <a:prstGeom prst="line">
+            <a:avLst/>
+          </a:prstGeom>
+          <a:noFill/>
+          <a:ln w="36000">
+            <a:solidFill>
+              <a:srgbClr val="000000"/>
+            </a:solidFill>
+            <a:prstDash val="solid"/>
+          </a:ln>
+        </p:spPr>
+        <p:txBody>
+          <a:bodyPr wrap="none" lIns="130616" tIns="76193" rIns="130616" bIns="76193" anchor="ctr" anchorCtr="0" compatLnSpc="0"/>
+          <a:lstStyle/>
+          <a:p>
+            <a:pPr hangingPunct="0"/>
+            <a:endParaRPr lang="en-CA" sz="2177">
+              <a:latin typeface="Liberation Sans" pitchFamily="18"/>
+              <a:ea typeface="DejaVu Sans" pitchFamily="2"/>
+              <a:cs typeface="FreeSans" pitchFamily="2"/>
+            </a:endParaRPr>
+          </a:p>
+        </p:txBody>
+      </p:sp>
+      <p:sp>
+        <p:nvSpPr>
+          <p:cNvPr id="19" name="Straight Connector 18">
+            <a:extLst>
+              <a:ext uri="{FF2B5EF4-FFF2-40B4-BE49-F238E27FC236}">
+                <a16:creationId xmlns:a16="http://schemas.microsoft.com/office/drawing/2014/main" id="{82FE046F-1717-43DC-8323-987ABD377C43}"/>
+              </a:ext>
+            </a:extLst>
+          </p:cNvPr>
+          <p:cNvSpPr/>
+          <p:nvPr/>
+        </p:nvSpPr>
+        <p:spPr>
+          <a:xfrm flipH="1" flipV="1">
+            <a:off x="9745030" y="3963323"/>
+            <a:ext cx="26995" cy="670929"/>
+          </a:xfrm>
+          <a:prstGeom prst="line">
+            <a:avLst/>
+          </a:prstGeom>
+          <a:noFill/>
+          <a:ln w="36000">
+            <a:solidFill>
+              <a:srgbClr val="000000"/>
+            </a:solidFill>
+            <a:prstDash val="solid"/>
+          </a:ln>
+        </p:spPr>
+        <p:txBody>
+          <a:bodyPr wrap="none" lIns="130616" tIns="76193" rIns="130616" bIns="76193" anchor="ctr" anchorCtr="0" compatLnSpc="0"/>
+          <a:lstStyle/>
+          <a:p>
+            <a:pPr hangingPunct="0"/>
+            <a:endParaRPr lang="en-CA" sz="2177">
+              <a:latin typeface="Liberation Sans" pitchFamily="18"/>
+              <a:ea typeface="DejaVu Sans" pitchFamily="2"/>
+              <a:cs typeface="FreeSans" pitchFamily="2"/>
+            </a:endParaRPr>
+          </a:p>
+        </p:txBody>
+      </p:sp>
+      <p:sp>
+        <p:nvSpPr>
+          <p:cNvPr id="20" name="Straight Connector 19">
+            <a:extLst>
+              <a:ext uri="{FF2B5EF4-FFF2-40B4-BE49-F238E27FC236}">
+                <a16:creationId xmlns:a16="http://schemas.microsoft.com/office/drawing/2014/main" id="{9866D71A-F299-4F31-B97D-EF32E004A396}"/>
+              </a:ext>
+            </a:extLst>
+          </p:cNvPr>
+          <p:cNvSpPr/>
+          <p:nvPr/>
+        </p:nvSpPr>
+        <p:spPr>
+          <a:xfrm flipH="1" flipV="1">
+            <a:off x="10420315" y="4634251"/>
+            <a:ext cx="26994" cy="670932"/>
+          </a:xfrm>
+          <a:prstGeom prst="line">
+            <a:avLst/>
+          </a:prstGeom>
+          <a:noFill/>
+          <a:ln w="36000">
+            <a:solidFill>
+              <a:srgbClr val="000000"/>
+            </a:solidFill>
+            <a:prstDash val="solid"/>
+          </a:ln>
+        </p:spPr>
+        <p:txBody>
+          <a:bodyPr wrap="none" lIns="130616" tIns="76193" rIns="130616" bIns="76193" anchor="ctr" anchorCtr="0" compatLnSpc="0"/>
+          <a:lstStyle/>
+          <a:p>
+            <a:pPr hangingPunct="0"/>
+            <a:endParaRPr lang="en-CA" sz="2177">
+              <a:latin typeface="Liberation Sans" pitchFamily="18"/>
+              <a:ea typeface="DejaVu Sans" pitchFamily="2"/>
+              <a:cs typeface="FreeSans" pitchFamily="2"/>
+            </a:endParaRPr>
+          </a:p>
+        </p:txBody>
+      </p:sp>
+      <p:sp>
+        <p:nvSpPr>
+          <p:cNvPr id="21" name="TextBox 20">
+            <a:extLst>
+              <a:ext uri="{FF2B5EF4-FFF2-40B4-BE49-F238E27FC236}">
+                <a16:creationId xmlns:a16="http://schemas.microsoft.com/office/drawing/2014/main" id="{E41BF7BE-5B0A-488B-8C46-7239D936959B}"/>
+              </a:ext>
+            </a:extLst>
+          </p:cNvPr>
+          <p:cNvSpPr txBox="1"/>
+          <p:nvPr/>
+        </p:nvSpPr>
+        <p:spPr>
+          <a:xfrm>
+            <a:off x="807856" y="2846556"/>
+            <a:ext cx="1445733" cy="430959"/>
+          </a:xfrm>
+          <a:prstGeom prst="rect">
+            <a:avLst/>
+          </a:prstGeom>
+          <a:noFill/>
+          <a:ln>
+            <a:noFill/>
+          </a:ln>
+        </p:spPr>
+        <p:txBody>
+          <a:bodyPr wrap="none" lIns="108847" tIns="54423" rIns="108847" bIns="54423" anchorCtr="0" compatLnSpc="0">
+            <a:spAutoFit/>
+          </a:bodyPr>
+          <a:lstStyle/>
+          <a:p>
+            <a:pPr hangingPunct="0"/>
+            <a:r>
+              <a:rPr lang="en-CA" sz="2177">
+                <a:latin typeface="Liberation Sans" pitchFamily="18"/>
+                <a:ea typeface="DejaVu Sans" pitchFamily="2"/>
+                <a:cs typeface="FreeSans" pitchFamily="2"/>
+              </a:rPr>
+              <a:t>basement</a:t>
+            </a:r>
+          </a:p>
+        </p:txBody>
+      </p:sp>
+      <p:sp>
+        <p:nvSpPr>
+          <p:cNvPr id="22" name="Title 21">
+            <a:extLst>
+              <a:ext uri="{FF2B5EF4-FFF2-40B4-BE49-F238E27FC236}">
+                <a16:creationId xmlns:a16="http://schemas.microsoft.com/office/drawing/2014/main" id="{B7CAA929-713D-4895-92DC-A256FF131552}"/>
+              </a:ext>
+            </a:extLst>
+          </p:cNvPr>
+          <p:cNvSpPr txBox="1">
+            <a:spLocks noGrp="1"/>
+          </p:cNvSpPr>
+          <p:nvPr>
+            <p:ph type="title" idx="4294967295"/>
+          </p:nvPr>
+        </p:nvSpPr>
+        <p:spPr/>
+        <p:txBody>
+          <a:bodyPr/>
+          <a:lstStyle/>
+          <a:p>
+            <a:pPr lvl="0"/>
+            <a:r>
+              <a:rPr lang="en-CA"/>
+              <a:t>First Trip</a:t>
+            </a:r>
+          </a:p>
+        </p:txBody>
+      </p:sp>
+      <p:sp>
+        <p:nvSpPr>
+          <p:cNvPr id="27" name="TextBox 26">
+            <a:extLst>
+              <a:ext uri="{FF2B5EF4-FFF2-40B4-BE49-F238E27FC236}">
+                <a16:creationId xmlns:a16="http://schemas.microsoft.com/office/drawing/2014/main" id="{008F3E22-AA25-4E40-B23E-7F0AC3BDF967}"/>
+              </a:ext>
+            </a:extLst>
+          </p:cNvPr>
+          <p:cNvSpPr txBox="1"/>
+          <p:nvPr/>
+        </p:nvSpPr>
+        <p:spPr>
+          <a:xfrm>
+            <a:off x="4278633" y="5180204"/>
+            <a:ext cx="2221586" cy="752008"/>
+          </a:xfrm>
+          <a:prstGeom prst="rect">
+            <a:avLst/>
+          </a:prstGeom>
+          <a:noFill/>
+          <a:ln>
+            <a:noFill/>
+          </a:ln>
+        </p:spPr>
+        <p:txBody>
+          <a:bodyPr wrap="none" lIns="108847" tIns="54423" rIns="108847" bIns="54423" anchorCtr="0" compatLnSpc="0">
+            <a:spAutoFit/>
+          </a:bodyPr>
+          <a:lstStyle/>
+          <a:p>
+            <a:pPr algn="ctr" hangingPunct="0"/>
+            <a:r>
+              <a:rPr lang="en-CA" sz="2177" dirty="0">
+                <a:latin typeface="Liberation Sans" pitchFamily="18"/>
+                <a:ea typeface="DejaVu Sans" pitchFamily="2"/>
+                <a:cs typeface="FreeSans" pitchFamily="2"/>
+              </a:rPr>
+              <a:t>voucher request</a:t>
+            </a:r>
+            <a:br>
+              <a:rPr lang="en-CA" sz="2177" dirty="0">
+                <a:latin typeface="Liberation Sans" pitchFamily="18"/>
+                <a:ea typeface="DejaVu Sans" pitchFamily="2"/>
+                <a:cs typeface="FreeSans" pitchFamily="2"/>
+              </a:rPr>
+            </a:br>
+            <a:r>
+              <a:rPr lang="en-CA" sz="2177" dirty="0">
+                <a:latin typeface="Liberation Sans" pitchFamily="18"/>
+                <a:ea typeface="DejaVu Sans" pitchFamily="2"/>
+                <a:cs typeface="FreeSans" pitchFamily="2"/>
+              </a:rPr>
+              <a:t>in JOSE</a:t>
+            </a:r>
+          </a:p>
+        </p:txBody>
+      </p:sp>
+      <p:grpSp>
+        <p:nvGrpSpPr>
+          <p:cNvPr id="24" name="Group 23">
+            <a:extLst>
+              <a:ext uri="{FF2B5EF4-FFF2-40B4-BE49-F238E27FC236}">
+                <a16:creationId xmlns:a16="http://schemas.microsoft.com/office/drawing/2014/main" id="{A4A3F3EC-0128-4566-98E5-F4EABFDFDABC}"/>
+              </a:ext>
+            </a:extLst>
+          </p:cNvPr>
+          <p:cNvGrpSpPr/>
+          <p:nvPr/>
+        </p:nvGrpSpPr>
+        <p:grpSpPr>
+          <a:xfrm>
+            <a:off x="7186489" y="3497689"/>
+            <a:ext cx="934766" cy="999184"/>
+            <a:chOff x="4459574" y="2440448"/>
+            <a:chExt cx="934766" cy="999184"/>
+          </a:xfrm>
+        </p:grpSpPr>
+        <p:graphicFrame>
+          <p:nvGraphicFramePr>
+            <p:cNvPr id="25" name="Object 90">
+              <a:extLst>
+                <a:ext uri="{FF2B5EF4-FFF2-40B4-BE49-F238E27FC236}">
+                  <a16:creationId xmlns:a16="http://schemas.microsoft.com/office/drawing/2014/main" id="{53972B2E-F1BF-48A4-B5FA-93EEAEAD34D7}"/>
+                </a:ext>
+              </a:extLst>
+            </p:cNvPr>
+            <p:cNvGraphicFramePr>
+              <a:graphicFrameLocks noChangeAspect="1"/>
+            </p:cNvGraphicFramePr>
+            <p:nvPr>
+              <p:extLst>
+                <p:ext uri="{D42A27DB-BD31-4B8C-83A1-F6EECF244321}">
+                  <p14:modId xmlns:p14="http://schemas.microsoft.com/office/powerpoint/2010/main" val="1223744539"/>
+                </p:ext>
+              </p:extLst>
+            </p:nvPr>
+          </p:nvGraphicFramePr>
+          <p:xfrm>
+            <a:off x="4802202" y="2440448"/>
+            <a:ext cx="592138" cy="773113"/>
+          </p:xfrm>
+          <a:graphic>
+            <a:graphicData uri="http://schemas.openxmlformats.org/presentationml/2006/ole">
+              <mc:AlternateContent xmlns:mc="http://schemas.openxmlformats.org/markup-compatibility/2006">
+                <mc:Choice xmlns:v="urn:schemas-microsoft-com:vml" Requires="v">
+                  <p:oleObj name="Visio" r:id="rId5" imgW="593884" imgH="773906" progId="Visio.Drawing.11">
+                    <p:embed/>
+                  </p:oleObj>
+                </mc:Choice>
+                <mc:Fallback>
+                  <p:oleObj name="Visio" r:id="rId5" imgW="593884" imgH="773906" progId="Visio.Drawing.11">
+                    <p:embed/>
+                    <p:pic>
+                      <p:nvPicPr>
+                        <p:cNvPr id="28" name="Object 90">
+                          <a:extLst>
+                            <a:ext uri="{FF2B5EF4-FFF2-40B4-BE49-F238E27FC236}">
+                              <a16:creationId xmlns:a16="http://schemas.microsoft.com/office/drawing/2014/main" id="{D4EBAB8E-5D01-4A1C-BFD5-959B540CB01C}"/>
+                            </a:ext>
+                          </a:extLst>
+                        </p:cNvPr>
+                        <p:cNvPicPr>
+                          <a:picLocks noChangeAspect="1" noChangeArrowheads="1"/>
+                        </p:cNvPicPr>
+                        <p:nvPr/>
+                      </p:nvPicPr>
+                      <p:blipFill>
+                        <a:blip r:embed="rId6">
+                          <a:extLst>
+                            <a:ext uri="{28A0092B-C50C-407E-A947-70E740481C1C}">
+                              <a14:useLocalDpi xmlns:a14="http://schemas.microsoft.com/office/drawing/2010/main" val="0"/>
+                            </a:ext>
+                          </a:extLst>
+                        </a:blip>
+                        <a:srcRect/>
+                        <a:stretch>
+                          <a:fillRect/>
+                        </a:stretch>
+                      </p:blipFill>
+                      <p:spPr bwMode="auto">
+                        <a:xfrm>
+                          <a:off x="4802202" y="2440448"/>
+                          <a:ext cx="592138" cy="773113"/>
+                        </a:xfrm>
+                        <a:prstGeom prst="rect">
+                          <a:avLst/>
+                        </a:prstGeom>
+                        <a:noFill/>
+                        <a:ln>
+                          <a:noFill/>
+                        </a:ln>
+                        <a:effectLst/>
+                      </p:spPr>
+                    </p:pic>
+                  </p:oleObj>
+                </mc:Fallback>
+              </mc:AlternateContent>
+            </a:graphicData>
+          </a:graphic>
+        </p:graphicFrame>
+        <p:pic>
+          <p:nvPicPr>
+            <p:cNvPr id="26" name="Picture 25">
+              <a:extLst>
+                <a:ext uri="{FF2B5EF4-FFF2-40B4-BE49-F238E27FC236}">
+                  <a16:creationId xmlns:a16="http://schemas.microsoft.com/office/drawing/2014/main" id="{F7D64A24-721F-4AB6-988A-6B6EB06F78BE}"/>
+                </a:ext>
+              </a:extLst>
+            </p:cNvPr>
+            <p:cNvPicPr>
+              <a:picLocks noChangeAspect="1"/>
+            </p:cNvPicPr>
+            <p:nvPr/>
+          </p:nvPicPr>
+          <p:blipFill>
+            <a:blip r:embed="rId7"/>
+            <a:stretch>
+              <a:fillRect/>
+            </a:stretch>
+          </p:blipFill>
+          <p:spPr>
+            <a:xfrm flipH="1">
+              <a:off x="4459574" y="2615148"/>
+              <a:ext cx="484172" cy="824484"/>
+            </a:xfrm>
+            <a:prstGeom prst="rect">
+              <a:avLst/>
+            </a:prstGeom>
+          </p:spPr>
+        </p:pic>
+      </p:grpSp>
+      <p:sp>
+        <p:nvSpPr>
+          <p:cNvPr id="28" name="Date Placeholder 3">
+            <a:extLst>
+              <a:ext uri="{FF2B5EF4-FFF2-40B4-BE49-F238E27FC236}">
+                <a16:creationId xmlns:a16="http://schemas.microsoft.com/office/drawing/2014/main" id="{D8B00B31-5C84-4BAE-9BE1-A3999F4506C9}"/>
+              </a:ext>
+            </a:extLst>
+          </p:cNvPr>
+          <p:cNvSpPr txBox="1">
+            <a:spLocks/>
+          </p:cNvSpPr>
+          <p:nvPr/>
+        </p:nvSpPr>
+        <p:spPr>
+          <a:xfrm>
+            <a:off x="838200" y="6356350"/>
+            <a:ext cx="2743200" cy="365125"/>
+          </a:xfrm>
+          <a:prstGeom prst="rect">
+            <a:avLst/>
+          </a:prstGeom>
+        </p:spPr>
+        <p:txBody>
+          <a:bodyPr vert="horz" lIns="91440" tIns="45720" rIns="91440" bIns="45720" rtlCol="0" anchor="ctr"/>
+          <a:lstStyle>
+            <a:defPPr>
+              <a:defRPr lang="de-DE"/>
+            </a:defPPr>
+            <a:lvl1pPr marL="0" algn="l" defTabSz="914400" rtl="0" eaLnBrk="1" latinLnBrk="0" hangingPunct="1">
+              <a:defRPr sz="1200" kern="1200">
+                <a:solidFill>
+                  <a:schemeClr val="tx1">
+                    <a:tint val="75000"/>
+                  </a:schemeClr>
+                </a:solidFill>
+                <a:latin typeface="+mn-lt"/>
+                <a:ea typeface="+mn-ea"/>
+                <a:cs typeface="+mn-cs"/>
+              </a:defRPr>
+            </a:lvl1pPr>
+            <a:lvl2pPr marL="457200" algn="l" defTabSz="914400" rtl="0" eaLnBrk="1" latinLnBrk="0" hangingPunct="1">
+              <a:defRPr sz="1800" kern="1200">
+                <a:solidFill>
+                  <a:schemeClr val="tx1"/>
+                </a:solidFill>
+                <a:latin typeface="+mn-lt"/>
+                <a:ea typeface="+mn-ea"/>
+                <a:cs typeface="+mn-cs"/>
+              </a:defRPr>
+            </a:lvl2pPr>
+            <a:lvl3pPr marL="914400" algn="l" defTabSz="914400" rtl="0" eaLnBrk="1" latinLnBrk="0" hangingPunct="1">
+              <a:defRPr sz="1800" kern="1200">
+                <a:solidFill>
+                  <a:schemeClr val="tx1"/>
+                </a:solidFill>
+                <a:latin typeface="+mn-lt"/>
+                <a:ea typeface="+mn-ea"/>
+                <a:cs typeface="+mn-cs"/>
+              </a:defRPr>
+            </a:lvl3pPr>
+            <a:lvl4pPr marL="1371600" algn="l" defTabSz="914400" rtl="0" eaLnBrk="1" latinLnBrk="0" hangingPunct="1">
+              <a:defRPr sz="1800" kern="1200">
+                <a:solidFill>
+                  <a:schemeClr val="tx1"/>
+                </a:solidFill>
+                <a:latin typeface="+mn-lt"/>
+                <a:ea typeface="+mn-ea"/>
+                <a:cs typeface="+mn-cs"/>
+              </a:defRPr>
+            </a:lvl4pPr>
+            <a:lvl5pPr marL="1828800" algn="l" defTabSz="914400" rtl="0" eaLnBrk="1" latinLnBrk="0" hangingPunct="1">
+              <a:defRPr sz="1800" kern="1200">
+                <a:solidFill>
+                  <a:schemeClr val="tx1"/>
+                </a:solidFill>
+                <a:latin typeface="+mn-lt"/>
+                <a:ea typeface="+mn-ea"/>
+                <a:cs typeface="+mn-cs"/>
+              </a:defRPr>
+            </a:lvl5pPr>
+            <a:lvl6pPr marL="2286000" algn="l" defTabSz="914400" rtl="0" eaLnBrk="1" latinLnBrk="0" hangingPunct="1">
+              <a:defRPr sz="1800" kern="1200">
+                <a:solidFill>
+                  <a:schemeClr val="tx1"/>
+                </a:solidFill>
+                <a:latin typeface="+mn-lt"/>
+                <a:ea typeface="+mn-ea"/>
+                <a:cs typeface="+mn-cs"/>
+              </a:defRPr>
+            </a:lvl6pPr>
+            <a:lvl7pPr marL="2743200" algn="l" defTabSz="914400" rtl="0" eaLnBrk="1" latinLnBrk="0" hangingPunct="1">
+              <a:defRPr sz="1800" kern="1200">
+                <a:solidFill>
+                  <a:schemeClr val="tx1"/>
+                </a:solidFill>
+                <a:latin typeface="+mn-lt"/>
+                <a:ea typeface="+mn-ea"/>
+                <a:cs typeface="+mn-cs"/>
+              </a:defRPr>
+            </a:lvl7pPr>
+            <a:lvl8pPr marL="3200400" algn="l" defTabSz="914400" rtl="0" eaLnBrk="1" latinLnBrk="0" hangingPunct="1">
+              <a:defRPr sz="1800" kern="1200">
+                <a:solidFill>
+                  <a:schemeClr val="tx1"/>
+                </a:solidFill>
+                <a:latin typeface="+mn-lt"/>
+                <a:ea typeface="+mn-ea"/>
+                <a:cs typeface="+mn-cs"/>
+              </a:defRPr>
+            </a:lvl8pPr>
+            <a:lvl9pPr marL="3657600" algn="l" defTabSz="914400" rtl="0" eaLnBrk="1" latinLnBrk="0" hangingPunct="1">
+              <a:defRPr sz="1800" kern="1200">
+                <a:solidFill>
+                  <a:schemeClr val="tx1"/>
+                </a:solidFill>
+                <a:latin typeface="+mn-lt"/>
+                <a:ea typeface="+mn-ea"/>
+                <a:cs typeface="+mn-cs"/>
+              </a:defRPr>
+            </a:lvl9pPr>
+          </a:lstStyle>
+          <a:p>
+            <a:fld id="{8C792E63-5F21-4F54-A864-D84D9F273FCA}" type="datetimeFigureOut">
+              <a:rPr lang="en-US" smtClean="0"/>
+              <a:pPr/>
+              <a:t>7/17/2021</a:t>
+            </a:fld>
+            <a:endParaRPr lang="en-US" dirty="0"/>
+          </a:p>
+        </p:txBody>
+      </p:sp>
+      <p:sp>
+        <p:nvSpPr>
+          <p:cNvPr id="29" name="Slide Number Placeholder 5">
+            <a:extLst>
+              <a:ext uri="{FF2B5EF4-FFF2-40B4-BE49-F238E27FC236}">
+                <a16:creationId xmlns:a16="http://schemas.microsoft.com/office/drawing/2014/main" id="{78F9D475-0DA0-47AE-9383-38D270B618DD}"/>
+              </a:ext>
+            </a:extLst>
+          </p:cNvPr>
+          <p:cNvSpPr txBox="1">
+            <a:spLocks/>
+          </p:cNvSpPr>
+          <p:nvPr/>
+        </p:nvSpPr>
+        <p:spPr>
+          <a:xfrm>
+            <a:off x="8610600" y="6356350"/>
+            <a:ext cx="2743200" cy="365125"/>
+          </a:xfrm>
+          <a:prstGeom prst="rect">
+            <a:avLst/>
+          </a:prstGeom>
+        </p:spPr>
+        <p:txBody>
+          <a:bodyPr vert="horz" lIns="91440" tIns="45720" rIns="91440" bIns="45720" rtlCol="0" anchor="ctr"/>
+          <a:lstStyle>
+            <a:defPPr>
+              <a:defRPr lang="de-DE"/>
+            </a:defPPr>
+            <a:lvl1pPr marL="0" algn="r" defTabSz="914400" rtl="0" eaLnBrk="1" latinLnBrk="0" hangingPunct="1">
+              <a:defRPr sz="1200" kern="1200">
+                <a:solidFill>
+                  <a:schemeClr val="tx1">
+                    <a:tint val="75000"/>
+                  </a:schemeClr>
+                </a:solidFill>
+                <a:latin typeface="+mn-lt"/>
+                <a:ea typeface="+mn-ea"/>
+                <a:cs typeface="+mn-cs"/>
+              </a:defRPr>
+            </a:lvl1pPr>
+            <a:lvl2pPr marL="457200" algn="l" defTabSz="914400" rtl="0" eaLnBrk="1" latinLnBrk="0" hangingPunct="1">
+              <a:defRPr sz="1800" kern="1200">
+                <a:solidFill>
+                  <a:schemeClr val="tx1"/>
+                </a:solidFill>
+                <a:latin typeface="+mn-lt"/>
+                <a:ea typeface="+mn-ea"/>
+                <a:cs typeface="+mn-cs"/>
+              </a:defRPr>
+            </a:lvl2pPr>
+            <a:lvl3pPr marL="914400" algn="l" defTabSz="914400" rtl="0" eaLnBrk="1" latinLnBrk="0" hangingPunct="1">
+              <a:defRPr sz="1800" kern="1200">
+                <a:solidFill>
+                  <a:schemeClr val="tx1"/>
+                </a:solidFill>
+                <a:latin typeface="+mn-lt"/>
+                <a:ea typeface="+mn-ea"/>
+                <a:cs typeface="+mn-cs"/>
+              </a:defRPr>
+            </a:lvl3pPr>
+            <a:lvl4pPr marL="1371600" algn="l" defTabSz="914400" rtl="0" eaLnBrk="1" latinLnBrk="0" hangingPunct="1">
+              <a:defRPr sz="1800" kern="1200">
+                <a:solidFill>
+                  <a:schemeClr val="tx1"/>
+                </a:solidFill>
+                <a:latin typeface="+mn-lt"/>
+                <a:ea typeface="+mn-ea"/>
+                <a:cs typeface="+mn-cs"/>
+              </a:defRPr>
+            </a:lvl4pPr>
+            <a:lvl5pPr marL="1828800" algn="l" defTabSz="914400" rtl="0" eaLnBrk="1" latinLnBrk="0" hangingPunct="1">
+              <a:defRPr sz="1800" kern="1200">
+                <a:solidFill>
+                  <a:schemeClr val="tx1"/>
+                </a:solidFill>
+                <a:latin typeface="+mn-lt"/>
+                <a:ea typeface="+mn-ea"/>
+                <a:cs typeface="+mn-cs"/>
+              </a:defRPr>
+            </a:lvl5pPr>
+            <a:lvl6pPr marL="2286000" algn="l" defTabSz="914400" rtl="0" eaLnBrk="1" latinLnBrk="0" hangingPunct="1">
+              <a:defRPr sz="1800" kern="1200">
+                <a:solidFill>
+                  <a:schemeClr val="tx1"/>
+                </a:solidFill>
+                <a:latin typeface="+mn-lt"/>
+                <a:ea typeface="+mn-ea"/>
+                <a:cs typeface="+mn-cs"/>
+              </a:defRPr>
+            </a:lvl6pPr>
+            <a:lvl7pPr marL="2743200" algn="l" defTabSz="914400" rtl="0" eaLnBrk="1" latinLnBrk="0" hangingPunct="1">
+              <a:defRPr sz="1800" kern="1200">
+                <a:solidFill>
+                  <a:schemeClr val="tx1"/>
+                </a:solidFill>
+                <a:latin typeface="+mn-lt"/>
+                <a:ea typeface="+mn-ea"/>
+                <a:cs typeface="+mn-cs"/>
+              </a:defRPr>
+            </a:lvl7pPr>
+            <a:lvl8pPr marL="3200400" algn="l" defTabSz="914400" rtl="0" eaLnBrk="1" latinLnBrk="0" hangingPunct="1">
+              <a:defRPr sz="1800" kern="1200">
+                <a:solidFill>
+                  <a:schemeClr val="tx1"/>
+                </a:solidFill>
+                <a:latin typeface="+mn-lt"/>
+                <a:ea typeface="+mn-ea"/>
+                <a:cs typeface="+mn-cs"/>
+              </a:defRPr>
+            </a:lvl8pPr>
+            <a:lvl9pPr marL="3657600" algn="l" defTabSz="914400" rtl="0" eaLnBrk="1" latinLnBrk="0" hangingPunct="1">
+              <a:defRPr sz="1800" kern="1200">
+                <a:solidFill>
+                  <a:schemeClr val="tx1"/>
+                </a:solidFill>
+                <a:latin typeface="+mn-lt"/>
+                <a:ea typeface="+mn-ea"/>
+                <a:cs typeface="+mn-cs"/>
+              </a:defRPr>
+            </a:lvl9pPr>
+          </a:lstStyle>
+          <a:p>
+            <a:fld id="{104F53CC-0028-4916-8B93-0EBFFB2C7AAD}" type="slidenum">
+              <a:rPr lang="en-US" smtClean="0"/>
+              <a:pPr/>
+              <a:t>10</a:t>
+            </a:fld>
+            <a:endParaRPr lang="en-US"/>
+          </a:p>
+        </p:txBody>
+      </p:sp>
+    </p:spTree>
+  </p:cSld>
+  <p:clrMapOvr>
+    <a:masterClrMapping/>
+  </p:clrMapOvr>
+</p:sld>
+</file>
+
+<file path=ppt/slides/slide11.xml><?xml version="1.0" encoding="utf-8"?>
+<p:sld xmlns:a="http://schemas.openxmlformats.org/drawingml/2006/main" xmlns:r="http://schemas.openxmlformats.org/officeDocument/2006/relationships" xmlns:p="http://schemas.openxmlformats.org/presentationml/2006/main">
+  <p:cSld>
+    <p:spTree>
+      <p:nvGrpSpPr>
+        <p:cNvPr id="1" name=""/>
+        <p:cNvGrpSpPr/>
+        <p:nvPr/>
+      </p:nvGrpSpPr>
+      <p:grpSpPr>
+        <a:xfrm>
+          <a:off x="0" y="0"/>
+          <a:ext cx="0" cy="0"/>
+          <a:chOff x="0" y="0"/>
+          <a:chExt cx="0" cy="0"/>
+        </a:xfrm>
+      </p:grpSpPr>
+      <p:pic>
+        <p:nvPicPr>
+          <p:cNvPr id="3" name="Graphic 2">
+            <a:extLst>
+              <a:ext uri="{FF2B5EF4-FFF2-40B4-BE49-F238E27FC236}">
                 <a16:creationId xmlns:a16="http://schemas.microsoft.com/office/drawing/2014/main" id="{377A6CCF-3556-496E-96C0-EB449BB6B32D}"/>
               </a:ext>
             </a:extLst>
@@ -7675,7 +9351,7 @@
             <a:fld id="{8C792E63-5F21-4F54-A864-D84D9F273FCA}" type="datetimeFigureOut">
               <a:rPr lang="en-US" smtClean="0"/>
               <a:pPr/>
-              <a:t>7/9/2021</a:t>
+              <a:t>7/17/2021</a:t>
             </a:fld>
             <a:endParaRPr lang="en-US" dirty="0"/>
           </a:p>
@@ -7807,7 +9483,7 @@
             <a:fld id="{104F53CC-0028-4916-8B93-0EBFFB2C7AAD}" type="slidenum">
               <a:rPr lang="en-US" smtClean="0"/>
               <a:pPr/>
-              <a:t>10</a:t>
+              <a:t>11</a:t>
             </a:fld>
             <a:endParaRPr lang="en-US"/>
           </a:p>
@@ -7821,7 +9497,7 @@
 </p:sld>
 </file>
 
-<file path=ppt/slides/slide11.xml><?xml version="1.0" encoding="utf-8"?>
+<file path=ppt/slides/slide12.xml><?xml version="1.0" encoding="utf-8"?>
 <p:sld xmlns:a="http://schemas.openxmlformats.org/drawingml/2006/main" xmlns:r="http://schemas.openxmlformats.org/officeDocument/2006/relationships" xmlns:p="http://schemas.openxmlformats.org/presentationml/2006/main">
   <p:cSld>
     <p:spTree>
@@ -8838,7 +10514,7 @@
             <a:fld id="{8C792E63-5F21-4F54-A864-D84D9F273FCA}" type="datetimeFigureOut">
               <a:rPr lang="en-US" smtClean="0"/>
               <a:pPr/>
-              <a:t>7/9/2021</a:t>
+              <a:t>7/17/2021</a:t>
             </a:fld>
             <a:endParaRPr lang="en-US" dirty="0"/>
           </a:p>
@@ -8970,7 +10646,7 @@
             <a:fld id="{104F53CC-0028-4916-8B93-0EBFFB2C7AAD}" type="slidenum">
               <a:rPr lang="en-US" smtClean="0"/>
               <a:pPr/>
-              <a:t>11</a:t>
+              <a:t>12</a:t>
             </a:fld>
             <a:endParaRPr lang="en-US"/>
           </a:p>
@@ -8984,7 +10660,7 @@
 </p:sld>
 </file>
 
-<file path=ppt/slides/slide12.xml><?xml version="1.0" encoding="utf-8"?>
+<file path=ppt/slides/slide13.xml><?xml version="1.0" encoding="utf-8"?>
 <p:sld xmlns:a="http://schemas.openxmlformats.org/drawingml/2006/main" xmlns:r="http://schemas.openxmlformats.org/officeDocument/2006/relationships" xmlns:p="http://schemas.openxmlformats.org/presentationml/2006/main">
   <p:cSld>
     <p:spTree>
@@ -10543,7 +12219,7 @@
             <a:fld id="{8C792E63-5F21-4F54-A864-D84D9F273FCA}" type="datetimeFigureOut">
               <a:rPr lang="en-US" smtClean="0"/>
               <a:pPr/>
-              <a:t>7/9/2021</a:t>
+              <a:t>7/17/2021</a:t>
             </a:fld>
             <a:endParaRPr lang="en-US" dirty="0"/>
           </a:p>
@@ -10675,7 +12351,7 @@
             <a:fld id="{104F53CC-0028-4916-8B93-0EBFFB2C7AAD}" type="slidenum">
               <a:rPr lang="en-US" smtClean="0"/>
               <a:pPr/>
-              <a:t>12</a:t>
+              <a:t>13</a:t>
             </a:fld>
             <a:endParaRPr lang="en-US"/>
           </a:p>
@@ -10689,7 +12365,7 @@
 </p:sld>
 </file>
 
-<file path=ppt/slides/slide13.xml><?xml version="1.0" encoding="utf-8"?>
+<file path=ppt/slides/slide14.xml><?xml version="1.0" encoding="utf-8"?>
 <p:sld xmlns:a="http://schemas.openxmlformats.org/drawingml/2006/main" xmlns:r="http://schemas.openxmlformats.org/officeDocument/2006/relationships" xmlns:p="http://schemas.openxmlformats.org/presentationml/2006/main">
   <p:cSld>
     <p:spTree>
@@ -12410,7 +14086,7 @@
             <a:fld id="{8C792E63-5F21-4F54-A864-D84D9F273FCA}" type="datetimeFigureOut">
               <a:rPr lang="en-US" smtClean="0"/>
               <a:pPr/>
-              <a:t>7/9/2021</a:t>
+              <a:t>7/17/2021</a:t>
             </a:fld>
             <a:endParaRPr lang="en-US" dirty="0"/>
           </a:p>
@@ -12542,7 +14218,7 @@
             <a:fld id="{104F53CC-0028-4916-8B93-0EBFFB2C7AAD}" type="slidenum">
               <a:rPr lang="en-US" smtClean="0"/>
               <a:pPr/>
-              <a:t>13</a:t>
+              <a:t>14</a:t>
             </a:fld>
             <a:endParaRPr lang="en-US"/>
           </a:p>
@@ -12556,7 +14232,7 @@
 </p:sld>
 </file>
 
-<file path=ppt/slides/slide14.xml><?xml version="1.0" encoding="utf-8"?>
+<file path=ppt/slides/slide15.xml><?xml version="1.0" encoding="utf-8"?>
 <p:sld xmlns:a="http://schemas.openxmlformats.org/drawingml/2006/main" xmlns:r="http://schemas.openxmlformats.org/officeDocument/2006/relationships" xmlns:p="http://schemas.openxmlformats.org/presentationml/2006/main">
   <p:cSld>
     <p:spTree>
@@ -13658,7 +15334,7 @@
             <a:fld id="{8C792E63-5F21-4F54-A864-D84D9F273FCA}" type="datetimeFigureOut">
               <a:rPr lang="en-US" smtClean="0"/>
               <a:pPr/>
-              <a:t>7/9/2021</a:t>
+              <a:t>7/17/2021</a:t>
             </a:fld>
             <a:endParaRPr lang="en-US" dirty="0"/>
           </a:p>
@@ -13790,7 +15466,7 @@
             <a:fld id="{104F53CC-0028-4916-8B93-0EBFFB2C7AAD}" type="slidenum">
               <a:rPr lang="en-US" smtClean="0"/>
               <a:pPr/>
-              <a:t>14</a:t>
+              <a:t>15</a:t>
             </a:fld>
             <a:endParaRPr lang="en-US"/>
           </a:p>
@@ -13804,7 +15480,7 @@
 </p:sld>
 </file>
 
-<file path=ppt/slides/slide15.xml><?xml version="1.0" encoding="utf-8"?>
+<file path=ppt/slides/slide16.xml><?xml version="1.0" encoding="utf-8"?>
 <p:sld xmlns:a="http://schemas.openxmlformats.org/drawingml/2006/main" xmlns:r="http://schemas.openxmlformats.org/officeDocument/2006/relationships" xmlns:p="http://schemas.openxmlformats.org/presentationml/2006/main">
   <p:cSld>
     <p:spTree>
@@ -14906,7 +16582,7 @@
             <a:fld id="{8C792E63-5F21-4F54-A864-D84D9F273FCA}" type="datetimeFigureOut">
               <a:rPr lang="en-US" smtClean="0"/>
               <a:pPr/>
-              <a:t>7/9/2021</a:t>
+              <a:t>7/17/2021</a:t>
             </a:fld>
             <a:endParaRPr lang="en-US" dirty="0"/>
           </a:p>
@@ -15038,7 +16714,7 @@
             <a:fld id="{104F53CC-0028-4916-8B93-0EBFFB2C7AAD}" type="slidenum">
               <a:rPr lang="en-US" smtClean="0"/>
               <a:pPr/>
-              <a:t>15</a:t>
+              <a:t>16</a:t>
             </a:fld>
             <a:endParaRPr lang="en-US"/>
           </a:p>
@@ -15052,7 +16728,7 @@
 </p:sld>
 </file>
 
-<file path=ppt/slides/slide16.xml><?xml version="1.0" encoding="utf-8"?>
+<file path=ppt/slides/slide17.xml><?xml version="1.0" encoding="utf-8"?>
 <p:sld xmlns:a="http://schemas.openxmlformats.org/drawingml/2006/main" xmlns:r="http://schemas.openxmlformats.org/officeDocument/2006/relationships" xmlns:p="http://schemas.openxmlformats.org/presentationml/2006/main">
   <p:cSld>
     <p:spTree>
@@ -16552,7 +18228,7 @@
             <a:fld id="{8C792E63-5F21-4F54-A864-D84D9F273FCA}" type="datetimeFigureOut">
               <a:rPr lang="en-US" smtClean="0"/>
               <a:pPr/>
-              <a:t>7/9/2021</a:t>
+              <a:t>7/17/2021</a:t>
             </a:fld>
             <a:endParaRPr lang="en-US" dirty="0"/>
           </a:p>
@@ -16684,7 +18360,7 @@
             <a:fld id="{104F53CC-0028-4916-8B93-0EBFFB2C7AAD}" type="slidenum">
               <a:rPr lang="en-US" smtClean="0"/>
               <a:pPr/>
-              <a:t>16</a:t>
+              <a:t>17</a:t>
             </a:fld>
             <a:endParaRPr lang="en-US"/>
           </a:p>
@@ -16703,7 +18379,7 @@
 </p:sld>
 </file>
 
-<file path=ppt/slides/slide17.xml><?xml version="1.0" encoding="utf-8"?>
+<file path=ppt/slides/slide18.xml><?xml version="1.0" encoding="utf-8"?>
 <p:sld xmlns:a="http://schemas.openxmlformats.org/drawingml/2006/main" xmlns:r="http://schemas.openxmlformats.org/officeDocument/2006/relationships" xmlns:p="http://schemas.openxmlformats.org/presentationml/2006/main">
   <p:cSld>
     <p:spTree>
@@ -17847,7 +19523,7 @@
             <a:fld id="{8C792E63-5F21-4F54-A864-D84D9F273FCA}" type="datetimeFigureOut">
               <a:rPr lang="en-US" smtClean="0"/>
               <a:pPr/>
-              <a:t>7/9/2021</a:t>
+              <a:t>7/17/2021</a:t>
             </a:fld>
             <a:endParaRPr lang="en-US" dirty="0"/>
           </a:p>
@@ -17979,7 +19655,7 @@
             <a:fld id="{104F53CC-0028-4916-8B93-0EBFFB2C7AAD}" type="slidenum">
               <a:rPr lang="en-US" smtClean="0"/>
               <a:pPr/>
-              <a:t>17</a:t>
+              <a:t>18</a:t>
             </a:fld>
             <a:endParaRPr lang="en-US"/>
           </a:p>
@@ -17998,7 +19674,7 @@
 </p:sld>
 </file>
 
-<file path=ppt/slides/slide18.xml><?xml version="1.0" encoding="utf-8"?>
+<file path=ppt/slides/slide19.xml><?xml version="1.0" encoding="utf-8"?>
 <p:sld xmlns:a="http://schemas.openxmlformats.org/drawingml/2006/main" xmlns:r="http://schemas.openxmlformats.org/officeDocument/2006/relationships" xmlns:p="http://schemas.openxmlformats.org/presentationml/2006/main">
   <p:cSld>
     <p:spTree>
@@ -19090,7 +20766,7 @@
             <a:fld id="{8C792E63-5F21-4F54-A864-D84D9F273FCA}" type="datetimeFigureOut">
               <a:rPr lang="en-US" smtClean="0"/>
               <a:pPr/>
-              <a:t>7/9/2021</a:t>
+              <a:t>7/17/2021</a:t>
             </a:fld>
             <a:endParaRPr lang="en-US" dirty="0"/>
           </a:p>
@@ -19222,7 +20898,7 @@
             <a:fld id="{104F53CC-0028-4916-8B93-0EBFFB2C7AAD}" type="slidenum">
               <a:rPr lang="en-US" smtClean="0"/>
               <a:pPr/>
-              <a:t>18</a:t>
+              <a:t>19</a:t>
             </a:fld>
             <a:endParaRPr lang="en-US"/>
           </a:p>
@@ -19241,7 +20917,447 @@
 </p:sld>
 </file>
 
-<file path=ppt/slides/slide19.xml><?xml version="1.0" encoding="utf-8"?>
+<file path=ppt/slides/slide2.xml><?xml version="1.0" encoding="utf-8"?>
+<p:sld xmlns:a="http://schemas.openxmlformats.org/drawingml/2006/main" xmlns:r="http://schemas.openxmlformats.org/officeDocument/2006/relationships" xmlns:p="http://schemas.openxmlformats.org/presentationml/2006/main">
+  <p:cSld>
+    <p:spTree>
+      <p:nvGrpSpPr>
+        <p:cNvPr id="1" name=""/>
+        <p:cNvGrpSpPr/>
+        <p:nvPr/>
+      </p:nvGrpSpPr>
+      <p:grpSpPr>
+        <a:xfrm>
+          <a:off x="0" y="0"/>
+          <a:ext cx="0" cy="0"/>
+          <a:chOff x="0" y="0"/>
+          <a:chExt cx="0" cy="0"/>
+        </a:xfrm>
+      </p:grpSpPr>
+      <p:sp>
+        <p:nvSpPr>
+          <p:cNvPr id="2" name="Title 1">
+            <a:extLst>
+              <a:ext uri="{FF2B5EF4-FFF2-40B4-BE49-F238E27FC236}">
+                <a16:creationId xmlns:a16="http://schemas.microsoft.com/office/drawing/2014/main" id="{67612D3D-95B0-4F74-BDB2-BCE058A01C12}"/>
+              </a:ext>
+            </a:extLst>
+          </p:cNvPr>
+          <p:cNvSpPr>
+            <a:spLocks noGrp="1"/>
+          </p:cNvSpPr>
+          <p:nvPr>
+            <p:ph type="title"/>
+          </p:nvPr>
+        </p:nvSpPr>
+        <p:spPr/>
+        <p:txBody>
+          <a:bodyPr>
+            <a:normAutofit/>
+          </a:bodyPr>
+          <a:lstStyle/>
+          <a:p>
+            <a:r>
+              <a:rPr lang="en-US" sz="3600" dirty="0"/>
+              <a:t>Problem to solve</a:t>
+            </a:r>
+          </a:p>
+        </p:txBody>
+      </p:sp>
+      <p:sp>
+        <p:nvSpPr>
+          <p:cNvPr id="3" name="Content Placeholder 2">
+            <a:extLst>
+              <a:ext uri="{FF2B5EF4-FFF2-40B4-BE49-F238E27FC236}">
+                <a16:creationId xmlns:a16="http://schemas.microsoft.com/office/drawing/2014/main" id="{A9776AB7-EF6B-4831-BA5E-A2298E1B08F8}"/>
+              </a:ext>
+            </a:extLst>
+          </p:cNvPr>
+          <p:cNvSpPr>
+            <a:spLocks noGrp="1"/>
+          </p:cNvSpPr>
+          <p:nvPr>
+            <p:ph idx="1"/>
+          </p:nvPr>
+        </p:nvSpPr>
+        <p:spPr/>
+        <p:txBody>
+          <a:bodyPr>
+            <a:noAutofit/>
+          </a:bodyPr>
+          <a:lstStyle/>
+          <a:p>
+            <a:pPr>
+              <a:lnSpc>
+                <a:spcPct val="100000"/>
+              </a:lnSpc>
+              <a:spcBef>
+                <a:spcPts val="0"/>
+              </a:spcBef>
+              <a:spcAft>
+                <a:spcPts val="1000"/>
+              </a:spcAft>
+            </a:pPr>
+            <a:r>
+              <a:rPr lang="en-US" sz="2200" dirty="0"/>
+              <a:t>Limited or no connectivity between Pledge and Registrar. </a:t>
+            </a:r>
+          </a:p>
+          <a:p>
+            <a:pPr>
+              <a:lnSpc>
+                <a:spcPct val="100000"/>
+              </a:lnSpc>
+              <a:spcBef>
+                <a:spcPts val="0"/>
+              </a:spcBef>
+              <a:spcAft>
+                <a:spcPts val="1000"/>
+              </a:spcAft>
+            </a:pPr>
+            <a:r>
+              <a:rPr lang="en-US" sz="2200" dirty="0"/>
+              <a:t>Distinction between operational modes of the pledge </a:t>
+            </a:r>
+          </a:p>
+          <a:p>
+            <a:pPr lvl="1">
+              <a:lnSpc>
+                <a:spcPct val="100000"/>
+              </a:lnSpc>
+              <a:spcBef>
+                <a:spcPts val="0"/>
+              </a:spcBef>
+              <a:spcAft>
+                <a:spcPts val="1000"/>
+              </a:spcAft>
+            </a:pPr>
+            <a:r>
+              <a:rPr lang="en-US" sz="2200" dirty="0"/>
+              <a:t>Pledge-initiator-mode (use case 1): Pledge acts as client and follows the BRSKI approach for the voucher exchange, but allows for alternative enrollment protocols</a:t>
+            </a:r>
+          </a:p>
+          <a:p>
+            <a:pPr lvl="1">
+              <a:lnSpc>
+                <a:spcPct val="100000"/>
+              </a:lnSpc>
+              <a:spcBef>
+                <a:spcPts val="0"/>
+              </a:spcBef>
+              <a:spcAft>
+                <a:spcPts val="1000"/>
+              </a:spcAft>
+            </a:pPr>
+            <a:r>
+              <a:rPr lang="en-US" sz="2200" dirty="0"/>
+              <a:t>Pledge-responder-mode (use case 2): Pledge acts as server and communicates with registrar via a registrar-agent. Pledge is triggered (pushed) to generate and receive bootstrapping data. </a:t>
+            </a:r>
+            <a:r>
+              <a:rPr lang="en-US" sz="2200" dirty="0">
+                <a:sym typeface="Wingdings" panose="05000000000000000000" pitchFamily="2" charset="2"/>
+              </a:rPr>
+              <a:t> main changes made this use case</a:t>
+            </a:r>
+            <a:endParaRPr lang="en-US" sz="2200" dirty="0"/>
+          </a:p>
+          <a:p>
+            <a:pPr>
+              <a:lnSpc>
+                <a:spcPct val="100000"/>
+              </a:lnSpc>
+              <a:spcBef>
+                <a:spcPts val="0"/>
+              </a:spcBef>
+              <a:spcAft>
+                <a:spcPts val="1000"/>
+              </a:spcAft>
+            </a:pPr>
+            <a:r>
+              <a:rPr lang="en-US" sz="2200" dirty="0"/>
+              <a:t>Draft addresses these issues by defining the call flow and objects to be exchanged. To be independent of the transport security authenticated self-contained objects (signature-wrapped objects) for the certificate enrolment to bind proof of possession and poof of identity to the exchanged objects (similar to existing voucher exchanges with pledge)</a:t>
+            </a:r>
+          </a:p>
+        </p:txBody>
+      </p:sp>
+      <p:sp>
+        <p:nvSpPr>
+          <p:cNvPr id="4" name="Date Placeholder 3">
+            <a:extLst>
+              <a:ext uri="{FF2B5EF4-FFF2-40B4-BE49-F238E27FC236}">
+                <a16:creationId xmlns:a16="http://schemas.microsoft.com/office/drawing/2014/main" id="{603A4F89-D37F-47CD-A5DD-8B1F7476D4B1}"/>
+              </a:ext>
+            </a:extLst>
+          </p:cNvPr>
+          <p:cNvSpPr txBox="1">
+            <a:spLocks/>
+          </p:cNvSpPr>
+          <p:nvPr/>
+        </p:nvSpPr>
+        <p:spPr>
+          <a:xfrm>
+            <a:off x="838200" y="6356350"/>
+            <a:ext cx="2743200" cy="365125"/>
+          </a:xfrm>
+          <a:prstGeom prst="rect">
+            <a:avLst/>
+          </a:prstGeom>
+        </p:spPr>
+        <p:txBody>
+          <a:bodyPr vert="horz" lIns="91440" tIns="45720" rIns="91440" bIns="45720" rtlCol="0" anchor="ctr"/>
+          <a:lstStyle>
+            <a:defPPr>
+              <a:defRPr lang="de-DE"/>
+            </a:defPPr>
+            <a:lvl1pPr marL="0" algn="l" defTabSz="914400" rtl="0" eaLnBrk="1" latinLnBrk="0" hangingPunct="1">
+              <a:defRPr sz="1200" kern="1200">
+                <a:solidFill>
+                  <a:schemeClr val="tx1">
+                    <a:tint val="75000"/>
+                  </a:schemeClr>
+                </a:solidFill>
+                <a:latin typeface="+mn-lt"/>
+                <a:ea typeface="+mn-ea"/>
+                <a:cs typeface="+mn-cs"/>
+              </a:defRPr>
+            </a:lvl1pPr>
+            <a:lvl2pPr marL="457200" algn="l" defTabSz="914400" rtl="0" eaLnBrk="1" latinLnBrk="0" hangingPunct="1">
+              <a:defRPr sz="1800" kern="1200">
+                <a:solidFill>
+                  <a:schemeClr val="tx1"/>
+                </a:solidFill>
+                <a:latin typeface="+mn-lt"/>
+                <a:ea typeface="+mn-ea"/>
+                <a:cs typeface="+mn-cs"/>
+              </a:defRPr>
+            </a:lvl2pPr>
+            <a:lvl3pPr marL="914400" algn="l" defTabSz="914400" rtl="0" eaLnBrk="1" latinLnBrk="0" hangingPunct="1">
+              <a:defRPr sz="1800" kern="1200">
+                <a:solidFill>
+                  <a:schemeClr val="tx1"/>
+                </a:solidFill>
+                <a:latin typeface="+mn-lt"/>
+                <a:ea typeface="+mn-ea"/>
+                <a:cs typeface="+mn-cs"/>
+              </a:defRPr>
+            </a:lvl3pPr>
+            <a:lvl4pPr marL="1371600" algn="l" defTabSz="914400" rtl="0" eaLnBrk="1" latinLnBrk="0" hangingPunct="1">
+              <a:defRPr sz="1800" kern="1200">
+                <a:solidFill>
+                  <a:schemeClr val="tx1"/>
+                </a:solidFill>
+                <a:latin typeface="+mn-lt"/>
+                <a:ea typeface="+mn-ea"/>
+                <a:cs typeface="+mn-cs"/>
+              </a:defRPr>
+            </a:lvl4pPr>
+            <a:lvl5pPr marL="1828800" algn="l" defTabSz="914400" rtl="0" eaLnBrk="1" latinLnBrk="0" hangingPunct="1">
+              <a:defRPr sz="1800" kern="1200">
+                <a:solidFill>
+                  <a:schemeClr val="tx1"/>
+                </a:solidFill>
+                <a:latin typeface="+mn-lt"/>
+                <a:ea typeface="+mn-ea"/>
+                <a:cs typeface="+mn-cs"/>
+              </a:defRPr>
+            </a:lvl5pPr>
+            <a:lvl6pPr marL="2286000" algn="l" defTabSz="914400" rtl="0" eaLnBrk="1" latinLnBrk="0" hangingPunct="1">
+              <a:defRPr sz="1800" kern="1200">
+                <a:solidFill>
+                  <a:schemeClr val="tx1"/>
+                </a:solidFill>
+                <a:latin typeface="+mn-lt"/>
+                <a:ea typeface="+mn-ea"/>
+                <a:cs typeface="+mn-cs"/>
+              </a:defRPr>
+            </a:lvl6pPr>
+            <a:lvl7pPr marL="2743200" algn="l" defTabSz="914400" rtl="0" eaLnBrk="1" latinLnBrk="0" hangingPunct="1">
+              <a:defRPr sz="1800" kern="1200">
+                <a:solidFill>
+                  <a:schemeClr val="tx1"/>
+                </a:solidFill>
+                <a:latin typeface="+mn-lt"/>
+                <a:ea typeface="+mn-ea"/>
+                <a:cs typeface="+mn-cs"/>
+              </a:defRPr>
+            </a:lvl7pPr>
+            <a:lvl8pPr marL="3200400" algn="l" defTabSz="914400" rtl="0" eaLnBrk="1" latinLnBrk="0" hangingPunct="1">
+              <a:defRPr sz="1800" kern="1200">
+                <a:solidFill>
+                  <a:schemeClr val="tx1"/>
+                </a:solidFill>
+                <a:latin typeface="+mn-lt"/>
+                <a:ea typeface="+mn-ea"/>
+                <a:cs typeface="+mn-cs"/>
+              </a:defRPr>
+            </a:lvl8pPr>
+            <a:lvl9pPr marL="3657600" algn="l" defTabSz="914400" rtl="0" eaLnBrk="1" latinLnBrk="0" hangingPunct="1">
+              <a:defRPr sz="1800" kern="1200">
+                <a:solidFill>
+                  <a:schemeClr val="tx1"/>
+                </a:solidFill>
+                <a:latin typeface="+mn-lt"/>
+                <a:ea typeface="+mn-ea"/>
+                <a:cs typeface="+mn-cs"/>
+              </a:defRPr>
+            </a:lvl9pPr>
+          </a:lstStyle>
+          <a:p>
+            <a:fld id="{8C792E63-5F21-4F54-A864-D84D9F273FCA}" type="datetimeFigureOut">
+              <a:rPr lang="en-US" smtClean="0"/>
+              <a:pPr/>
+              <a:t>7/17/2021</a:t>
+            </a:fld>
+            <a:endParaRPr lang="en-US" dirty="0"/>
+          </a:p>
+        </p:txBody>
+      </p:sp>
+      <p:sp>
+        <p:nvSpPr>
+          <p:cNvPr id="5" name="Slide Number Placeholder 5">
+            <a:extLst>
+              <a:ext uri="{FF2B5EF4-FFF2-40B4-BE49-F238E27FC236}">
+                <a16:creationId xmlns:a16="http://schemas.microsoft.com/office/drawing/2014/main" id="{EA009C1A-0CD0-4840-856B-B85603FEF6D0}"/>
+              </a:ext>
+            </a:extLst>
+          </p:cNvPr>
+          <p:cNvSpPr txBox="1">
+            <a:spLocks/>
+          </p:cNvSpPr>
+          <p:nvPr/>
+        </p:nvSpPr>
+        <p:spPr>
+          <a:xfrm>
+            <a:off x="8610600" y="6356350"/>
+            <a:ext cx="2743200" cy="365125"/>
+          </a:xfrm>
+          <a:prstGeom prst="rect">
+            <a:avLst/>
+          </a:prstGeom>
+        </p:spPr>
+        <p:txBody>
+          <a:bodyPr vert="horz" lIns="91440" tIns="45720" rIns="91440" bIns="45720" rtlCol="0" anchor="ctr"/>
+          <a:lstStyle>
+            <a:defPPr>
+              <a:defRPr lang="de-DE"/>
+            </a:defPPr>
+            <a:lvl1pPr marL="0" algn="r" defTabSz="914400" rtl="0" eaLnBrk="1" latinLnBrk="0" hangingPunct="1">
+              <a:defRPr sz="1200" kern="1200">
+                <a:solidFill>
+                  <a:schemeClr val="tx1">
+                    <a:tint val="75000"/>
+                  </a:schemeClr>
+                </a:solidFill>
+                <a:latin typeface="+mn-lt"/>
+                <a:ea typeface="+mn-ea"/>
+                <a:cs typeface="+mn-cs"/>
+              </a:defRPr>
+            </a:lvl1pPr>
+            <a:lvl2pPr marL="457200" algn="l" defTabSz="914400" rtl="0" eaLnBrk="1" latinLnBrk="0" hangingPunct="1">
+              <a:defRPr sz="1800" kern="1200">
+                <a:solidFill>
+                  <a:schemeClr val="tx1"/>
+                </a:solidFill>
+                <a:latin typeface="+mn-lt"/>
+                <a:ea typeface="+mn-ea"/>
+                <a:cs typeface="+mn-cs"/>
+              </a:defRPr>
+            </a:lvl2pPr>
+            <a:lvl3pPr marL="914400" algn="l" defTabSz="914400" rtl="0" eaLnBrk="1" latinLnBrk="0" hangingPunct="1">
+              <a:defRPr sz="1800" kern="1200">
+                <a:solidFill>
+                  <a:schemeClr val="tx1"/>
+                </a:solidFill>
+                <a:latin typeface="+mn-lt"/>
+                <a:ea typeface="+mn-ea"/>
+                <a:cs typeface="+mn-cs"/>
+              </a:defRPr>
+            </a:lvl3pPr>
+            <a:lvl4pPr marL="1371600" algn="l" defTabSz="914400" rtl="0" eaLnBrk="1" latinLnBrk="0" hangingPunct="1">
+              <a:defRPr sz="1800" kern="1200">
+                <a:solidFill>
+                  <a:schemeClr val="tx1"/>
+                </a:solidFill>
+                <a:latin typeface="+mn-lt"/>
+                <a:ea typeface="+mn-ea"/>
+                <a:cs typeface="+mn-cs"/>
+              </a:defRPr>
+            </a:lvl4pPr>
+            <a:lvl5pPr marL="1828800" algn="l" defTabSz="914400" rtl="0" eaLnBrk="1" latinLnBrk="0" hangingPunct="1">
+              <a:defRPr sz="1800" kern="1200">
+                <a:solidFill>
+                  <a:schemeClr val="tx1"/>
+                </a:solidFill>
+                <a:latin typeface="+mn-lt"/>
+                <a:ea typeface="+mn-ea"/>
+                <a:cs typeface="+mn-cs"/>
+              </a:defRPr>
+            </a:lvl5pPr>
+            <a:lvl6pPr marL="2286000" algn="l" defTabSz="914400" rtl="0" eaLnBrk="1" latinLnBrk="0" hangingPunct="1">
+              <a:defRPr sz="1800" kern="1200">
+                <a:solidFill>
+                  <a:schemeClr val="tx1"/>
+                </a:solidFill>
+                <a:latin typeface="+mn-lt"/>
+                <a:ea typeface="+mn-ea"/>
+                <a:cs typeface="+mn-cs"/>
+              </a:defRPr>
+            </a:lvl6pPr>
+            <a:lvl7pPr marL="2743200" algn="l" defTabSz="914400" rtl="0" eaLnBrk="1" latinLnBrk="0" hangingPunct="1">
+              <a:defRPr sz="1800" kern="1200">
+                <a:solidFill>
+                  <a:schemeClr val="tx1"/>
+                </a:solidFill>
+                <a:latin typeface="+mn-lt"/>
+                <a:ea typeface="+mn-ea"/>
+                <a:cs typeface="+mn-cs"/>
+              </a:defRPr>
+            </a:lvl7pPr>
+            <a:lvl8pPr marL="3200400" algn="l" defTabSz="914400" rtl="0" eaLnBrk="1" latinLnBrk="0" hangingPunct="1">
+              <a:defRPr sz="1800" kern="1200">
+                <a:solidFill>
+                  <a:schemeClr val="tx1"/>
+                </a:solidFill>
+                <a:latin typeface="+mn-lt"/>
+                <a:ea typeface="+mn-ea"/>
+                <a:cs typeface="+mn-cs"/>
+              </a:defRPr>
+            </a:lvl8pPr>
+            <a:lvl9pPr marL="3657600" algn="l" defTabSz="914400" rtl="0" eaLnBrk="1" latinLnBrk="0" hangingPunct="1">
+              <a:defRPr sz="1800" kern="1200">
+                <a:solidFill>
+                  <a:schemeClr val="tx1"/>
+                </a:solidFill>
+                <a:latin typeface="+mn-lt"/>
+                <a:ea typeface="+mn-ea"/>
+                <a:cs typeface="+mn-cs"/>
+              </a:defRPr>
+            </a:lvl9pPr>
+          </a:lstStyle>
+          <a:p>
+            <a:fld id="{104F53CC-0028-4916-8B93-0EBFFB2C7AAD}" type="slidenum">
+              <a:rPr lang="en-US" smtClean="0"/>
+              <a:pPr/>
+              <a:t>2</a:t>
+            </a:fld>
+            <a:endParaRPr lang="en-US"/>
+          </a:p>
+        </p:txBody>
+      </p:sp>
+    </p:spTree>
+    <p:extLst>
+      <p:ext uri="{BB962C8B-B14F-4D97-AF65-F5344CB8AC3E}">
+        <p14:creationId xmlns:p14="http://schemas.microsoft.com/office/powerpoint/2010/main" val="1894769552"/>
+      </p:ext>
+    </p:extLst>
+  </p:cSld>
+  <p:clrMapOvr>
+    <a:masterClrMapping/>
+  </p:clrMapOvr>
+</p:sld>
+</file>
+
+<file path=ppt/slides/slide20.xml><?xml version="1.0" encoding="utf-8"?>
 <p:sld xmlns:a="http://schemas.openxmlformats.org/drawingml/2006/main" xmlns:r="http://schemas.openxmlformats.org/officeDocument/2006/relationships" xmlns:p="http://schemas.openxmlformats.org/presentationml/2006/main">
   <p:cSld>
     <p:spTree>
@@ -20333,7 +22449,7 @@
             <a:fld id="{8C792E63-5F21-4F54-A864-D84D9F273FCA}" type="datetimeFigureOut">
               <a:rPr lang="en-US" smtClean="0"/>
               <a:pPr/>
-              <a:t>7/9/2021</a:t>
+              <a:t>7/17/2021</a:t>
             </a:fld>
             <a:endParaRPr lang="en-US" dirty="0"/>
           </a:p>
@@ -20465,7 +22581,7 @@
             <a:fld id="{104F53CC-0028-4916-8B93-0EBFFB2C7AAD}" type="slidenum">
               <a:rPr lang="en-US" smtClean="0"/>
               <a:pPr/>
-              <a:t>19</a:t>
+              <a:t>20</a:t>
             </a:fld>
             <a:endParaRPr lang="en-US"/>
           </a:p>
@@ -20484,447 +22600,7 @@
 </p:sld>
 </file>
 
-<file path=ppt/slides/slide2.xml><?xml version="1.0" encoding="utf-8"?>
-<p:sld xmlns:a="http://schemas.openxmlformats.org/drawingml/2006/main" xmlns:r="http://schemas.openxmlformats.org/officeDocument/2006/relationships" xmlns:p="http://schemas.openxmlformats.org/presentationml/2006/main">
-  <p:cSld>
-    <p:spTree>
-      <p:nvGrpSpPr>
-        <p:cNvPr id="1" name=""/>
-        <p:cNvGrpSpPr/>
-        <p:nvPr/>
-      </p:nvGrpSpPr>
-      <p:grpSpPr>
-        <a:xfrm>
-          <a:off x="0" y="0"/>
-          <a:ext cx="0" cy="0"/>
-          <a:chOff x="0" y="0"/>
-          <a:chExt cx="0" cy="0"/>
-        </a:xfrm>
-      </p:grpSpPr>
-      <p:sp>
-        <p:nvSpPr>
-          <p:cNvPr id="2" name="Title 1">
-            <a:extLst>
-              <a:ext uri="{FF2B5EF4-FFF2-40B4-BE49-F238E27FC236}">
-                <a16:creationId xmlns:a16="http://schemas.microsoft.com/office/drawing/2014/main" id="{67612D3D-95B0-4F74-BDB2-BCE058A01C12}"/>
-              </a:ext>
-            </a:extLst>
-          </p:cNvPr>
-          <p:cNvSpPr>
-            <a:spLocks noGrp="1"/>
-          </p:cNvSpPr>
-          <p:nvPr>
-            <p:ph type="title"/>
-          </p:nvPr>
-        </p:nvSpPr>
-        <p:spPr/>
-        <p:txBody>
-          <a:bodyPr>
-            <a:normAutofit/>
-          </a:bodyPr>
-          <a:lstStyle/>
-          <a:p>
-            <a:r>
-              <a:rPr lang="en-US" sz="3600" dirty="0"/>
-              <a:t>Problem to solve</a:t>
-            </a:r>
-          </a:p>
-        </p:txBody>
-      </p:sp>
-      <p:sp>
-        <p:nvSpPr>
-          <p:cNvPr id="3" name="Content Placeholder 2">
-            <a:extLst>
-              <a:ext uri="{FF2B5EF4-FFF2-40B4-BE49-F238E27FC236}">
-                <a16:creationId xmlns:a16="http://schemas.microsoft.com/office/drawing/2014/main" id="{A9776AB7-EF6B-4831-BA5E-A2298E1B08F8}"/>
-              </a:ext>
-            </a:extLst>
-          </p:cNvPr>
-          <p:cNvSpPr>
-            <a:spLocks noGrp="1"/>
-          </p:cNvSpPr>
-          <p:nvPr>
-            <p:ph idx="1"/>
-          </p:nvPr>
-        </p:nvSpPr>
-        <p:spPr/>
-        <p:txBody>
-          <a:bodyPr>
-            <a:noAutofit/>
-          </a:bodyPr>
-          <a:lstStyle/>
-          <a:p>
-            <a:pPr>
-              <a:lnSpc>
-                <a:spcPct val="100000"/>
-              </a:lnSpc>
-              <a:spcBef>
-                <a:spcPts val="0"/>
-              </a:spcBef>
-              <a:spcAft>
-                <a:spcPts val="1000"/>
-              </a:spcAft>
-            </a:pPr>
-            <a:r>
-              <a:rPr lang="en-US" sz="2200" dirty="0"/>
-              <a:t>Limited or no connectivity between Pledge and Registrar. </a:t>
-            </a:r>
-          </a:p>
-          <a:p>
-            <a:pPr>
-              <a:lnSpc>
-                <a:spcPct val="100000"/>
-              </a:lnSpc>
-              <a:spcBef>
-                <a:spcPts val="0"/>
-              </a:spcBef>
-              <a:spcAft>
-                <a:spcPts val="1000"/>
-              </a:spcAft>
-            </a:pPr>
-            <a:r>
-              <a:rPr lang="en-US" sz="2200" dirty="0"/>
-              <a:t>Distinction between operational modes of the pledge </a:t>
-            </a:r>
-          </a:p>
-          <a:p>
-            <a:pPr lvl="1">
-              <a:lnSpc>
-                <a:spcPct val="100000"/>
-              </a:lnSpc>
-              <a:spcBef>
-                <a:spcPts val="0"/>
-              </a:spcBef>
-              <a:spcAft>
-                <a:spcPts val="1000"/>
-              </a:spcAft>
-            </a:pPr>
-            <a:r>
-              <a:rPr lang="en-US" sz="2200" dirty="0"/>
-              <a:t>Pledge-initiator-mode (use case 1): Pledge acts as client and follows the BRSKI approach for the voucher exchange, but allows for alternative enrollment protocols</a:t>
-            </a:r>
-          </a:p>
-          <a:p>
-            <a:pPr lvl="1">
-              <a:lnSpc>
-                <a:spcPct val="100000"/>
-              </a:lnSpc>
-              <a:spcBef>
-                <a:spcPts val="0"/>
-              </a:spcBef>
-              <a:spcAft>
-                <a:spcPts val="1000"/>
-              </a:spcAft>
-            </a:pPr>
-            <a:r>
-              <a:rPr lang="en-US" sz="2200" dirty="0"/>
-              <a:t>Pledge-responder-mode (use case 2): Pledge acts as server and communicates with registrar via a registrar-agent. Pledge is triggered (pushed) to generate and receive bootstrapping data. </a:t>
-            </a:r>
-            <a:r>
-              <a:rPr lang="en-US" sz="2200" dirty="0">
-                <a:sym typeface="Wingdings" panose="05000000000000000000" pitchFamily="2" charset="2"/>
-              </a:rPr>
-              <a:t> main changes made this use case</a:t>
-            </a:r>
-            <a:endParaRPr lang="en-US" sz="2200" dirty="0"/>
-          </a:p>
-          <a:p>
-            <a:pPr>
-              <a:lnSpc>
-                <a:spcPct val="100000"/>
-              </a:lnSpc>
-              <a:spcBef>
-                <a:spcPts val="0"/>
-              </a:spcBef>
-              <a:spcAft>
-                <a:spcPts val="1000"/>
-              </a:spcAft>
-            </a:pPr>
-            <a:r>
-              <a:rPr lang="en-US" sz="2200" dirty="0"/>
-              <a:t>Draft addresses these issues by defining the call flow and objects to be exchanged. To be independent of the transport security authenticated self-contained objects (signature-wrapped objects) for the certificate enrolment to bind proof of possession and poof of identity to the exchanged objects (similar to existing voucher exchanges with pledge)</a:t>
-            </a:r>
-          </a:p>
-        </p:txBody>
-      </p:sp>
-      <p:sp>
-        <p:nvSpPr>
-          <p:cNvPr id="4" name="Date Placeholder 3">
-            <a:extLst>
-              <a:ext uri="{FF2B5EF4-FFF2-40B4-BE49-F238E27FC236}">
-                <a16:creationId xmlns:a16="http://schemas.microsoft.com/office/drawing/2014/main" id="{603A4F89-D37F-47CD-A5DD-8B1F7476D4B1}"/>
-              </a:ext>
-            </a:extLst>
-          </p:cNvPr>
-          <p:cNvSpPr txBox="1">
-            <a:spLocks/>
-          </p:cNvSpPr>
-          <p:nvPr/>
-        </p:nvSpPr>
-        <p:spPr>
-          <a:xfrm>
-            <a:off x="838200" y="6356350"/>
-            <a:ext cx="2743200" cy="365125"/>
-          </a:xfrm>
-          <a:prstGeom prst="rect">
-            <a:avLst/>
-          </a:prstGeom>
-        </p:spPr>
-        <p:txBody>
-          <a:bodyPr vert="horz" lIns="91440" tIns="45720" rIns="91440" bIns="45720" rtlCol="0" anchor="ctr"/>
-          <a:lstStyle>
-            <a:defPPr>
-              <a:defRPr lang="de-DE"/>
-            </a:defPPr>
-            <a:lvl1pPr marL="0" algn="l" defTabSz="914400" rtl="0" eaLnBrk="1" latinLnBrk="0" hangingPunct="1">
-              <a:defRPr sz="1200" kern="1200">
-                <a:solidFill>
-                  <a:schemeClr val="tx1">
-                    <a:tint val="75000"/>
-                  </a:schemeClr>
-                </a:solidFill>
-                <a:latin typeface="+mn-lt"/>
-                <a:ea typeface="+mn-ea"/>
-                <a:cs typeface="+mn-cs"/>
-              </a:defRPr>
-            </a:lvl1pPr>
-            <a:lvl2pPr marL="457200" algn="l" defTabSz="914400" rtl="0" eaLnBrk="1" latinLnBrk="0" hangingPunct="1">
-              <a:defRPr sz="1800" kern="1200">
-                <a:solidFill>
-                  <a:schemeClr val="tx1"/>
-                </a:solidFill>
-                <a:latin typeface="+mn-lt"/>
-                <a:ea typeface="+mn-ea"/>
-                <a:cs typeface="+mn-cs"/>
-              </a:defRPr>
-            </a:lvl2pPr>
-            <a:lvl3pPr marL="914400" algn="l" defTabSz="914400" rtl="0" eaLnBrk="1" latinLnBrk="0" hangingPunct="1">
-              <a:defRPr sz="1800" kern="1200">
-                <a:solidFill>
-                  <a:schemeClr val="tx1"/>
-                </a:solidFill>
-                <a:latin typeface="+mn-lt"/>
-                <a:ea typeface="+mn-ea"/>
-                <a:cs typeface="+mn-cs"/>
-              </a:defRPr>
-            </a:lvl3pPr>
-            <a:lvl4pPr marL="1371600" algn="l" defTabSz="914400" rtl="0" eaLnBrk="1" latinLnBrk="0" hangingPunct="1">
-              <a:defRPr sz="1800" kern="1200">
-                <a:solidFill>
-                  <a:schemeClr val="tx1"/>
-                </a:solidFill>
-                <a:latin typeface="+mn-lt"/>
-                <a:ea typeface="+mn-ea"/>
-                <a:cs typeface="+mn-cs"/>
-              </a:defRPr>
-            </a:lvl4pPr>
-            <a:lvl5pPr marL="1828800" algn="l" defTabSz="914400" rtl="0" eaLnBrk="1" latinLnBrk="0" hangingPunct="1">
-              <a:defRPr sz="1800" kern="1200">
-                <a:solidFill>
-                  <a:schemeClr val="tx1"/>
-                </a:solidFill>
-                <a:latin typeface="+mn-lt"/>
-                <a:ea typeface="+mn-ea"/>
-                <a:cs typeface="+mn-cs"/>
-              </a:defRPr>
-            </a:lvl5pPr>
-            <a:lvl6pPr marL="2286000" algn="l" defTabSz="914400" rtl="0" eaLnBrk="1" latinLnBrk="0" hangingPunct="1">
-              <a:defRPr sz="1800" kern="1200">
-                <a:solidFill>
-                  <a:schemeClr val="tx1"/>
-                </a:solidFill>
-                <a:latin typeface="+mn-lt"/>
-                <a:ea typeface="+mn-ea"/>
-                <a:cs typeface="+mn-cs"/>
-              </a:defRPr>
-            </a:lvl6pPr>
-            <a:lvl7pPr marL="2743200" algn="l" defTabSz="914400" rtl="0" eaLnBrk="1" latinLnBrk="0" hangingPunct="1">
-              <a:defRPr sz="1800" kern="1200">
-                <a:solidFill>
-                  <a:schemeClr val="tx1"/>
-                </a:solidFill>
-                <a:latin typeface="+mn-lt"/>
-                <a:ea typeface="+mn-ea"/>
-                <a:cs typeface="+mn-cs"/>
-              </a:defRPr>
-            </a:lvl7pPr>
-            <a:lvl8pPr marL="3200400" algn="l" defTabSz="914400" rtl="0" eaLnBrk="1" latinLnBrk="0" hangingPunct="1">
-              <a:defRPr sz="1800" kern="1200">
-                <a:solidFill>
-                  <a:schemeClr val="tx1"/>
-                </a:solidFill>
-                <a:latin typeface="+mn-lt"/>
-                <a:ea typeface="+mn-ea"/>
-                <a:cs typeface="+mn-cs"/>
-              </a:defRPr>
-            </a:lvl8pPr>
-            <a:lvl9pPr marL="3657600" algn="l" defTabSz="914400" rtl="0" eaLnBrk="1" latinLnBrk="0" hangingPunct="1">
-              <a:defRPr sz="1800" kern="1200">
-                <a:solidFill>
-                  <a:schemeClr val="tx1"/>
-                </a:solidFill>
-                <a:latin typeface="+mn-lt"/>
-                <a:ea typeface="+mn-ea"/>
-                <a:cs typeface="+mn-cs"/>
-              </a:defRPr>
-            </a:lvl9pPr>
-          </a:lstStyle>
-          <a:p>
-            <a:fld id="{8C792E63-5F21-4F54-A864-D84D9F273FCA}" type="datetimeFigureOut">
-              <a:rPr lang="en-US" smtClean="0"/>
-              <a:pPr/>
-              <a:t>7/9/2021</a:t>
-            </a:fld>
-            <a:endParaRPr lang="en-US" dirty="0"/>
-          </a:p>
-        </p:txBody>
-      </p:sp>
-      <p:sp>
-        <p:nvSpPr>
-          <p:cNvPr id="5" name="Slide Number Placeholder 5">
-            <a:extLst>
-              <a:ext uri="{FF2B5EF4-FFF2-40B4-BE49-F238E27FC236}">
-                <a16:creationId xmlns:a16="http://schemas.microsoft.com/office/drawing/2014/main" id="{EA009C1A-0CD0-4840-856B-B85603FEF6D0}"/>
-              </a:ext>
-            </a:extLst>
-          </p:cNvPr>
-          <p:cNvSpPr txBox="1">
-            <a:spLocks/>
-          </p:cNvSpPr>
-          <p:nvPr/>
-        </p:nvSpPr>
-        <p:spPr>
-          <a:xfrm>
-            <a:off x="8610600" y="6356350"/>
-            <a:ext cx="2743200" cy="365125"/>
-          </a:xfrm>
-          <a:prstGeom prst="rect">
-            <a:avLst/>
-          </a:prstGeom>
-        </p:spPr>
-        <p:txBody>
-          <a:bodyPr vert="horz" lIns="91440" tIns="45720" rIns="91440" bIns="45720" rtlCol="0" anchor="ctr"/>
-          <a:lstStyle>
-            <a:defPPr>
-              <a:defRPr lang="de-DE"/>
-            </a:defPPr>
-            <a:lvl1pPr marL="0" algn="r" defTabSz="914400" rtl="0" eaLnBrk="1" latinLnBrk="0" hangingPunct="1">
-              <a:defRPr sz="1200" kern="1200">
-                <a:solidFill>
-                  <a:schemeClr val="tx1">
-                    <a:tint val="75000"/>
-                  </a:schemeClr>
-                </a:solidFill>
-                <a:latin typeface="+mn-lt"/>
-                <a:ea typeface="+mn-ea"/>
-                <a:cs typeface="+mn-cs"/>
-              </a:defRPr>
-            </a:lvl1pPr>
-            <a:lvl2pPr marL="457200" algn="l" defTabSz="914400" rtl="0" eaLnBrk="1" latinLnBrk="0" hangingPunct="1">
-              <a:defRPr sz="1800" kern="1200">
-                <a:solidFill>
-                  <a:schemeClr val="tx1"/>
-                </a:solidFill>
-                <a:latin typeface="+mn-lt"/>
-                <a:ea typeface="+mn-ea"/>
-                <a:cs typeface="+mn-cs"/>
-              </a:defRPr>
-            </a:lvl2pPr>
-            <a:lvl3pPr marL="914400" algn="l" defTabSz="914400" rtl="0" eaLnBrk="1" latinLnBrk="0" hangingPunct="1">
-              <a:defRPr sz="1800" kern="1200">
-                <a:solidFill>
-                  <a:schemeClr val="tx1"/>
-                </a:solidFill>
-                <a:latin typeface="+mn-lt"/>
-                <a:ea typeface="+mn-ea"/>
-                <a:cs typeface="+mn-cs"/>
-              </a:defRPr>
-            </a:lvl3pPr>
-            <a:lvl4pPr marL="1371600" algn="l" defTabSz="914400" rtl="0" eaLnBrk="1" latinLnBrk="0" hangingPunct="1">
-              <a:defRPr sz="1800" kern="1200">
-                <a:solidFill>
-                  <a:schemeClr val="tx1"/>
-                </a:solidFill>
-                <a:latin typeface="+mn-lt"/>
-                <a:ea typeface="+mn-ea"/>
-                <a:cs typeface="+mn-cs"/>
-              </a:defRPr>
-            </a:lvl4pPr>
-            <a:lvl5pPr marL="1828800" algn="l" defTabSz="914400" rtl="0" eaLnBrk="1" latinLnBrk="0" hangingPunct="1">
-              <a:defRPr sz="1800" kern="1200">
-                <a:solidFill>
-                  <a:schemeClr val="tx1"/>
-                </a:solidFill>
-                <a:latin typeface="+mn-lt"/>
-                <a:ea typeface="+mn-ea"/>
-                <a:cs typeface="+mn-cs"/>
-              </a:defRPr>
-            </a:lvl5pPr>
-            <a:lvl6pPr marL="2286000" algn="l" defTabSz="914400" rtl="0" eaLnBrk="1" latinLnBrk="0" hangingPunct="1">
-              <a:defRPr sz="1800" kern="1200">
-                <a:solidFill>
-                  <a:schemeClr val="tx1"/>
-                </a:solidFill>
-                <a:latin typeface="+mn-lt"/>
-                <a:ea typeface="+mn-ea"/>
-                <a:cs typeface="+mn-cs"/>
-              </a:defRPr>
-            </a:lvl6pPr>
-            <a:lvl7pPr marL="2743200" algn="l" defTabSz="914400" rtl="0" eaLnBrk="1" latinLnBrk="0" hangingPunct="1">
-              <a:defRPr sz="1800" kern="1200">
-                <a:solidFill>
-                  <a:schemeClr val="tx1"/>
-                </a:solidFill>
-                <a:latin typeface="+mn-lt"/>
-                <a:ea typeface="+mn-ea"/>
-                <a:cs typeface="+mn-cs"/>
-              </a:defRPr>
-            </a:lvl7pPr>
-            <a:lvl8pPr marL="3200400" algn="l" defTabSz="914400" rtl="0" eaLnBrk="1" latinLnBrk="0" hangingPunct="1">
-              <a:defRPr sz="1800" kern="1200">
-                <a:solidFill>
-                  <a:schemeClr val="tx1"/>
-                </a:solidFill>
-                <a:latin typeface="+mn-lt"/>
-                <a:ea typeface="+mn-ea"/>
-                <a:cs typeface="+mn-cs"/>
-              </a:defRPr>
-            </a:lvl8pPr>
-            <a:lvl9pPr marL="3657600" algn="l" defTabSz="914400" rtl="0" eaLnBrk="1" latinLnBrk="0" hangingPunct="1">
-              <a:defRPr sz="1800" kern="1200">
-                <a:solidFill>
-                  <a:schemeClr val="tx1"/>
-                </a:solidFill>
-                <a:latin typeface="+mn-lt"/>
-                <a:ea typeface="+mn-ea"/>
-                <a:cs typeface="+mn-cs"/>
-              </a:defRPr>
-            </a:lvl9pPr>
-          </a:lstStyle>
-          <a:p>
-            <a:fld id="{104F53CC-0028-4916-8B93-0EBFFB2C7AAD}" type="slidenum">
-              <a:rPr lang="en-US" smtClean="0"/>
-              <a:pPr/>
-              <a:t>2</a:t>
-            </a:fld>
-            <a:endParaRPr lang="en-US"/>
-          </a:p>
-        </p:txBody>
-      </p:sp>
-    </p:spTree>
-    <p:extLst>
-      <p:ext uri="{BB962C8B-B14F-4D97-AF65-F5344CB8AC3E}">
-        <p14:creationId xmlns:p14="http://schemas.microsoft.com/office/powerpoint/2010/main" val="1894769552"/>
-      </p:ext>
-    </p:extLst>
-  </p:cSld>
-  <p:clrMapOvr>
-    <a:masterClrMapping/>
-  </p:clrMapOvr>
-</p:sld>
-</file>
-
-<file path=ppt/slides/slide20.xml><?xml version="1.0" encoding="utf-8"?>
+<file path=ppt/slides/slide21.xml><?xml version="1.0" encoding="utf-8"?>
 <p:sld xmlns:a="http://schemas.openxmlformats.org/drawingml/2006/main" xmlns:r="http://schemas.openxmlformats.org/officeDocument/2006/relationships" xmlns:p="http://schemas.openxmlformats.org/presentationml/2006/main">
   <p:cSld>
     <p:spTree>
@@ -21685,7 +23361,7 @@
             <a:fld id="{8C792E63-5F21-4F54-A864-D84D9F273FCA}" type="datetimeFigureOut">
               <a:rPr lang="en-US" smtClean="0"/>
               <a:pPr/>
-              <a:t>7/9/2021</a:t>
+              <a:t>7/17/2021</a:t>
             </a:fld>
             <a:endParaRPr lang="en-US" dirty="0"/>
           </a:p>
@@ -21817,7 +23493,7 @@
             <a:fld id="{104F53CC-0028-4916-8B93-0EBFFB2C7AAD}" type="slidenum">
               <a:rPr lang="en-US" smtClean="0"/>
               <a:pPr/>
-              <a:t>20</a:t>
+              <a:t>21</a:t>
             </a:fld>
             <a:endParaRPr lang="en-US"/>
           </a:p>
@@ -21831,7 +23507,7 @@
 </p:sld>
 </file>
 
-<file path=ppt/slides/slide21.xml><?xml version="1.0" encoding="utf-8"?>
+<file path=ppt/slides/slide22.xml><?xml version="1.0" encoding="utf-8"?>
 <p:sld xmlns:a="http://schemas.openxmlformats.org/drawingml/2006/main" xmlns:r="http://schemas.openxmlformats.org/officeDocument/2006/relationships" xmlns:p="http://schemas.openxmlformats.org/presentationml/2006/main">
   <p:cSld>
     <p:spTree>
@@ -22732,7 +24408,7 @@
             <a:fld id="{8C792E63-5F21-4F54-A864-D84D9F273FCA}" type="datetimeFigureOut">
               <a:rPr lang="en-US" smtClean="0"/>
               <a:pPr/>
-              <a:t>7/9/2021</a:t>
+              <a:t>7/17/2021</a:t>
             </a:fld>
             <a:endParaRPr lang="en-US" dirty="0"/>
           </a:p>
@@ -22864,7 +24540,7 @@
             <a:fld id="{104F53CC-0028-4916-8B93-0EBFFB2C7AAD}" type="slidenum">
               <a:rPr lang="en-US" smtClean="0"/>
               <a:pPr/>
-              <a:t>21</a:t>
+              <a:t>22</a:t>
             </a:fld>
             <a:endParaRPr lang="en-US"/>
           </a:p>
@@ -22878,7 +24554,7 @@
 </p:sld>
 </file>
 
-<file path=ppt/slides/slide22.xml><?xml version="1.0" encoding="utf-8"?>
+<file path=ppt/slides/slide23.xml><?xml version="1.0" encoding="utf-8"?>
 <p:sld xmlns:a="http://schemas.openxmlformats.org/drawingml/2006/main" xmlns:r="http://schemas.openxmlformats.org/officeDocument/2006/relationships" xmlns:p="http://schemas.openxmlformats.org/presentationml/2006/main">
   <p:cSld>
     <p:spTree>
@@ -23917,7 +25593,7 @@
             <a:fld id="{8C792E63-5F21-4F54-A864-D84D9F273FCA}" type="datetimeFigureOut">
               <a:rPr lang="en-US" smtClean="0"/>
               <a:pPr/>
-              <a:t>7/9/2021</a:t>
+              <a:t>7/17/2021</a:t>
             </a:fld>
             <a:endParaRPr lang="en-US" dirty="0"/>
           </a:p>
@@ -24049,7 +25725,7 @@
             <a:fld id="{104F53CC-0028-4916-8B93-0EBFFB2C7AAD}" type="slidenum">
               <a:rPr lang="en-US" smtClean="0"/>
               <a:pPr/>
-              <a:t>22</a:t>
+              <a:t>23</a:t>
             </a:fld>
             <a:endParaRPr lang="en-US"/>
           </a:p>
@@ -24059,470 +25735,6 @@
     <p:extLst>
       <p:ext uri="{BB962C8B-B14F-4D97-AF65-F5344CB8AC3E}">
         <p14:creationId xmlns:p14="http://schemas.microsoft.com/office/powerpoint/2010/main" val="2685033131"/>
-      </p:ext>
-    </p:extLst>
-  </p:cSld>
-  <p:clrMapOvr>
-    <a:masterClrMapping/>
-  </p:clrMapOvr>
-</p:sld>
-</file>
-
-<file path=ppt/slides/slide23.xml><?xml version="1.0" encoding="utf-8"?>
-<p:sld xmlns:a="http://schemas.openxmlformats.org/drawingml/2006/main" xmlns:r="http://schemas.openxmlformats.org/officeDocument/2006/relationships" xmlns:p="http://schemas.openxmlformats.org/presentationml/2006/main">
-  <p:cSld>
-    <p:spTree>
-      <p:nvGrpSpPr>
-        <p:cNvPr id="1" name=""/>
-        <p:cNvGrpSpPr/>
-        <p:nvPr/>
-      </p:nvGrpSpPr>
-      <p:grpSpPr>
-        <a:xfrm>
-          <a:off x="0" y="0"/>
-          <a:ext cx="0" cy="0"/>
-          <a:chOff x="0" y="0"/>
-          <a:chExt cx="0" cy="0"/>
-        </a:xfrm>
-      </p:grpSpPr>
-      <p:sp>
-        <p:nvSpPr>
-          <p:cNvPr id="2" name="Title 1">
-            <a:extLst>
-              <a:ext uri="{FF2B5EF4-FFF2-40B4-BE49-F238E27FC236}">
-                <a16:creationId xmlns:a16="http://schemas.microsoft.com/office/drawing/2014/main" id="{67612D3D-95B0-4F74-BDB2-BCE058A01C12}"/>
-              </a:ext>
-            </a:extLst>
-          </p:cNvPr>
-          <p:cNvSpPr>
-            <a:spLocks noGrp="1"/>
-          </p:cNvSpPr>
-          <p:nvPr>
-            <p:ph type="title"/>
-          </p:nvPr>
-        </p:nvSpPr>
-        <p:spPr/>
-        <p:txBody>
-          <a:bodyPr>
-            <a:normAutofit/>
-          </a:bodyPr>
-          <a:lstStyle/>
-          <a:p>
-            <a:r>
-              <a:rPr lang="en-US" sz="3600" dirty="0"/>
-              <a:t>BRSKI-AE Status, Use Case 2</a:t>
-            </a:r>
-            <a:br>
-              <a:rPr lang="en-US" sz="3600" dirty="0"/>
-            </a:br>
-            <a:r>
-              <a:rPr lang="en-US" sz="3600" dirty="0"/>
-              <a:t>Verification of agent-proximity</a:t>
-            </a:r>
-          </a:p>
-        </p:txBody>
-      </p:sp>
-      <p:sp>
-        <p:nvSpPr>
-          <p:cNvPr id="3" name="Content Placeholder 2">
-            <a:extLst>
-              <a:ext uri="{FF2B5EF4-FFF2-40B4-BE49-F238E27FC236}">
-                <a16:creationId xmlns:a16="http://schemas.microsoft.com/office/drawing/2014/main" id="{A9776AB7-EF6B-4831-BA5E-A2298E1B08F8}"/>
-              </a:ext>
-            </a:extLst>
-          </p:cNvPr>
-          <p:cNvSpPr>
-            <a:spLocks noGrp="1"/>
-          </p:cNvSpPr>
-          <p:nvPr>
-            <p:ph idx="1"/>
-          </p:nvPr>
-        </p:nvSpPr>
-        <p:spPr>
-          <a:xfrm>
-            <a:off x="701640" y="1727148"/>
-            <a:ext cx="10515600" cy="4594993"/>
-          </a:xfrm>
-        </p:spPr>
-        <p:txBody>
-          <a:bodyPr>
-            <a:noAutofit/>
-          </a:bodyPr>
-          <a:lstStyle/>
-          <a:p>
-            <a:pPr>
-              <a:lnSpc>
-                <a:spcPct val="100000"/>
-              </a:lnSpc>
-            </a:pPr>
-            <a:r>
-              <a:rPr lang="en-US" sz="2200" dirty="0"/>
-              <a:t>Data exchange between registrar-agent and pledge based on signed objects (no TLS)</a:t>
-            </a:r>
-          </a:p>
-          <a:p>
-            <a:pPr>
-              <a:lnSpc>
-                <a:spcPct val="100000"/>
-              </a:lnSpc>
-            </a:pPr>
-            <a:r>
-              <a:rPr lang="en-US" sz="2200" dirty="0"/>
-              <a:t>Enhancements in pledge voucher-request with a signed statement from registrar-agent</a:t>
-            </a:r>
-          </a:p>
-          <a:p>
-            <a:pPr>
-              <a:lnSpc>
-                <a:spcPct val="100000"/>
-              </a:lnSpc>
-            </a:pPr>
-            <a:r>
-              <a:rPr lang="en-US" sz="2200" dirty="0"/>
-              <a:t>Allows registrar to identify, which registrar-agent is involved in the bootstrapping</a:t>
-            </a:r>
-          </a:p>
-          <a:p>
-            <a:pPr>
-              <a:lnSpc>
-                <a:spcPct val="100000"/>
-              </a:lnSpc>
-            </a:pPr>
-            <a:r>
-              <a:rPr lang="en-US" sz="2200" dirty="0"/>
-              <a:t>Registrar includes </a:t>
-            </a:r>
-            <a:r>
-              <a:rPr lang="en-US" sz="2200" dirty="0" err="1"/>
-              <a:t>LDevID</a:t>
-            </a:r>
-            <a:r>
-              <a:rPr lang="en-US" sz="2200" dirty="0"/>
-              <a:t> EE(</a:t>
-            </a:r>
-            <a:r>
-              <a:rPr lang="en-US" sz="2200" dirty="0" err="1"/>
-              <a:t>RegAgt</a:t>
-            </a:r>
-            <a:r>
-              <a:rPr lang="en-US" sz="2200" dirty="0"/>
-              <a:t>) into registrar-voucher-request. </a:t>
-            </a:r>
-          </a:p>
-          <a:p>
-            <a:pPr>
-              <a:lnSpc>
-                <a:spcPct val="100000"/>
-              </a:lnSpc>
-            </a:pPr>
-            <a:r>
-              <a:rPr lang="en-US" sz="2200" dirty="0"/>
-              <a:t>As pledge-voucher-request is included in registrar-voucher-request MASA can also verify agent-proximity and trust relation registrar-agent / registrar</a:t>
-            </a:r>
-          </a:p>
-          <a:p>
-            <a:pPr>
-              <a:lnSpc>
-                <a:spcPct val="100000"/>
-              </a:lnSpc>
-            </a:pPr>
-            <a:r>
-              <a:rPr lang="en-US" sz="2200" dirty="0"/>
-              <a:t>MASA can issue assertion “agent-proximity”, which is weaker than “proximity” but stronger than “logged” or “verified”</a:t>
-            </a:r>
-          </a:p>
-          <a:p>
-            <a:pPr lvl="1">
-              <a:lnSpc>
-                <a:spcPct val="100000"/>
-              </a:lnSpc>
-            </a:pPr>
-            <a:r>
-              <a:rPr lang="en-US" sz="1800" dirty="0"/>
-              <a:t>"agent-proximity" is a statement that the proximity-registrar-certificate was provided via the registrar-agent and that the pledge could not verify proof-of-possession at the time of voucher-request creation</a:t>
-            </a:r>
-          </a:p>
-          <a:p>
-            <a:pPr lvl="1">
-              <a:lnSpc>
-                <a:spcPct val="100000"/>
-              </a:lnSpc>
-            </a:pPr>
-            <a:r>
-              <a:rPr lang="en-US" sz="1800" dirty="0"/>
-              <a:t>“proximity” is a statement that the proximity-registrar-certificate was received directly (via TLS) and that the pledge could verify proof-of-possession during the TLS handshake before voucher-request creation.</a:t>
-            </a:r>
-          </a:p>
-        </p:txBody>
-      </p:sp>
-      <p:sp>
-        <p:nvSpPr>
-          <p:cNvPr id="5" name="Date Placeholder 3">
-            <a:extLst>
-              <a:ext uri="{FF2B5EF4-FFF2-40B4-BE49-F238E27FC236}">
-                <a16:creationId xmlns:a16="http://schemas.microsoft.com/office/drawing/2014/main" id="{C7760033-4E37-4356-9254-8EAB29F7A4CE}"/>
-              </a:ext>
-            </a:extLst>
-          </p:cNvPr>
-          <p:cNvSpPr txBox="1">
-            <a:spLocks/>
-          </p:cNvSpPr>
-          <p:nvPr/>
-        </p:nvSpPr>
-        <p:spPr>
-          <a:xfrm>
-            <a:off x="990600" y="6508750"/>
-            <a:ext cx="2743200" cy="365125"/>
-          </a:xfrm>
-          <a:prstGeom prst="rect">
-            <a:avLst/>
-          </a:prstGeom>
-        </p:spPr>
-        <p:txBody>
-          <a:bodyPr vert="horz" lIns="91440" tIns="45720" rIns="91440" bIns="45720" rtlCol="0" anchor="ctr"/>
-          <a:lstStyle>
-            <a:defPPr>
-              <a:defRPr lang="de-DE"/>
-            </a:defPPr>
-            <a:lvl1pPr marL="0" algn="l" defTabSz="914400" rtl="0" eaLnBrk="1" latinLnBrk="0" hangingPunct="1">
-              <a:defRPr sz="1200" kern="1200">
-                <a:solidFill>
-                  <a:schemeClr val="tx1">
-                    <a:tint val="75000"/>
-                  </a:schemeClr>
-                </a:solidFill>
-                <a:latin typeface="+mn-lt"/>
-                <a:ea typeface="+mn-ea"/>
-                <a:cs typeface="+mn-cs"/>
-              </a:defRPr>
-            </a:lvl1pPr>
-            <a:lvl2pPr marL="457200" algn="l" defTabSz="914400" rtl="0" eaLnBrk="1" latinLnBrk="0" hangingPunct="1">
-              <a:defRPr sz="1800" kern="1200">
-                <a:solidFill>
-                  <a:schemeClr val="tx1"/>
-                </a:solidFill>
-                <a:latin typeface="+mn-lt"/>
-                <a:ea typeface="+mn-ea"/>
-                <a:cs typeface="+mn-cs"/>
-              </a:defRPr>
-            </a:lvl2pPr>
-            <a:lvl3pPr marL="914400" algn="l" defTabSz="914400" rtl="0" eaLnBrk="1" latinLnBrk="0" hangingPunct="1">
-              <a:defRPr sz="1800" kern="1200">
-                <a:solidFill>
-                  <a:schemeClr val="tx1"/>
-                </a:solidFill>
-                <a:latin typeface="+mn-lt"/>
-                <a:ea typeface="+mn-ea"/>
-                <a:cs typeface="+mn-cs"/>
-              </a:defRPr>
-            </a:lvl3pPr>
-            <a:lvl4pPr marL="1371600" algn="l" defTabSz="914400" rtl="0" eaLnBrk="1" latinLnBrk="0" hangingPunct="1">
-              <a:defRPr sz="1800" kern="1200">
-                <a:solidFill>
-                  <a:schemeClr val="tx1"/>
-                </a:solidFill>
-                <a:latin typeface="+mn-lt"/>
-                <a:ea typeface="+mn-ea"/>
-                <a:cs typeface="+mn-cs"/>
-              </a:defRPr>
-            </a:lvl4pPr>
-            <a:lvl5pPr marL="1828800" algn="l" defTabSz="914400" rtl="0" eaLnBrk="1" latinLnBrk="0" hangingPunct="1">
-              <a:defRPr sz="1800" kern="1200">
-                <a:solidFill>
-                  <a:schemeClr val="tx1"/>
-                </a:solidFill>
-                <a:latin typeface="+mn-lt"/>
-                <a:ea typeface="+mn-ea"/>
-                <a:cs typeface="+mn-cs"/>
-              </a:defRPr>
-            </a:lvl5pPr>
-            <a:lvl6pPr marL="2286000" algn="l" defTabSz="914400" rtl="0" eaLnBrk="1" latinLnBrk="0" hangingPunct="1">
-              <a:defRPr sz="1800" kern="1200">
-                <a:solidFill>
-                  <a:schemeClr val="tx1"/>
-                </a:solidFill>
-                <a:latin typeface="+mn-lt"/>
-                <a:ea typeface="+mn-ea"/>
-                <a:cs typeface="+mn-cs"/>
-              </a:defRPr>
-            </a:lvl6pPr>
-            <a:lvl7pPr marL="2743200" algn="l" defTabSz="914400" rtl="0" eaLnBrk="1" latinLnBrk="0" hangingPunct="1">
-              <a:defRPr sz="1800" kern="1200">
-                <a:solidFill>
-                  <a:schemeClr val="tx1"/>
-                </a:solidFill>
-                <a:latin typeface="+mn-lt"/>
-                <a:ea typeface="+mn-ea"/>
-                <a:cs typeface="+mn-cs"/>
-              </a:defRPr>
-            </a:lvl7pPr>
-            <a:lvl8pPr marL="3200400" algn="l" defTabSz="914400" rtl="0" eaLnBrk="1" latinLnBrk="0" hangingPunct="1">
-              <a:defRPr sz="1800" kern="1200">
-                <a:solidFill>
-                  <a:schemeClr val="tx1"/>
-                </a:solidFill>
-                <a:latin typeface="+mn-lt"/>
-                <a:ea typeface="+mn-ea"/>
-                <a:cs typeface="+mn-cs"/>
-              </a:defRPr>
-            </a:lvl8pPr>
-            <a:lvl9pPr marL="3657600" algn="l" defTabSz="914400" rtl="0" eaLnBrk="1" latinLnBrk="0" hangingPunct="1">
-              <a:defRPr sz="1800" kern="1200">
-                <a:solidFill>
-                  <a:schemeClr val="tx1"/>
-                </a:solidFill>
-                <a:latin typeface="+mn-lt"/>
-                <a:ea typeface="+mn-ea"/>
-                <a:cs typeface="+mn-cs"/>
-              </a:defRPr>
-            </a:lvl9pPr>
-          </a:lstStyle>
-          <a:p>
-            <a:fld id="{8C792E63-5F21-4F54-A864-D84D9F273FCA}" type="datetimeFigureOut">
-              <a:rPr lang="en-US" smtClean="0"/>
-              <a:pPr/>
-              <a:t>7/9/2021</a:t>
-            </a:fld>
-            <a:endParaRPr lang="en-US" dirty="0"/>
-          </a:p>
-        </p:txBody>
-      </p:sp>
-      <p:sp>
-        <p:nvSpPr>
-          <p:cNvPr id="6" name="Slide Number Placeholder 5">
-            <a:extLst>
-              <a:ext uri="{FF2B5EF4-FFF2-40B4-BE49-F238E27FC236}">
-                <a16:creationId xmlns:a16="http://schemas.microsoft.com/office/drawing/2014/main" id="{6A1F91FA-C285-4BC9-85DA-C42DC234CE7F}"/>
-              </a:ext>
-            </a:extLst>
-          </p:cNvPr>
-          <p:cNvSpPr txBox="1">
-            <a:spLocks/>
-          </p:cNvSpPr>
-          <p:nvPr/>
-        </p:nvSpPr>
-        <p:spPr>
-          <a:xfrm>
-            <a:off x="8763000" y="6508750"/>
-            <a:ext cx="2743200" cy="365125"/>
-          </a:xfrm>
-          <a:prstGeom prst="rect">
-            <a:avLst/>
-          </a:prstGeom>
-        </p:spPr>
-        <p:txBody>
-          <a:bodyPr vert="horz" lIns="91440" tIns="45720" rIns="91440" bIns="45720" rtlCol="0" anchor="ctr"/>
-          <a:lstStyle>
-            <a:defPPr>
-              <a:defRPr lang="de-DE"/>
-            </a:defPPr>
-            <a:lvl1pPr marL="0" algn="r" defTabSz="914400" rtl="0" eaLnBrk="1" latinLnBrk="0" hangingPunct="1">
-              <a:defRPr sz="1200" kern="1200">
-                <a:solidFill>
-                  <a:schemeClr val="tx1">
-                    <a:tint val="75000"/>
-                  </a:schemeClr>
-                </a:solidFill>
-                <a:latin typeface="+mn-lt"/>
-                <a:ea typeface="+mn-ea"/>
-                <a:cs typeface="+mn-cs"/>
-              </a:defRPr>
-            </a:lvl1pPr>
-            <a:lvl2pPr marL="457200" algn="l" defTabSz="914400" rtl="0" eaLnBrk="1" latinLnBrk="0" hangingPunct="1">
-              <a:defRPr sz="1800" kern="1200">
-                <a:solidFill>
-                  <a:schemeClr val="tx1"/>
-                </a:solidFill>
-                <a:latin typeface="+mn-lt"/>
-                <a:ea typeface="+mn-ea"/>
-                <a:cs typeface="+mn-cs"/>
-              </a:defRPr>
-            </a:lvl2pPr>
-            <a:lvl3pPr marL="914400" algn="l" defTabSz="914400" rtl="0" eaLnBrk="1" latinLnBrk="0" hangingPunct="1">
-              <a:defRPr sz="1800" kern="1200">
-                <a:solidFill>
-                  <a:schemeClr val="tx1"/>
-                </a:solidFill>
-                <a:latin typeface="+mn-lt"/>
-                <a:ea typeface="+mn-ea"/>
-                <a:cs typeface="+mn-cs"/>
-              </a:defRPr>
-            </a:lvl3pPr>
-            <a:lvl4pPr marL="1371600" algn="l" defTabSz="914400" rtl="0" eaLnBrk="1" latinLnBrk="0" hangingPunct="1">
-              <a:defRPr sz="1800" kern="1200">
-                <a:solidFill>
-                  <a:schemeClr val="tx1"/>
-                </a:solidFill>
-                <a:latin typeface="+mn-lt"/>
-                <a:ea typeface="+mn-ea"/>
-                <a:cs typeface="+mn-cs"/>
-              </a:defRPr>
-            </a:lvl4pPr>
-            <a:lvl5pPr marL="1828800" algn="l" defTabSz="914400" rtl="0" eaLnBrk="1" latinLnBrk="0" hangingPunct="1">
-              <a:defRPr sz="1800" kern="1200">
-                <a:solidFill>
-                  <a:schemeClr val="tx1"/>
-                </a:solidFill>
-                <a:latin typeface="+mn-lt"/>
-                <a:ea typeface="+mn-ea"/>
-                <a:cs typeface="+mn-cs"/>
-              </a:defRPr>
-            </a:lvl5pPr>
-            <a:lvl6pPr marL="2286000" algn="l" defTabSz="914400" rtl="0" eaLnBrk="1" latinLnBrk="0" hangingPunct="1">
-              <a:defRPr sz="1800" kern="1200">
-                <a:solidFill>
-                  <a:schemeClr val="tx1"/>
-                </a:solidFill>
-                <a:latin typeface="+mn-lt"/>
-                <a:ea typeface="+mn-ea"/>
-                <a:cs typeface="+mn-cs"/>
-              </a:defRPr>
-            </a:lvl6pPr>
-            <a:lvl7pPr marL="2743200" algn="l" defTabSz="914400" rtl="0" eaLnBrk="1" latinLnBrk="0" hangingPunct="1">
-              <a:defRPr sz="1800" kern="1200">
-                <a:solidFill>
-                  <a:schemeClr val="tx1"/>
-                </a:solidFill>
-                <a:latin typeface="+mn-lt"/>
-                <a:ea typeface="+mn-ea"/>
-                <a:cs typeface="+mn-cs"/>
-              </a:defRPr>
-            </a:lvl7pPr>
-            <a:lvl8pPr marL="3200400" algn="l" defTabSz="914400" rtl="0" eaLnBrk="1" latinLnBrk="0" hangingPunct="1">
-              <a:defRPr sz="1800" kern="1200">
-                <a:solidFill>
-                  <a:schemeClr val="tx1"/>
-                </a:solidFill>
-                <a:latin typeface="+mn-lt"/>
-                <a:ea typeface="+mn-ea"/>
-                <a:cs typeface="+mn-cs"/>
-              </a:defRPr>
-            </a:lvl8pPr>
-            <a:lvl9pPr marL="3657600" algn="l" defTabSz="914400" rtl="0" eaLnBrk="1" latinLnBrk="0" hangingPunct="1">
-              <a:defRPr sz="1800" kern="1200">
-                <a:solidFill>
-                  <a:schemeClr val="tx1"/>
-                </a:solidFill>
-                <a:latin typeface="+mn-lt"/>
-                <a:ea typeface="+mn-ea"/>
-                <a:cs typeface="+mn-cs"/>
-              </a:defRPr>
-            </a:lvl9pPr>
-          </a:lstStyle>
-          <a:p>
-            <a:fld id="{104F53CC-0028-4916-8B93-0EBFFB2C7AAD}" type="slidenum">
-              <a:rPr lang="en-US" smtClean="0"/>
-              <a:pPr/>
-              <a:t>23</a:t>
-            </a:fld>
-            <a:endParaRPr lang="en-US" dirty="0"/>
-          </a:p>
-        </p:txBody>
-      </p:sp>
-    </p:spTree>
-    <p:extLst>
-      <p:ext uri="{BB962C8B-B14F-4D97-AF65-F5344CB8AC3E}">
-        <p14:creationId xmlns:p14="http://schemas.microsoft.com/office/powerpoint/2010/main" val="696818346"/>
       </p:ext>
     </p:extLst>
   </p:cSld>
@@ -24574,7 +25786,14 @@
           <a:p>
             <a:r>
               <a:rPr lang="en-US" sz="3600" dirty="0"/>
-              <a:t>Discussion, open issues</a:t>
+              <a:t>BRSKI-AE, Use Case 2</a:t>
+            </a:r>
+            <a:br>
+              <a:rPr lang="en-US" sz="3600" dirty="0"/>
+            </a:br>
+            <a:r>
+              <a:rPr lang="en-US" sz="3600" dirty="0"/>
+              <a:t>Verification of agent-proximity</a:t>
             </a:r>
           </a:p>
         </p:txBody>
@@ -24597,8 +25816,8 @@
         </p:nvSpPr>
         <p:spPr>
           <a:xfrm>
-            <a:off x="617520" y="1558182"/>
-            <a:ext cx="10956960" cy="5130852"/>
+            <a:off x="701640" y="1727148"/>
+            <a:ext cx="10515600" cy="4594993"/>
           </a:xfrm>
         </p:spPr>
         <p:txBody>
@@ -24611,131 +25830,11 @@
               <a:lnSpc>
                 <a:spcPct val="100000"/>
               </a:lnSpc>
-              <a:spcBef>
-                <a:spcPts val="600"/>
-              </a:spcBef>
             </a:pPr>
             <a:r>
               <a:rPr lang="en-US" sz="2200" dirty="0"/>
-              <a:t>Version 03 addresses most of the existing issues in the </a:t>
-            </a:r>
-            <a:r>
-              <a:rPr lang="en-US" sz="2200" dirty="0" err="1">
-                <a:hlinkClick r:id="rId3"/>
-              </a:rPr>
-              <a:t>github</a:t>
-            </a:r>
-            <a:r>
-              <a:rPr lang="en-US" sz="2200" dirty="0">
-                <a:hlinkClick r:id="rId3"/>
-              </a:rPr>
-              <a:t>/anima-</a:t>
-            </a:r>
-            <a:r>
-              <a:rPr lang="en-US" sz="2200" dirty="0" err="1">
-                <a:hlinkClick r:id="rId3"/>
-              </a:rPr>
-              <a:t>wg</a:t>
-            </a:r>
-            <a:endParaRPr lang="en-US" sz="2200" dirty="0"/>
-          </a:p>
-          <a:p>
-            <a:pPr>
-              <a:lnSpc>
-                <a:spcPct val="100000"/>
-              </a:lnSpc>
-              <a:spcBef>
-                <a:spcPts val="600"/>
-              </a:spcBef>
-            </a:pPr>
-            <a:r>
-              <a:rPr lang="en-US" sz="2200" dirty="0"/>
-              <a:t>Current open issues</a:t>
-            </a:r>
-          </a:p>
-          <a:p>
-            <a:pPr lvl="1">
-              <a:lnSpc>
-                <a:spcPct val="100000"/>
-              </a:lnSpc>
-              <a:spcBef>
-                <a:spcPts val="600"/>
-              </a:spcBef>
-            </a:pPr>
-            <a:r>
-              <a:rPr lang="en-US" sz="2200" dirty="0"/>
-              <a:t>Early review of enhanced voucher-request in section 6</a:t>
-            </a:r>
-          </a:p>
-          <a:p>
-            <a:pPr lvl="1">
-              <a:lnSpc>
-                <a:spcPct val="100000"/>
-              </a:lnSpc>
-              <a:spcBef>
-                <a:spcPts val="600"/>
-              </a:spcBef>
-            </a:pPr>
-            <a:r>
-              <a:rPr lang="en-US" sz="2200" dirty="0"/>
-              <a:t>#10: YANG module for CSR to be used in enrollment-request</a:t>
-            </a:r>
-          </a:p>
-          <a:p>
-            <a:pPr lvl="1">
-              <a:lnSpc>
-                <a:spcPct val="100000"/>
-              </a:lnSpc>
-              <a:spcBef>
-                <a:spcPts val="600"/>
-              </a:spcBef>
-            </a:pPr>
-            <a:r>
-              <a:rPr lang="en-US" sz="2200" dirty="0"/>
-              <a:t>#18: enhancement of YANG voucher with new assertion “agent-proximity” </a:t>
-            </a:r>
-            <a:br>
-              <a:rPr lang="en-US" sz="2200" dirty="0"/>
-            </a:br>
-            <a:r>
-              <a:rPr lang="en-US" sz="2200" dirty="0">
-                <a:sym typeface="Wingdings" panose="05000000000000000000" pitchFamily="2" charset="2"/>
-              </a:rPr>
-              <a:t> discussion in the context of revising RFC 8366 to allow for enhancements of assertion types</a:t>
-            </a:r>
-          </a:p>
-          <a:p>
-            <a:pPr lvl="1">
-              <a:lnSpc>
-                <a:spcPct val="100000"/>
-              </a:lnSpc>
-              <a:spcBef>
-                <a:spcPts val="600"/>
-              </a:spcBef>
-            </a:pPr>
-            <a:endParaRPr lang="en-US" sz="2200" dirty="0"/>
-          </a:p>
-          <a:p>
-            <a:pPr>
-              <a:lnSpc>
-                <a:spcPct val="100000"/>
-              </a:lnSpc>
-              <a:spcBef>
-                <a:spcPts val="600"/>
-              </a:spcBef>
-            </a:pPr>
-            <a:endParaRPr lang="en-US" sz="2200" dirty="0"/>
-          </a:p>
-          <a:p>
-            <a:pPr lvl="1">
-              <a:lnSpc>
-                <a:spcPct val="100000"/>
-              </a:lnSpc>
-              <a:spcBef>
-                <a:spcPts val="600"/>
-              </a:spcBef>
-            </a:pPr>
-            <a:endParaRPr lang="en-US" sz="1800" dirty="0"/>
+              <a:t>Data exchange between registrar-agent and pledge based on signed objects (no TLS)</a:t>
+            </a:r>
           </a:p>
           <a:p>
             <a:pPr>
@@ -24743,7 +25842,92 @@
                 <a:spcPct val="100000"/>
               </a:lnSpc>
             </a:pPr>
-            <a:endParaRPr lang="en-US" sz="2000" dirty="0"/>
+            <a:r>
+              <a:rPr lang="en-US" sz="2200" dirty="0"/>
+              <a:t>Enhancements in pledge voucher-request with a signed statement from registrar-agent</a:t>
+            </a:r>
+          </a:p>
+          <a:p>
+            <a:pPr>
+              <a:lnSpc>
+                <a:spcPct val="100000"/>
+              </a:lnSpc>
+            </a:pPr>
+            <a:r>
+              <a:rPr lang="en-US" sz="2200" dirty="0"/>
+              <a:t>Allows registrar to identify, which registrar-agent is involved in the bootstrapping</a:t>
+            </a:r>
+          </a:p>
+          <a:p>
+            <a:pPr>
+              <a:lnSpc>
+                <a:spcPct val="100000"/>
+              </a:lnSpc>
+            </a:pPr>
+            <a:r>
+              <a:rPr lang="en-US" sz="2200" dirty="0"/>
+              <a:t>Registrar includes </a:t>
+            </a:r>
+            <a:r>
+              <a:rPr lang="en-US" sz="2200" dirty="0" err="1"/>
+              <a:t>LDevID</a:t>
+            </a:r>
+            <a:r>
+              <a:rPr lang="en-US" sz="2200" dirty="0"/>
+              <a:t> EE(</a:t>
+            </a:r>
+            <a:r>
+              <a:rPr lang="en-US" sz="2200" dirty="0" err="1"/>
+              <a:t>RegAgt</a:t>
+            </a:r>
+            <a:r>
+              <a:rPr lang="en-US" sz="2200" dirty="0"/>
+              <a:t>) into registrar-voucher-request. </a:t>
+            </a:r>
+          </a:p>
+          <a:p>
+            <a:pPr>
+              <a:lnSpc>
+                <a:spcPct val="100000"/>
+              </a:lnSpc>
+            </a:pPr>
+            <a:r>
+              <a:rPr lang="en-US" sz="2200" dirty="0"/>
+              <a:t>As pledge-voucher-request is included in registrar-voucher-request MASA can also verify agent-proximity and trust relation registrar-agent / registrar</a:t>
+            </a:r>
+          </a:p>
+          <a:p>
+            <a:pPr>
+              <a:lnSpc>
+                <a:spcPct val="100000"/>
+              </a:lnSpc>
+            </a:pPr>
+            <a:r>
+              <a:rPr lang="en-US" sz="2200" dirty="0"/>
+              <a:t>MASA can issue assertion “agent-proximity”, which is weaker than “proximity” but stronger than “logged” or “verified”</a:t>
+            </a:r>
+          </a:p>
+          <a:p>
+            <a:pPr lvl="1">
+              <a:lnSpc>
+                <a:spcPct val="100000"/>
+              </a:lnSpc>
+            </a:pPr>
+            <a:r>
+              <a:rPr lang="en-US" sz="1800" dirty="0"/>
+              <a:t>"agent-proximity" is a statement that the proximity-registrar-certificate was provided via the registrar-agent and that the pledge could not verify proof-of-possession at the time of voucher-request creation</a:t>
+            </a:r>
+          </a:p>
+          <a:p>
+            <a:pPr lvl="1">
+              <a:lnSpc>
+                <a:spcPct val="100000"/>
+              </a:lnSpc>
+            </a:pPr>
+            <a:r>
+              <a:rPr lang="en-US" sz="1800" dirty="0"/>
+              <a:t>“proximity” is a statement that the proximity-registrar-certificate was received directly (via TLS) and that the pledge could verify proof-of-possession during the TLS handshake before voucher-request creation.</a:t>
+            </a:r>
           </a:p>
         </p:txBody>
       </p:sp>
@@ -24752,7 +25936,7 @@
           <p:cNvPr id="5" name="Date Placeholder 3">
             <a:extLst>
               <a:ext uri="{FF2B5EF4-FFF2-40B4-BE49-F238E27FC236}">
-                <a16:creationId xmlns:a16="http://schemas.microsoft.com/office/drawing/2014/main" id="{45690FCB-3EBF-4931-AD52-390444BCB010}"/>
+                <a16:creationId xmlns:a16="http://schemas.microsoft.com/office/drawing/2014/main" id="{C7760033-4E37-4356-9254-8EAB29F7A4CE}"/>
               </a:ext>
             </a:extLst>
           </p:cNvPr>
@@ -24873,7 +26057,7 @@
             <a:fld id="{8C792E63-5F21-4F54-A864-D84D9F273FCA}" type="datetimeFigureOut">
               <a:rPr lang="en-US" smtClean="0"/>
               <a:pPr/>
-              <a:t>7/9/2021</a:t>
+              <a:t>7/17/2021</a:t>
             </a:fld>
             <a:endParaRPr lang="en-US" dirty="0"/>
           </a:p>
@@ -24884,7 +26068,7 @@
           <p:cNvPr id="6" name="Slide Number Placeholder 5">
             <a:extLst>
               <a:ext uri="{FF2B5EF4-FFF2-40B4-BE49-F238E27FC236}">
-                <a16:creationId xmlns:a16="http://schemas.microsoft.com/office/drawing/2014/main" id="{947837FE-CFCD-4A9F-8422-BEC0153FF0E8}"/>
+                <a16:creationId xmlns:a16="http://schemas.microsoft.com/office/drawing/2014/main" id="{6A1F91FA-C285-4BC9-85DA-C42DC234CE7F}"/>
               </a:ext>
             </a:extLst>
           </p:cNvPr>
@@ -25014,7 +26198,7 @@
     </p:spTree>
     <p:extLst>
       <p:ext uri="{BB962C8B-B14F-4D97-AF65-F5344CB8AC3E}">
-        <p14:creationId xmlns:p14="http://schemas.microsoft.com/office/powerpoint/2010/main" val="2717347751"/>
+        <p14:creationId xmlns:p14="http://schemas.microsoft.com/office/powerpoint/2010/main" val="696818346"/>
       </p:ext>
     </p:extLst>
   </p:cSld>
@@ -25066,7 +26250,7 @@
           <a:p>
             <a:r>
               <a:rPr lang="en-US" sz="3600" dirty="0"/>
-              <a:t>Next Steps</a:t>
+              <a:t>Discussion: Open issues</a:t>
             </a:r>
           </a:p>
         </p:txBody>
@@ -25089,8 +26273,8 @@
         </p:nvSpPr>
         <p:spPr>
           <a:xfrm>
-            <a:off x="701640" y="1727148"/>
-            <a:ext cx="10515600" cy="4594993"/>
+            <a:off x="617520" y="1558182"/>
+            <a:ext cx="10956960" cy="5130852"/>
           </a:xfrm>
         </p:spPr>
         <p:txBody>
@@ -25103,10 +26287,13 @@
               <a:lnSpc>
                 <a:spcPct val="100000"/>
               </a:lnSpc>
+              <a:spcBef>
+                <a:spcPts val="600"/>
+              </a:spcBef>
             </a:pPr>
             <a:r>
               <a:rPr lang="en-US" sz="2200" dirty="0"/>
-              <a:t>Clarification of open issues stated in </a:t>
+              <a:t>Version 03 addresses most of the existing issues in the </a:t>
             </a:r>
             <a:r>
               <a:rPr lang="en-US" sz="2200" dirty="0" err="1">
@@ -25126,10 +26313,105 @@
               </a:rPr>
               <a:t>wg</a:t>
             </a:r>
+            <a:endParaRPr lang="en-US" sz="2200" dirty="0"/>
+          </a:p>
+          <a:p>
+            <a:pPr>
+              <a:lnSpc>
+                <a:spcPct val="100000"/>
+              </a:lnSpc>
+              <a:spcBef>
+                <a:spcPts val="600"/>
+              </a:spcBef>
+            </a:pPr>
             <a:r>
               <a:rPr lang="en-US" sz="2200" dirty="0"/>
-              <a:t> and also in the draft</a:t>
-            </a:r>
+              <a:t>Current open issues</a:t>
+            </a:r>
+          </a:p>
+          <a:p>
+            <a:pPr lvl="1">
+              <a:lnSpc>
+                <a:spcPct val="100000"/>
+              </a:lnSpc>
+              <a:spcBef>
+                <a:spcPts val="600"/>
+              </a:spcBef>
+            </a:pPr>
+            <a:r>
+              <a:rPr lang="en-US" sz="2200" dirty="0"/>
+              <a:t>Early review of enhanced voucher-request in section 6 by YANG doctor </a:t>
+            </a:r>
+          </a:p>
+          <a:p>
+            <a:pPr lvl="1">
+              <a:lnSpc>
+                <a:spcPct val="100000"/>
+              </a:lnSpc>
+              <a:spcBef>
+                <a:spcPts val="600"/>
+              </a:spcBef>
+            </a:pPr>
+            <a:r>
+              <a:rPr lang="en-US" sz="2200" dirty="0"/>
+              <a:t>#10: YANG module for CSR to be used in enrollment-request (to allow for P10 and further formats)</a:t>
+            </a:r>
+          </a:p>
+          <a:p>
+            <a:pPr lvl="1">
+              <a:lnSpc>
+                <a:spcPct val="100000"/>
+              </a:lnSpc>
+              <a:spcBef>
+                <a:spcPts val="600"/>
+              </a:spcBef>
+            </a:pPr>
+            <a:r>
+              <a:rPr lang="en-US" sz="2200" dirty="0"/>
+              <a:t>#18: enhancement of YANG voucher with new assertion “agent-proximity” </a:t>
+            </a:r>
+            <a:br>
+              <a:rPr lang="en-US" sz="2200" dirty="0"/>
+            </a:br>
+            <a:r>
+              <a:rPr lang="en-US" sz="2200" dirty="0">
+                <a:sym typeface="Wingdings" panose="05000000000000000000" pitchFamily="2" charset="2"/>
+              </a:rPr>
+              <a:t> discussion in the context of revising RFC 8366 to allow for enhancements of assertion types</a:t>
+            </a:r>
+          </a:p>
+          <a:p>
+            <a:pPr lvl="1">
+              <a:lnSpc>
+                <a:spcPct val="100000"/>
+              </a:lnSpc>
+              <a:spcBef>
+                <a:spcPts val="600"/>
+              </a:spcBef>
+            </a:pPr>
+            <a:endParaRPr lang="en-US" sz="2200" dirty="0"/>
+          </a:p>
+          <a:p>
+            <a:pPr>
+              <a:lnSpc>
+                <a:spcPct val="100000"/>
+              </a:lnSpc>
+              <a:spcBef>
+                <a:spcPts val="600"/>
+              </a:spcBef>
+            </a:pPr>
+            <a:endParaRPr lang="en-US" sz="2200" dirty="0"/>
+          </a:p>
+          <a:p>
+            <a:pPr lvl="1">
+              <a:lnSpc>
+                <a:spcPct val="100000"/>
+              </a:lnSpc>
+              <a:spcBef>
+                <a:spcPts val="600"/>
+              </a:spcBef>
+            </a:pPr>
+            <a:endParaRPr lang="en-US" sz="1800" dirty="0"/>
           </a:p>
           <a:p>
             <a:pPr>
@@ -25137,39 +26419,16 @@
                 <a:spcPct val="100000"/>
               </a:lnSpc>
             </a:pPr>
-            <a:r>
-              <a:rPr lang="en-US" sz="2200" dirty="0"/>
-              <a:t>Circulate outcome on the mailing list for further discussion</a:t>
-            </a:r>
-          </a:p>
-          <a:p>
-            <a:pPr>
-              <a:lnSpc>
-                <a:spcPct val="100000"/>
-              </a:lnSpc>
-            </a:pPr>
-            <a:r>
-              <a:rPr lang="en-US" sz="2200" dirty="0"/>
-              <a:t>WG review appreciated</a:t>
-            </a:r>
-          </a:p>
-          <a:p>
-            <a:pPr marL="0" indent="0">
-              <a:lnSpc>
-                <a:spcPct val="100000"/>
-              </a:lnSpc>
-              <a:buNone/>
-            </a:pPr>
-            <a:endParaRPr lang="en-US" sz="2200" dirty="0"/>
+            <a:endParaRPr lang="en-US" sz="2000" dirty="0"/>
           </a:p>
         </p:txBody>
       </p:sp>
       <p:sp>
         <p:nvSpPr>
-          <p:cNvPr id="4" name="Date Placeholder 3">
-            <a:extLst>
-              <a:ext uri="{FF2B5EF4-FFF2-40B4-BE49-F238E27FC236}">
-                <a16:creationId xmlns:a16="http://schemas.microsoft.com/office/drawing/2014/main" id="{3B57BFE0-8AA2-440A-BF11-3DDE98998EE8}"/>
+          <p:cNvPr id="5" name="Date Placeholder 3">
+            <a:extLst>
+              <a:ext uri="{FF2B5EF4-FFF2-40B4-BE49-F238E27FC236}">
+                <a16:creationId xmlns:a16="http://schemas.microsoft.com/office/drawing/2014/main" id="{45690FCB-3EBF-4931-AD52-390444BCB010}"/>
               </a:ext>
             </a:extLst>
           </p:cNvPr>
@@ -25290,7 +26549,7 @@
             <a:fld id="{8C792E63-5F21-4F54-A864-D84D9F273FCA}" type="datetimeFigureOut">
               <a:rPr lang="en-US" smtClean="0"/>
               <a:pPr/>
-              <a:t>7/9/2021</a:t>
+              <a:t>7/17/2021</a:t>
             </a:fld>
             <a:endParaRPr lang="en-US" dirty="0"/>
           </a:p>
@@ -25298,10 +26557,10 @@
       </p:sp>
       <p:sp>
         <p:nvSpPr>
-          <p:cNvPr id="5" name="Slide Number Placeholder 5">
-            <a:extLst>
-              <a:ext uri="{FF2B5EF4-FFF2-40B4-BE49-F238E27FC236}">
-                <a16:creationId xmlns:a16="http://schemas.microsoft.com/office/drawing/2014/main" id="{1881EAE9-7681-4485-81EC-EAB026A81A3C}"/>
+          <p:cNvPr id="6" name="Slide Number Placeholder 5">
+            <a:extLst>
+              <a:ext uri="{FF2B5EF4-FFF2-40B4-BE49-F238E27FC236}">
+                <a16:creationId xmlns:a16="http://schemas.microsoft.com/office/drawing/2014/main" id="{947837FE-CFCD-4A9F-8422-BEC0153FF0E8}"/>
               </a:ext>
             </a:extLst>
           </p:cNvPr>
@@ -25431,7 +26690,7 @@
     </p:spTree>
     <p:extLst>
       <p:ext uri="{BB962C8B-B14F-4D97-AF65-F5344CB8AC3E}">
-        <p14:creationId xmlns:p14="http://schemas.microsoft.com/office/powerpoint/2010/main" val="3091934840"/>
+        <p14:creationId xmlns:p14="http://schemas.microsoft.com/office/powerpoint/2010/main" val="2717347751"/>
       </p:ext>
     </p:extLst>
   </p:cSld>
@@ -25483,7 +26742,7 @@
           <a:p>
             <a:r>
               <a:rPr lang="en-US" sz="3600" dirty="0"/>
-              <a:t>Backup</a:t>
+              <a:t>Discussion: Further draft handling</a:t>
             </a:r>
           </a:p>
         </p:txBody>
@@ -25506,8 +26765,8 @@
         </p:nvSpPr>
         <p:spPr>
           <a:xfrm>
-            <a:off x="701640" y="1727148"/>
-            <a:ext cx="10515600" cy="4594993"/>
+            <a:off x="617520" y="1428773"/>
+            <a:ext cx="10956960" cy="4644910"/>
           </a:xfrm>
         </p:spPr>
         <p:txBody>
@@ -25520,17 +26779,101 @@
               <a:lnSpc>
                 <a:spcPct val="100000"/>
               </a:lnSpc>
+              <a:spcBef>
+                <a:spcPts val="600"/>
+              </a:spcBef>
             </a:pPr>
-            <a:endParaRPr lang="en-US" sz="2200" dirty="0"/>
+            <a:r>
+              <a:rPr lang="en-US" sz="2000" dirty="0"/>
+              <a:t>Currently, BRSKI-AE addresses two use cases with different target and different level of detail </a:t>
+            </a:r>
+          </a:p>
+          <a:p>
+            <a:pPr lvl="1">
+              <a:lnSpc>
+                <a:spcPct val="100000"/>
+              </a:lnSpc>
+              <a:spcBef>
+                <a:spcPts val="600"/>
+              </a:spcBef>
+            </a:pPr>
+            <a:r>
+              <a:rPr lang="en-US" sz="2000" dirty="0"/>
+              <a:t>Use Case 1 targets the definition of requirements for a communication architecture using the existing BRSKI components and call model (pledge as initiator, PULL) to enable the use of alternative enrollment protocols for certificate enrollment (voucher handling untouched).  </a:t>
+            </a:r>
+          </a:p>
+          <a:p>
+            <a:pPr lvl="1">
+              <a:lnSpc>
+                <a:spcPct val="100000"/>
+              </a:lnSpc>
+              <a:spcBef>
+                <a:spcPts val="600"/>
+              </a:spcBef>
+            </a:pPr>
+            <a:r>
+              <a:rPr lang="en-US" sz="2000" dirty="0"/>
+              <a:t>Use Case 2 targets the specification of a reversed call model (pledge as responder, PUSH) in which the pledge has no or only limited connectivity to a registrar or cannot initiate requests to a registrar. To facilitate the interaction between pledge and registrar, the registrar-agent component is established. The interaction between pledge and registrar-agent results in new or enhanced data objects (voucher-request-trigger, voucher-request, voucher, enrollment-request-trigger, enrollment-request). Exchanges between registrar-agent and registrar follow</a:t>
+            </a:r>
+            <a:r>
+              <a:rPr lang="en-US" sz="2000" strike="sngStrike" dirty="0"/>
+              <a:t>s</a:t>
+            </a:r>
+            <a:r>
+              <a:rPr lang="en-US" sz="2000" dirty="0"/>
+              <a:t> BRSKI (RFC8995) and EST (RFC7030), with the enhanced objects. </a:t>
+            </a:r>
+          </a:p>
+          <a:p>
+            <a:pPr>
+              <a:lnSpc>
+                <a:spcPct val="100000"/>
+              </a:lnSpc>
+              <a:spcBef>
+                <a:spcPts val="600"/>
+              </a:spcBef>
+            </a:pPr>
+            <a:r>
+              <a:rPr lang="en-US" sz="2000" dirty="0"/>
+              <a:t>Declaration of conformity to „AE“ is difficult, as the use cases have developed in different directions </a:t>
+            </a:r>
+          </a:p>
+          <a:p>
+            <a:pPr>
+              <a:lnSpc>
+                <a:spcPct val="100000"/>
+              </a:lnSpc>
+              <a:spcBef>
+                <a:spcPts val="600"/>
+              </a:spcBef>
+            </a:pPr>
+            <a:r>
+              <a:rPr lang="en-US" sz="2000" dirty="0"/>
+              <a:t>Proposal to split the draft into two separate documents for use case 1 and use case 2</a:t>
+            </a:r>
+          </a:p>
+          <a:p>
+            <a:pPr>
+              <a:lnSpc>
+                <a:spcPct val="100000"/>
+              </a:lnSpc>
+              <a:spcBef>
+                <a:spcPts val="600"/>
+              </a:spcBef>
+            </a:pPr>
+            <a:r>
+              <a:rPr lang="en-US" sz="2000" dirty="0"/>
+              <a:t>Is this a reasonable approach for the WG?</a:t>
+            </a:r>
           </a:p>
         </p:txBody>
       </p:sp>
       <p:sp>
         <p:nvSpPr>
-          <p:cNvPr id="4" name="Slide Number Placeholder 5">
-            <a:extLst>
-              <a:ext uri="{FF2B5EF4-FFF2-40B4-BE49-F238E27FC236}">
-                <a16:creationId xmlns:a16="http://schemas.microsoft.com/office/drawing/2014/main" id="{A0AE8E2D-5B98-45B9-92B1-22879F33BFF8}"/>
+          <p:cNvPr id="5" name="Date Placeholder 3">
+            <a:extLst>
+              <a:ext uri="{FF2B5EF4-FFF2-40B4-BE49-F238E27FC236}">
+                <a16:creationId xmlns:a16="http://schemas.microsoft.com/office/drawing/2014/main" id="{45690FCB-3EBF-4931-AD52-390444BCB010}"/>
               </a:ext>
             </a:extLst>
           </p:cNvPr>
@@ -25541,7 +26884,139 @@
         </p:nvSpPr>
         <p:spPr>
           <a:xfrm>
-            <a:off x="8610600" y="6356350"/>
+            <a:off x="990600" y="6508750"/>
+            <a:ext cx="2743200" cy="365125"/>
+          </a:xfrm>
+          <a:prstGeom prst="rect">
+            <a:avLst/>
+          </a:prstGeom>
+        </p:spPr>
+        <p:txBody>
+          <a:bodyPr vert="horz" lIns="91440" tIns="45720" rIns="91440" bIns="45720" rtlCol="0" anchor="ctr"/>
+          <a:lstStyle>
+            <a:defPPr>
+              <a:defRPr lang="de-DE"/>
+            </a:defPPr>
+            <a:lvl1pPr marL="0" algn="l" defTabSz="914400" rtl="0" eaLnBrk="1" latinLnBrk="0" hangingPunct="1">
+              <a:defRPr sz="1200" kern="1200">
+                <a:solidFill>
+                  <a:schemeClr val="tx1">
+                    <a:tint val="75000"/>
+                  </a:schemeClr>
+                </a:solidFill>
+                <a:latin typeface="+mn-lt"/>
+                <a:ea typeface="+mn-ea"/>
+                <a:cs typeface="+mn-cs"/>
+              </a:defRPr>
+            </a:lvl1pPr>
+            <a:lvl2pPr marL="457200" algn="l" defTabSz="914400" rtl="0" eaLnBrk="1" latinLnBrk="0" hangingPunct="1">
+              <a:defRPr sz="1800" kern="1200">
+                <a:solidFill>
+                  <a:schemeClr val="tx1"/>
+                </a:solidFill>
+                <a:latin typeface="+mn-lt"/>
+                <a:ea typeface="+mn-ea"/>
+                <a:cs typeface="+mn-cs"/>
+              </a:defRPr>
+            </a:lvl2pPr>
+            <a:lvl3pPr marL="914400" algn="l" defTabSz="914400" rtl="0" eaLnBrk="1" latinLnBrk="0" hangingPunct="1">
+              <a:defRPr sz="1800" kern="1200">
+                <a:solidFill>
+                  <a:schemeClr val="tx1"/>
+                </a:solidFill>
+                <a:latin typeface="+mn-lt"/>
+                <a:ea typeface="+mn-ea"/>
+                <a:cs typeface="+mn-cs"/>
+              </a:defRPr>
+            </a:lvl3pPr>
+            <a:lvl4pPr marL="1371600" algn="l" defTabSz="914400" rtl="0" eaLnBrk="1" latinLnBrk="0" hangingPunct="1">
+              <a:defRPr sz="1800" kern="1200">
+                <a:solidFill>
+                  <a:schemeClr val="tx1"/>
+                </a:solidFill>
+                <a:latin typeface="+mn-lt"/>
+                <a:ea typeface="+mn-ea"/>
+                <a:cs typeface="+mn-cs"/>
+              </a:defRPr>
+            </a:lvl4pPr>
+            <a:lvl5pPr marL="1828800" algn="l" defTabSz="914400" rtl="0" eaLnBrk="1" latinLnBrk="0" hangingPunct="1">
+              <a:defRPr sz="1800" kern="1200">
+                <a:solidFill>
+                  <a:schemeClr val="tx1"/>
+                </a:solidFill>
+                <a:latin typeface="+mn-lt"/>
+                <a:ea typeface="+mn-ea"/>
+                <a:cs typeface="+mn-cs"/>
+              </a:defRPr>
+            </a:lvl5pPr>
+            <a:lvl6pPr marL="2286000" algn="l" defTabSz="914400" rtl="0" eaLnBrk="1" latinLnBrk="0" hangingPunct="1">
+              <a:defRPr sz="1800" kern="1200">
+                <a:solidFill>
+                  <a:schemeClr val="tx1"/>
+                </a:solidFill>
+                <a:latin typeface="+mn-lt"/>
+                <a:ea typeface="+mn-ea"/>
+                <a:cs typeface="+mn-cs"/>
+              </a:defRPr>
+            </a:lvl6pPr>
+            <a:lvl7pPr marL="2743200" algn="l" defTabSz="914400" rtl="0" eaLnBrk="1" latinLnBrk="0" hangingPunct="1">
+              <a:defRPr sz="1800" kern="1200">
+                <a:solidFill>
+                  <a:schemeClr val="tx1"/>
+                </a:solidFill>
+                <a:latin typeface="+mn-lt"/>
+                <a:ea typeface="+mn-ea"/>
+                <a:cs typeface="+mn-cs"/>
+              </a:defRPr>
+            </a:lvl7pPr>
+            <a:lvl8pPr marL="3200400" algn="l" defTabSz="914400" rtl="0" eaLnBrk="1" latinLnBrk="0" hangingPunct="1">
+              <a:defRPr sz="1800" kern="1200">
+                <a:solidFill>
+                  <a:schemeClr val="tx1"/>
+                </a:solidFill>
+                <a:latin typeface="+mn-lt"/>
+                <a:ea typeface="+mn-ea"/>
+                <a:cs typeface="+mn-cs"/>
+              </a:defRPr>
+            </a:lvl8pPr>
+            <a:lvl9pPr marL="3657600" algn="l" defTabSz="914400" rtl="0" eaLnBrk="1" latinLnBrk="0" hangingPunct="1">
+              <a:defRPr sz="1800" kern="1200">
+                <a:solidFill>
+                  <a:schemeClr val="tx1"/>
+                </a:solidFill>
+                <a:latin typeface="+mn-lt"/>
+                <a:ea typeface="+mn-ea"/>
+                <a:cs typeface="+mn-cs"/>
+              </a:defRPr>
+            </a:lvl9pPr>
+          </a:lstStyle>
+          <a:p>
+            <a:fld id="{8C792E63-5F21-4F54-A864-D84D9F273FCA}" type="datetimeFigureOut">
+              <a:rPr lang="en-US" smtClean="0"/>
+              <a:pPr/>
+              <a:t>7/17/2021</a:t>
+            </a:fld>
+            <a:endParaRPr lang="en-US" dirty="0"/>
+          </a:p>
+        </p:txBody>
+      </p:sp>
+      <p:sp>
+        <p:nvSpPr>
+          <p:cNvPr id="6" name="Slide Number Placeholder 5">
+            <a:extLst>
+              <a:ext uri="{FF2B5EF4-FFF2-40B4-BE49-F238E27FC236}">
+                <a16:creationId xmlns:a16="http://schemas.microsoft.com/office/drawing/2014/main" id="{947837FE-CFCD-4A9F-8422-BEC0153FF0E8}"/>
+              </a:ext>
+            </a:extLst>
+          </p:cNvPr>
+          <p:cNvSpPr txBox="1">
+            <a:spLocks/>
+          </p:cNvSpPr>
+          <p:nvPr/>
+        </p:nvSpPr>
+        <p:spPr>
+          <a:xfrm>
+            <a:off x="8763000" y="6508750"/>
             <a:ext cx="2743200" cy="365125"/>
           </a:xfrm>
           <a:prstGeom prst="rect">
@@ -25652,6 +27127,652 @@
               <a:rPr lang="en-US" smtClean="0"/>
               <a:pPr/>
               <a:t>26</a:t>
+            </a:fld>
+            <a:endParaRPr lang="en-US" dirty="0"/>
+          </a:p>
+        </p:txBody>
+      </p:sp>
+    </p:spTree>
+    <p:extLst>
+      <p:ext uri="{BB962C8B-B14F-4D97-AF65-F5344CB8AC3E}">
+        <p14:creationId xmlns:p14="http://schemas.microsoft.com/office/powerpoint/2010/main" val="112129371"/>
+      </p:ext>
+    </p:extLst>
+  </p:cSld>
+  <p:clrMapOvr>
+    <a:masterClrMapping/>
+  </p:clrMapOvr>
+</p:sld>
+</file>
+
+<file path=ppt/slides/slide27.xml><?xml version="1.0" encoding="utf-8"?>
+<p:sld xmlns:a="http://schemas.openxmlformats.org/drawingml/2006/main" xmlns:r="http://schemas.openxmlformats.org/officeDocument/2006/relationships" xmlns:p="http://schemas.openxmlformats.org/presentationml/2006/main">
+  <p:cSld>
+    <p:spTree>
+      <p:nvGrpSpPr>
+        <p:cNvPr id="1" name=""/>
+        <p:cNvGrpSpPr/>
+        <p:nvPr/>
+      </p:nvGrpSpPr>
+      <p:grpSpPr>
+        <a:xfrm>
+          <a:off x="0" y="0"/>
+          <a:ext cx="0" cy="0"/>
+          <a:chOff x="0" y="0"/>
+          <a:chExt cx="0" cy="0"/>
+        </a:xfrm>
+      </p:grpSpPr>
+      <p:sp>
+        <p:nvSpPr>
+          <p:cNvPr id="2" name="Title 1">
+            <a:extLst>
+              <a:ext uri="{FF2B5EF4-FFF2-40B4-BE49-F238E27FC236}">
+                <a16:creationId xmlns:a16="http://schemas.microsoft.com/office/drawing/2014/main" id="{67612D3D-95B0-4F74-BDB2-BCE058A01C12}"/>
+              </a:ext>
+            </a:extLst>
+          </p:cNvPr>
+          <p:cNvSpPr>
+            <a:spLocks noGrp="1"/>
+          </p:cNvSpPr>
+          <p:nvPr>
+            <p:ph type="title"/>
+          </p:nvPr>
+        </p:nvSpPr>
+        <p:spPr/>
+        <p:txBody>
+          <a:bodyPr>
+            <a:normAutofit/>
+          </a:bodyPr>
+          <a:lstStyle/>
+          <a:p>
+            <a:r>
+              <a:rPr lang="en-US" sz="3600" dirty="0"/>
+              <a:t>Next Steps</a:t>
+            </a:r>
+          </a:p>
+        </p:txBody>
+      </p:sp>
+      <p:sp>
+        <p:nvSpPr>
+          <p:cNvPr id="3" name="Content Placeholder 2">
+            <a:extLst>
+              <a:ext uri="{FF2B5EF4-FFF2-40B4-BE49-F238E27FC236}">
+                <a16:creationId xmlns:a16="http://schemas.microsoft.com/office/drawing/2014/main" id="{A9776AB7-EF6B-4831-BA5E-A2298E1B08F8}"/>
+              </a:ext>
+            </a:extLst>
+          </p:cNvPr>
+          <p:cNvSpPr>
+            <a:spLocks noGrp="1"/>
+          </p:cNvSpPr>
+          <p:nvPr>
+            <p:ph idx="1"/>
+          </p:nvPr>
+        </p:nvSpPr>
+        <p:spPr>
+          <a:xfrm>
+            <a:off x="701640" y="1727148"/>
+            <a:ext cx="10515600" cy="4594993"/>
+          </a:xfrm>
+        </p:spPr>
+        <p:txBody>
+          <a:bodyPr>
+            <a:noAutofit/>
+          </a:bodyPr>
+          <a:lstStyle/>
+          <a:p>
+            <a:pPr>
+              <a:lnSpc>
+                <a:spcPct val="100000"/>
+              </a:lnSpc>
+            </a:pPr>
+            <a:r>
+              <a:rPr lang="en-US" sz="2200" dirty="0"/>
+              <a:t>Clarification of open issues stated in </a:t>
+            </a:r>
+            <a:r>
+              <a:rPr lang="en-US" sz="2200" dirty="0" err="1">
+                <a:hlinkClick r:id="rId3"/>
+              </a:rPr>
+              <a:t>github</a:t>
+            </a:r>
+            <a:r>
+              <a:rPr lang="en-US" sz="2200" dirty="0">
+                <a:hlinkClick r:id="rId3"/>
+              </a:rPr>
+              <a:t>/anima-</a:t>
+            </a:r>
+            <a:r>
+              <a:rPr lang="en-US" sz="2200" dirty="0" err="1">
+                <a:hlinkClick r:id="rId3"/>
+              </a:rPr>
+              <a:t>wg</a:t>
+            </a:r>
+            <a:r>
+              <a:rPr lang="en-US" sz="2200" dirty="0"/>
+              <a:t> and also in the draft</a:t>
+            </a:r>
+          </a:p>
+          <a:p>
+            <a:pPr>
+              <a:lnSpc>
+                <a:spcPct val="100000"/>
+              </a:lnSpc>
+            </a:pPr>
+            <a:r>
+              <a:rPr lang="en-US" sz="2200" dirty="0"/>
+              <a:t>Circulate outcome on the mailing list for further discussion</a:t>
+            </a:r>
+          </a:p>
+          <a:p>
+            <a:pPr>
+              <a:lnSpc>
+                <a:spcPct val="100000"/>
+              </a:lnSpc>
+            </a:pPr>
+            <a:r>
+              <a:rPr lang="en-US" sz="2200" dirty="0"/>
+              <a:t>WG review appreciated</a:t>
+            </a:r>
+          </a:p>
+          <a:p>
+            <a:pPr marL="0" indent="0">
+              <a:lnSpc>
+                <a:spcPct val="100000"/>
+              </a:lnSpc>
+              <a:buNone/>
+            </a:pPr>
+            <a:endParaRPr lang="en-US" sz="2200" dirty="0"/>
+          </a:p>
+        </p:txBody>
+      </p:sp>
+      <p:sp>
+        <p:nvSpPr>
+          <p:cNvPr id="4" name="Date Placeholder 3">
+            <a:extLst>
+              <a:ext uri="{FF2B5EF4-FFF2-40B4-BE49-F238E27FC236}">
+                <a16:creationId xmlns:a16="http://schemas.microsoft.com/office/drawing/2014/main" id="{3B57BFE0-8AA2-440A-BF11-3DDE98998EE8}"/>
+              </a:ext>
+            </a:extLst>
+          </p:cNvPr>
+          <p:cNvSpPr txBox="1">
+            <a:spLocks/>
+          </p:cNvSpPr>
+          <p:nvPr/>
+        </p:nvSpPr>
+        <p:spPr>
+          <a:xfrm>
+            <a:off x="990600" y="6508750"/>
+            <a:ext cx="2743200" cy="365125"/>
+          </a:xfrm>
+          <a:prstGeom prst="rect">
+            <a:avLst/>
+          </a:prstGeom>
+        </p:spPr>
+        <p:txBody>
+          <a:bodyPr vert="horz" lIns="91440" tIns="45720" rIns="91440" bIns="45720" rtlCol="0" anchor="ctr"/>
+          <a:lstStyle>
+            <a:defPPr>
+              <a:defRPr lang="de-DE"/>
+            </a:defPPr>
+            <a:lvl1pPr marL="0" algn="l" defTabSz="914400" rtl="0" eaLnBrk="1" latinLnBrk="0" hangingPunct="1">
+              <a:defRPr sz="1200" kern="1200">
+                <a:solidFill>
+                  <a:schemeClr val="tx1">
+                    <a:tint val="75000"/>
+                  </a:schemeClr>
+                </a:solidFill>
+                <a:latin typeface="+mn-lt"/>
+                <a:ea typeface="+mn-ea"/>
+                <a:cs typeface="+mn-cs"/>
+              </a:defRPr>
+            </a:lvl1pPr>
+            <a:lvl2pPr marL="457200" algn="l" defTabSz="914400" rtl="0" eaLnBrk="1" latinLnBrk="0" hangingPunct="1">
+              <a:defRPr sz="1800" kern="1200">
+                <a:solidFill>
+                  <a:schemeClr val="tx1"/>
+                </a:solidFill>
+                <a:latin typeface="+mn-lt"/>
+                <a:ea typeface="+mn-ea"/>
+                <a:cs typeface="+mn-cs"/>
+              </a:defRPr>
+            </a:lvl2pPr>
+            <a:lvl3pPr marL="914400" algn="l" defTabSz="914400" rtl="0" eaLnBrk="1" latinLnBrk="0" hangingPunct="1">
+              <a:defRPr sz="1800" kern="1200">
+                <a:solidFill>
+                  <a:schemeClr val="tx1"/>
+                </a:solidFill>
+                <a:latin typeface="+mn-lt"/>
+                <a:ea typeface="+mn-ea"/>
+                <a:cs typeface="+mn-cs"/>
+              </a:defRPr>
+            </a:lvl3pPr>
+            <a:lvl4pPr marL="1371600" algn="l" defTabSz="914400" rtl="0" eaLnBrk="1" latinLnBrk="0" hangingPunct="1">
+              <a:defRPr sz="1800" kern="1200">
+                <a:solidFill>
+                  <a:schemeClr val="tx1"/>
+                </a:solidFill>
+                <a:latin typeface="+mn-lt"/>
+                <a:ea typeface="+mn-ea"/>
+                <a:cs typeface="+mn-cs"/>
+              </a:defRPr>
+            </a:lvl4pPr>
+            <a:lvl5pPr marL="1828800" algn="l" defTabSz="914400" rtl="0" eaLnBrk="1" latinLnBrk="0" hangingPunct="1">
+              <a:defRPr sz="1800" kern="1200">
+                <a:solidFill>
+                  <a:schemeClr val="tx1"/>
+                </a:solidFill>
+                <a:latin typeface="+mn-lt"/>
+                <a:ea typeface="+mn-ea"/>
+                <a:cs typeface="+mn-cs"/>
+              </a:defRPr>
+            </a:lvl5pPr>
+            <a:lvl6pPr marL="2286000" algn="l" defTabSz="914400" rtl="0" eaLnBrk="1" latinLnBrk="0" hangingPunct="1">
+              <a:defRPr sz="1800" kern="1200">
+                <a:solidFill>
+                  <a:schemeClr val="tx1"/>
+                </a:solidFill>
+                <a:latin typeface="+mn-lt"/>
+                <a:ea typeface="+mn-ea"/>
+                <a:cs typeface="+mn-cs"/>
+              </a:defRPr>
+            </a:lvl6pPr>
+            <a:lvl7pPr marL="2743200" algn="l" defTabSz="914400" rtl="0" eaLnBrk="1" latinLnBrk="0" hangingPunct="1">
+              <a:defRPr sz="1800" kern="1200">
+                <a:solidFill>
+                  <a:schemeClr val="tx1"/>
+                </a:solidFill>
+                <a:latin typeface="+mn-lt"/>
+                <a:ea typeface="+mn-ea"/>
+                <a:cs typeface="+mn-cs"/>
+              </a:defRPr>
+            </a:lvl7pPr>
+            <a:lvl8pPr marL="3200400" algn="l" defTabSz="914400" rtl="0" eaLnBrk="1" latinLnBrk="0" hangingPunct="1">
+              <a:defRPr sz="1800" kern="1200">
+                <a:solidFill>
+                  <a:schemeClr val="tx1"/>
+                </a:solidFill>
+                <a:latin typeface="+mn-lt"/>
+                <a:ea typeface="+mn-ea"/>
+                <a:cs typeface="+mn-cs"/>
+              </a:defRPr>
+            </a:lvl8pPr>
+            <a:lvl9pPr marL="3657600" algn="l" defTabSz="914400" rtl="0" eaLnBrk="1" latinLnBrk="0" hangingPunct="1">
+              <a:defRPr sz="1800" kern="1200">
+                <a:solidFill>
+                  <a:schemeClr val="tx1"/>
+                </a:solidFill>
+                <a:latin typeface="+mn-lt"/>
+                <a:ea typeface="+mn-ea"/>
+                <a:cs typeface="+mn-cs"/>
+              </a:defRPr>
+            </a:lvl9pPr>
+          </a:lstStyle>
+          <a:p>
+            <a:fld id="{8C792E63-5F21-4F54-A864-D84D9F273FCA}" type="datetimeFigureOut">
+              <a:rPr lang="en-US" smtClean="0"/>
+              <a:pPr/>
+              <a:t>7/17/2021</a:t>
+            </a:fld>
+            <a:endParaRPr lang="en-US" dirty="0"/>
+          </a:p>
+        </p:txBody>
+      </p:sp>
+      <p:sp>
+        <p:nvSpPr>
+          <p:cNvPr id="5" name="Slide Number Placeholder 5">
+            <a:extLst>
+              <a:ext uri="{FF2B5EF4-FFF2-40B4-BE49-F238E27FC236}">
+                <a16:creationId xmlns:a16="http://schemas.microsoft.com/office/drawing/2014/main" id="{1881EAE9-7681-4485-81EC-EAB026A81A3C}"/>
+              </a:ext>
+            </a:extLst>
+          </p:cNvPr>
+          <p:cNvSpPr txBox="1">
+            <a:spLocks/>
+          </p:cNvSpPr>
+          <p:nvPr/>
+        </p:nvSpPr>
+        <p:spPr>
+          <a:xfrm>
+            <a:off x="8763000" y="6508750"/>
+            <a:ext cx="2743200" cy="365125"/>
+          </a:xfrm>
+          <a:prstGeom prst="rect">
+            <a:avLst/>
+          </a:prstGeom>
+        </p:spPr>
+        <p:txBody>
+          <a:bodyPr vert="horz" lIns="91440" tIns="45720" rIns="91440" bIns="45720" rtlCol="0" anchor="ctr"/>
+          <a:lstStyle>
+            <a:defPPr>
+              <a:defRPr lang="de-DE"/>
+            </a:defPPr>
+            <a:lvl1pPr marL="0" algn="r" defTabSz="914400" rtl="0" eaLnBrk="1" latinLnBrk="0" hangingPunct="1">
+              <a:defRPr sz="1200" kern="1200">
+                <a:solidFill>
+                  <a:schemeClr val="tx1">
+                    <a:tint val="75000"/>
+                  </a:schemeClr>
+                </a:solidFill>
+                <a:latin typeface="+mn-lt"/>
+                <a:ea typeface="+mn-ea"/>
+                <a:cs typeface="+mn-cs"/>
+              </a:defRPr>
+            </a:lvl1pPr>
+            <a:lvl2pPr marL="457200" algn="l" defTabSz="914400" rtl="0" eaLnBrk="1" latinLnBrk="0" hangingPunct="1">
+              <a:defRPr sz="1800" kern="1200">
+                <a:solidFill>
+                  <a:schemeClr val="tx1"/>
+                </a:solidFill>
+                <a:latin typeface="+mn-lt"/>
+                <a:ea typeface="+mn-ea"/>
+                <a:cs typeface="+mn-cs"/>
+              </a:defRPr>
+            </a:lvl2pPr>
+            <a:lvl3pPr marL="914400" algn="l" defTabSz="914400" rtl="0" eaLnBrk="1" latinLnBrk="0" hangingPunct="1">
+              <a:defRPr sz="1800" kern="1200">
+                <a:solidFill>
+                  <a:schemeClr val="tx1"/>
+                </a:solidFill>
+                <a:latin typeface="+mn-lt"/>
+                <a:ea typeface="+mn-ea"/>
+                <a:cs typeface="+mn-cs"/>
+              </a:defRPr>
+            </a:lvl3pPr>
+            <a:lvl4pPr marL="1371600" algn="l" defTabSz="914400" rtl="0" eaLnBrk="1" latinLnBrk="0" hangingPunct="1">
+              <a:defRPr sz="1800" kern="1200">
+                <a:solidFill>
+                  <a:schemeClr val="tx1"/>
+                </a:solidFill>
+                <a:latin typeface="+mn-lt"/>
+                <a:ea typeface="+mn-ea"/>
+                <a:cs typeface="+mn-cs"/>
+              </a:defRPr>
+            </a:lvl4pPr>
+            <a:lvl5pPr marL="1828800" algn="l" defTabSz="914400" rtl="0" eaLnBrk="1" latinLnBrk="0" hangingPunct="1">
+              <a:defRPr sz="1800" kern="1200">
+                <a:solidFill>
+                  <a:schemeClr val="tx1"/>
+                </a:solidFill>
+                <a:latin typeface="+mn-lt"/>
+                <a:ea typeface="+mn-ea"/>
+                <a:cs typeface="+mn-cs"/>
+              </a:defRPr>
+            </a:lvl5pPr>
+            <a:lvl6pPr marL="2286000" algn="l" defTabSz="914400" rtl="0" eaLnBrk="1" latinLnBrk="0" hangingPunct="1">
+              <a:defRPr sz="1800" kern="1200">
+                <a:solidFill>
+                  <a:schemeClr val="tx1"/>
+                </a:solidFill>
+                <a:latin typeface="+mn-lt"/>
+                <a:ea typeface="+mn-ea"/>
+                <a:cs typeface="+mn-cs"/>
+              </a:defRPr>
+            </a:lvl6pPr>
+            <a:lvl7pPr marL="2743200" algn="l" defTabSz="914400" rtl="0" eaLnBrk="1" latinLnBrk="0" hangingPunct="1">
+              <a:defRPr sz="1800" kern="1200">
+                <a:solidFill>
+                  <a:schemeClr val="tx1"/>
+                </a:solidFill>
+                <a:latin typeface="+mn-lt"/>
+                <a:ea typeface="+mn-ea"/>
+                <a:cs typeface="+mn-cs"/>
+              </a:defRPr>
+            </a:lvl7pPr>
+            <a:lvl8pPr marL="3200400" algn="l" defTabSz="914400" rtl="0" eaLnBrk="1" latinLnBrk="0" hangingPunct="1">
+              <a:defRPr sz="1800" kern="1200">
+                <a:solidFill>
+                  <a:schemeClr val="tx1"/>
+                </a:solidFill>
+                <a:latin typeface="+mn-lt"/>
+                <a:ea typeface="+mn-ea"/>
+                <a:cs typeface="+mn-cs"/>
+              </a:defRPr>
+            </a:lvl8pPr>
+            <a:lvl9pPr marL="3657600" algn="l" defTabSz="914400" rtl="0" eaLnBrk="1" latinLnBrk="0" hangingPunct="1">
+              <a:defRPr sz="1800" kern="1200">
+                <a:solidFill>
+                  <a:schemeClr val="tx1"/>
+                </a:solidFill>
+                <a:latin typeface="+mn-lt"/>
+                <a:ea typeface="+mn-ea"/>
+                <a:cs typeface="+mn-cs"/>
+              </a:defRPr>
+            </a:lvl9pPr>
+          </a:lstStyle>
+          <a:p>
+            <a:fld id="{104F53CC-0028-4916-8B93-0EBFFB2C7AAD}" type="slidenum">
+              <a:rPr lang="en-US" smtClean="0"/>
+              <a:pPr/>
+              <a:t>27</a:t>
+            </a:fld>
+            <a:endParaRPr lang="en-US" dirty="0"/>
+          </a:p>
+        </p:txBody>
+      </p:sp>
+    </p:spTree>
+    <p:extLst>
+      <p:ext uri="{BB962C8B-B14F-4D97-AF65-F5344CB8AC3E}">
+        <p14:creationId xmlns:p14="http://schemas.microsoft.com/office/powerpoint/2010/main" val="3091934840"/>
+      </p:ext>
+    </p:extLst>
+  </p:cSld>
+  <p:clrMapOvr>
+    <a:masterClrMapping/>
+  </p:clrMapOvr>
+</p:sld>
+</file>
+
+<file path=ppt/slides/slide28.xml><?xml version="1.0" encoding="utf-8"?>
+<p:sld xmlns:a="http://schemas.openxmlformats.org/drawingml/2006/main" xmlns:r="http://schemas.openxmlformats.org/officeDocument/2006/relationships" xmlns:p="http://schemas.openxmlformats.org/presentationml/2006/main">
+  <p:cSld>
+    <p:spTree>
+      <p:nvGrpSpPr>
+        <p:cNvPr id="1" name=""/>
+        <p:cNvGrpSpPr/>
+        <p:nvPr/>
+      </p:nvGrpSpPr>
+      <p:grpSpPr>
+        <a:xfrm>
+          <a:off x="0" y="0"/>
+          <a:ext cx="0" cy="0"/>
+          <a:chOff x="0" y="0"/>
+          <a:chExt cx="0" cy="0"/>
+        </a:xfrm>
+      </p:grpSpPr>
+      <p:sp>
+        <p:nvSpPr>
+          <p:cNvPr id="2" name="Title 1">
+            <a:extLst>
+              <a:ext uri="{FF2B5EF4-FFF2-40B4-BE49-F238E27FC236}">
+                <a16:creationId xmlns:a16="http://schemas.microsoft.com/office/drawing/2014/main" id="{67612D3D-95B0-4F74-BDB2-BCE058A01C12}"/>
+              </a:ext>
+            </a:extLst>
+          </p:cNvPr>
+          <p:cNvSpPr>
+            <a:spLocks noGrp="1"/>
+          </p:cNvSpPr>
+          <p:nvPr>
+            <p:ph type="title"/>
+          </p:nvPr>
+        </p:nvSpPr>
+        <p:spPr/>
+        <p:txBody>
+          <a:bodyPr>
+            <a:normAutofit/>
+          </a:bodyPr>
+          <a:lstStyle/>
+          <a:p>
+            <a:r>
+              <a:rPr lang="en-US" sz="3600" dirty="0"/>
+              <a:t>Backup</a:t>
+            </a:r>
+          </a:p>
+        </p:txBody>
+      </p:sp>
+      <p:sp>
+        <p:nvSpPr>
+          <p:cNvPr id="3" name="Content Placeholder 2">
+            <a:extLst>
+              <a:ext uri="{FF2B5EF4-FFF2-40B4-BE49-F238E27FC236}">
+                <a16:creationId xmlns:a16="http://schemas.microsoft.com/office/drawing/2014/main" id="{A9776AB7-EF6B-4831-BA5E-A2298E1B08F8}"/>
+              </a:ext>
+            </a:extLst>
+          </p:cNvPr>
+          <p:cNvSpPr>
+            <a:spLocks noGrp="1"/>
+          </p:cNvSpPr>
+          <p:nvPr>
+            <p:ph idx="1"/>
+          </p:nvPr>
+        </p:nvSpPr>
+        <p:spPr>
+          <a:xfrm>
+            <a:off x="701640" y="1727148"/>
+            <a:ext cx="10515600" cy="4594993"/>
+          </a:xfrm>
+        </p:spPr>
+        <p:txBody>
+          <a:bodyPr>
+            <a:noAutofit/>
+          </a:bodyPr>
+          <a:lstStyle/>
+          <a:p>
+            <a:pPr>
+              <a:lnSpc>
+                <a:spcPct val="100000"/>
+              </a:lnSpc>
+            </a:pPr>
+            <a:endParaRPr lang="en-US" sz="2200" dirty="0"/>
+          </a:p>
+        </p:txBody>
+      </p:sp>
+      <p:sp>
+        <p:nvSpPr>
+          <p:cNvPr id="4" name="Slide Number Placeholder 5">
+            <a:extLst>
+              <a:ext uri="{FF2B5EF4-FFF2-40B4-BE49-F238E27FC236}">
+                <a16:creationId xmlns:a16="http://schemas.microsoft.com/office/drawing/2014/main" id="{A0AE8E2D-5B98-45B9-92B1-22879F33BFF8}"/>
+              </a:ext>
+            </a:extLst>
+          </p:cNvPr>
+          <p:cNvSpPr txBox="1">
+            <a:spLocks/>
+          </p:cNvSpPr>
+          <p:nvPr/>
+        </p:nvSpPr>
+        <p:spPr>
+          <a:xfrm>
+            <a:off x="8610600" y="6356350"/>
+            <a:ext cx="2743200" cy="365125"/>
+          </a:xfrm>
+          <a:prstGeom prst="rect">
+            <a:avLst/>
+          </a:prstGeom>
+        </p:spPr>
+        <p:txBody>
+          <a:bodyPr vert="horz" lIns="91440" tIns="45720" rIns="91440" bIns="45720" rtlCol="0" anchor="ctr"/>
+          <a:lstStyle>
+            <a:defPPr>
+              <a:defRPr lang="de-DE"/>
+            </a:defPPr>
+            <a:lvl1pPr marL="0" algn="r" defTabSz="914400" rtl="0" eaLnBrk="1" latinLnBrk="0" hangingPunct="1">
+              <a:defRPr sz="1200" kern="1200">
+                <a:solidFill>
+                  <a:schemeClr val="tx1">
+                    <a:tint val="75000"/>
+                  </a:schemeClr>
+                </a:solidFill>
+                <a:latin typeface="+mn-lt"/>
+                <a:ea typeface="+mn-ea"/>
+                <a:cs typeface="+mn-cs"/>
+              </a:defRPr>
+            </a:lvl1pPr>
+            <a:lvl2pPr marL="457200" algn="l" defTabSz="914400" rtl="0" eaLnBrk="1" latinLnBrk="0" hangingPunct="1">
+              <a:defRPr sz="1800" kern="1200">
+                <a:solidFill>
+                  <a:schemeClr val="tx1"/>
+                </a:solidFill>
+                <a:latin typeface="+mn-lt"/>
+                <a:ea typeface="+mn-ea"/>
+                <a:cs typeface="+mn-cs"/>
+              </a:defRPr>
+            </a:lvl2pPr>
+            <a:lvl3pPr marL="914400" algn="l" defTabSz="914400" rtl="0" eaLnBrk="1" latinLnBrk="0" hangingPunct="1">
+              <a:defRPr sz="1800" kern="1200">
+                <a:solidFill>
+                  <a:schemeClr val="tx1"/>
+                </a:solidFill>
+                <a:latin typeface="+mn-lt"/>
+                <a:ea typeface="+mn-ea"/>
+                <a:cs typeface="+mn-cs"/>
+              </a:defRPr>
+            </a:lvl3pPr>
+            <a:lvl4pPr marL="1371600" algn="l" defTabSz="914400" rtl="0" eaLnBrk="1" latinLnBrk="0" hangingPunct="1">
+              <a:defRPr sz="1800" kern="1200">
+                <a:solidFill>
+                  <a:schemeClr val="tx1"/>
+                </a:solidFill>
+                <a:latin typeface="+mn-lt"/>
+                <a:ea typeface="+mn-ea"/>
+                <a:cs typeface="+mn-cs"/>
+              </a:defRPr>
+            </a:lvl4pPr>
+            <a:lvl5pPr marL="1828800" algn="l" defTabSz="914400" rtl="0" eaLnBrk="1" latinLnBrk="0" hangingPunct="1">
+              <a:defRPr sz="1800" kern="1200">
+                <a:solidFill>
+                  <a:schemeClr val="tx1"/>
+                </a:solidFill>
+                <a:latin typeface="+mn-lt"/>
+                <a:ea typeface="+mn-ea"/>
+                <a:cs typeface="+mn-cs"/>
+              </a:defRPr>
+            </a:lvl5pPr>
+            <a:lvl6pPr marL="2286000" algn="l" defTabSz="914400" rtl="0" eaLnBrk="1" latinLnBrk="0" hangingPunct="1">
+              <a:defRPr sz="1800" kern="1200">
+                <a:solidFill>
+                  <a:schemeClr val="tx1"/>
+                </a:solidFill>
+                <a:latin typeface="+mn-lt"/>
+                <a:ea typeface="+mn-ea"/>
+                <a:cs typeface="+mn-cs"/>
+              </a:defRPr>
+            </a:lvl6pPr>
+            <a:lvl7pPr marL="2743200" algn="l" defTabSz="914400" rtl="0" eaLnBrk="1" latinLnBrk="0" hangingPunct="1">
+              <a:defRPr sz="1800" kern="1200">
+                <a:solidFill>
+                  <a:schemeClr val="tx1"/>
+                </a:solidFill>
+                <a:latin typeface="+mn-lt"/>
+                <a:ea typeface="+mn-ea"/>
+                <a:cs typeface="+mn-cs"/>
+              </a:defRPr>
+            </a:lvl7pPr>
+            <a:lvl8pPr marL="3200400" algn="l" defTabSz="914400" rtl="0" eaLnBrk="1" latinLnBrk="0" hangingPunct="1">
+              <a:defRPr sz="1800" kern="1200">
+                <a:solidFill>
+                  <a:schemeClr val="tx1"/>
+                </a:solidFill>
+                <a:latin typeface="+mn-lt"/>
+                <a:ea typeface="+mn-ea"/>
+                <a:cs typeface="+mn-cs"/>
+              </a:defRPr>
+            </a:lvl8pPr>
+            <a:lvl9pPr marL="3657600" algn="l" defTabSz="914400" rtl="0" eaLnBrk="1" latinLnBrk="0" hangingPunct="1">
+              <a:defRPr sz="1800" kern="1200">
+                <a:solidFill>
+                  <a:schemeClr val="tx1"/>
+                </a:solidFill>
+                <a:latin typeface="+mn-lt"/>
+                <a:ea typeface="+mn-ea"/>
+                <a:cs typeface="+mn-cs"/>
+              </a:defRPr>
+            </a:lvl9pPr>
+          </a:lstStyle>
+          <a:p>
+            <a:fld id="{104F53CC-0028-4916-8B93-0EBFFB2C7AAD}" type="slidenum">
+              <a:rPr lang="en-US" smtClean="0"/>
+              <a:pPr/>
+              <a:t>28</a:t>
             </a:fld>
             <a:endParaRPr lang="en-US" dirty="0"/>
           </a:p>
@@ -25670,7 +27791,7 @@
 </p:sld>
 </file>
 
-<file path=ppt/slides/slide27.xml><?xml version="1.0" encoding="utf-8"?>
+<file path=ppt/slides/slide29.xml><?xml version="1.0" encoding="utf-8"?>
 <p:sld xmlns:a="http://schemas.openxmlformats.org/drawingml/2006/main" xmlns:r="http://schemas.openxmlformats.org/officeDocument/2006/relationships" xmlns:p="http://schemas.openxmlformats.org/presentationml/2006/main">
   <p:cSld>
     <p:spTree>
@@ -29045,7 +31166,7 @@
             <a:fld id="{104F53CC-0028-4916-8B93-0EBFFB2C7AAD}" type="slidenum">
               <a:rPr lang="en-US" smtClean="0"/>
               <a:pPr/>
-              <a:t>27</a:t>
+              <a:t>29</a:t>
             </a:fld>
             <a:endParaRPr lang="en-US" dirty="0"/>
           </a:p>
@@ -29761,7 +31882,432 @@
 </p:sld>
 </file>
 
-<file path=ppt/slides/slide28.xml><?xml version="1.0" encoding="utf-8"?>
+<file path=ppt/slides/slide3.xml><?xml version="1.0" encoding="utf-8"?>
+<p:sld xmlns:a="http://schemas.openxmlformats.org/drawingml/2006/main" xmlns:r="http://schemas.openxmlformats.org/officeDocument/2006/relationships" xmlns:p="http://schemas.openxmlformats.org/presentationml/2006/main">
+  <p:cSld>
+    <p:spTree>
+      <p:nvGrpSpPr>
+        <p:cNvPr id="1" name=""/>
+        <p:cNvGrpSpPr/>
+        <p:nvPr/>
+      </p:nvGrpSpPr>
+      <p:grpSpPr>
+        <a:xfrm>
+          <a:off x="0" y="0"/>
+          <a:ext cx="0" cy="0"/>
+          <a:chOff x="0" y="0"/>
+          <a:chExt cx="0" cy="0"/>
+        </a:xfrm>
+      </p:grpSpPr>
+      <p:sp>
+        <p:nvSpPr>
+          <p:cNvPr id="2" name="Title 1">
+            <a:extLst>
+              <a:ext uri="{FF2B5EF4-FFF2-40B4-BE49-F238E27FC236}">
+                <a16:creationId xmlns:a16="http://schemas.microsoft.com/office/drawing/2014/main" id="{67612D3D-95B0-4F74-BDB2-BCE058A01C12}"/>
+              </a:ext>
+            </a:extLst>
+          </p:cNvPr>
+          <p:cNvSpPr>
+            <a:spLocks noGrp="1"/>
+          </p:cNvSpPr>
+          <p:nvPr>
+            <p:ph type="title"/>
+          </p:nvPr>
+        </p:nvSpPr>
+        <p:spPr/>
+        <p:txBody>
+          <a:bodyPr>
+            <a:normAutofit/>
+          </a:bodyPr>
+          <a:lstStyle/>
+          <a:p>
+            <a:r>
+              <a:rPr lang="en-US" sz="3600" dirty="0"/>
+              <a:t>BRSKI-AE Status</a:t>
+            </a:r>
+            <a:br>
+              <a:rPr lang="en-US" sz="3600" dirty="0"/>
+            </a:br>
+            <a:r>
+              <a:rPr lang="en-US" sz="3600" dirty="0"/>
+              <a:t>History of (main) changes from version 01 to version 02</a:t>
+            </a:r>
+          </a:p>
+        </p:txBody>
+      </p:sp>
+      <p:sp>
+        <p:nvSpPr>
+          <p:cNvPr id="3" name="Content Placeholder 2">
+            <a:extLst>
+              <a:ext uri="{FF2B5EF4-FFF2-40B4-BE49-F238E27FC236}">
+                <a16:creationId xmlns:a16="http://schemas.microsoft.com/office/drawing/2014/main" id="{A9776AB7-EF6B-4831-BA5E-A2298E1B08F8}"/>
+              </a:ext>
+            </a:extLst>
+          </p:cNvPr>
+          <p:cNvSpPr>
+            <a:spLocks noGrp="1"/>
+          </p:cNvSpPr>
+          <p:nvPr>
+            <p:ph idx="1"/>
+          </p:nvPr>
+        </p:nvSpPr>
+        <p:spPr>
+          <a:xfrm>
+            <a:off x="838200" y="1825625"/>
+            <a:ext cx="10515600" cy="4667250"/>
+          </a:xfrm>
+        </p:spPr>
+        <p:txBody>
+          <a:bodyPr>
+            <a:noAutofit/>
+          </a:bodyPr>
+          <a:lstStyle/>
+          <a:p>
+            <a:pPr>
+              <a:lnSpc>
+                <a:spcPct val="100000"/>
+              </a:lnSpc>
+            </a:pPr>
+            <a:r>
+              <a:rPr lang="en-US" sz="2200" dirty="0"/>
+              <a:t>Defined detailed call flow and exchanged objects for interactions in UC2 between pledge – registrar-agent – registrar and MASA.  Object format aligns with </a:t>
+            </a:r>
+            <a:r>
+              <a:rPr lang="en-US" sz="2200" dirty="0">
+                <a:hlinkClick r:id="rId3"/>
+              </a:rPr>
+              <a:t>draft JOSE signed voucher artifacts </a:t>
+            </a:r>
+            <a:r>
+              <a:rPr lang="en-US" sz="2200" dirty="0"/>
+              <a:t>(Section 5.2.3).</a:t>
+            </a:r>
+          </a:p>
+          <a:p>
+            <a:pPr>
+              <a:lnSpc>
+                <a:spcPct val="100000"/>
+              </a:lnSpc>
+            </a:pPr>
+            <a:r>
+              <a:rPr lang="en-US" sz="2200" dirty="0"/>
+              <a:t>Removed TLS-PSK approach between pledge and registrar-agent to allow transport security independent object exchange and also to avoid relying on PSK. </a:t>
+            </a:r>
+          </a:p>
+          <a:p>
+            <a:pPr>
+              <a:lnSpc>
+                <a:spcPct val="100000"/>
+              </a:lnSpc>
+            </a:pPr>
+            <a:r>
+              <a:rPr lang="en-US" sz="2200" dirty="0"/>
+              <a:t>Included enhancements in voucher-request content and handling to allow registrar to verify agent-proximity to the pledge (enhancements in voucher-request and handling on registrar) in Section 5.2.3.</a:t>
+            </a:r>
+          </a:p>
+          <a:p>
+            <a:pPr>
+              <a:lnSpc>
+                <a:spcPct val="100000"/>
+              </a:lnSpc>
+            </a:pPr>
+            <a:r>
+              <a:rPr lang="en-US" sz="2200" dirty="0"/>
+              <a:t>Defined enhancements in voucher-request YANG to allow for additional parameters to be transported (Section 6).</a:t>
+            </a:r>
+          </a:p>
+          <a:p>
+            <a:pPr>
+              <a:lnSpc>
+                <a:spcPct val="100000"/>
+              </a:lnSpc>
+            </a:pPr>
+            <a:r>
+              <a:rPr lang="en-US" sz="2200" dirty="0"/>
+              <a:t>Terminology alignment (pledge-agent -&gt; registrar-agent; PULL/PUSH -&gt; pledge-initiator-mode and pledge-responder-mode).</a:t>
+            </a:r>
+          </a:p>
+        </p:txBody>
+      </p:sp>
+      <p:sp>
+        <p:nvSpPr>
+          <p:cNvPr id="4" name="Date Placeholder 3">
+            <a:extLst>
+              <a:ext uri="{FF2B5EF4-FFF2-40B4-BE49-F238E27FC236}">
+                <a16:creationId xmlns:a16="http://schemas.microsoft.com/office/drawing/2014/main" id="{603A4F89-D37F-47CD-A5DD-8B1F7476D4B1}"/>
+              </a:ext>
+            </a:extLst>
+          </p:cNvPr>
+          <p:cNvSpPr txBox="1">
+            <a:spLocks/>
+          </p:cNvSpPr>
+          <p:nvPr/>
+        </p:nvSpPr>
+        <p:spPr>
+          <a:xfrm>
+            <a:off x="838200" y="6356350"/>
+            <a:ext cx="2743200" cy="365125"/>
+          </a:xfrm>
+          <a:prstGeom prst="rect">
+            <a:avLst/>
+          </a:prstGeom>
+        </p:spPr>
+        <p:txBody>
+          <a:bodyPr vert="horz" lIns="91440" tIns="45720" rIns="91440" bIns="45720" rtlCol="0" anchor="ctr"/>
+          <a:lstStyle>
+            <a:defPPr>
+              <a:defRPr lang="de-DE"/>
+            </a:defPPr>
+            <a:lvl1pPr marL="0" algn="l" defTabSz="914400" rtl="0" eaLnBrk="1" latinLnBrk="0" hangingPunct="1">
+              <a:defRPr sz="1200" kern="1200">
+                <a:solidFill>
+                  <a:schemeClr val="tx1">
+                    <a:tint val="75000"/>
+                  </a:schemeClr>
+                </a:solidFill>
+                <a:latin typeface="+mn-lt"/>
+                <a:ea typeface="+mn-ea"/>
+                <a:cs typeface="+mn-cs"/>
+              </a:defRPr>
+            </a:lvl1pPr>
+            <a:lvl2pPr marL="457200" algn="l" defTabSz="914400" rtl="0" eaLnBrk="1" latinLnBrk="0" hangingPunct="1">
+              <a:defRPr sz="1800" kern="1200">
+                <a:solidFill>
+                  <a:schemeClr val="tx1"/>
+                </a:solidFill>
+                <a:latin typeface="+mn-lt"/>
+                <a:ea typeface="+mn-ea"/>
+                <a:cs typeface="+mn-cs"/>
+              </a:defRPr>
+            </a:lvl2pPr>
+            <a:lvl3pPr marL="914400" algn="l" defTabSz="914400" rtl="0" eaLnBrk="1" latinLnBrk="0" hangingPunct="1">
+              <a:defRPr sz="1800" kern="1200">
+                <a:solidFill>
+                  <a:schemeClr val="tx1"/>
+                </a:solidFill>
+                <a:latin typeface="+mn-lt"/>
+                <a:ea typeface="+mn-ea"/>
+                <a:cs typeface="+mn-cs"/>
+              </a:defRPr>
+            </a:lvl3pPr>
+            <a:lvl4pPr marL="1371600" algn="l" defTabSz="914400" rtl="0" eaLnBrk="1" latinLnBrk="0" hangingPunct="1">
+              <a:defRPr sz="1800" kern="1200">
+                <a:solidFill>
+                  <a:schemeClr val="tx1"/>
+                </a:solidFill>
+                <a:latin typeface="+mn-lt"/>
+                <a:ea typeface="+mn-ea"/>
+                <a:cs typeface="+mn-cs"/>
+              </a:defRPr>
+            </a:lvl4pPr>
+            <a:lvl5pPr marL="1828800" algn="l" defTabSz="914400" rtl="0" eaLnBrk="1" latinLnBrk="0" hangingPunct="1">
+              <a:defRPr sz="1800" kern="1200">
+                <a:solidFill>
+                  <a:schemeClr val="tx1"/>
+                </a:solidFill>
+                <a:latin typeface="+mn-lt"/>
+                <a:ea typeface="+mn-ea"/>
+                <a:cs typeface="+mn-cs"/>
+              </a:defRPr>
+            </a:lvl5pPr>
+            <a:lvl6pPr marL="2286000" algn="l" defTabSz="914400" rtl="0" eaLnBrk="1" latinLnBrk="0" hangingPunct="1">
+              <a:defRPr sz="1800" kern="1200">
+                <a:solidFill>
+                  <a:schemeClr val="tx1"/>
+                </a:solidFill>
+                <a:latin typeface="+mn-lt"/>
+                <a:ea typeface="+mn-ea"/>
+                <a:cs typeface="+mn-cs"/>
+              </a:defRPr>
+            </a:lvl6pPr>
+            <a:lvl7pPr marL="2743200" algn="l" defTabSz="914400" rtl="0" eaLnBrk="1" latinLnBrk="0" hangingPunct="1">
+              <a:defRPr sz="1800" kern="1200">
+                <a:solidFill>
+                  <a:schemeClr val="tx1"/>
+                </a:solidFill>
+                <a:latin typeface="+mn-lt"/>
+                <a:ea typeface="+mn-ea"/>
+                <a:cs typeface="+mn-cs"/>
+              </a:defRPr>
+            </a:lvl7pPr>
+            <a:lvl8pPr marL="3200400" algn="l" defTabSz="914400" rtl="0" eaLnBrk="1" latinLnBrk="0" hangingPunct="1">
+              <a:defRPr sz="1800" kern="1200">
+                <a:solidFill>
+                  <a:schemeClr val="tx1"/>
+                </a:solidFill>
+                <a:latin typeface="+mn-lt"/>
+                <a:ea typeface="+mn-ea"/>
+                <a:cs typeface="+mn-cs"/>
+              </a:defRPr>
+            </a:lvl8pPr>
+            <a:lvl9pPr marL="3657600" algn="l" defTabSz="914400" rtl="0" eaLnBrk="1" latinLnBrk="0" hangingPunct="1">
+              <a:defRPr sz="1800" kern="1200">
+                <a:solidFill>
+                  <a:schemeClr val="tx1"/>
+                </a:solidFill>
+                <a:latin typeface="+mn-lt"/>
+                <a:ea typeface="+mn-ea"/>
+                <a:cs typeface="+mn-cs"/>
+              </a:defRPr>
+            </a:lvl9pPr>
+          </a:lstStyle>
+          <a:p>
+            <a:fld id="{8C792E63-5F21-4F54-A864-D84D9F273FCA}" type="datetimeFigureOut">
+              <a:rPr lang="en-US" smtClean="0"/>
+              <a:pPr/>
+              <a:t>7/17/2021</a:t>
+            </a:fld>
+            <a:endParaRPr lang="en-US"/>
+          </a:p>
+        </p:txBody>
+      </p:sp>
+      <p:sp>
+        <p:nvSpPr>
+          <p:cNvPr id="5" name="Slide Number Placeholder 5">
+            <a:extLst>
+              <a:ext uri="{FF2B5EF4-FFF2-40B4-BE49-F238E27FC236}">
+                <a16:creationId xmlns:a16="http://schemas.microsoft.com/office/drawing/2014/main" id="{EA009C1A-0CD0-4840-856B-B85603FEF6D0}"/>
+              </a:ext>
+            </a:extLst>
+          </p:cNvPr>
+          <p:cNvSpPr txBox="1">
+            <a:spLocks/>
+          </p:cNvSpPr>
+          <p:nvPr/>
+        </p:nvSpPr>
+        <p:spPr>
+          <a:xfrm>
+            <a:off x="8610600" y="6356350"/>
+            <a:ext cx="2743200" cy="365125"/>
+          </a:xfrm>
+          <a:prstGeom prst="rect">
+            <a:avLst/>
+          </a:prstGeom>
+        </p:spPr>
+        <p:txBody>
+          <a:bodyPr vert="horz" lIns="91440" tIns="45720" rIns="91440" bIns="45720" rtlCol="0" anchor="ctr"/>
+          <a:lstStyle>
+            <a:defPPr>
+              <a:defRPr lang="de-DE"/>
+            </a:defPPr>
+            <a:lvl1pPr marL="0" algn="r" defTabSz="914400" rtl="0" eaLnBrk="1" latinLnBrk="0" hangingPunct="1">
+              <a:defRPr sz="1200" kern="1200">
+                <a:solidFill>
+                  <a:schemeClr val="tx1">
+                    <a:tint val="75000"/>
+                  </a:schemeClr>
+                </a:solidFill>
+                <a:latin typeface="+mn-lt"/>
+                <a:ea typeface="+mn-ea"/>
+                <a:cs typeface="+mn-cs"/>
+              </a:defRPr>
+            </a:lvl1pPr>
+            <a:lvl2pPr marL="457200" algn="l" defTabSz="914400" rtl="0" eaLnBrk="1" latinLnBrk="0" hangingPunct="1">
+              <a:defRPr sz="1800" kern="1200">
+                <a:solidFill>
+                  <a:schemeClr val="tx1"/>
+                </a:solidFill>
+                <a:latin typeface="+mn-lt"/>
+                <a:ea typeface="+mn-ea"/>
+                <a:cs typeface="+mn-cs"/>
+              </a:defRPr>
+            </a:lvl2pPr>
+            <a:lvl3pPr marL="914400" algn="l" defTabSz="914400" rtl="0" eaLnBrk="1" latinLnBrk="0" hangingPunct="1">
+              <a:defRPr sz="1800" kern="1200">
+                <a:solidFill>
+                  <a:schemeClr val="tx1"/>
+                </a:solidFill>
+                <a:latin typeface="+mn-lt"/>
+                <a:ea typeface="+mn-ea"/>
+                <a:cs typeface="+mn-cs"/>
+              </a:defRPr>
+            </a:lvl3pPr>
+            <a:lvl4pPr marL="1371600" algn="l" defTabSz="914400" rtl="0" eaLnBrk="1" latinLnBrk="0" hangingPunct="1">
+              <a:defRPr sz="1800" kern="1200">
+                <a:solidFill>
+                  <a:schemeClr val="tx1"/>
+                </a:solidFill>
+                <a:latin typeface="+mn-lt"/>
+                <a:ea typeface="+mn-ea"/>
+                <a:cs typeface="+mn-cs"/>
+              </a:defRPr>
+            </a:lvl4pPr>
+            <a:lvl5pPr marL="1828800" algn="l" defTabSz="914400" rtl="0" eaLnBrk="1" latinLnBrk="0" hangingPunct="1">
+              <a:defRPr sz="1800" kern="1200">
+                <a:solidFill>
+                  <a:schemeClr val="tx1"/>
+                </a:solidFill>
+                <a:latin typeface="+mn-lt"/>
+                <a:ea typeface="+mn-ea"/>
+                <a:cs typeface="+mn-cs"/>
+              </a:defRPr>
+            </a:lvl5pPr>
+            <a:lvl6pPr marL="2286000" algn="l" defTabSz="914400" rtl="0" eaLnBrk="1" latinLnBrk="0" hangingPunct="1">
+              <a:defRPr sz="1800" kern="1200">
+                <a:solidFill>
+                  <a:schemeClr val="tx1"/>
+                </a:solidFill>
+                <a:latin typeface="+mn-lt"/>
+                <a:ea typeface="+mn-ea"/>
+                <a:cs typeface="+mn-cs"/>
+              </a:defRPr>
+            </a:lvl6pPr>
+            <a:lvl7pPr marL="2743200" algn="l" defTabSz="914400" rtl="0" eaLnBrk="1" latinLnBrk="0" hangingPunct="1">
+              <a:defRPr sz="1800" kern="1200">
+                <a:solidFill>
+                  <a:schemeClr val="tx1"/>
+                </a:solidFill>
+                <a:latin typeface="+mn-lt"/>
+                <a:ea typeface="+mn-ea"/>
+                <a:cs typeface="+mn-cs"/>
+              </a:defRPr>
+            </a:lvl7pPr>
+            <a:lvl8pPr marL="3200400" algn="l" defTabSz="914400" rtl="0" eaLnBrk="1" latinLnBrk="0" hangingPunct="1">
+              <a:defRPr sz="1800" kern="1200">
+                <a:solidFill>
+                  <a:schemeClr val="tx1"/>
+                </a:solidFill>
+                <a:latin typeface="+mn-lt"/>
+                <a:ea typeface="+mn-ea"/>
+                <a:cs typeface="+mn-cs"/>
+              </a:defRPr>
+            </a:lvl8pPr>
+            <a:lvl9pPr marL="3657600" algn="l" defTabSz="914400" rtl="0" eaLnBrk="1" latinLnBrk="0" hangingPunct="1">
+              <a:defRPr sz="1800" kern="1200">
+                <a:solidFill>
+                  <a:schemeClr val="tx1"/>
+                </a:solidFill>
+                <a:latin typeface="+mn-lt"/>
+                <a:ea typeface="+mn-ea"/>
+                <a:cs typeface="+mn-cs"/>
+              </a:defRPr>
+            </a:lvl9pPr>
+          </a:lstStyle>
+          <a:p>
+            <a:fld id="{104F53CC-0028-4916-8B93-0EBFFB2C7AAD}" type="slidenum">
+              <a:rPr lang="en-US" smtClean="0"/>
+              <a:pPr/>
+              <a:t>3</a:t>
+            </a:fld>
+            <a:endParaRPr lang="en-US"/>
+          </a:p>
+        </p:txBody>
+      </p:sp>
+    </p:spTree>
+    <p:extLst>
+      <p:ext uri="{BB962C8B-B14F-4D97-AF65-F5344CB8AC3E}">
+        <p14:creationId xmlns:p14="http://schemas.microsoft.com/office/powerpoint/2010/main" val="1734722549"/>
+      </p:ext>
+    </p:extLst>
+  </p:cSld>
+  <p:clrMapOvr>
+    <a:masterClrMapping/>
+  </p:clrMapOvr>
+</p:sld>
+</file>
+
+<file path=ppt/slides/slide30.xml><?xml version="1.0" encoding="utf-8"?>
 <p:sld xmlns:a="http://schemas.openxmlformats.org/drawingml/2006/main" xmlns:r="http://schemas.openxmlformats.org/officeDocument/2006/relationships" xmlns:p="http://schemas.openxmlformats.org/presentationml/2006/main" show="0">
   <p:cSld>
     <p:spTree>
@@ -29846,7 +32392,7 @@
 </p:sld>
 </file>
 
-<file path=ppt/slides/slide29.xml><?xml version="1.0" encoding="utf-8"?>
+<file path=ppt/slides/slide31.xml><?xml version="1.0" encoding="utf-8"?>
 <p:sld xmlns:a="http://schemas.openxmlformats.org/drawingml/2006/main" xmlns:r="http://schemas.openxmlformats.org/officeDocument/2006/relationships" xmlns:p="http://schemas.openxmlformats.org/presentationml/2006/main" show="0">
   <p:cSld>
     <p:spTree>
@@ -32492,432 +35038,7 @@
 </p:sld>
 </file>
 
-<file path=ppt/slides/slide3.xml><?xml version="1.0" encoding="utf-8"?>
-<p:sld xmlns:a="http://schemas.openxmlformats.org/drawingml/2006/main" xmlns:r="http://schemas.openxmlformats.org/officeDocument/2006/relationships" xmlns:p="http://schemas.openxmlformats.org/presentationml/2006/main">
-  <p:cSld>
-    <p:spTree>
-      <p:nvGrpSpPr>
-        <p:cNvPr id="1" name=""/>
-        <p:cNvGrpSpPr/>
-        <p:nvPr/>
-      </p:nvGrpSpPr>
-      <p:grpSpPr>
-        <a:xfrm>
-          <a:off x="0" y="0"/>
-          <a:ext cx="0" cy="0"/>
-          <a:chOff x="0" y="0"/>
-          <a:chExt cx="0" cy="0"/>
-        </a:xfrm>
-      </p:grpSpPr>
-      <p:sp>
-        <p:nvSpPr>
-          <p:cNvPr id="2" name="Title 1">
-            <a:extLst>
-              <a:ext uri="{FF2B5EF4-FFF2-40B4-BE49-F238E27FC236}">
-                <a16:creationId xmlns:a16="http://schemas.microsoft.com/office/drawing/2014/main" id="{67612D3D-95B0-4F74-BDB2-BCE058A01C12}"/>
-              </a:ext>
-            </a:extLst>
-          </p:cNvPr>
-          <p:cNvSpPr>
-            <a:spLocks noGrp="1"/>
-          </p:cNvSpPr>
-          <p:nvPr>
-            <p:ph type="title"/>
-          </p:nvPr>
-        </p:nvSpPr>
-        <p:spPr/>
-        <p:txBody>
-          <a:bodyPr>
-            <a:normAutofit/>
-          </a:bodyPr>
-          <a:lstStyle/>
-          <a:p>
-            <a:r>
-              <a:rPr lang="en-US" sz="3600" dirty="0"/>
-              <a:t>BRSKI-AE Status</a:t>
-            </a:r>
-            <a:br>
-              <a:rPr lang="en-US" sz="3600" dirty="0"/>
-            </a:br>
-            <a:r>
-              <a:rPr lang="en-US" sz="3600" dirty="0"/>
-              <a:t>History of (main) changes from version 01 to version 02</a:t>
-            </a:r>
-          </a:p>
-        </p:txBody>
-      </p:sp>
-      <p:sp>
-        <p:nvSpPr>
-          <p:cNvPr id="3" name="Content Placeholder 2">
-            <a:extLst>
-              <a:ext uri="{FF2B5EF4-FFF2-40B4-BE49-F238E27FC236}">
-                <a16:creationId xmlns:a16="http://schemas.microsoft.com/office/drawing/2014/main" id="{A9776AB7-EF6B-4831-BA5E-A2298E1B08F8}"/>
-              </a:ext>
-            </a:extLst>
-          </p:cNvPr>
-          <p:cNvSpPr>
-            <a:spLocks noGrp="1"/>
-          </p:cNvSpPr>
-          <p:nvPr>
-            <p:ph idx="1"/>
-          </p:nvPr>
-        </p:nvSpPr>
-        <p:spPr>
-          <a:xfrm>
-            <a:off x="838200" y="1825625"/>
-            <a:ext cx="10515600" cy="4667250"/>
-          </a:xfrm>
-        </p:spPr>
-        <p:txBody>
-          <a:bodyPr>
-            <a:noAutofit/>
-          </a:bodyPr>
-          <a:lstStyle/>
-          <a:p>
-            <a:pPr>
-              <a:lnSpc>
-                <a:spcPct val="100000"/>
-              </a:lnSpc>
-            </a:pPr>
-            <a:r>
-              <a:rPr lang="en-US" sz="2200" dirty="0"/>
-              <a:t>Defined detailed call flow and exchanged objects for interactions in UC2 between pledge – registrar-agent – registrar and MASA.  Object format aligns with </a:t>
-            </a:r>
-            <a:r>
-              <a:rPr lang="en-US" sz="2200" dirty="0">
-                <a:hlinkClick r:id="rId3"/>
-              </a:rPr>
-              <a:t>draft JOSE signed voucher artifacts </a:t>
-            </a:r>
-            <a:r>
-              <a:rPr lang="en-US" sz="2200" dirty="0"/>
-              <a:t>(Section 5.2.3).</a:t>
-            </a:r>
-          </a:p>
-          <a:p>
-            <a:pPr>
-              <a:lnSpc>
-                <a:spcPct val="100000"/>
-              </a:lnSpc>
-            </a:pPr>
-            <a:r>
-              <a:rPr lang="en-US" sz="2200" dirty="0"/>
-              <a:t>Removed TLS-PSK approach between pledge and registrar-agent to allow transport security independent object exchange and also to avoid relying on PSK. </a:t>
-            </a:r>
-          </a:p>
-          <a:p>
-            <a:pPr>
-              <a:lnSpc>
-                <a:spcPct val="100000"/>
-              </a:lnSpc>
-            </a:pPr>
-            <a:r>
-              <a:rPr lang="en-US" sz="2200" dirty="0"/>
-              <a:t>Included enhancements in voucher-request content and handling to allow registrar to verify agent-proximity to the pledge (enhancements in voucher-request and handling on registrar) in Section 5.2.3.</a:t>
-            </a:r>
-          </a:p>
-          <a:p>
-            <a:pPr>
-              <a:lnSpc>
-                <a:spcPct val="100000"/>
-              </a:lnSpc>
-            </a:pPr>
-            <a:r>
-              <a:rPr lang="en-US" sz="2200" dirty="0"/>
-              <a:t>Defined enhancements in voucher-request YANG to allow for additional parameters to be transported (Section 6).</a:t>
-            </a:r>
-          </a:p>
-          <a:p>
-            <a:pPr>
-              <a:lnSpc>
-                <a:spcPct val="100000"/>
-              </a:lnSpc>
-            </a:pPr>
-            <a:r>
-              <a:rPr lang="en-US" sz="2200" dirty="0"/>
-              <a:t>Terminology alignment (pledge-agent -&gt; registrar-agent; PULL/PUSH -&gt; pledge-initiator-mode and pledge-responder-mode).</a:t>
-            </a:r>
-          </a:p>
-        </p:txBody>
-      </p:sp>
-      <p:sp>
-        <p:nvSpPr>
-          <p:cNvPr id="4" name="Date Placeholder 3">
-            <a:extLst>
-              <a:ext uri="{FF2B5EF4-FFF2-40B4-BE49-F238E27FC236}">
-                <a16:creationId xmlns:a16="http://schemas.microsoft.com/office/drawing/2014/main" id="{603A4F89-D37F-47CD-A5DD-8B1F7476D4B1}"/>
-              </a:ext>
-            </a:extLst>
-          </p:cNvPr>
-          <p:cNvSpPr txBox="1">
-            <a:spLocks/>
-          </p:cNvSpPr>
-          <p:nvPr/>
-        </p:nvSpPr>
-        <p:spPr>
-          <a:xfrm>
-            <a:off x="838200" y="6356350"/>
-            <a:ext cx="2743200" cy="365125"/>
-          </a:xfrm>
-          <a:prstGeom prst="rect">
-            <a:avLst/>
-          </a:prstGeom>
-        </p:spPr>
-        <p:txBody>
-          <a:bodyPr vert="horz" lIns="91440" tIns="45720" rIns="91440" bIns="45720" rtlCol="0" anchor="ctr"/>
-          <a:lstStyle>
-            <a:defPPr>
-              <a:defRPr lang="de-DE"/>
-            </a:defPPr>
-            <a:lvl1pPr marL="0" algn="l" defTabSz="914400" rtl="0" eaLnBrk="1" latinLnBrk="0" hangingPunct="1">
-              <a:defRPr sz="1200" kern="1200">
-                <a:solidFill>
-                  <a:schemeClr val="tx1">
-                    <a:tint val="75000"/>
-                  </a:schemeClr>
-                </a:solidFill>
-                <a:latin typeface="+mn-lt"/>
-                <a:ea typeface="+mn-ea"/>
-                <a:cs typeface="+mn-cs"/>
-              </a:defRPr>
-            </a:lvl1pPr>
-            <a:lvl2pPr marL="457200" algn="l" defTabSz="914400" rtl="0" eaLnBrk="1" latinLnBrk="0" hangingPunct="1">
-              <a:defRPr sz="1800" kern="1200">
-                <a:solidFill>
-                  <a:schemeClr val="tx1"/>
-                </a:solidFill>
-                <a:latin typeface="+mn-lt"/>
-                <a:ea typeface="+mn-ea"/>
-                <a:cs typeface="+mn-cs"/>
-              </a:defRPr>
-            </a:lvl2pPr>
-            <a:lvl3pPr marL="914400" algn="l" defTabSz="914400" rtl="0" eaLnBrk="1" latinLnBrk="0" hangingPunct="1">
-              <a:defRPr sz="1800" kern="1200">
-                <a:solidFill>
-                  <a:schemeClr val="tx1"/>
-                </a:solidFill>
-                <a:latin typeface="+mn-lt"/>
-                <a:ea typeface="+mn-ea"/>
-                <a:cs typeface="+mn-cs"/>
-              </a:defRPr>
-            </a:lvl3pPr>
-            <a:lvl4pPr marL="1371600" algn="l" defTabSz="914400" rtl="0" eaLnBrk="1" latinLnBrk="0" hangingPunct="1">
-              <a:defRPr sz="1800" kern="1200">
-                <a:solidFill>
-                  <a:schemeClr val="tx1"/>
-                </a:solidFill>
-                <a:latin typeface="+mn-lt"/>
-                <a:ea typeface="+mn-ea"/>
-                <a:cs typeface="+mn-cs"/>
-              </a:defRPr>
-            </a:lvl4pPr>
-            <a:lvl5pPr marL="1828800" algn="l" defTabSz="914400" rtl="0" eaLnBrk="1" latinLnBrk="0" hangingPunct="1">
-              <a:defRPr sz="1800" kern="1200">
-                <a:solidFill>
-                  <a:schemeClr val="tx1"/>
-                </a:solidFill>
-                <a:latin typeface="+mn-lt"/>
-                <a:ea typeface="+mn-ea"/>
-                <a:cs typeface="+mn-cs"/>
-              </a:defRPr>
-            </a:lvl5pPr>
-            <a:lvl6pPr marL="2286000" algn="l" defTabSz="914400" rtl="0" eaLnBrk="1" latinLnBrk="0" hangingPunct="1">
-              <a:defRPr sz="1800" kern="1200">
-                <a:solidFill>
-                  <a:schemeClr val="tx1"/>
-                </a:solidFill>
-                <a:latin typeface="+mn-lt"/>
-                <a:ea typeface="+mn-ea"/>
-                <a:cs typeface="+mn-cs"/>
-              </a:defRPr>
-            </a:lvl6pPr>
-            <a:lvl7pPr marL="2743200" algn="l" defTabSz="914400" rtl="0" eaLnBrk="1" latinLnBrk="0" hangingPunct="1">
-              <a:defRPr sz="1800" kern="1200">
-                <a:solidFill>
-                  <a:schemeClr val="tx1"/>
-                </a:solidFill>
-                <a:latin typeface="+mn-lt"/>
-                <a:ea typeface="+mn-ea"/>
-                <a:cs typeface="+mn-cs"/>
-              </a:defRPr>
-            </a:lvl7pPr>
-            <a:lvl8pPr marL="3200400" algn="l" defTabSz="914400" rtl="0" eaLnBrk="1" latinLnBrk="0" hangingPunct="1">
-              <a:defRPr sz="1800" kern="1200">
-                <a:solidFill>
-                  <a:schemeClr val="tx1"/>
-                </a:solidFill>
-                <a:latin typeface="+mn-lt"/>
-                <a:ea typeface="+mn-ea"/>
-                <a:cs typeface="+mn-cs"/>
-              </a:defRPr>
-            </a:lvl8pPr>
-            <a:lvl9pPr marL="3657600" algn="l" defTabSz="914400" rtl="0" eaLnBrk="1" latinLnBrk="0" hangingPunct="1">
-              <a:defRPr sz="1800" kern="1200">
-                <a:solidFill>
-                  <a:schemeClr val="tx1"/>
-                </a:solidFill>
-                <a:latin typeface="+mn-lt"/>
-                <a:ea typeface="+mn-ea"/>
-                <a:cs typeface="+mn-cs"/>
-              </a:defRPr>
-            </a:lvl9pPr>
-          </a:lstStyle>
-          <a:p>
-            <a:fld id="{8C792E63-5F21-4F54-A864-D84D9F273FCA}" type="datetimeFigureOut">
-              <a:rPr lang="en-US" smtClean="0"/>
-              <a:pPr/>
-              <a:t>7/9/2021</a:t>
-            </a:fld>
-            <a:endParaRPr lang="en-US"/>
-          </a:p>
-        </p:txBody>
-      </p:sp>
-      <p:sp>
-        <p:nvSpPr>
-          <p:cNvPr id="5" name="Slide Number Placeholder 5">
-            <a:extLst>
-              <a:ext uri="{FF2B5EF4-FFF2-40B4-BE49-F238E27FC236}">
-                <a16:creationId xmlns:a16="http://schemas.microsoft.com/office/drawing/2014/main" id="{EA009C1A-0CD0-4840-856B-B85603FEF6D0}"/>
-              </a:ext>
-            </a:extLst>
-          </p:cNvPr>
-          <p:cNvSpPr txBox="1">
-            <a:spLocks/>
-          </p:cNvSpPr>
-          <p:nvPr/>
-        </p:nvSpPr>
-        <p:spPr>
-          <a:xfrm>
-            <a:off x="8610600" y="6356350"/>
-            <a:ext cx="2743200" cy="365125"/>
-          </a:xfrm>
-          <a:prstGeom prst="rect">
-            <a:avLst/>
-          </a:prstGeom>
-        </p:spPr>
-        <p:txBody>
-          <a:bodyPr vert="horz" lIns="91440" tIns="45720" rIns="91440" bIns="45720" rtlCol="0" anchor="ctr"/>
-          <a:lstStyle>
-            <a:defPPr>
-              <a:defRPr lang="de-DE"/>
-            </a:defPPr>
-            <a:lvl1pPr marL="0" algn="r" defTabSz="914400" rtl="0" eaLnBrk="1" latinLnBrk="0" hangingPunct="1">
-              <a:defRPr sz="1200" kern="1200">
-                <a:solidFill>
-                  <a:schemeClr val="tx1">
-                    <a:tint val="75000"/>
-                  </a:schemeClr>
-                </a:solidFill>
-                <a:latin typeface="+mn-lt"/>
-                <a:ea typeface="+mn-ea"/>
-                <a:cs typeface="+mn-cs"/>
-              </a:defRPr>
-            </a:lvl1pPr>
-            <a:lvl2pPr marL="457200" algn="l" defTabSz="914400" rtl="0" eaLnBrk="1" latinLnBrk="0" hangingPunct="1">
-              <a:defRPr sz="1800" kern="1200">
-                <a:solidFill>
-                  <a:schemeClr val="tx1"/>
-                </a:solidFill>
-                <a:latin typeface="+mn-lt"/>
-                <a:ea typeface="+mn-ea"/>
-                <a:cs typeface="+mn-cs"/>
-              </a:defRPr>
-            </a:lvl2pPr>
-            <a:lvl3pPr marL="914400" algn="l" defTabSz="914400" rtl="0" eaLnBrk="1" latinLnBrk="0" hangingPunct="1">
-              <a:defRPr sz="1800" kern="1200">
-                <a:solidFill>
-                  <a:schemeClr val="tx1"/>
-                </a:solidFill>
-                <a:latin typeface="+mn-lt"/>
-                <a:ea typeface="+mn-ea"/>
-                <a:cs typeface="+mn-cs"/>
-              </a:defRPr>
-            </a:lvl3pPr>
-            <a:lvl4pPr marL="1371600" algn="l" defTabSz="914400" rtl="0" eaLnBrk="1" latinLnBrk="0" hangingPunct="1">
-              <a:defRPr sz="1800" kern="1200">
-                <a:solidFill>
-                  <a:schemeClr val="tx1"/>
-                </a:solidFill>
-                <a:latin typeface="+mn-lt"/>
-                <a:ea typeface="+mn-ea"/>
-                <a:cs typeface="+mn-cs"/>
-              </a:defRPr>
-            </a:lvl4pPr>
-            <a:lvl5pPr marL="1828800" algn="l" defTabSz="914400" rtl="0" eaLnBrk="1" latinLnBrk="0" hangingPunct="1">
-              <a:defRPr sz="1800" kern="1200">
-                <a:solidFill>
-                  <a:schemeClr val="tx1"/>
-                </a:solidFill>
-                <a:latin typeface="+mn-lt"/>
-                <a:ea typeface="+mn-ea"/>
-                <a:cs typeface="+mn-cs"/>
-              </a:defRPr>
-            </a:lvl5pPr>
-            <a:lvl6pPr marL="2286000" algn="l" defTabSz="914400" rtl="0" eaLnBrk="1" latinLnBrk="0" hangingPunct="1">
-              <a:defRPr sz="1800" kern="1200">
-                <a:solidFill>
-                  <a:schemeClr val="tx1"/>
-                </a:solidFill>
-                <a:latin typeface="+mn-lt"/>
-                <a:ea typeface="+mn-ea"/>
-                <a:cs typeface="+mn-cs"/>
-              </a:defRPr>
-            </a:lvl6pPr>
-            <a:lvl7pPr marL="2743200" algn="l" defTabSz="914400" rtl="0" eaLnBrk="1" latinLnBrk="0" hangingPunct="1">
-              <a:defRPr sz="1800" kern="1200">
-                <a:solidFill>
-                  <a:schemeClr val="tx1"/>
-                </a:solidFill>
-                <a:latin typeface="+mn-lt"/>
-                <a:ea typeface="+mn-ea"/>
-                <a:cs typeface="+mn-cs"/>
-              </a:defRPr>
-            </a:lvl7pPr>
-            <a:lvl8pPr marL="3200400" algn="l" defTabSz="914400" rtl="0" eaLnBrk="1" latinLnBrk="0" hangingPunct="1">
-              <a:defRPr sz="1800" kern="1200">
-                <a:solidFill>
-                  <a:schemeClr val="tx1"/>
-                </a:solidFill>
-                <a:latin typeface="+mn-lt"/>
-                <a:ea typeface="+mn-ea"/>
-                <a:cs typeface="+mn-cs"/>
-              </a:defRPr>
-            </a:lvl8pPr>
-            <a:lvl9pPr marL="3657600" algn="l" defTabSz="914400" rtl="0" eaLnBrk="1" latinLnBrk="0" hangingPunct="1">
-              <a:defRPr sz="1800" kern="1200">
-                <a:solidFill>
-                  <a:schemeClr val="tx1"/>
-                </a:solidFill>
-                <a:latin typeface="+mn-lt"/>
-                <a:ea typeface="+mn-ea"/>
-                <a:cs typeface="+mn-cs"/>
-              </a:defRPr>
-            </a:lvl9pPr>
-          </a:lstStyle>
-          <a:p>
-            <a:fld id="{104F53CC-0028-4916-8B93-0EBFFB2C7AAD}" type="slidenum">
-              <a:rPr lang="en-US" smtClean="0"/>
-              <a:pPr/>
-              <a:t>3</a:t>
-            </a:fld>
-            <a:endParaRPr lang="en-US"/>
-          </a:p>
-        </p:txBody>
-      </p:sp>
-    </p:spTree>
-    <p:extLst>
-      <p:ext uri="{BB962C8B-B14F-4D97-AF65-F5344CB8AC3E}">
-        <p14:creationId xmlns:p14="http://schemas.microsoft.com/office/powerpoint/2010/main" val="1734722549"/>
-      </p:ext>
-    </p:extLst>
-  </p:cSld>
-  <p:clrMapOvr>
-    <a:masterClrMapping/>
-  </p:clrMapOvr>
-</p:sld>
-</file>
-
-<file path=ppt/slides/slide30.xml><?xml version="1.0" encoding="utf-8"?>
+<file path=ppt/slides/slide32.xml><?xml version="1.0" encoding="utf-8"?>
 <p:sld xmlns:a="http://schemas.openxmlformats.org/drawingml/2006/main" xmlns:r="http://schemas.openxmlformats.org/officeDocument/2006/relationships" xmlns:p="http://schemas.openxmlformats.org/presentationml/2006/main" show="0">
   <p:cSld>
     <p:spTree>
@@ -33301,408 +35422,6 @@
 </p:sld>
 </file>
 
-<file path=ppt/slides/slide31.xml><?xml version="1.0" encoding="utf-8"?>
-<p:sld xmlns:a="http://schemas.openxmlformats.org/drawingml/2006/main" xmlns:r="http://schemas.openxmlformats.org/officeDocument/2006/relationships" xmlns:p="http://schemas.openxmlformats.org/presentationml/2006/main" show="0">
-  <p:cSld>
-    <p:spTree>
-      <p:nvGrpSpPr>
-        <p:cNvPr id="1" name=""/>
-        <p:cNvGrpSpPr/>
-        <p:nvPr/>
-      </p:nvGrpSpPr>
-      <p:grpSpPr>
-        <a:xfrm>
-          <a:off x="0" y="0"/>
-          <a:ext cx="0" cy="0"/>
-          <a:chOff x="0" y="0"/>
-          <a:chExt cx="0" cy="0"/>
-        </a:xfrm>
-      </p:grpSpPr>
-      <p:sp>
-        <p:nvSpPr>
-          <p:cNvPr id="2" name="Title 1">
-            <a:extLst>
-              <a:ext uri="{FF2B5EF4-FFF2-40B4-BE49-F238E27FC236}">
-                <a16:creationId xmlns:a16="http://schemas.microsoft.com/office/drawing/2014/main" id="{67612D3D-95B0-4F74-BDB2-BCE058A01C12}"/>
-              </a:ext>
-            </a:extLst>
-          </p:cNvPr>
-          <p:cNvSpPr>
-            <a:spLocks noGrp="1"/>
-          </p:cNvSpPr>
-          <p:nvPr>
-            <p:ph type="title"/>
-          </p:nvPr>
-        </p:nvSpPr>
-        <p:spPr/>
-        <p:txBody>
-          <a:bodyPr>
-            <a:normAutofit/>
-          </a:bodyPr>
-          <a:lstStyle/>
-          <a:p>
-            <a:r>
-              <a:rPr lang="en-US" sz="3600" dirty="0"/>
-              <a:t>BRSKI-AE Status, Use Case 2</a:t>
-            </a:r>
-            <a:br>
-              <a:rPr lang="en-US" sz="3600" dirty="0"/>
-            </a:br>
-            <a:r>
-              <a:rPr lang="en-US" sz="3600" dirty="0"/>
-              <a:t>Trust Establishment (Pledge/Pledge-agent/Registrar)</a:t>
-            </a:r>
-          </a:p>
-        </p:txBody>
-      </p:sp>
-      <p:sp>
-        <p:nvSpPr>
-          <p:cNvPr id="3" name="Content Placeholder 2">
-            <a:extLst>
-              <a:ext uri="{FF2B5EF4-FFF2-40B4-BE49-F238E27FC236}">
-                <a16:creationId xmlns:a16="http://schemas.microsoft.com/office/drawing/2014/main" id="{A9776AB7-EF6B-4831-BA5E-A2298E1B08F8}"/>
-              </a:ext>
-            </a:extLst>
-          </p:cNvPr>
-          <p:cNvSpPr>
-            <a:spLocks noGrp="1"/>
-          </p:cNvSpPr>
-          <p:nvPr>
-            <p:ph idx="1"/>
-          </p:nvPr>
-        </p:nvSpPr>
-        <p:spPr>
-          <a:xfrm>
-            <a:off x="693984" y="1690688"/>
-            <a:ext cx="11141457" cy="4961887"/>
-          </a:xfrm>
-        </p:spPr>
-        <p:txBody>
-          <a:bodyPr>
-            <a:noAutofit/>
-          </a:bodyPr>
-          <a:lstStyle/>
-          <a:p>
-            <a:pPr>
-              <a:lnSpc>
-                <a:spcPct val="100000"/>
-              </a:lnSpc>
-            </a:pPr>
-            <a:r>
-              <a:rPr lang="en-US" sz="2000" dirty="0"/>
-              <a:t>Alternative proposal not using TLS between pledge and pledge-agent</a:t>
-            </a:r>
-          </a:p>
-          <a:p>
-            <a:pPr>
-              <a:lnSpc>
-                <a:spcPct val="100000"/>
-              </a:lnSpc>
-            </a:pPr>
-            <a:r>
-              <a:rPr lang="en-US" sz="2000" dirty="0"/>
-              <a:t>DoS protection only for registrar endpoints </a:t>
-            </a:r>
-            <a:r>
-              <a:rPr lang="en-US" sz="2000" dirty="0">
-                <a:sym typeface="Wingdings" panose="05000000000000000000" pitchFamily="2" charset="2"/>
-              </a:rPr>
-              <a:t> TLS between pledge-agent and registrar</a:t>
-            </a:r>
-          </a:p>
-          <a:p>
-            <a:pPr>
-              <a:lnSpc>
-                <a:spcPct val="100000"/>
-              </a:lnSpc>
-            </a:pPr>
-            <a:r>
-              <a:rPr lang="en-US" sz="2000" dirty="0">
-                <a:sym typeface="Wingdings" panose="05000000000000000000" pitchFamily="2" charset="2"/>
-              </a:rPr>
-              <a:t>Registrar certificate provided by pledge-agent to be included in the voucher-request  included in the (</a:t>
-            </a:r>
-            <a:r>
-              <a:rPr lang="en-US" sz="2000" dirty="0" err="1">
-                <a:sym typeface="Wingdings" panose="05000000000000000000" pitchFamily="2" charset="2"/>
-              </a:rPr>
-              <a:t>IDevID</a:t>
-            </a:r>
-            <a:r>
-              <a:rPr lang="en-US" sz="2000" dirty="0">
-                <a:sym typeface="Wingdings" panose="05000000000000000000" pitchFamily="2" charset="2"/>
-              </a:rPr>
-              <a:t> signed) voucher-request as new leaf “agent-provided-registrar-cert”</a:t>
-            </a:r>
-          </a:p>
-          <a:p>
-            <a:pPr>
-              <a:lnSpc>
-                <a:spcPct val="100000"/>
-              </a:lnSpc>
-            </a:pPr>
-            <a:r>
-              <a:rPr lang="en-US" sz="2000" dirty="0"/>
-              <a:t>Enables the registrar (am I the right one) and the MASA verify the certificate contained in the voucher-request (besides further verification like the serial number of the pledge) </a:t>
-            </a:r>
-            <a:r>
-              <a:rPr lang="en-US" sz="2000" dirty="0">
-                <a:sym typeface="Wingdings" panose="05000000000000000000" pitchFamily="2" charset="2"/>
-              </a:rPr>
-              <a:t> could use existing voucher assertion "verified" or "logged", or define a new assertion</a:t>
-            </a:r>
-            <a:endParaRPr lang="en-US" sz="2000" dirty="0"/>
-          </a:p>
-          <a:p>
-            <a:pPr>
-              <a:lnSpc>
-                <a:spcPct val="100000"/>
-              </a:lnSpc>
-              <a:spcBef>
-                <a:spcPts val="600"/>
-              </a:spcBef>
-            </a:pPr>
-            <a:r>
-              <a:rPr lang="en-US" sz="2000" dirty="0"/>
-              <a:t>Pledge-agent may verify pledge serial number in voucher-request with information provided upfront</a:t>
-            </a:r>
-          </a:p>
-          <a:p>
-            <a:pPr>
-              <a:lnSpc>
-                <a:spcPct val="100000"/>
-              </a:lnSpc>
-              <a:spcBef>
-                <a:spcPts val="600"/>
-              </a:spcBef>
-            </a:pPr>
-            <a:r>
-              <a:rPr lang="en-US" sz="2000" dirty="0"/>
-              <a:t>Registrar verifies pledge serial number and its own certificate as part of the voucher-request</a:t>
-            </a:r>
-          </a:p>
-          <a:p>
-            <a:pPr>
-              <a:lnSpc>
-                <a:spcPct val="100000"/>
-              </a:lnSpc>
-              <a:spcBef>
-                <a:spcPts val="600"/>
-              </a:spcBef>
-            </a:pPr>
-            <a:r>
-              <a:rPr lang="en-US" sz="2000" dirty="0"/>
-              <a:t>What do we loose? Proximity to registrar via mutually authenticated TLS (and assertion in voucher). </a:t>
-            </a:r>
-          </a:p>
-          <a:p>
-            <a:pPr>
-              <a:lnSpc>
-                <a:spcPct val="100000"/>
-              </a:lnSpc>
-              <a:spcBef>
-                <a:spcPts val="600"/>
-              </a:spcBef>
-            </a:pPr>
-            <a:r>
-              <a:rPr lang="en-US" sz="2000" dirty="0"/>
-              <a:t>What do we gain? Flexibility in the bootstrapping approach by keeping the number of roundtrips.</a:t>
-            </a:r>
-          </a:p>
-          <a:p>
-            <a:pPr>
-              <a:lnSpc>
-                <a:spcPct val="100000"/>
-              </a:lnSpc>
-              <a:spcBef>
-                <a:spcPts val="600"/>
-              </a:spcBef>
-            </a:pPr>
-            <a:r>
-              <a:rPr lang="en-US" sz="2000" dirty="0"/>
-              <a:t>Thoughts?</a:t>
-            </a:r>
-          </a:p>
-        </p:txBody>
-      </p:sp>
-    </p:spTree>
-    <p:extLst>
-      <p:ext uri="{BB962C8B-B14F-4D97-AF65-F5344CB8AC3E}">
-        <p14:creationId xmlns:p14="http://schemas.microsoft.com/office/powerpoint/2010/main" val="3682644561"/>
-      </p:ext>
-    </p:extLst>
-  </p:cSld>
-  <p:clrMapOvr>
-    <a:masterClrMapping/>
-  </p:clrMapOvr>
-</p:sld>
-</file>
-
-<file path=ppt/slides/slide32.xml><?xml version="1.0" encoding="utf-8"?>
-<p:sld xmlns:a="http://schemas.openxmlformats.org/drawingml/2006/main" xmlns:r="http://schemas.openxmlformats.org/officeDocument/2006/relationships" xmlns:p="http://schemas.openxmlformats.org/presentationml/2006/main" show="0">
-  <p:cSld>
-    <p:spTree>
-      <p:nvGrpSpPr>
-        <p:cNvPr id="1" name=""/>
-        <p:cNvGrpSpPr/>
-        <p:nvPr/>
-      </p:nvGrpSpPr>
-      <p:grpSpPr>
-        <a:xfrm>
-          <a:off x="0" y="0"/>
-          <a:ext cx="0" cy="0"/>
-          <a:chOff x="0" y="0"/>
-          <a:chExt cx="0" cy="0"/>
-        </a:xfrm>
-      </p:grpSpPr>
-      <p:sp>
-        <p:nvSpPr>
-          <p:cNvPr id="2" name="Title 1">
-            <a:extLst>
-              <a:ext uri="{FF2B5EF4-FFF2-40B4-BE49-F238E27FC236}">
-                <a16:creationId xmlns:a16="http://schemas.microsoft.com/office/drawing/2014/main" id="{67612D3D-95B0-4F74-BDB2-BCE058A01C12}"/>
-              </a:ext>
-            </a:extLst>
-          </p:cNvPr>
-          <p:cNvSpPr>
-            <a:spLocks noGrp="1"/>
-          </p:cNvSpPr>
-          <p:nvPr>
-            <p:ph type="title"/>
-          </p:nvPr>
-        </p:nvSpPr>
-        <p:spPr>
-          <a:xfrm>
-            <a:off x="838199" y="365125"/>
-            <a:ext cx="11161144" cy="1325563"/>
-          </a:xfrm>
-        </p:spPr>
-        <p:txBody>
-          <a:bodyPr>
-            <a:normAutofit/>
-          </a:bodyPr>
-          <a:lstStyle/>
-          <a:p>
-            <a:r>
-              <a:rPr lang="en-US" sz="3600" dirty="0"/>
-              <a:t>BRSKI-AE Status, Use Case 2</a:t>
-            </a:r>
-            <a:br>
-              <a:rPr lang="en-US" sz="3600" dirty="0"/>
-            </a:br>
-            <a:r>
-              <a:rPr lang="en-US" sz="3600" dirty="0"/>
-              <a:t>Trust Establishment (Pledge/Pledge-agent/Registrar), cont.</a:t>
-            </a:r>
-          </a:p>
-        </p:txBody>
-      </p:sp>
-      <p:sp>
-        <p:nvSpPr>
-          <p:cNvPr id="3" name="Content Placeholder 2">
-            <a:extLst>
-              <a:ext uri="{FF2B5EF4-FFF2-40B4-BE49-F238E27FC236}">
-                <a16:creationId xmlns:a16="http://schemas.microsoft.com/office/drawing/2014/main" id="{A9776AB7-EF6B-4831-BA5E-A2298E1B08F8}"/>
-              </a:ext>
-            </a:extLst>
-          </p:cNvPr>
-          <p:cNvSpPr>
-            <a:spLocks noGrp="1"/>
-          </p:cNvSpPr>
-          <p:nvPr>
-            <p:ph idx="1"/>
-          </p:nvPr>
-        </p:nvSpPr>
-        <p:spPr>
-          <a:xfrm>
-            <a:off x="701640" y="1727148"/>
-            <a:ext cx="10515600" cy="4594993"/>
-          </a:xfrm>
-        </p:spPr>
-        <p:txBody>
-          <a:bodyPr>
-            <a:noAutofit/>
-          </a:bodyPr>
-          <a:lstStyle/>
-          <a:p>
-            <a:pPr>
-              <a:lnSpc>
-                <a:spcPct val="100000"/>
-              </a:lnSpc>
-            </a:pPr>
-            <a:r>
-              <a:rPr lang="en-US" sz="2200" dirty="0"/>
-              <a:t>Trust Establishment between the pledge-agent and registrar may be with </a:t>
-            </a:r>
-            <a:r>
-              <a:rPr lang="en-US" sz="2200" dirty="0" err="1"/>
-              <a:t>LDevID</a:t>
-            </a:r>
-            <a:r>
-              <a:rPr lang="en-US" sz="2200" dirty="0"/>
-              <a:t> of pledge-agent (could be provided through an independent BRSKI run or by manual task). </a:t>
-            </a:r>
-            <a:br>
-              <a:rPr lang="en-US" sz="2200" dirty="0"/>
-            </a:br>
-            <a:r>
-              <a:rPr lang="en-US" sz="2200" dirty="0"/>
-              <a:t>Enables distinction on the registrar side if a pledge connects or a pledge-agent.</a:t>
-            </a:r>
-          </a:p>
-          <a:p>
-            <a:pPr>
-              <a:lnSpc>
-                <a:spcPct val="100000"/>
-              </a:lnSpc>
-            </a:pPr>
-            <a:r>
-              <a:rPr lang="en-US" sz="2200" dirty="0"/>
-              <a:t>Pledge-agent provides registrar certificate to pledge for inclusion into voucher-request provides the registrar to verify, it gets a voucher-request for a pledge to be bootstrapped and if it is the correct registrar. (see also slide before)</a:t>
-            </a:r>
-          </a:p>
-          <a:p>
-            <a:pPr>
-              <a:lnSpc>
-                <a:spcPct val="100000"/>
-              </a:lnSpc>
-            </a:pPr>
-            <a:r>
-              <a:rPr lang="en-US" sz="2200" dirty="0"/>
-              <a:t>Discussion in the design team regarding a potential authorization token, which is provided in a pre-run to the pledge-agent and then forwarded to the pledge for inclusion into the voucher-request, to be checked by the registrar during voucher-request verification, but was not further followed.</a:t>
-            </a:r>
-          </a:p>
-          <a:p>
-            <a:pPr>
-              <a:lnSpc>
-                <a:spcPct val="100000"/>
-              </a:lnSpc>
-            </a:pPr>
-            <a:endParaRPr lang="en-US" sz="2200" dirty="0"/>
-          </a:p>
-          <a:p>
-            <a:pPr>
-              <a:lnSpc>
-                <a:spcPct val="100000"/>
-              </a:lnSpc>
-            </a:pPr>
-            <a:endParaRPr lang="en-US" sz="2200" dirty="0"/>
-          </a:p>
-        </p:txBody>
-      </p:sp>
-    </p:spTree>
-    <p:extLst>
-      <p:ext uri="{BB962C8B-B14F-4D97-AF65-F5344CB8AC3E}">
-        <p14:creationId xmlns:p14="http://schemas.microsoft.com/office/powerpoint/2010/main" val="4294450365"/>
-      </p:ext>
-    </p:extLst>
-  </p:cSld>
-  <p:clrMapOvr>
-    <a:masterClrMapping/>
-  </p:clrMapOvr>
-</p:sld>
-</file>
-
 <file path=ppt/slides/slide33.xml><?xml version="1.0" encoding="utf-8"?>
 <p:sld xmlns:a="http://schemas.openxmlformats.org/drawingml/2006/main" xmlns:r="http://schemas.openxmlformats.org/officeDocument/2006/relationships" xmlns:p="http://schemas.openxmlformats.org/presentationml/2006/main" show="0">
   <p:cSld>
@@ -33752,6 +35471,408 @@
             </a:br>
             <a:r>
               <a:rPr lang="en-US" sz="3600" dirty="0"/>
+              <a:t>Trust Establishment (Pledge/Pledge-agent/Registrar)</a:t>
+            </a:r>
+          </a:p>
+        </p:txBody>
+      </p:sp>
+      <p:sp>
+        <p:nvSpPr>
+          <p:cNvPr id="3" name="Content Placeholder 2">
+            <a:extLst>
+              <a:ext uri="{FF2B5EF4-FFF2-40B4-BE49-F238E27FC236}">
+                <a16:creationId xmlns:a16="http://schemas.microsoft.com/office/drawing/2014/main" id="{A9776AB7-EF6B-4831-BA5E-A2298E1B08F8}"/>
+              </a:ext>
+            </a:extLst>
+          </p:cNvPr>
+          <p:cNvSpPr>
+            <a:spLocks noGrp="1"/>
+          </p:cNvSpPr>
+          <p:nvPr>
+            <p:ph idx="1"/>
+          </p:nvPr>
+        </p:nvSpPr>
+        <p:spPr>
+          <a:xfrm>
+            <a:off x="693984" y="1690688"/>
+            <a:ext cx="11141457" cy="4961887"/>
+          </a:xfrm>
+        </p:spPr>
+        <p:txBody>
+          <a:bodyPr>
+            <a:noAutofit/>
+          </a:bodyPr>
+          <a:lstStyle/>
+          <a:p>
+            <a:pPr>
+              <a:lnSpc>
+                <a:spcPct val="100000"/>
+              </a:lnSpc>
+            </a:pPr>
+            <a:r>
+              <a:rPr lang="en-US" sz="2000" dirty="0"/>
+              <a:t>Alternative proposal not using TLS between pledge and pledge-agent</a:t>
+            </a:r>
+          </a:p>
+          <a:p>
+            <a:pPr>
+              <a:lnSpc>
+                <a:spcPct val="100000"/>
+              </a:lnSpc>
+            </a:pPr>
+            <a:r>
+              <a:rPr lang="en-US" sz="2000" dirty="0"/>
+              <a:t>DoS protection only for registrar endpoints </a:t>
+            </a:r>
+            <a:r>
+              <a:rPr lang="en-US" sz="2000" dirty="0">
+                <a:sym typeface="Wingdings" panose="05000000000000000000" pitchFamily="2" charset="2"/>
+              </a:rPr>
+              <a:t> TLS between pledge-agent and registrar</a:t>
+            </a:r>
+          </a:p>
+          <a:p>
+            <a:pPr>
+              <a:lnSpc>
+                <a:spcPct val="100000"/>
+              </a:lnSpc>
+            </a:pPr>
+            <a:r>
+              <a:rPr lang="en-US" sz="2000" dirty="0">
+                <a:sym typeface="Wingdings" panose="05000000000000000000" pitchFamily="2" charset="2"/>
+              </a:rPr>
+              <a:t>Registrar certificate provided by pledge-agent to be included in the voucher-request  included in the (</a:t>
+            </a:r>
+            <a:r>
+              <a:rPr lang="en-US" sz="2000" dirty="0" err="1">
+                <a:sym typeface="Wingdings" panose="05000000000000000000" pitchFamily="2" charset="2"/>
+              </a:rPr>
+              <a:t>IDevID</a:t>
+            </a:r>
+            <a:r>
+              <a:rPr lang="en-US" sz="2000" dirty="0">
+                <a:sym typeface="Wingdings" panose="05000000000000000000" pitchFamily="2" charset="2"/>
+              </a:rPr>
+              <a:t> signed) voucher-request as new leaf “agent-provided-registrar-cert”</a:t>
+            </a:r>
+          </a:p>
+          <a:p>
+            <a:pPr>
+              <a:lnSpc>
+                <a:spcPct val="100000"/>
+              </a:lnSpc>
+            </a:pPr>
+            <a:r>
+              <a:rPr lang="en-US" sz="2000" dirty="0"/>
+              <a:t>Enables the registrar (am I the right one) and the MASA verify the certificate contained in the voucher-request (besides further verification like the serial number of the pledge) </a:t>
+            </a:r>
+            <a:r>
+              <a:rPr lang="en-US" sz="2000" dirty="0">
+                <a:sym typeface="Wingdings" panose="05000000000000000000" pitchFamily="2" charset="2"/>
+              </a:rPr>
+              <a:t> could use existing voucher assertion "verified" or "logged", or define a new assertion</a:t>
+            </a:r>
+            <a:endParaRPr lang="en-US" sz="2000" dirty="0"/>
+          </a:p>
+          <a:p>
+            <a:pPr>
+              <a:lnSpc>
+                <a:spcPct val="100000"/>
+              </a:lnSpc>
+              <a:spcBef>
+                <a:spcPts val="600"/>
+              </a:spcBef>
+            </a:pPr>
+            <a:r>
+              <a:rPr lang="en-US" sz="2000" dirty="0"/>
+              <a:t>Pledge-agent may verify pledge serial number in voucher-request with information provided upfront</a:t>
+            </a:r>
+          </a:p>
+          <a:p>
+            <a:pPr>
+              <a:lnSpc>
+                <a:spcPct val="100000"/>
+              </a:lnSpc>
+              <a:spcBef>
+                <a:spcPts val="600"/>
+              </a:spcBef>
+            </a:pPr>
+            <a:r>
+              <a:rPr lang="en-US" sz="2000" dirty="0"/>
+              <a:t>Registrar verifies pledge serial number and its own certificate as part of the voucher-request</a:t>
+            </a:r>
+          </a:p>
+          <a:p>
+            <a:pPr>
+              <a:lnSpc>
+                <a:spcPct val="100000"/>
+              </a:lnSpc>
+              <a:spcBef>
+                <a:spcPts val="600"/>
+              </a:spcBef>
+            </a:pPr>
+            <a:r>
+              <a:rPr lang="en-US" sz="2000" dirty="0"/>
+              <a:t>What do we loose? Proximity to registrar via mutually authenticated TLS (and assertion in voucher). </a:t>
+            </a:r>
+          </a:p>
+          <a:p>
+            <a:pPr>
+              <a:lnSpc>
+                <a:spcPct val="100000"/>
+              </a:lnSpc>
+              <a:spcBef>
+                <a:spcPts val="600"/>
+              </a:spcBef>
+            </a:pPr>
+            <a:r>
+              <a:rPr lang="en-US" sz="2000" dirty="0"/>
+              <a:t>What do we gain? Flexibility in the bootstrapping approach by keeping the number of roundtrips.</a:t>
+            </a:r>
+          </a:p>
+          <a:p>
+            <a:pPr>
+              <a:lnSpc>
+                <a:spcPct val="100000"/>
+              </a:lnSpc>
+              <a:spcBef>
+                <a:spcPts val="600"/>
+              </a:spcBef>
+            </a:pPr>
+            <a:r>
+              <a:rPr lang="en-US" sz="2000" dirty="0"/>
+              <a:t>Thoughts?</a:t>
+            </a:r>
+          </a:p>
+        </p:txBody>
+      </p:sp>
+    </p:spTree>
+    <p:extLst>
+      <p:ext uri="{BB962C8B-B14F-4D97-AF65-F5344CB8AC3E}">
+        <p14:creationId xmlns:p14="http://schemas.microsoft.com/office/powerpoint/2010/main" val="3682644561"/>
+      </p:ext>
+    </p:extLst>
+  </p:cSld>
+  <p:clrMapOvr>
+    <a:masterClrMapping/>
+  </p:clrMapOvr>
+</p:sld>
+</file>
+
+<file path=ppt/slides/slide34.xml><?xml version="1.0" encoding="utf-8"?>
+<p:sld xmlns:a="http://schemas.openxmlformats.org/drawingml/2006/main" xmlns:r="http://schemas.openxmlformats.org/officeDocument/2006/relationships" xmlns:p="http://schemas.openxmlformats.org/presentationml/2006/main" show="0">
+  <p:cSld>
+    <p:spTree>
+      <p:nvGrpSpPr>
+        <p:cNvPr id="1" name=""/>
+        <p:cNvGrpSpPr/>
+        <p:nvPr/>
+      </p:nvGrpSpPr>
+      <p:grpSpPr>
+        <a:xfrm>
+          <a:off x="0" y="0"/>
+          <a:ext cx="0" cy="0"/>
+          <a:chOff x="0" y="0"/>
+          <a:chExt cx="0" cy="0"/>
+        </a:xfrm>
+      </p:grpSpPr>
+      <p:sp>
+        <p:nvSpPr>
+          <p:cNvPr id="2" name="Title 1">
+            <a:extLst>
+              <a:ext uri="{FF2B5EF4-FFF2-40B4-BE49-F238E27FC236}">
+                <a16:creationId xmlns:a16="http://schemas.microsoft.com/office/drawing/2014/main" id="{67612D3D-95B0-4F74-BDB2-BCE058A01C12}"/>
+              </a:ext>
+            </a:extLst>
+          </p:cNvPr>
+          <p:cNvSpPr>
+            <a:spLocks noGrp="1"/>
+          </p:cNvSpPr>
+          <p:nvPr>
+            <p:ph type="title"/>
+          </p:nvPr>
+        </p:nvSpPr>
+        <p:spPr>
+          <a:xfrm>
+            <a:off x="838199" y="365125"/>
+            <a:ext cx="11161144" cy="1325563"/>
+          </a:xfrm>
+        </p:spPr>
+        <p:txBody>
+          <a:bodyPr>
+            <a:normAutofit/>
+          </a:bodyPr>
+          <a:lstStyle/>
+          <a:p>
+            <a:r>
+              <a:rPr lang="en-US" sz="3600" dirty="0"/>
+              <a:t>BRSKI-AE Status, Use Case 2</a:t>
+            </a:r>
+            <a:br>
+              <a:rPr lang="en-US" sz="3600" dirty="0"/>
+            </a:br>
+            <a:r>
+              <a:rPr lang="en-US" sz="3600" dirty="0"/>
+              <a:t>Trust Establishment (Pledge/Pledge-agent/Registrar), cont.</a:t>
+            </a:r>
+          </a:p>
+        </p:txBody>
+      </p:sp>
+      <p:sp>
+        <p:nvSpPr>
+          <p:cNvPr id="3" name="Content Placeholder 2">
+            <a:extLst>
+              <a:ext uri="{FF2B5EF4-FFF2-40B4-BE49-F238E27FC236}">
+                <a16:creationId xmlns:a16="http://schemas.microsoft.com/office/drawing/2014/main" id="{A9776AB7-EF6B-4831-BA5E-A2298E1B08F8}"/>
+              </a:ext>
+            </a:extLst>
+          </p:cNvPr>
+          <p:cNvSpPr>
+            <a:spLocks noGrp="1"/>
+          </p:cNvSpPr>
+          <p:nvPr>
+            <p:ph idx="1"/>
+          </p:nvPr>
+        </p:nvSpPr>
+        <p:spPr>
+          <a:xfrm>
+            <a:off x="701640" y="1727148"/>
+            <a:ext cx="10515600" cy="4594993"/>
+          </a:xfrm>
+        </p:spPr>
+        <p:txBody>
+          <a:bodyPr>
+            <a:noAutofit/>
+          </a:bodyPr>
+          <a:lstStyle/>
+          <a:p>
+            <a:pPr>
+              <a:lnSpc>
+                <a:spcPct val="100000"/>
+              </a:lnSpc>
+            </a:pPr>
+            <a:r>
+              <a:rPr lang="en-US" sz="2200" dirty="0"/>
+              <a:t>Trust Establishment between the pledge-agent and registrar may be with </a:t>
+            </a:r>
+            <a:r>
+              <a:rPr lang="en-US" sz="2200" dirty="0" err="1"/>
+              <a:t>LDevID</a:t>
+            </a:r>
+            <a:r>
+              <a:rPr lang="en-US" sz="2200" dirty="0"/>
+              <a:t> of pledge-agent (could be provided through an independent BRSKI run or by manual task). </a:t>
+            </a:r>
+            <a:br>
+              <a:rPr lang="en-US" sz="2200" dirty="0"/>
+            </a:br>
+            <a:r>
+              <a:rPr lang="en-US" sz="2200" dirty="0"/>
+              <a:t>Enables distinction on the registrar side if a pledge connects or a pledge-agent.</a:t>
+            </a:r>
+          </a:p>
+          <a:p>
+            <a:pPr>
+              <a:lnSpc>
+                <a:spcPct val="100000"/>
+              </a:lnSpc>
+            </a:pPr>
+            <a:r>
+              <a:rPr lang="en-US" sz="2200" dirty="0"/>
+              <a:t>Pledge-agent provides registrar certificate to pledge for inclusion into voucher-request provides the registrar to verify, it gets a voucher-request for a pledge to be bootstrapped and if it is the correct registrar. (see also slide before)</a:t>
+            </a:r>
+          </a:p>
+          <a:p>
+            <a:pPr>
+              <a:lnSpc>
+                <a:spcPct val="100000"/>
+              </a:lnSpc>
+            </a:pPr>
+            <a:r>
+              <a:rPr lang="en-US" sz="2200" dirty="0"/>
+              <a:t>Discussion in the design team regarding a potential authorization token, which is provided in a pre-run to the pledge-agent and then forwarded to the pledge for inclusion into the voucher-request, to be checked by the registrar during voucher-request verification, but was not further followed.</a:t>
+            </a:r>
+          </a:p>
+          <a:p>
+            <a:pPr>
+              <a:lnSpc>
+                <a:spcPct val="100000"/>
+              </a:lnSpc>
+            </a:pPr>
+            <a:endParaRPr lang="en-US" sz="2200" dirty="0"/>
+          </a:p>
+          <a:p>
+            <a:pPr>
+              <a:lnSpc>
+                <a:spcPct val="100000"/>
+              </a:lnSpc>
+            </a:pPr>
+            <a:endParaRPr lang="en-US" sz="2200" dirty="0"/>
+          </a:p>
+        </p:txBody>
+      </p:sp>
+    </p:spTree>
+    <p:extLst>
+      <p:ext uri="{BB962C8B-B14F-4D97-AF65-F5344CB8AC3E}">
+        <p14:creationId xmlns:p14="http://schemas.microsoft.com/office/powerpoint/2010/main" val="4294450365"/>
+      </p:ext>
+    </p:extLst>
+  </p:cSld>
+  <p:clrMapOvr>
+    <a:masterClrMapping/>
+  </p:clrMapOvr>
+</p:sld>
+</file>
+
+<file path=ppt/slides/slide35.xml><?xml version="1.0" encoding="utf-8"?>
+<p:sld xmlns:a="http://schemas.openxmlformats.org/drawingml/2006/main" xmlns:r="http://schemas.openxmlformats.org/officeDocument/2006/relationships" xmlns:p="http://schemas.openxmlformats.org/presentationml/2006/main" show="0">
+  <p:cSld>
+    <p:spTree>
+      <p:nvGrpSpPr>
+        <p:cNvPr id="1" name=""/>
+        <p:cNvGrpSpPr/>
+        <p:nvPr/>
+      </p:nvGrpSpPr>
+      <p:grpSpPr>
+        <a:xfrm>
+          <a:off x="0" y="0"/>
+          <a:ext cx="0" cy="0"/>
+          <a:chOff x="0" y="0"/>
+          <a:chExt cx="0" cy="0"/>
+        </a:xfrm>
+      </p:grpSpPr>
+      <p:sp>
+        <p:nvSpPr>
+          <p:cNvPr id="2" name="Title 1">
+            <a:extLst>
+              <a:ext uri="{FF2B5EF4-FFF2-40B4-BE49-F238E27FC236}">
+                <a16:creationId xmlns:a16="http://schemas.microsoft.com/office/drawing/2014/main" id="{67612D3D-95B0-4F74-BDB2-BCE058A01C12}"/>
+              </a:ext>
+            </a:extLst>
+          </p:cNvPr>
+          <p:cNvSpPr>
+            <a:spLocks noGrp="1"/>
+          </p:cNvSpPr>
+          <p:nvPr>
+            <p:ph type="title"/>
+          </p:nvPr>
+        </p:nvSpPr>
+        <p:spPr/>
+        <p:txBody>
+          <a:bodyPr>
+            <a:normAutofit/>
+          </a:bodyPr>
+          <a:lstStyle/>
+          <a:p>
+            <a:r>
+              <a:rPr lang="en-US" sz="3600" dirty="0"/>
+              <a:t>BRSKI-AE Status, Use Case 2</a:t>
+            </a:r>
+            <a:br>
+              <a:rPr lang="en-US" sz="3600" dirty="0"/>
+            </a:br>
+            <a:r>
+              <a:rPr lang="en-US" sz="3600" dirty="0"/>
               <a:t>Pledge endpoints, content types, and objects</a:t>
             </a:r>
           </a:p>
@@ -34158,7 +36279,7 @@
 </p:sld>
 </file>
 
-<file path=ppt/slides/slide34.xml><?xml version="1.0" encoding="utf-8"?>
+<file path=ppt/slides/slide36.xml><?xml version="1.0" encoding="utf-8"?>
 <p:sld xmlns:a="http://schemas.openxmlformats.org/drawingml/2006/main" xmlns:r="http://schemas.openxmlformats.org/officeDocument/2006/relationships" xmlns:p="http://schemas.openxmlformats.org/presentationml/2006/main" show="0">
   <p:cSld>
     <p:spTree>
@@ -35357,6 +37478,26 @@
               </a:rPr>
               <a:t> relates to RFC 8366bis discussion</a:t>
             </a:r>
+          </a:p>
+          <a:p>
+            <a:pPr marL="216000" lvl="1" indent="0">
+              <a:lnSpc>
+                <a:spcPct val="100000"/>
+              </a:lnSpc>
+              <a:buNone/>
+            </a:pPr>
+            <a:r>
+              <a:rPr lang="en-US" sz="2600" dirty="0">
+                <a:sym typeface="Wingdings" panose="05000000000000000000" pitchFamily="2" charset="2"/>
+              </a:rPr>
+              <a:t>	</a:t>
+            </a:r>
+            <a:r>
+              <a:rPr lang="en-US" sz="2200" dirty="0">
+                <a:sym typeface="Wingdings" panose="05000000000000000000" pitchFamily="2" charset="2"/>
+              </a:rPr>
+              <a:t>No feedback received, yet</a:t>
+            </a:r>
             <a:endParaRPr lang="en-US" sz="2200" dirty="0"/>
           </a:p>
           <a:p>
@@ -35530,7 +37671,7 @@
             <a:fld id="{8C792E63-5F21-4F54-A864-D84D9F273FCA}" type="datetimeFigureOut">
               <a:rPr lang="en-US" smtClean="0"/>
               <a:pPr/>
-              <a:t>7/9/2021</a:t>
+              <a:t>7/17/2021</a:t>
             </a:fld>
             <a:endParaRPr lang="en-US" dirty="0"/>
           </a:p>
@@ -35682,6 +37823,337 @@
 </file>
 
 <file path=ppt/slides/slide5.xml><?xml version="1.0" encoding="utf-8"?>
+<p:sld xmlns:a="http://schemas.openxmlformats.org/drawingml/2006/main" xmlns:r="http://schemas.openxmlformats.org/officeDocument/2006/relationships" xmlns:p="http://schemas.openxmlformats.org/presentationml/2006/main">
+  <p:cSld>
+    <p:spTree>
+      <p:nvGrpSpPr>
+        <p:cNvPr id="1" name=""/>
+        <p:cNvGrpSpPr/>
+        <p:nvPr/>
+      </p:nvGrpSpPr>
+      <p:grpSpPr>
+        <a:xfrm>
+          <a:off x="0" y="0"/>
+          <a:ext cx="0" cy="0"/>
+          <a:chOff x="0" y="0"/>
+          <a:chExt cx="0" cy="0"/>
+        </a:xfrm>
+      </p:grpSpPr>
+      <p:sp>
+        <p:nvSpPr>
+          <p:cNvPr id="2" name="Title 1">
+            <a:extLst>
+              <a:ext uri="{FF2B5EF4-FFF2-40B4-BE49-F238E27FC236}">
+                <a16:creationId xmlns:a16="http://schemas.microsoft.com/office/drawing/2014/main" id="{67612D3D-95B0-4F74-BDB2-BCE058A01C12}"/>
+              </a:ext>
+            </a:extLst>
+          </p:cNvPr>
+          <p:cNvSpPr>
+            <a:spLocks noGrp="1"/>
+          </p:cNvSpPr>
+          <p:nvPr>
+            <p:ph type="title"/>
+          </p:nvPr>
+        </p:nvSpPr>
+        <p:spPr/>
+        <p:txBody>
+          <a:bodyPr>
+            <a:normAutofit/>
+          </a:bodyPr>
+          <a:lstStyle/>
+          <a:p>
+            <a:r>
+              <a:rPr lang="en-US" sz="3600" dirty="0"/>
+              <a:t>BRSKI-AE</a:t>
+            </a:r>
+            <a:br>
+              <a:rPr lang="en-US" sz="3600" dirty="0"/>
+            </a:br>
+            <a:r>
+              <a:rPr lang="en-US" sz="3600" dirty="0"/>
+              <a:t>Abstract view on use case 2 call flow</a:t>
+            </a:r>
+          </a:p>
+        </p:txBody>
+      </p:sp>
+      <p:sp>
+        <p:nvSpPr>
+          <p:cNvPr id="4" name="Date Placeholder 3">
+            <a:extLst>
+              <a:ext uri="{FF2B5EF4-FFF2-40B4-BE49-F238E27FC236}">
+                <a16:creationId xmlns:a16="http://schemas.microsoft.com/office/drawing/2014/main" id="{603A4F89-D37F-47CD-A5DD-8B1F7476D4B1}"/>
+              </a:ext>
+            </a:extLst>
+          </p:cNvPr>
+          <p:cNvSpPr txBox="1">
+            <a:spLocks/>
+          </p:cNvSpPr>
+          <p:nvPr/>
+        </p:nvSpPr>
+        <p:spPr>
+          <a:xfrm>
+            <a:off x="838200" y="6356350"/>
+            <a:ext cx="2743200" cy="365125"/>
+          </a:xfrm>
+          <a:prstGeom prst="rect">
+            <a:avLst/>
+          </a:prstGeom>
+        </p:spPr>
+        <p:txBody>
+          <a:bodyPr vert="horz" lIns="91440" tIns="45720" rIns="91440" bIns="45720" rtlCol="0" anchor="ctr"/>
+          <a:lstStyle>
+            <a:defPPr>
+              <a:defRPr lang="de-DE"/>
+            </a:defPPr>
+            <a:lvl1pPr marL="0" algn="l" defTabSz="914400" rtl="0" eaLnBrk="1" latinLnBrk="0" hangingPunct="1">
+              <a:defRPr sz="1200" kern="1200">
+                <a:solidFill>
+                  <a:schemeClr val="tx1">
+                    <a:tint val="75000"/>
+                  </a:schemeClr>
+                </a:solidFill>
+                <a:latin typeface="+mn-lt"/>
+                <a:ea typeface="+mn-ea"/>
+                <a:cs typeface="+mn-cs"/>
+              </a:defRPr>
+            </a:lvl1pPr>
+            <a:lvl2pPr marL="457200" algn="l" defTabSz="914400" rtl="0" eaLnBrk="1" latinLnBrk="0" hangingPunct="1">
+              <a:defRPr sz="1800" kern="1200">
+                <a:solidFill>
+                  <a:schemeClr val="tx1"/>
+                </a:solidFill>
+                <a:latin typeface="+mn-lt"/>
+                <a:ea typeface="+mn-ea"/>
+                <a:cs typeface="+mn-cs"/>
+              </a:defRPr>
+            </a:lvl2pPr>
+            <a:lvl3pPr marL="914400" algn="l" defTabSz="914400" rtl="0" eaLnBrk="1" latinLnBrk="0" hangingPunct="1">
+              <a:defRPr sz="1800" kern="1200">
+                <a:solidFill>
+                  <a:schemeClr val="tx1"/>
+                </a:solidFill>
+                <a:latin typeface="+mn-lt"/>
+                <a:ea typeface="+mn-ea"/>
+                <a:cs typeface="+mn-cs"/>
+              </a:defRPr>
+            </a:lvl3pPr>
+            <a:lvl4pPr marL="1371600" algn="l" defTabSz="914400" rtl="0" eaLnBrk="1" latinLnBrk="0" hangingPunct="1">
+              <a:defRPr sz="1800" kern="1200">
+                <a:solidFill>
+                  <a:schemeClr val="tx1"/>
+                </a:solidFill>
+                <a:latin typeface="+mn-lt"/>
+                <a:ea typeface="+mn-ea"/>
+                <a:cs typeface="+mn-cs"/>
+              </a:defRPr>
+            </a:lvl4pPr>
+            <a:lvl5pPr marL="1828800" algn="l" defTabSz="914400" rtl="0" eaLnBrk="1" latinLnBrk="0" hangingPunct="1">
+              <a:defRPr sz="1800" kern="1200">
+                <a:solidFill>
+                  <a:schemeClr val="tx1"/>
+                </a:solidFill>
+                <a:latin typeface="+mn-lt"/>
+                <a:ea typeface="+mn-ea"/>
+                <a:cs typeface="+mn-cs"/>
+              </a:defRPr>
+            </a:lvl5pPr>
+            <a:lvl6pPr marL="2286000" algn="l" defTabSz="914400" rtl="0" eaLnBrk="1" latinLnBrk="0" hangingPunct="1">
+              <a:defRPr sz="1800" kern="1200">
+                <a:solidFill>
+                  <a:schemeClr val="tx1"/>
+                </a:solidFill>
+                <a:latin typeface="+mn-lt"/>
+                <a:ea typeface="+mn-ea"/>
+                <a:cs typeface="+mn-cs"/>
+              </a:defRPr>
+            </a:lvl6pPr>
+            <a:lvl7pPr marL="2743200" algn="l" defTabSz="914400" rtl="0" eaLnBrk="1" latinLnBrk="0" hangingPunct="1">
+              <a:defRPr sz="1800" kern="1200">
+                <a:solidFill>
+                  <a:schemeClr val="tx1"/>
+                </a:solidFill>
+                <a:latin typeface="+mn-lt"/>
+                <a:ea typeface="+mn-ea"/>
+                <a:cs typeface="+mn-cs"/>
+              </a:defRPr>
+            </a:lvl7pPr>
+            <a:lvl8pPr marL="3200400" algn="l" defTabSz="914400" rtl="0" eaLnBrk="1" latinLnBrk="0" hangingPunct="1">
+              <a:defRPr sz="1800" kern="1200">
+                <a:solidFill>
+                  <a:schemeClr val="tx1"/>
+                </a:solidFill>
+                <a:latin typeface="+mn-lt"/>
+                <a:ea typeface="+mn-ea"/>
+                <a:cs typeface="+mn-cs"/>
+              </a:defRPr>
+            </a:lvl8pPr>
+            <a:lvl9pPr marL="3657600" algn="l" defTabSz="914400" rtl="0" eaLnBrk="1" latinLnBrk="0" hangingPunct="1">
+              <a:defRPr sz="1800" kern="1200">
+                <a:solidFill>
+                  <a:schemeClr val="tx1"/>
+                </a:solidFill>
+                <a:latin typeface="+mn-lt"/>
+                <a:ea typeface="+mn-ea"/>
+                <a:cs typeface="+mn-cs"/>
+              </a:defRPr>
+            </a:lvl9pPr>
+          </a:lstStyle>
+          <a:p>
+            <a:fld id="{8C792E63-5F21-4F54-A864-D84D9F273FCA}" type="datetimeFigureOut">
+              <a:rPr lang="en-US" smtClean="0"/>
+              <a:pPr/>
+              <a:t>7/19/2021</a:t>
+            </a:fld>
+            <a:endParaRPr lang="en-US" dirty="0"/>
+          </a:p>
+        </p:txBody>
+      </p:sp>
+      <p:sp>
+        <p:nvSpPr>
+          <p:cNvPr id="5" name="Slide Number Placeholder 5">
+            <a:extLst>
+              <a:ext uri="{FF2B5EF4-FFF2-40B4-BE49-F238E27FC236}">
+                <a16:creationId xmlns:a16="http://schemas.microsoft.com/office/drawing/2014/main" id="{EA009C1A-0CD0-4840-856B-B85603FEF6D0}"/>
+              </a:ext>
+            </a:extLst>
+          </p:cNvPr>
+          <p:cNvSpPr txBox="1">
+            <a:spLocks/>
+          </p:cNvSpPr>
+          <p:nvPr/>
+        </p:nvSpPr>
+        <p:spPr>
+          <a:xfrm>
+            <a:off x="8610600" y="6356350"/>
+            <a:ext cx="2743200" cy="365125"/>
+          </a:xfrm>
+          <a:prstGeom prst="rect">
+            <a:avLst/>
+          </a:prstGeom>
+        </p:spPr>
+        <p:txBody>
+          <a:bodyPr vert="horz" lIns="91440" tIns="45720" rIns="91440" bIns="45720" rtlCol="0" anchor="ctr"/>
+          <a:lstStyle>
+            <a:defPPr>
+              <a:defRPr lang="de-DE"/>
+            </a:defPPr>
+            <a:lvl1pPr marL="0" algn="r" defTabSz="914400" rtl="0" eaLnBrk="1" latinLnBrk="0" hangingPunct="1">
+              <a:defRPr sz="1200" kern="1200">
+                <a:solidFill>
+                  <a:schemeClr val="tx1">
+                    <a:tint val="75000"/>
+                  </a:schemeClr>
+                </a:solidFill>
+                <a:latin typeface="+mn-lt"/>
+                <a:ea typeface="+mn-ea"/>
+                <a:cs typeface="+mn-cs"/>
+              </a:defRPr>
+            </a:lvl1pPr>
+            <a:lvl2pPr marL="457200" algn="l" defTabSz="914400" rtl="0" eaLnBrk="1" latinLnBrk="0" hangingPunct="1">
+              <a:defRPr sz="1800" kern="1200">
+                <a:solidFill>
+                  <a:schemeClr val="tx1"/>
+                </a:solidFill>
+                <a:latin typeface="+mn-lt"/>
+                <a:ea typeface="+mn-ea"/>
+                <a:cs typeface="+mn-cs"/>
+              </a:defRPr>
+            </a:lvl2pPr>
+            <a:lvl3pPr marL="914400" algn="l" defTabSz="914400" rtl="0" eaLnBrk="1" latinLnBrk="0" hangingPunct="1">
+              <a:defRPr sz="1800" kern="1200">
+                <a:solidFill>
+                  <a:schemeClr val="tx1"/>
+                </a:solidFill>
+                <a:latin typeface="+mn-lt"/>
+                <a:ea typeface="+mn-ea"/>
+                <a:cs typeface="+mn-cs"/>
+              </a:defRPr>
+            </a:lvl3pPr>
+            <a:lvl4pPr marL="1371600" algn="l" defTabSz="914400" rtl="0" eaLnBrk="1" latinLnBrk="0" hangingPunct="1">
+              <a:defRPr sz="1800" kern="1200">
+                <a:solidFill>
+                  <a:schemeClr val="tx1"/>
+                </a:solidFill>
+                <a:latin typeface="+mn-lt"/>
+                <a:ea typeface="+mn-ea"/>
+                <a:cs typeface="+mn-cs"/>
+              </a:defRPr>
+            </a:lvl4pPr>
+            <a:lvl5pPr marL="1828800" algn="l" defTabSz="914400" rtl="0" eaLnBrk="1" latinLnBrk="0" hangingPunct="1">
+              <a:defRPr sz="1800" kern="1200">
+                <a:solidFill>
+                  <a:schemeClr val="tx1"/>
+                </a:solidFill>
+                <a:latin typeface="+mn-lt"/>
+                <a:ea typeface="+mn-ea"/>
+                <a:cs typeface="+mn-cs"/>
+              </a:defRPr>
+            </a:lvl5pPr>
+            <a:lvl6pPr marL="2286000" algn="l" defTabSz="914400" rtl="0" eaLnBrk="1" latinLnBrk="0" hangingPunct="1">
+              <a:defRPr sz="1800" kern="1200">
+                <a:solidFill>
+                  <a:schemeClr val="tx1"/>
+                </a:solidFill>
+                <a:latin typeface="+mn-lt"/>
+                <a:ea typeface="+mn-ea"/>
+                <a:cs typeface="+mn-cs"/>
+              </a:defRPr>
+            </a:lvl6pPr>
+            <a:lvl7pPr marL="2743200" algn="l" defTabSz="914400" rtl="0" eaLnBrk="1" latinLnBrk="0" hangingPunct="1">
+              <a:defRPr sz="1800" kern="1200">
+                <a:solidFill>
+                  <a:schemeClr val="tx1"/>
+                </a:solidFill>
+                <a:latin typeface="+mn-lt"/>
+                <a:ea typeface="+mn-ea"/>
+                <a:cs typeface="+mn-cs"/>
+              </a:defRPr>
+            </a:lvl7pPr>
+            <a:lvl8pPr marL="3200400" algn="l" defTabSz="914400" rtl="0" eaLnBrk="1" latinLnBrk="0" hangingPunct="1">
+              <a:defRPr sz="1800" kern="1200">
+                <a:solidFill>
+                  <a:schemeClr val="tx1"/>
+                </a:solidFill>
+                <a:latin typeface="+mn-lt"/>
+                <a:ea typeface="+mn-ea"/>
+                <a:cs typeface="+mn-cs"/>
+              </a:defRPr>
+            </a:lvl8pPr>
+            <a:lvl9pPr marL="3657600" algn="l" defTabSz="914400" rtl="0" eaLnBrk="1" latinLnBrk="0" hangingPunct="1">
+              <a:defRPr sz="1800" kern="1200">
+                <a:solidFill>
+                  <a:schemeClr val="tx1"/>
+                </a:solidFill>
+                <a:latin typeface="+mn-lt"/>
+                <a:ea typeface="+mn-ea"/>
+                <a:cs typeface="+mn-cs"/>
+              </a:defRPr>
+            </a:lvl9pPr>
+          </a:lstStyle>
+          <a:p>
+            <a:fld id="{104F53CC-0028-4916-8B93-0EBFFB2C7AAD}" type="slidenum">
+              <a:rPr lang="en-US" smtClean="0"/>
+              <a:pPr/>
+              <a:t>5</a:t>
+            </a:fld>
+            <a:endParaRPr lang="en-US" dirty="0"/>
+          </a:p>
+        </p:txBody>
+      </p:sp>
+    </p:spTree>
+    <p:extLst>
+      <p:ext uri="{BB962C8B-B14F-4D97-AF65-F5344CB8AC3E}">
+        <p14:creationId xmlns:p14="http://schemas.microsoft.com/office/powerpoint/2010/main" val="1092654745"/>
+      </p:ext>
+    </p:extLst>
+  </p:cSld>
+  <p:clrMapOvr>
+    <a:masterClrMapping/>
+  </p:clrMapOvr>
+</p:sld>
+</file>
+
+<file path=ppt/slides/slide6.xml><?xml version="1.0" encoding="utf-8"?>
 <p:sld xmlns:a="http://schemas.openxmlformats.org/drawingml/2006/main" xmlns:r="http://schemas.openxmlformats.org/officeDocument/2006/relationships" xmlns:p="http://schemas.openxmlformats.org/presentationml/2006/main">
   <p:cSld>
     <p:spTree>
@@ -36324,7 +38796,7 @@
 </p:sld>
 </file>
 
-<file path=ppt/slides/slide6.xml><?xml version="1.0" encoding="utf-8"?>
+<file path=ppt/slides/slide7.xml><?xml version="1.0" encoding="utf-8"?>
 <p:sld xmlns:a="http://schemas.openxmlformats.org/drawingml/2006/main" xmlns:r="http://schemas.openxmlformats.org/officeDocument/2006/relationships" xmlns:p="http://schemas.openxmlformats.org/presentationml/2006/main">
   <p:cSld>
     <p:spTree>
@@ -37185,7 +39657,7 @@
             <a:fld id="{8C792E63-5F21-4F54-A864-D84D9F273FCA}" type="datetimeFigureOut">
               <a:rPr lang="en-US" smtClean="0"/>
               <a:pPr/>
-              <a:t>7/9/2021</a:t>
+              <a:t>7/17/2021</a:t>
             </a:fld>
             <a:endParaRPr lang="en-US" dirty="0"/>
           </a:p>
@@ -37317,7 +39789,7 @@
             <a:fld id="{104F53CC-0028-4916-8B93-0EBFFB2C7AAD}" type="slidenum">
               <a:rPr lang="en-US" smtClean="0"/>
               <a:pPr/>
-              <a:t>6</a:t>
+              <a:t>7</a:t>
             </a:fld>
             <a:endParaRPr lang="en-US"/>
           </a:p>
@@ -37331,7 +39803,7 @@
 </p:sld>
 </file>
 
-<file path=ppt/slides/slide7.xml><?xml version="1.0" encoding="utf-8"?>
+<file path=ppt/slides/slide8.xml><?xml version="1.0" encoding="utf-8"?>
 <p:sld xmlns:a="http://schemas.openxmlformats.org/drawingml/2006/main" xmlns:r="http://schemas.openxmlformats.org/officeDocument/2006/relationships" xmlns:p="http://schemas.openxmlformats.org/presentationml/2006/main">
   <p:cSld>
     <p:spTree>
@@ -38292,7 +40764,7 @@
             <a:fld id="{8C792E63-5F21-4F54-A864-D84D9F273FCA}" type="datetimeFigureOut">
               <a:rPr lang="en-US" smtClean="0"/>
               <a:pPr/>
-              <a:t>7/9/2021</a:t>
+              <a:t>7/17/2021</a:t>
             </a:fld>
             <a:endParaRPr lang="en-US" dirty="0"/>
           </a:p>
@@ -38424,7 +40896,7 @@
             <a:fld id="{104F53CC-0028-4916-8B93-0EBFFB2C7AAD}" type="slidenum">
               <a:rPr lang="en-US" smtClean="0"/>
               <a:pPr/>
-              <a:t>7</a:t>
+              <a:t>8</a:t>
             </a:fld>
             <a:endParaRPr lang="en-US"/>
           </a:p>
@@ -38438,7 +40910,7 @@
 </p:sld>
 </file>
 
-<file path=ppt/slides/slide8.xml><?xml version="1.0" encoding="utf-8"?>
+<file path=ppt/slides/slide9.xml><?xml version="1.0" encoding="utf-8"?>
 <p:sld xmlns:a="http://schemas.openxmlformats.org/drawingml/2006/main" xmlns:r="http://schemas.openxmlformats.org/officeDocument/2006/relationships" xmlns:p="http://schemas.openxmlformats.org/presentationml/2006/main">
   <p:cSld>
     <p:spTree>
@@ -39566,7 +42038,7 @@
             <a:fld id="{8C792E63-5F21-4F54-A864-D84D9F273FCA}" type="datetimeFigureOut">
               <a:rPr lang="en-US" smtClean="0"/>
               <a:pPr/>
-              <a:t>7/9/2021</a:t>
+              <a:t>7/17/2021</a:t>
             </a:fld>
             <a:endParaRPr lang="en-US" dirty="0"/>
           </a:p>
@@ -39578,1512 +42050,6 @@
             <a:extLst>
               <a:ext uri="{FF2B5EF4-FFF2-40B4-BE49-F238E27FC236}">
                 <a16:creationId xmlns:a16="http://schemas.microsoft.com/office/drawing/2014/main" id="{C2D82912-A4BC-4D3B-A94F-BF3E37BA5766}"/>
-              </a:ext>
-            </a:extLst>
-          </p:cNvPr>
-          <p:cNvSpPr txBox="1">
-            <a:spLocks/>
-          </p:cNvSpPr>
-          <p:nvPr/>
-        </p:nvSpPr>
-        <p:spPr>
-          <a:xfrm>
-            <a:off x="8610600" y="6356350"/>
-            <a:ext cx="2743200" cy="365125"/>
-          </a:xfrm>
-          <a:prstGeom prst="rect">
-            <a:avLst/>
-          </a:prstGeom>
-        </p:spPr>
-        <p:txBody>
-          <a:bodyPr vert="horz" lIns="91440" tIns="45720" rIns="91440" bIns="45720" rtlCol="0" anchor="ctr"/>
-          <a:lstStyle>
-            <a:defPPr>
-              <a:defRPr lang="de-DE"/>
-            </a:defPPr>
-            <a:lvl1pPr marL="0" algn="r" defTabSz="914400" rtl="0" eaLnBrk="1" latinLnBrk="0" hangingPunct="1">
-              <a:defRPr sz="1200" kern="1200">
-                <a:solidFill>
-                  <a:schemeClr val="tx1">
-                    <a:tint val="75000"/>
-                  </a:schemeClr>
-                </a:solidFill>
-                <a:latin typeface="+mn-lt"/>
-                <a:ea typeface="+mn-ea"/>
-                <a:cs typeface="+mn-cs"/>
-              </a:defRPr>
-            </a:lvl1pPr>
-            <a:lvl2pPr marL="457200" algn="l" defTabSz="914400" rtl="0" eaLnBrk="1" latinLnBrk="0" hangingPunct="1">
-              <a:defRPr sz="1800" kern="1200">
-                <a:solidFill>
-                  <a:schemeClr val="tx1"/>
-                </a:solidFill>
-                <a:latin typeface="+mn-lt"/>
-                <a:ea typeface="+mn-ea"/>
-                <a:cs typeface="+mn-cs"/>
-              </a:defRPr>
-            </a:lvl2pPr>
-            <a:lvl3pPr marL="914400" algn="l" defTabSz="914400" rtl="0" eaLnBrk="1" latinLnBrk="0" hangingPunct="1">
-              <a:defRPr sz="1800" kern="1200">
-                <a:solidFill>
-                  <a:schemeClr val="tx1"/>
-                </a:solidFill>
-                <a:latin typeface="+mn-lt"/>
-                <a:ea typeface="+mn-ea"/>
-                <a:cs typeface="+mn-cs"/>
-              </a:defRPr>
-            </a:lvl3pPr>
-            <a:lvl4pPr marL="1371600" algn="l" defTabSz="914400" rtl="0" eaLnBrk="1" latinLnBrk="0" hangingPunct="1">
-              <a:defRPr sz="1800" kern="1200">
-                <a:solidFill>
-                  <a:schemeClr val="tx1"/>
-                </a:solidFill>
-                <a:latin typeface="+mn-lt"/>
-                <a:ea typeface="+mn-ea"/>
-                <a:cs typeface="+mn-cs"/>
-              </a:defRPr>
-            </a:lvl4pPr>
-            <a:lvl5pPr marL="1828800" algn="l" defTabSz="914400" rtl="0" eaLnBrk="1" latinLnBrk="0" hangingPunct="1">
-              <a:defRPr sz="1800" kern="1200">
-                <a:solidFill>
-                  <a:schemeClr val="tx1"/>
-                </a:solidFill>
-                <a:latin typeface="+mn-lt"/>
-                <a:ea typeface="+mn-ea"/>
-                <a:cs typeface="+mn-cs"/>
-              </a:defRPr>
-            </a:lvl5pPr>
-            <a:lvl6pPr marL="2286000" algn="l" defTabSz="914400" rtl="0" eaLnBrk="1" latinLnBrk="0" hangingPunct="1">
-              <a:defRPr sz="1800" kern="1200">
-                <a:solidFill>
-                  <a:schemeClr val="tx1"/>
-                </a:solidFill>
-                <a:latin typeface="+mn-lt"/>
-                <a:ea typeface="+mn-ea"/>
-                <a:cs typeface="+mn-cs"/>
-              </a:defRPr>
-            </a:lvl6pPr>
-            <a:lvl7pPr marL="2743200" algn="l" defTabSz="914400" rtl="0" eaLnBrk="1" latinLnBrk="0" hangingPunct="1">
-              <a:defRPr sz="1800" kern="1200">
-                <a:solidFill>
-                  <a:schemeClr val="tx1"/>
-                </a:solidFill>
-                <a:latin typeface="+mn-lt"/>
-                <a:ea typeface="+mn-ea"/>
-                <a:cs typeface="+mn-cs"/>
-              </a:defRPr>
-            </a:lvl7pPr>
-            <a:lvl8pPr marL="3200400" algn="l" defTabSz="914400" rtl="0" eaLnBrk="1" latinLnBrk="0" hangingPunct="1">
-              <a:defRPr sz="1800" kern="1200">
-                <a:solidFill>
-                  <a:schemeClr val="tx1"/>
-                </a:solidFill>
-                <a:latin typeface="+mn-lt"/>
-                <a:ea typeface="+mn-ea"/>
-                <a:cs typeface="+mn-cs"/>
-              </a:defRPr>
-            </a:lvl8pPr>
-            <a:lvl9pPr marL="3657600" algn="l" defTabSz="914400" rtl="0" eaLnBrk="1" latinLnBrk="0" hangingPunct="1">
-              <a:defRPr sz="1800" kern="1200">
-                <a:solidFill>
-                  <a:schemeClr val="tx1"/>
-                </a:solidFill>
-                <a:latin typeface="+mn-lt"/>
-                <a:ea typeface="+mn-ea"/>
-                <a:cs typeface="+mn-cs"/>
-              </a:defRPr>
-            </a:lvl9pPr>
-          </a:lstStyle>
-          <a:p>
-            <a:fld id="{104F53CC-0028-4916-8B93-0EBFFB2C7AAD}" type="slidenum">
-              <a:rPr lang="en-US" smtClean="0"/>
-              <a:pPr/>
-              <a:t>8</a:t>
-            </a:fld>
-            <a:endParaRPr lang="en-US"/>
-          </a:p>
-        </p:txBody>
-      </p:sp>
-    </p:spTree>
-  </p:cSld>
-  <p:clrMapOvr>
-    <a:masterClrMapping/>
-  </p:clrMapOvr>
-</p:sld>
-</file>
-
-<file path=ppt/slides/slide9.xml><?xml version="1.0" encoding="utf-8"?>
-<p:sld xmlns:a="http://schemas.openxmlformats.org/drawingml/2006/main" xmlns:r="http://schemas.openxmlformats.org/officeDocument/2006/relationships" xmlns:p="http://schemas.openxmlformats.org/presentationml/2006/main">
-  <p:cSld>
-    <p:spTree>
-      <p:nvGrpSpPr>
-        <p:cNvPr id="1" name=""/>
-        <p:cNvGrpSpPr/>
-        <p:nvPr/>
-      </p:nvGrpSpPr>
-      <p:grpSpPr>
-        <a:xfrm>
-          <a:off x="0" y="0"/>
-          <a:ext cx="0" cy="0"/>
-          <a:chOff x="0" y="0"/>
-          <a:chExt cx="0" cy="0"/>
-        </a:xfrm>
-      </p:grpSpPr>
-      <p:pic>
-        <p:nvPicPr>
-          <p:cNvPr id="3" name="Graphic 2">
-            <a:extLst>
-              <a:ext uri="{FF2B5EF4-FFF2-40B4-BE49-F238E27FC236}">
-                <a16:creationId xmlns:a16="http://schemas.microsoft.com/office/drawing/2014/main" id="{4DE01AAE-045D-4A0A-8F8C-4CD904308940}"/>
-              </a:ext>
-            </a:extLst>
-          </p:cNvPr>
-          <p:cNvPicPr>
-            <a:picLocks noChangeAspect="1"/>
-          </p:cNvPicPr>
-          <p:nvPr/>
-        </p:nvPicPr>
-        <p:blipFill>
-          <a:blip r:embed="rId3">
-            <a:lum/>
-            <a:alphaModFix/>
-            <a:extLst>
-              <a:ext uri="{96DAC541-7B7A-43D3-8B79-37D633B846F1}">
-                <asvg:svgBlip xmlns:asvg="http://schemas.microsoft.com/office/drawing/2016/SVG/main" r:embed="rId4"/>
-              </a:ext>
-            </a:extLst>
-          </a:blip>
-          <a:srcRect/>
-          <a:stretch>
-            <a:fillRect/>
-          </a:stretch>
-        </p:blipFill>
-        <p:spPr>
-          <a:xfrm>
-            <a:off x="2580314" y="3772188"/>
-            <a:ext cx="1113717" cy="1113717"/>
-          </a:xfrm>
-          <a:prstGeom prst="rect">
-            <a:avLst/>
-          </a:prstGeom>
-          <a:noFill/>
-          <a:ln>
-            <a:noFill/>
-          </a:ln>
-        </p:spPr>
-      </p:pic>
-      <p:cxnSp>
-        <p:nvCxnSpPr>
-          <p:cNvPr id="4" name="Connector: Curved 3">
-            <a:extLst>
-              <a:ext uri="{FF2B5EF4-FFF2-40B4-BE49-F238E27FC236}">
-                <a16:creationId xmlns:a16="http://schemas.microsoft.com/office/drawing/2014/main" id="{DA910CD9-0FC4-4D18-B3A9-B4289472B343}"/>
-              </a:ext>
-            </a:extLst>
-          </p:cNvPr>
-          <p:cNvCxnSpPr>
-            <a:cxnSpLocks/>
-          </p:cNvCxnSpPr>
-          <p:nvPr/>
-        </p:nvCxnSpPr>
-        <p:spPr>
-          <a:xfrm rot="5400000" flipH="1" flipV="1">
-            <a:off x="5311493" y="2424122"/>
-            <a:ext cx="155867" cy="4767698"/>
-          </a:xfrm>
-          <a:prstGeom prst="curvedConnector3">
-            <a:avLst>
-              <a:gd name="adj1" fmla="val -177376"/>
-            </a:avLst>
-          </a:prstGeom>
-          <a:noFill/>
-          <a:ln w="0">
-            <a:solidFill>
-              <a:srgbClr val="000000"/>
-            </a:solidFill>
-            <a:prstDash val="solid"/>
-            <a:tailEnd type="arrow"/>
-          </a:ln>
-        </p:spPr>
-      </p:cxnSp>
-      <p:grpSp>
-        <p:nvGrpSpPr>
-          <p:cNvPr id="5" name="Group 4">
-            <a:extLst>
-              <a:ext uri="{FF2B5EF4-FFF2-40B4-BE49-F238E27FC236}">
-                <a16:creationId xmlns:a16="http://schemas.microsoft.com/office/drawing/2014/main" id="{6AB21509-83E4-4A4F-A280-22FB9E79A6EE}"/>
-              </a:ext>
-            </a:extLst>
-          </p:cNvPr>
-          <p:cNvGrpSpPr/>
-          <p:nvPr/>
-        </p:nvGrpSpPr>
-        <p:grpSpPr>
-          <a:xfrm>
-            <a:off x="2211538" y="5406627"/>
-            <a:ext cx="1145936" cy="1200796"/>
-            <a:chOff x="1828440" y="4470480"/>
-            <a:chExt cx="947520" cy="992880"/>
-          </a:xfrm>
-        </p:grpSpPr>
-        <p:grpSp>
-          <p:nvGrpSpPr>
-            <p:cNvPr id="6" name="Group 5">
-              <a:extLst>
-                <a:ext uri="{FF2B5EF4-FFF2-40B4-BE49-F238E27FC236}">
-                  <a16:creationId xmlns:a16="http://schemas.microsoft.com/office/drawing/2014/main" id="{9E0DB7B4-F756-4B3C-B9AB-7EBE64497169}"/>
-                </a:ext>
-              </a:extLst>
-            </p:cNvPr>
-            <p:cNvGrpSpPr/>
-            <p:nvPr/>
-          </p:nvGrpSpPr>
-          <p:grpSpPr>
-            <a:xfrm>
-              <a:off x="1828440" y="4470480"/>
-              <a:ext cx="904318" cy="981720"/>
-              <a:chOff x="1828440" y="4470480"/>
-              <a:chExt cx="904318" cy="981720"/>
-            </a:xfrm>
-          </p:grpSpPr>
-          <p:sp>
-            <p:nvSpPr>
-              <p:cNvPr id="7" name="Freeform: Shape 6">
-                <a:extLst>
-                  <a:ext uri="{FF2B5EF4-FFF2-40B4-BE49-F238E27FC236}">
-                    <a16:creationId xmlns:a16="http://schemas.microsoft.com/office/drawing/2014/main" id="{26007698-B1A9-4075-91F6-3287A599FAA2}"/>
-                  </a:ext>
-                </a:extLst>
-              </p:cNvPr>
-              <p:cNvSpPr/>
-              <p:nvPr/>
-            </p:nvSpPr>
-            <p:spPr>
-              <a:xfrm>
-                <a:off x="1869479" y="4521600"/>
-                <a:ext cx="863279" cy="930600"/>
-              </a:xfrm>
-              <a:custGeom>
-                <a:avLst/>
-                <a:gdLst>
-                  <a:gd name="f0" fmla="val 0"/>
-                  <a:gd name="f1" fmla="val 21600"/>
-                </a:gdLst>
-                <a:ahLst/>
-                <a:cxnLst>
-                  <a:cxn ang="3cd4">
-                    <a:pos x="hc" y="t"/>
-                  </a:cxn>
-                  <a:cxn ang="0">
-                    <a:pos x="r" y="vc"/>
-                  </a:cxn>
-                  <a:cxn ang="cd4">
-                    <a:pos x="hc" y="b"/>
-                  </a:cxn>
-                  <a:cxn ang="cd2">
-                    <a:pos x="l" y="vc"/>
-                  </a:cxn>
-                </a:cxnLst>
-                <a:rect l="l" t="t" r="r" b="b"/>
-                <a:pathLst>
-                  <a:path w="21600" h="21600">
-                    <a:moveTo>
-                      <a:pt x="f0" y="f0"/>
-                    </a:moveTo>
-                    <a:lnTo>
-                      <a:pt x="f1" y="f0"/>
-                    </a:lnTo>
-                    <a:lnTo>
-                      <a:pt x="f1" y="f1"/>
-                    </a:lnTo>
-                    <a:lnTo>
-                      <a:pt x="f0" y="f1"/>
-                    </a:lnTo>
-                    <a:lnTo>
-                      <a:pt x="f0" y="f0"/>
-                    </a:lnTo>
-                    <a:close/>
-                  </a:path>
-                </a:pathLst>
-              </a:custGeom>
-              <a:solidFill>
-                <a:srgbClr val="FFD320"/>
-              </a:solidFill>
-              <a:ln w="0">
-                <a:solidFill>
-                  <a:srgbClr val="3465A4"/>
-                </a:solidFill>
-                <a:prstDash val="solid"/>
-              </a:ln>
-            </p:spPr>
-            <p:txBody>
-              <a:bodyPr wrap="none" lIns="108847" tIns="54423" rIns="108847" bIns="54423" anchor="ctr" anchorCtr="0" compatLnSpc="0">
-                <a:noAutofit/>
-              </a:bodyPr>
-              <a:lstStyle/>
-              <a:p>
-                <a:pPr hangingPunct="0"/>
-                <a:endParaRPr lang="en-CA" sz="2177">
-                  <a:latin typeface="Liberation Sans" pitchFamily="18"/>
-                  <a:ea typeface="DejaVu Sans" pitchFamily="2"/>
-                  <a:cs typeface="FreeSans" pitchFamily="2"/>
-                </a:endParaRPr>
-              </a:p>
-            </p:txBody>
-          </p:sp>
-          <p:sp>
-            <p:nvSpPr>
-              <p:cNvPr id="8" name="TextBox 7">
-                <a:extLst>
-                  <a:ext uri="{FF2B5EF4-FFF2-40B4-BE49-F238E27FC236}">
-                    <a16:creationId xmlns:a16="http://schemas.microsoft.com/office/drawing/2014/main" id="{F34509B3-C9F2-4DBD-A904-0DDA8F8E52C5}"/>
-                  </a:ext>
-                </a:extLst>
-              </p:cNvPr>
-              <p:cNvSpPr txBox="1"/>
-              <p:nvPr/>
-            </p:nvSpPr>
-            <p:spPr>
-              <a:xfrm>
-                <a:off x="1828440" y="4470480"/>
-                <a:ext cx="764955" cy="858365"/>
-              </a:xfrm>
-              <a:prstGeom prst="rect">
-                <a:avLst/>
-              </a:prstGeom>
-              <a:noFill/>
-              <a:ln>
-                <a:noFill/>
-              </a:ln>
-            </p:spPr>
-            <p:txBody>
-              <a:bodyPr wrap="none" lIns="108847" tIns="54423" rIns="108847" bIns="54423" anchorCtr="0" compatLnSpc="0">
-                <a:spAutoFit/>
-              </a:bodyPr>
-              <a:lstStyle/>
-              <a:p>
-                <a:pPr hangingPunct="0"/>
-                <a:r>
-                  <a:rPr lang="en-CA" sz="847" dirty="0">
-                    <a:latin typeface="Hack" pitchFamily="17"/>
-                    <a:ea typeface="DejaVu Sans" pitchFamily="2"/>
-                    <a:cs typeface="FreeSans" pitchFamily="2"/>
-                  </a:rPr>
-                  <a:t>Voucher</a:t>
-                </a:r>
-              </a:p>
-              <a:p>
-                <a:pPr hangingPunct="0"/>
-                <a:r>
-                  <a:rPr lang="en-CA" sz="847" dirty="0">
-                    <a:latin typeface="Hack" pitchFamily="17"/>
-                    <a:ea typeface="DejaVu Sans" pitchFamily="2"/>
-                    <a:cs typeface="FreeSans" pitchFamily="2"/>
-                  </a:rPr>
-                  <a:t>Request</a:t>
-                </a:r>
-              </a:p>
-              <a:p>
-                <a:pPr hangingPunct="0"/>
-                <a:endParaRPr lang="en-CA" sz="847" dirty="0">
-                  <a:latin typeface="Hack" pitchFamily="17"/>
-                  <a:ea typeface="DejaVu Sans" pitchFamily="2"/>
-                  <a:cs typeface="FreeSans" pitchFamily="2"/>
-                </a:endParaRPr>
-              </a:p>
-              <a:p>
-                <a:pPr hangingPunct="0"/>
-                <a:r>
-                  <a:rPr lang="en-CA" sz="847" dirty="0">
-                    <a:latin typeface="Hack" pitchFamily="17"/>
-                    <a:ea typeface="DejaVu Sans" pitchFamily="2"/>
-                    <a:cs typeface="FreeSans" pitchFamily="2"/>
-                  </a:rPr>
-                  <a:t>SN: 1234</a:t>
-                </a:r>
-              </a:p>
-              <a:p>
-                <a:pPr hangingPunct="0"/>
-                <a:r>
-                  <a:rPr lang="en-CA" sz="847" dirty="0" err="1">
-                    <a:latin typeface="Hack" pitchFamily="17"/>
-                    <a:ea typeface="DejaVu Sans" pitchFamily="2"/>
-                    <a:cs typeface="FreeSans" pitchFamily="2"/>
-                  </a:rPr>
-                  <a:t>LDevID</a:t>
-                </a:r>
-                <a:r>
-                  <a:rPr lang="en-CA" sz="847" dirty="0">
-                    <a:latin typeface="Hack" pitchFamily="17"/>
-                    <a:ea typeface="DejaVu Sans" pitchFamily="2"/>
-                    <a:cs typeface="FreeSans" pitchFamily="2"/>
-                  </a:rPr>
-                  <a:t> EE (Reg)</a:t>
-                </a:r>
-              </a:p>
-              <a:p>
-                <a:pPr hangingPunct="0"/>
-                <a:r>
-                  <a:rPr lang="en-CA" sz="847" dirty="0">
-                    <a:latin typeface="Hack" pitchFamily="17"/>
-                    <a:ea typeface="DejaVu Sans" pitchFamily="2"/>
-                    <a:cs typeface="FreeSans" pitchFamily="2"/>
-                  </a:rPr>
-                  <a:t>Assertion:</a:t>
-                </a:r>
-              </a:p>
-              <a:p>
-                <a:pPr hangingPunct="0"/>
-                <a:r>
-                  <a:rPr lang="en-CA" sz="847" dirty="0">
-                    <a:latin typeface="Hack" pitchFamily="17"/>
-                    <a:ea typeface="DejaVu Sans" pitchFamily="2"/>
-                    <a:cs typeface="FreeSans" pitchFamily="2"/>
-                  </a:rPr>
-                  <a:t>agent-proximity</a:t>
-                </a:r>
-              </a:p>
-            </p:txBody>
-          </p:sp>
-        </p:grpSp>
-        <p:grpSp>
-          <p:nvGrpSpPr>
-            <p:cNvPr id="9" name="Group 8">
-              <a:extLst>
-                <a:ext uri="{FF2B5EF4-FFF2-40B4-BE49-F238E27FC236}">
-                  <a16:creationId xmlns:a16="http://schemas.microsoft.com/office/drawing/2014/main" id="{13A48AB2-8015-4C90-83B0-0127E018964D}"/>
-                </a:ext>
-              </a:extLst>
-            </p:cNvPr>
-            <p:cNvGrpSpPr/>
-            <p:nvPr/>
-          </p:nvGrpSpPr>
-          <p:grpSpPr>
-            <a:xfrm>
-              <a:off x="2272320" y="5179320"/>
-              <a:ext cx="503640" cy="284040"/>
-              <a:chOff x="2272320" y="5179320"/>
-              <a:chExt cx="503640" cy="284040"/>
-            </a:xfrm>
-          </p:grpSpPr>
-          <p:sp>
-            <p:nvSpPr>
-              <p:cNvPr id="10" name="Freeform: Shape 9">
-                <a:extLst>
-                  <a:ext uri="{FF2B5EF4-FFF2-40B4-BE49-F238E27FC236}">
-                    <a16:creationId xmlns:a16="http://schemas.microsoft.com/office/drawing/2014/main" id="{CBE25946-7CC0-43F9-A111-CB6FA0EE0232}"/>
-                  </a:ext>
-                </a:extLst>
-              </p:cNvPr>
-              <p:cNvSpPr/>
-              <p:nvPr/>
-            </p:nvSpPr>
-            <p:spPr>
-              <a:xfrm>
-                <a:off x="2272320" y="5179320"/>
-                <a:ext cx="503640" cy="284040"/>
-              </a:xfrm>
-              <a:custGeom>
-                <a:avLst/>
-                <a:gdLst>
-                  <a:gd name="f0" fmla="val 10800000"/>
-                  <a:gd name="f1" fmla="val 5400000"/>
-                  <a:gd name="f2" fmla="val 180"/>
-                  <a:gd name="f3" fmla="val w"/>
-                  <a:gd name="f4" fmla="val h"/>
-                  <a:gd name="f5" fmla="*/ 5419351 1 1725033"/>
-                  <a:gd name="f6" fmla="*/ 10800 10800 1"/>
-                  <a:gd name="f7" fmla="+- 0 0 0"/>
-                  <a:gd name="f8" fmla="+- 0 0 360"/>
-                  <a:gd name="f9" fmla="val 10800"/>
-                  <a:gd name="f10" fmla="*/ f3 1 21600"/>
-                  <a:gd name="f11" fmla="*/ f4 1 21600"/>
-                  <a:gd name="f12" fmla="*/ 0 f5 1"/>
-                  <a:gd name="f13" fmla="*/ f7 f0 1"/>
-                  <a:gd name="f14" fmla="*/ f8 f0 1"/>
-                  <a:gd name="f15" fmla="*/ 3163 f10 1"/>
-                  <a:gd name="f16" fmla="*/ 18437 f10 1"/>
-                  <a:gd name="f17" fmla="*/ 18437 f11 1"/>
-                  <a:gd name="f18" fmla="*/ 3163 f11 1"/>
-                  <a:gd name="f19" fmla="*/ f12 1 f2"/>
-                  <a:gd name="f20" fmla="*/ f13 1 f2"/>
-                  <a:gd name="f21" fmla="*/ f14 1 f2"/>
-                  <a:gd name="f22" fmla="*/ 10800 f10 1"/>
-                  <a:gd name="f23" fmla="*/ 0 f11 1"/>
-                  <a:gd name="f24" fmla="*/ 0 f10 1"/>
-                  <a:gd name="f25" fmla="*/ 10800 f11 1"/>
-                  <a:gd name="f26" fmla="*/ 21600 f11 1"/>
-                  <a:gd name="f27" fmla="*/ 21600 f10 1"/>
-                  <a:gd name="f28" fmla="+- 0 0 f19"/>
-                  <a:gd name="f29" fmla="+- f20 0 f1"/>
-                  <a:gd name="f30" fmla="+- f21 0 f1"/>
-                  <a:gd name="f31" fmla="*/ f28 f0 1"/>
-                  <a:gd name="f32" fmla="+- f30 0 f29"/>
-                  <a:gd name="f33" fmla="*/ f31 1 f5"/>
-                  <a:gd name="f34" fmla="+- f33 0 f1"/>
-                  <a:gd name="f35" fmla="cos 1 f34"/>
-                  <a:gd name="f36" fmla="sin 1 f34"/>
-                  <a:gd name="f37" fmla="+- 0 0 f35"/>
-                  <a:gd name="f38" fmla="+- 0 0 f36"/>
-                  <a:gd name="f39" fmla="*/ 10800 f37 1"/>
-                  <a:gd name="f40" fmla="*/ 10800 f38 1"/>
-                  <a:gd name="f41" fmla="*/ f39 f39 1"/>
-                  <a:gd name="f42" fmla="*/ f40 f40 1"/>
-                  <a:gd name="f43" fmla="+- f41 f42 0"/>
-                  <a:gd name="f44" fmla="sqrt f43"/>
-                  <a:gd name="f45" fmla="*/ f6 1 f44"/>
-                  <a:gd name="f46" fmla="*/ f37 f45 1"/>
-                  <a:gd name="f47" fmla="*/ f38 f45 1"/>
-                  <a:gd name="f48" fmla="+- 10800 0 f46"/>
-                  <a:gd name="f49" fmla="+- 10800 0 f47"/>
-                </a:gdLst>
-                <a:ahLst/>
-                <a:cxnLst>
-                  <a:cxn ang="3cd4">
-                    <a:pos x="hc" y="t"/>
-                  </a:cxn>
-                  <a:cxn ang="0">
-                    <a:pos x="r" y="vc"/>
-                  </a:cxn>
-                  <a:cxn ang="cd4">
-                    <a:pos x="hc" y="b"/>
-                  </a:cxn>
-                  <a:cxn ang="cd2">
-                    <a:pos x="l" y="vc"/>
-                  </a:cxn>
-                  <a:cxn ang="f29">
-                    <a:pos x="f22" y="f23"/>
-                  </a:cxn>
-                  <a:cxn ang="f29">
-                    <a:pos x="f15" y="f18"/>
-                  </a:cxn>
-                  <a:cxn ang="f29">
-                    <a:pos x="f24" y="f25"/>
-                  </a:cxn>
-                  <a:cxn ang="f29">
-                    <a:pos x="f15" y="f17"/>
-                  </a:cxn>
-                  <a:cxn ang="f29">
-                    <a:pos x="f22" y="f26"/>
-                  </a:cxn>
-                  <a:cxn ang="f29">
-                    <a:pos x="f16" y="f17"/>
-                  </a:cxn>
-                  <a:cxn ang="f29">
-                    <a:pos x="f27" y="f25"/>
-                  </a:cxn>
-                  <a:cxn ang="f29">
-                    <a:pos x="f16" y="f18"/>
-                  </a:cxn>
-                </a:cxnLst>
-                <a:rect l="f15" t="f18" r="f16" b="f17"/>
-                <a:pathLst>
-                  <a:path w="21600" h="21600">
-                    <a:moveTo>
-                      <a:pt x="f48" y="f49"/>
-                    </a:moveTo>
-                    <a:arcTo wR="f9" hR="f9" stAng="f29" swAng="f32"/>
-                    <a:close/>
-                  </a:path>
-                </a:pathLst>
-              </a:custGeom>
-              <a:solidFill>
-                <a:srgbClr val="FF420E"/>
-              </a:solidFill>
-              <a:ln w="0">
-                <a:solidFill>
-                  <a:srgbClr val="3465A4"/>
-                </a:solidFill>
-                <a:prstDash val="solid"/>
-              </a:ln>
-            </p:spPr>
-            <p:txBody>
-              <a:bodyPr wrap="none" lIns="108847" tIns="54423" rIns="108847" bIns="54423" anchor="ctr" anchorCtr="0" compatLnSpc="0">
-                <a:noAutofit/>
-              </a:bodyPr>
-              <a:lstStyle/>
-              <a:p>
-                <a:pPr hangingPunct="0"/>
-                <a:endParaRPr lang="en-CA" sz="2177">
-                  <a:latin typeface="Liberation Sans" pitchFamily="18"/>
-                  <a:ea typeface="DejaVu Sans" pitchFamily="2"/>
-                  <a:cs typeface="FreeSans" pitchFamily="2"/>
-                </a:endParaRPr>
-              </a:p>
-            </p:txBody>
-          </p:sp>
-          <p:sp>
-            <p:nvSpPr>
-              <p:cNvPr id="11" name="Freeform: Shape 10">
-                <a:extLst>
-                  <a:ext uri="{FF2B5EF4-FFF2-40B4-BE49-F238E27FC236}">
-                    <a16:creationId xmlns:a16="http://schemas.microsoft.com/office/drawing/2014/main" id="{DF228FF6-D4D6-4950-AB3C-BFBE00ED6E71}"/>
-                  </a:ext>
-                </a:extLst>
-              </p:cNvPr>
-              <p:cNvSpPr/>
-              <p:nvPr/>
-            </p:nvSpPr>
-            <p:spPr>
-              <a:xfrm>
-                <a:off x="2320560" y="5200920"/>
-                <a:ext cx="426240" cy="219600"/>
-              </a:xfrm>
-              <a:custGeom>
-                <a:avLst/>
-                <a:gdLst>
-                  <a:gd name="f0" fmla="val 0"/>
-                  <a:gd name="f1" fmla="val 21600"/>
-                </a:gdLst>
-                <a:ahLst/>
-                <a:cxnLst>
-                  <a:cxn ang="3cd4">
-                    <a:pos x="hc" y="t"/>
-                  </a:cxn>
-                  <a:cxn ang="0">
-                    <a:pos x="r" y="vc"/>
-                  </a:cxn>
-                  <a:cxn ang="cd4">
-                    <a:pos x="hc" y="b"/>
-                  </a:cxn>
-                  <a:cxn ang="cd2">
-                    <a:pos x="l" y="vc"/>
-                  </a:cxn>
-                </a:cxnLst>
-                <a:rect l="l" t="t" r="r" b="b"/>
-                <a:pathLst>
-                  <a:path w="21600" h="21600">
-                    <a:moveTo>
-                      <a:pt x="f0" y="f0"/>
-                    </a:moveTo>
-                    <a:lnTo>
-                      <a:pt x="f1" y="f0"/>
-                    </a:lnTo>
-                    <a:lnTo>
-                      <a:pt x="f1" y="f1"/>
-                    </a:lnTo>
-                    <a:lnTo>
-                      <a:pt x="f0" y="f1"/>
-                    </a:lnTo>
-                    <a:lnTo>
-                      <a:pt x="f0" y="f0"/>
-                    </a:lnTo>
-                    <a:close/>
-                  </a:path>
-                </a:pathLst>
-              </a:custGeom>
-              <a:solidFill>
-                <a:srgbClr val="AECF00"/>
-              </a:solidFill>
-              <a:ln w="0">
-                <a:solidFill>
-                  <a:srgbClr val="3465A4"/>
-                </a:solidFill>
-                <a:prstDash val="solid"/>
-              </a:ln>
-            </p:spPr>
-            <p:txBody>
-              <a:bodyPr wrap="none" lIns="108847" tIns="54423" rIns="108847" bIns="54423" anchor="ctr" anchorCtr="0" compatLnSpc="0">
-                <a:noAutofit/>
-              </a:bodyPr>
-              <a:lstStyle/>
-              <a:p>
-                <a:pPr hangingPunct="0"/>
-                <a:r>
-                  <a:rPr lang="en-CA" sz="726">
-                    <a:latin typeface="Hack" pitchFamily="17"/>
-                    <a:ea typeface="DejaVu Sans" pitchFamily="2"/>
-                    <a:cs typeface="FreeSans" pitchFamily="2"/>
-                  </a:rPr>
-                  <a:t>SN: 1234</a:t>
-                </a:r>
-              </a:p>
-              <a:p>
-                <a:pPr hangingPunct="0"/>
-                <a:r>
-                  <a:rPr lang="en-CA" sz="726">
-                    <a:latin typeface="Hack" pitchFamily="17"/>
-                    <a:ea typeface="DejaVu Sans" pitchFamily="2"/>
-                    <a:cs typeface="FreeSans" pitchFamily="2"/>
-                  </a:rPr>
-                  <a:t>2021-04-16</a:t>
-                </a:r>
-              </a:p>
-            </p:txBody>
-          </p:sp>
-        </p:grpSp>
-      </p:grpSp>
-      <p:sp>
-        <p:nvSpPr>
-          <p:cNvPr id="12" name="Straight Connector 11">
-            <a:extLst>
-              <a:ext uri="{FF2B5EF4-FFF2-40B4-BE49-F238E27FC236}">
-                <a16:creationId xmlns:a16="http://schemas.microsoft.com/office/drawing/2014/main" id="{3D10C008-6307-428A-9AFD-A2C8E60A7BB7}"/>
-              </a:ext>
-            </a:extLst>
-          </p:cNvPr>
-          <p:cNvSpPr/>
-          <p:nvPr/>
-        </p:nvSpPr>
-        <p:spPr>
-          <a:xfrm flipV="1">
-            <a:off x="635878" y="2608400"/>
-            <a:ext cx="7759020" cy="13497"/>
-          </a:xfrm>
-          <a:prstGeom prst="line">
-            <a:avLst/>
-          </a:prstGeom>
-          <a:noFill/>
-          <a:ln w="36000">
-            <a:solidFill>
-              <a:srgbClr val="000000"/>
-            </a:solidFill>
-            <a:prstDash val="solid"/>
-          </a:ln>
-        </p:spPr>
-        <p:txBody>
-          <a:bodyPr wrap="none" lIns="130616" tIns="76193" rIns="130616" bIns="76193" anchor="ctr" anchorCtr="0" compatLnSpc="0"/>
-          <a:lstStyle/>
-          <a:p>
-            <a:pPr hangingPunct="0"/>
-            <a:endParaRPr lang="en-CA" sz="2177">
-              <a:latin typeface="Liberation Sans" pitchFamily="18"/>
-              <a:ea typeface="DejaVu Sans" pitchFamily="2"/>
-              <a:cs typeface="FreeSans" pitchFamily="2"/>
-            </a:endParaRPr>
-          </a:p>
-        </p:txBody>
-      </p:sp>
-      <p:sp>
-        <p:nvSpPr>
-          <p:cNvPr id="13" name="Straight Connector 12">
-            <a:extLst>
-              <a:ext uri="{FF2B5EF4-FFF2-40B4-BE49-F238E27FC236}">
-                <a16:creationId xmlns:a16="http://schemas.microsoft.com/office/drawing/2014/main" id="{D1EAF57E-7004-494E-B570-643DF7A71AC8}"/>
-              </a:ext>
-            </a:extLst>
-          </p:cNvPr>
-          <p:cNvSpPr/>
-          <p:nvPr/>
-        </p:nvSpPr>
-        <p:spPr>
-          <a:xfrm>
-            <a:off x="8421457" y="3292391"/>
-            <a:ext cx="675284" cy="0"/>
-          </a:xfrm>
-          <a:prstGeom prst="line">
-            <a:avLst/>
-          </a:prstGeom>
-          <a:noFill/>
-          <a:ln w="36000">
-            <a:solidFill>
-              <a:srgbClr val="000000"/>
-            </a:solidFill>
-            <a:prstDash val="solid"/>
-          </a:ln>
-        </p:spPr>
-        <p:txBody>
-          <a:bodyPr wrap="none" lIns="130616" tIns="76193" rIns="130616" bIns="76193" anchor="ctr" anchorCtr="0" compatLnSpc="0"/>
-          <a:lstStyle/>
-          <a:p>
-            <a:pPr hangingPunct="0"/>
-            <a:endParaRPr lang="en-CA" sz="2177">
-              <a:latin typeface="Liberation Sans" pitchFamily="18"/>
-              <a:ea typeface="DejaVu Sans" pitchFamily="2"/>
-              <a:cs typeface="FreeSans" pitchFamily="2"/>
-            </a:endParaRPr>
-          </a:p>
-        </p:txBody>
-      </p:sp>
-      <p:sp>
-        <p:nvSpPr>
-          <p:cNvPr id="14" name="Straight Connector 13">
-            <a:extLst>
-              <a:ext uri="{FF2B5EF4-FFF2-40B4-BE49-F238E27FC236}">
-                <a16:creationId xmlns:a16="http://schemas.microsoft.com/office/drawing/2014/main" id="{93563F8D-7A64-40CD-AFB9-6A0CDF6923DB}"/>
-              </a:ext>
-            </a:extLst>
-          </p:cNvPr>
-          <p:cNvSpPr/>
-          <p:nvPr/>
-        </p:nvSpPr>
-        <p:spPr>
-          <a:xfrm>
-            <a:off x="9096741" y="3963322"/>
-            <a:ext cx="675284" cy="0"/>
-          </a:xfrm>
-          <a:prstGeom prst="line">
-            <a:avLst/>
-          </a:prstGeom>
-          <a:noFill/>
-          <a:ln w="36000">
-            <a:solidFill>
-              <a:srgbClr val="000000"/>
-            </a:solidFill>
-            <a:prstDash val="solid"/>
-          </a:ln>
-        </p:spPr>
-        <p:txBody>
-          <a:bodyPr wrap="none" lIns="130616" tIns="76193" rIns="130616" bIns="76193" anchor="ctr" anchorCtr="0" compatLnSpc="0"/>
-          <a:lstStyle/>
-          <a:p>
-            <a:pPr hangingPunct="0"/>
-            <a:endParaRPr lang="en-CA" sz="2177">
-              <a:latin typeface="Liberation Sans" pitchFamily="18"/>
-              <a:ea typeface="DejaVu Sans" pitchFamily="2"/>
-              <a:cs typeface="FreeSans" pitchFamily="2"/>
-            </a:endParaRPr>
-          </a:p>
-        </p:txBody>
-      </p:sp>
-      <p:sp>
-        <p:nvSpPr>
-          <p:cNvPr id="15" name="Straight Connector 14">
-            <a:extLst>
-              <a:ext uri="{FF2B5EF4-FFF2-40B4-BE49-F238E27FC236}">
-                <a16:creationId xmlns:a16="http://schemas.microsoft.com/office/drawing/2014/main" id="{F5A60CF6-E855-44F9-8D74-7AD9BC1433A5}"/>
-              </a:ext>
-            </a:extLst>
-          </p:cNvPr>
-          <p:cNvSpPr/>
-          <p:nvPr/>
-        </p:nvSpPr>
-        <p:spPr>
-          <a:xfrm>
-            <a:off x="9772025" y="4634251"/>
-            <a:ext cx="675284" cy="0"/>
-          </a:xfrm>
-          <a:prstGeom prst="line">
-            <a:avLst/>
-          </a:prstGeom>
-          <a:noFill/>
-          <a:ln w="36000">
-            <a:solidFill>
-              <a:srgbClr val="000000"/>
-            </a:solidFill>
-            <a:prstDash val="solid"/>
-          </a:ln>
-        </p:spPr>
-        <p:txBody>
-          <a:bodyPr wrap="none" lIns="130616" tIns="76193" rIns="130616" bIns="76193" anchor="ctr" anchorCtr="0" compatLnSpc="0"/>
-          <a:lstStyle/>
-          <a:p>
-            <a:pPr hangingPunct="0"/>
-            <a:endParaRPr lang="en-CA" sz="2177">
-              <a:latin typeface="Liberation Sans" pitchFamily="18"/>
-              <a:ea typeface="DejaVu Sans" pitchFamily="2"/>
-              <a:cs typeface="FreeSans" pitchFamily="2"/>
-            </a:endParaRPr>
-          </a:p>
-        </p:txBody>
-      </p:sp>
-      <p:sp>
-        <p:nvSpPr>
-          <p:cNvPr id="16" name="Straight Connector 15">
-            <a:extLst>
-              <a:ext uri="{FF2B5EF4-FFF2-40B4-BE49-F238E27FC236}">
-                <a16:creationId xmlns:a16="http://schemas.microsoft.com/office/drawing/2014/main" id="{8CF3687C-52FF-4B79-82D7-CBF2E60B4BD8}"/>
-              </a:ext>
-            </a:extLst>
-          </p:cNvPr>
-          <p:cNvSpPr/>
-          <p:nvPr/>
-        </p:nvSpPr>
-        <p:spPr>
-          <a:xfrm>
-            <a:off x="10447309" y="5305183"/>
-            <a:ext cx="675284" cy="0"/>
-          </a:xfrm>
-          <a:prstGeom prst="line">
-            <a:avLst/>
-          </a:prstGeom>
-          <a:noFill/>
-          <a:ln w="36000">
-            <a:solidFill>
-              <a:srgbClr val="000000"/>
-            </a:solidFill>
-            <a:prstDash val="solid"/>
-          </a:ln>
-        </p:spPr>
-        <p:txBody>
-          <a:bodyPr wrap="none" lIns="130616" tIns="76193" rIns="130616" bIns="76193" anchor="ctr" anchorCtr="0" compatLnSpc="0"/>
-          <a:lstStyle/>
-          <a:p>
-            <a:pPr hangingPunct="0"/>
-            <a:endParaRPr lang="en-CA" sz="2177">
-              <a:latin typeface="Liberation Sans" pitchFamily="18"/>
-              <a:ea typeface="DejaVu Sans" pitchFamily="2"/>
-              <a:cs typeface="FreeSans" pitchFamily="2"/>
-            </a:endParaRPr>
-          </a:p>
-        </p:txBody>
-      </p:sp>
-      <p:sp>
-        <p:nvSpPr>
-          <p:cNvPr id="17" name="Straight Connector 16">
-            <a:extLst>
-              <a:ext uri="{FF2B5EF4-FFF2-40B4-BE49-F238E27FC236}">
-                <a16:creationId xmlns:a16="http://schemas.microsoft.com/office/drawing/2014/main" id="{57BF9EF4-0CF3-4CD4-9935-31C523FB12AC}"/>
-              </a:ext>
-            </a:extLst>
-          </p:cNvPr>
-          <p:cNvSpPr/>
-          <p:nvPr/>
-        </p:nvSpPr>
-        <p:spPr>
-          <a:xfrm flipH="1" flipV="1">
-            <a:off x="8394898" y="2621461"/>
-            <a:ext cx="26994" cy="670930"/>
-          </a:xfrm>
-          <a:prstGeom prst="line">
-            <a:avLst/>
-          </a:prstGeom>
-          <a:noFill/>
-          <a:ln w="36000">
-            <a:solidFill>
-              <a:srgbClr val="000000"/>
-            </a:solidFill>
-            <a:prstDash val="solid"/>
-          </a:ln>
-        </p:spPr>
-        <p:txBody>
-          <a:bodyPr wrap="none" lIns="130616" tIns="76193" rIns="130616" bIns="76193" anchor="ctr" anchorCtr="0" compatLnSpc="0"/>
-          <a:lstStyle/>
-          <a:p>
-            <a:pPr hangingPunct="0"/>
-            <a:endParaRPr lang="en-CA" sz="2177">
-              <a:latin typeface="Liberation Sans" pitchFamily="18"/>
-              <a:ea typeface="DejaVu Sans" pitchFamily="2"/>
-              <a:cs typeface="FreeSans" pitchFamily="2"/>
-            </a:endParaRPr>
-          </a:p>
-        </p:txBody>
-      </p:sp>
-      <p:sp>
-        <p:nvSpPr>
-          <p:cNvPr id="18" name="Straight Connector 17">
-            <a:extLst>
-              <a:ext uri="{FF2B5EF4-FFF2-40B4-BE49-F238E27FC236}">
-                <a16:creationId xmlns:a16="http://schemas.microsoft.com/office/drawing/2014/main" id="{BC87387E-BCD4-44DC-8469-5004B9666FE9}"/>
-              </a:ext>
-            </a:extLst>
-          </p:cNvPr>
-          <p:cNvSpPr/>
-          <p:nvPr/>
-        </p:nvSpPr>
-        <p:spPr>
-          <a:xfrm flipH="1" flipV="1">
-            <a:off x="9096741" y="3292392"/>
-            <a:ext cx="26993" cy="670930"/>
-          </a:xfrm>
-          <a:prstGeom prst="line">
-            <a:avLst/>
-          </a:prstGeom>
-          <a:noFill/>
-          <a:ln w="36000">
-            <a:solidFill>
-              <a:srgbClr val="000000"/>
-            </a:solidFill>
-            <a:prstDash val="solid"/>
-          </a:ln>
-        </p:spPr>
-        <p:txBody>
-          <a:bodyPr wrap="none" lIns="130616" tIns="76193" rIns="130616" bIns="76193" anchor="ctr" anchorCtr="0" compatLnSpc="0"/>
-          <a:lstStyle/>
-          <a:p>
-            <a:pPr hangingPunct="0"/>
-            <a:endParaRPr lang="en-CA" sz="2177">
-              <a:latin typeface="Liberation Sans" pitchFamily="18"/>
-              <a:ea typeface="DejaVu Sans" pitchFamily="2"/>
-              <a:cs typeface="FreeSans" pitchFamily="2"/>
-            </a:endParaRPr>
-          </a:p>
-        </p:txBody>
-      </p:sp>
-      <p:sp>
-        <p:nvSpPr>
-          <p:cNvPr id="19" name="Straight Connector 18">
-            <a:extLst>
-              <a:ext uri="{FF2B5EF4-FFF2-40B4-BE49-F238E27FC236}">
-                <a16:creationId xmlns:a16="http://schemas.microsoft.com/office/drawing/2014/main" id="{82FE046F-1717-43DC-8323-987ABD377C43}"/>
-              </a:ext>
-            </a:extLst>
-          </p:cNvPr>
-          <p:cNvSpPr/>
-          <p:nvPr/>
-        </p:nvSpPr>
-        <p:spPr>
-          <a:xfrm flipH="1" flipV="1">
-            <a:off x="9745030" y="3963323"/>
-            <a:ext cx="26995" cy="670929"/>
-          </a:xfrm>
-          <a:prstGeom prst="line">
-            <a:avLst/>
-          </a:prstGeom>
-          <a:noFill/>
-          <a:ln w="36000">
-            <a:solidFill>
-              <a:srgbClr val="000000"/>
-            </a:solidFill>
-            <a:prstDash val="solid"/>
-          </a:ln>
-        </p:spPr>
-        <p:txBody>
-          <a:bodyPr wrap="none" lIns="130616" tIns="76193" rIns="130616" bIns="76193" anchor="ctr" anchorCtr="0" compatLnSpc="0"/>
-          <a:lstStyle/>
-          <a:p>
-            <a:pPr hangingPunct="0"/>
-            <a:endParaRPr lang="en-CA" sz="2177">
-              <a:latin typeface="Liberation Sans" pitchFamily="18"/>
-              <a:ea typeface="DejaVu Sans" pitchFamily="2"/>
-              <a:cs typeface="FreeSans" pitchFamily="2"/>
-            </a:endParaRPr>
-          </a:p>
-        </p:txBody>
-      </p:sp>
-      <p:sp>
-        <p:nvSpPr>
-          <p:cNvPr id="20" name="Straight Connector 19">
-            <a:extLst>
-              <a:ext uri="{FF2B5EF4-FFF2-40B4-BE49-F238E27FC236}">
-                <a16:creationId xmlns:a16="http://schemas.microsoft.com/office/drawing/2014/main" id="{9866D71A-F299-4F31-B97D-EF32E004A396}"/>
-              </a:ext>
-            </a:extLst>
-          </p:cNvPr>
-          <p:cNvSpPr/>
-          <p:nvPr/>
-        </p:nvSpPr>
-        <p:spPr>
-          <a:xfrm flipH="1" flipV="1">
-            <a:off x="10420315" y="4634251"/>
-            <a:ext cx="26994" cy="670932"/>
-          </a:xfrm>
-          <a:prstGeom prst="line">
-            <a:avLst/>
-          </a:prstGeom>
-          <a:noFill/>
-          <a:ln w="36000">
-            <a:solidFill>
-              <a:srgbClr val="000000"/>
-            </a:solidFill>
-            <a:prstDash val="solid"/>
-          </a:ln>
-        </p:spPr>
-        <p:txBody>
-          <a:bodyPr wrap="none" lIns="130616" tIns="76193" rIns="130616" bIns="76193" anchor="ctr" anchorCtr="0" compatLnSpc="0"/>
-          <a:lstStyle/>
-          <a:p>
-            <a:pPr hangingPunct="0"/>
-            <a:endParaRPr lang="en-CA" sz="2177">
-              <a:latin typeface="Liberation Sans" pitchFamily="18"/>
-              <a:ea typeface="DejaVu Sans" pitchFamily="2"/>
-              <a:cs typeface="FreeSans" pitchFamily="2"/>
-            </a:endParaRPr>
-          </a:p>
-        </p:txBody>
-      </p:sp>
-      <p:sp>
-        <p:nvSpPr>
-          <p:cNvPr id="21" name="TextBox 20">
-            <a:extLst>
-              <a:ext uri="{FF2B5EF4-FFF2-40B4-BE49-F238E27FC236}">
-                <a16:creationId xmlns:a16="http://schemas.microsoft.com/office/drawing/2014/main" id="{E41BF7BE-5B0A-488B-8C46-7239D936959B}"/>
-              </a:ext>
-            </a:extLst>
-          </p:cNvPr>
-          <p:cNvSpPr txBox="1"/>
-          <p:nvPr/>
-        </p:nvSpPr>
-        <p:spPr>
-          <a:xfrm>
-            <a:off x="807856" y="2846556"/>
-            <a:ext cx="1445733" cy="430959"/>
-          </a:xfrm>
-          <a:prstGeom prst="rect">
-            <a:avLst/>
-          </a:prstGeom>
-          <a:noFill/>
-          <a:ln>
-            <a:noFill/>
-          </a:ln>
-        </p:spPr>
-        <p:txBody>
-          <a:bodyPr wrap="none" lIns="108847" tIns="54423" rIns="108847" bIns="54423" anchorCtr="0" compatLnSpc="0">
-            <a:spAutoFit/>
-          </a:bodyPr>
-          <a:lstStyle/>
-          <a:p>
-            <a:pPr hangingPunct="0"/>
-            <a:r>
-              <a:rPr lang="en-CA" sz="2177">
-                <a:latin typeface="Liberation Sans" pitchFamily="18"/>
-                <a:ea typeface="DejaVu Sans" pitchFamily="2"/>
-                <a:cs typeface="FreeSans" pitchFamily="2"/>
-              </a:rPr>
-              <a:t>basement</a:t>
-            </a:r>
-          </a:p>
-        </p:txBody>
-      </p:sp>
-      <p:sp>
-        <p:nvSpPr>
-          <p:cNvPr id="22" name="Title 21">
-            <a:extLst>
-              <a:ext uri="{FF2B5EF4-FFF2-40B4-BE49-F238E27FC236}">
-                <a16:creationId xmlns:a16="http://schemas.microsoft.com/office/drawing/2014/main" id="{B7CAA929-713D-4895-92DC-A256FF131552}"/>
-              </a:ext>
-            </a:extLst>
-          </p:cNvPr>
-          <p:cNvSpPr txBox="1">
-            <a:spLocks noGrp="1"/>
-          </p:cNvSpPr>
-          <p:nvPr>
-            <p:ph type="title" idx="4294967295"/>
-          </p:nvPr>
-        </p:nvSpPr>
-        <p:spPr/>
-        <p:txBody>
-          <a:bodyPr/>
-          <a:lstStyle/>
-          <a:p>
-            <a:pPr lvl="0"/>
-            <a:r>
-              <a:rPr lang="en-CA"/>
-              <a:t>First Trip</a:t>
-            </a:r>
-          </a:p>
-        </p:txBody>
-      </p:sp>
-      <p:sp>
-        <p:nvSpPr>
-          <p:cNvPr id="27" name="TextBox 26">
-            <a:extLst>
-              <a:ext uri="{FF2B5EF4-FFF2-40B4-BE49-F238E27FC236}">
-                <a16:creationId xmlns:a16="http://schemas.microsoft.com/office/drawing/2014/main" id="{008F3E22-AA25-4E40-B23E-7F0AC3BDF967}"/>
-              </a:ext>
-            </a:extLst>
-          </p:cNvPr>
-          <p:cNvSpPr txBox="1"/>
-          <p:nvPr/>
-        </p:nvSpPr>
-        <p:spPr>
-          <a:xfrm>
-            <a:off x="4278633" y="5180204"/>
-            <a:ext cx="2221586" cy="752008"/>
-          </a:xfrm>
-          <a:prstGeom prst="rect">
-            <a:avLst/>
-          </a:prstGeom>
-          <a:noFill/>
-          <a:ln>
-            <a:noFill/>
-          </a:ln>
-        </p:spPr>
-        <p:txBody>
-          <a:bodyPr wrap="none" lIns="108847" tIns="54423" rIns="108847" bIns="54423" anchorCtr="0" compatLnSpc="0">
-            <a:spAutoFit/>
-          </a:bodyPr>
-          <a:lstStyle/>
-          <a:p>
-            <a:pPr algn="ctr" hangingPunct="0"/>
-            <a:r>
-              <a:rPr lang="en-CA" sz="2177" dirty="0">
-                <a:latin typeface="Liberation Sans" pitchFamily="18"/>
-                <a:ea typeface="DejaVu Sans" pitchFamily="2"/>
-                <a:cs typeface="FreeSans" pitchFamily="2"/>
-              </a:rPr>
-              <a:t>voucher request</a:t>
-            </a:r>
-            <a:br>
-              <a:rPr lang="en-CA" sz="2177" dirty="0">
-                <a:latin typeface="Liberation Sans" pitchFamily="18"/>
-                <a:ea typeface="DejaVu Sans" pitchFamily="2"/>
-                <a:cs typeface="FreeSans" pitchFamily="2"/>
-              </a:rPr>
-            </a:br>
-            <a:r>
-              <a:rPr lang="en-CA" sz="2177" dirty="0">
-                <a:latin typeface="Liberation Sans" pitchFamily="18"/>
-                <a:ea typeface="DejaVu Sans" pitchFamily="2"/>
-                <a:cs typeface="FreeSans" pitchFamily="2"/>
-              </a:rPr>
-              <a:t>in JOSE</a:t>
-            </a:r>
-          </a:p>
-        </p:txBody>
-      </p:sp>
-      <p:grpSp>
-        <p:nvGrpSpPr>
-          <p:cNvPr id="24" name="Group 23">
-            <a:extLst>
-              <a:ext uri="{FF2B5EF4-FFF2-40B4-BE49-F238E27FC236}">
-                <a16:creationId xmlns:a16="http://schemas.microsoft.com/office/drawing/2014/main" id="{A4A3F3EC-0128-4566-98E5-F4EABFDFDABC}"/>
-              </a:ext>
-            </a:extLst>
-          </p:cNvPr>
-          <p:cNvGrpSpPr/>
-          <p:nvPr/>
-        </p:nvGrpSpPr>
-        <p:grpSpPr>
-          <a:xfrm>
-            <a:off x="7186489" y="3497689"/>
-            <a:ext cx="934766" cy="999184"/>
-            <a:chOff x="4459574" y="2440448"/>
-            <a:chExt cx="934766" cy="999184"/>
-          </a:xfrm>
-        </p:grpSpPr>
-        <p:graphicFrame>
-          <p:nvGraphicFramePr>
-            <p:cNvPr id="25" name="Object 90">
-              <a:extLst>
-                <a:ext uri="{FF2B5EF4-FFF2-40B4-BE49-F238E27FC236}">
-                  <a16:creationId xmlns:a16="http://schemas.microsoft.com/office/drawing/2014/main" id="{53972B2E-F1BF-48A4-B5FA-93EEAEAD34D7}"/>
-                </a:ext>
-              </a:extLst>
-            </p:cNvPr>
-            <p:cNvGraphicFramePr>
-              <a:graphicFrameLocks noChangeAspect="1"/>
-            </p:cNvGraphicFramePr>
-            <p:nvPr>
-              <p:extLst>
-                <p:ext uri="{D42A27DB-BD31-4B8C-83A1-F6EECF244321}">
-                  <p14:modId xmlns:p14="http://schemas.microsoft.com/office/powerpoint/2010/main" val="1223744539"/>
-                </p:ext>
-              </p:extLst>
-            </p:nvPr>
-          </p:nvGraphicFramePr>
-          <p:xfrm>
-            <a:off x="4802202" y="2440448"/>
-            <a:ext cx="592138" cy="773113"/>
-          </p:xfrm>
-          <a:graphic>
-            <a:graphicData uri="http://schemas.openxmlformats.org/presentationml/2006/ole">
-              <mc:AlternateContent xmlns:mc="http://schemas.openxmlformats.org/markup-compatibility/2006">
-                <mc:Choice xmlns:v="urn:schemas-microsoft-com:vml" Requires="v">
-                  <p:oleObj name="Visio" r:id="rId5" imgW="593884" imgH="773906" progId="Visio.Drawing.11">
-                    <p:embed/>
-                  </p:oleObj>
-                </mc:Choice>
-                <mc:Fallback>
-                  <p:oleObj name="Visio" r:id="rId5" imgW="593884" imgH="773906" progId="Visio.Drawing.11">
-                    <p:embed/>
-                    <p:pic>
-                      <p:nvPicPr>
-                        <p:cNvPr id="28" name="Object 90">
-                          <a:extLst>
-                            <a:ext uri="{FF2B5EF4-FFF2-40B4-BE49-F238E27FC236}">
-                              <a16:creationId xmlns:a16="http://schemas.microsoft.com/office/drawing/2014/main" id="{D4EBAB8E-5D01-4A1C-BFD5-959B540CB01C}"/>
-                            </a:ext>
-                          </a:extLst>
-                        </p:cNvPr>
-                        <p:cNvPicPr>
-                          <a:picLocks noChangeAspect="1" noChangeArrowheads="1"/>
-                        </p:cNvPicPr>
-                        <p:nvPr/>
-                      </p:nvPicPr>
-                      <p:blipFill>
-                        <a:blip r:embed="rId6">
-                          <a:extLst>
-                            <a:ext uri="{28A0092B-C50C-407E-A947-70E740481C1C}">
-                              <a14:useLocalDpi xmlns:a14="http://schemas.microsoft.com/office/drawing/2010/main" val="0"/>
-                            </a:ext>
-                          </a:extLst>
-                        </a:blip>
-                        <a:srcRect/>
-                        <a:stretch>
-                          <a:fillRect/>
-                        </a:stretch>
-                      </p:blipFill>
-                      <p:spPr bwMode="auto">
-                        <a:xfrm>
-                          <a:off x="4802202" y="2440448"/>
-                          <a:ext cx="592138" cy="773113"/>
-                        </a:xfrm>
-                        <a:prstGeom prst="rect">
-                          <a:avLst/>
-                        </a:prstGeom>
-                        <a:noFill/>
-                        <a:ln>
-                          <a:noFill/>
-                        </a:ln>
-                        <a:effectLst/>
-                      </p:spPr>
-                    </p:pic>
-                  </p:oleObj>
-                </mc:Fallback>
-              </mc:AlternateContent>
-            </a:graphicData>
-          </a:graphic>
-        </p:graphicFrame>
-        <p:pic>
-          <p:nvPicPr>
-            <p:cNvPr id="26" name="Picture 25">
-              <a:extLst>
-                <a:ext uri="{FF2B5EF4-FFF2-40B4-BE49-F238E27FC236}">
-                  <a16:creationId xmlns:a16="http://schemas.microsoft.com/office/drawing/2014/main" id="{F7D64A24-721F-4AB6-988A-6B6EB06F78BE}"/>
-                </a:ext>
-              </a:extLst>
-            </p:cNvPr>
-            <p:cNvPicPr>
-              <a:picLocks noChangeAspect="1"/>
-            </p:cNvPicPr>
-            <p:nvPr/>
-          </p:nvPicPr>
-          <p:blipFill>
-            <a:blip r:embed="rId7"/>
-            <a:stretch>
-              <a:fillRect/>
-            </a:stretch>
-          </p:blipFill>
-          <p:spPr>
-            <a:xfrm flipH="1">
-              <a:off x="4459574" y="2615148"/>
-              <a:ext cx="484172" cy="824484"/>
-            </a:xfrm>
-            <a:prstGeom prst="rect">
-              <a:avLst/>
-            </a:prstGeom>
-          </p:spPr>
-        </p:pic>
-      </p:grpSp>
-      <p:sp>
-        <p:nvSpPr>
-          <p:cNvPr id="28" name="Date Placeholder 3">
-            <a:extLst>
-              <a:ext uri="{FF2B5EF4-FFF2-40B4-BE49-F238E27FC236}">
-                <a16:creationId xmlns:a16="http://schemas.microsoft.com/office/drawing/2014/main" id="{D8B00B31-5C84-4BAE-9BE1-A3999F4506C9}"/>
-              </a:ext>
-            </a:extLst>
-          </p:cNvPr>
-          <p:cNvSpPr txBox="1">
-            <a:spLocks/>
-          </p:cNvSpPr>
-          <p:nvPr/>
-        </p:nvSpPr>
-        <p:spPr>
-          <a:xfrm>
-            <a:off x="838200" y="6356350"/>
-            <a:ext cx="2743200" cy="365125"/>
-          </a:xfrm>
-          <a:prstGeom prst="rect">
-            <a:avLst/>
-          </a:prstGeom>
-        </p:spPr>
-        <p:txBody>
-          <a:bodyPr vert="horz" lIns="91440" tIns="45720" rIns="91440" bIns="45720" rtlCol="0" anchor="ctr"/>
-          <a:lstStyle>
-            <a:defPPr>
-              <a:defRPr lang="de-DE"/>
-            </a:defPPr>
-            <a:lvl1pPr marL="0" algn="l" defTabSz="914400" rtl="0" eaLnBrk="1" latinLnBrk="0" hangingPunct="1">
-              <a:defRPr sz="1200" kern="1200">
-                <a:solidFill>
-                  <a:schemeClr val="tx1">
-                    <a:tint val="75000"/>
-                  </a:schemeClr>
-                </a:solidFill>
-                <a:latin typeface="+mn-lt"/>
-                <a:ea typeface="+mn-ea"/>
-                <a:cs typeface="+mn-cs"/>
-              </a:defRPr>
-            </a:lvl1pPr>
-            <a:lvl2pPr marL="457200" algn="l" defTabSz="914400" rtl="0" eaLnBrk="1" latinLnBrk="0" hangingPunct="1">
-              <a:defRPr sz="1800" kern="1200">
-                <a:solidFill>
-                  <a:schemeClr val="tx1"/>
-                </a:solidFill>
-                <a:latin typeface="+mn-lt"/>
-                <a:ea typeface="+mn-ea"/>
-                <a:cs typeface="+mn-cs"/>
-              </a:defRPr>
-            </a:lvl2pPr>
-            <a:lvl3pPr marL="914400" algn="l" defTabSz="914400" rtl="0" eaLnBrk="1" latinLnBrk="0" hangingPunct="1">
-              <a:defRPr sz="1800" kern="1200">
-                <a:solidFill>
-                  <a:schemeClr val="tx1"/>
-                </a:solidFill>
-                <a:latin typeface="+mn-lt"/>
-                <a:ea typeface="+mn-ea"/>
-                <a:cs typeface="+mn-cs"/>
-              </a:defRPr>
-            </a:lvl3pPr>
-            <a:lvl4pPr marL="1371600" algn="l" defTabSz="914400" rtl="0" eaLnBrk="1" latinLnBrk="0" hangingPunct="1">
-              <a:defRPr sz="1800" kern="1200">
-                <a:solidFill>
-                  <a:schemeClr val="tx1"/>
-                </a:solidFill>
-                <a:latin typeface="+mn-lt"/>
-                <a:ea typeface="+mn-ea"/>
-                <a:cs typeface="+mn-cs"/>
-              </a:defRPr>
-            </a:lvl4pPr>
-            <a:lvl5pPr marL="1828800" algn="l" defTabSz="914400" rtl="0" eaLnBrk="1" latinLnBrk="0" hangingPunct="1">
-              <a:defRPr sz="1800" kern="1200">
-                <a:solidFill>
-                  <a:schemeClr val="tx1"/>
-                </a:solidFill>
-                <a:latin typeface="+mn-lt"/>
-                <a:ea typeface="+mn-ea"/>
-                <a:cs typeface="+mn-cs"/>
-              </a:defRPr>
-            </a:lvl5pPr>
-            <a:lvl6pPr marL="2286000" algn="l" defTabSz="914400" rtl="0" eaLnBrk="1" latinLnBrk="0" hangingPunct="1">
-              <a:defRPr sz="1800" kern="1200">
-                <a:solidFill>
-                  <a:schemeClr val="tx1"/>
-                </a:solidFill>
-                <a:latin typeface="+mn-lt"/>
-                <a:ea typeface="+mn-ea"/>
-                <a:cs typeface="+mn-cs"/>
-              </a:defRPr>
-            </a:lvl6pPr>
-            <a:lvl7pPr marL="2743200" algn="l" defTabSz="914400" rtl="0" eaLnBrk="1" latinLnBrk="0" hangingPunct="1">
-              <a:defRPr sz="1800" kern="1200">
-                <a:solidFill>
-                  <a:schemeClr val="tx1"/>
-                </a:solidFill>
-                <a:latin typeface="+mn-lt"/>
-                <a:ea typeface="+mn-ea"/>
-                <a:cs typeface="+mn-cs"/>
-              </a:defRPr>
-            </a:lvl7pPr>
-            <a:lvl8pPr marL="3200400" algn="l" defTabSz="914400" rtl="0" eaLnBrk="1" latinLnBrk="0" hangingPunct="1">
-              <a:defRPr sz="1800" kern="1200">
-                <a:solidFill>
-                  <a:schemeClr val="tx1"/>
-                </a:solidFill>
-                <a:latin typeface="+mn-lt"/>
-                <a:ea typeface="+mn-ea"/>
-                <a:cs typeface="+mn-cs"/>
-              </a:defRPr>
-            </a:lvl8pPr>
-            <a:lvl9pPr marL="3657600" algn="l" defTabSz="914400" rtl="0" eaLnBrk="1" latinLnBrk="0" hangingPunct="1">
-              <a:defRPr sz="1800" kern="1200">
-                <a:solidFill>
-                  <a:schemeClr val="tx1"/>
-                </a:solidFill>
-                <a:latin typeface="+mn-lt"/>
-                <a:ea typeface="+mn-ea"/>
-                <a:cs typeface="+mn-cs"/>
-              </a:defRPr>
-            </a:lvl9pPr>
-          </a:lstStyle>
-          <a:p>
-            <a:fld id="{8C792E63-5F21-4F54-A864-D84D9F273FCA}" type="datetimeFigureOut">
-              <a:rPr lang="en-US" smtClean="0"/>
-              <a:pPr/>
-              <a:t>7/9/2021</a:t>
-            </a:fld>
-            <a:endParaRPr lang="en-US" dirty="0"/>
-          </a:p>
-        </p:txBody>
-      </p:sp>
-      <p:sp>
-        <p:nvSpPr>
-          <p:cNvPr id="29" name="Slide Number Placeholder 5">
-            <a:extLst>
-              <a:ext uri="{FF2B5EF4-FFF2-40B4-BE49-F238E27FC236}">
-                <a16:creationId xmlns:a16="http://schemas.microsoft.com/office/drawing/2014/main" id="{78F9D475-0DA0-47AE-9383-38D270B618DD}"/>
               </a:ext>
             </a:extLst>
           </p:cNvPr>

--- a/presentations/slides-111-BRSKI-AE.pptx
+++ b/presentations/slides-111-BRSKI-AE.pptx
@@ -258,7 +258,7 @@
           <a:p>
             <a:fld id="{33B5B5E8-CA78-4A82-83A0-867EF5A818AE}" type="datetimeFigureOut">
               <a:rPr lang="en-US" smtClean="0"/>
-              <a:t>7/17/2021</a:t>
+              <a:t>7/20/2021</a:t>
             </a:fld>
             <a:endParaRPr lang="en-US"/>
           </a:p>
@@ -2583,7 +2583,7 @@
           <a:p>
             <a:fld id="{8C792E63-5F21-4F54-A864-D84D9F273FCA}" type="datetimeFigureOut">
               <a:rPr lang="en-US" smtClean="0"/>
-              <a:t>7/17/2021</a:t>
+              <a:t>7/20/2021</a:t>
             </a:fld>
             <a:endParaRPr lang="en-US" dirty="0"/>
           </a:p>
@@ -2801,7 +2801,7 @@
           <a:p>
             <a:fld id="{8C792E63-5F21-4F54-A864-D84D9F273FCA}" type="datetimeFigureOut">
               <a:rPr lang="en-US" smtClean="0"/>
-              <a:t>7/17/2021</a:t>
+              <a:t>7/20/2021</a:t>
             </a:fld>
             <a:endParaRPr lang="en-US"/>
           </a:p>
@@ -3025,7 +3025,7 @@
           <a:p>
             <a:fld id="{8C792E63-5F21-4F54-A864-D84D9F273FCA}" type="datetimeFigureOut">
               <a:rPr lang="en-US" smtClean="0"/>
-              <a:t>7/17/2021</a:t>
+              <a:t>7/20/2021</a:t>
             </a:fld>
             <a:endParaRPr lang="en-US"/>
           </a:p>
@@ -3239,7 +3239,7 @@
           <a:p>
             <a:fld id="{8C792E63-5F21-4F54-A864-D84D9F273FCA}" type="datetimeFigureOut">
               <a:rPr lang="en-US" smtClean="0"/>
-              <a:t>7/17/2021</a:t>
+              <a:t>7/20/2021</a:t>
             </a:fld>
             <a:endParaRPr lang="en-US"/>
           </a:p>
@@ -3530,7 +3530,7 @@
           <a:p>
             <a:fld id="{8C792E63-5F21-4F54-A864-D84D9F273FCA}" type="datetimeFigureOut">
               <a:rPr lang="en-US" smtClean="0"/>
-              <a:t>7/17/2021</a:t>
+              <a:t>7/20/2021</a:t>
             </a:fld>
             <a:endParaRPr lang="en-US"/>
           </a:p>
@@ -3811,7 +3811,7 @@
           <a:p>
             <a:fld id="{8C792E63-5F21-4F54-A864-D84D9F273FCA}" type="datetimeFigureOut">
               <a:rPr lang="en-US" smtClean="0"/>
-              <a:t>7/17/2021</a:t>
+              <a:t>7/20/2021</a:t>
             </a:fld>
             <a:endParaRPr lang="en-US"/>
           </a:p>
@@ -4239,7 +4239,7 @@
           <a:p>
             <a:fld id="{8C792E63-5F21-4F54-A864-D84D9F273FCA}" type="datetimeFigureOut">
               <a:rPr lang="en-US" smtClean="0"/>
-              <a:t>7/17/2021</a:t>
+              <a:t>7/20/2021</a:t>
             </a:fld>
             <a:endParaRPr lang="en-US"/>
           </a:p>
@@ -4396,7 +4396,7 @@
           <a:p>
             <a:fld id="{8C792E63-5F21-4F54-A864-D84D9F273FCA}" type="datetimeFigureOut">
               <a:rPr lang="en-US" smtClean="0"/>
-              <a:t>7/17/2021</a:t>
+              <a:t>7/20/2021</a:t>
             </a:fld>
             <a:endParaRPr lang="en-US"/>
           </a:p>
@@ -4525,7 +4525,7 @@
           <a:p>
             <a:fld id="{8C792E63-5F21-4F54-A864-D84D9F273FCA}" type="datetimeFigureOut">
               <a:rPr lang="en-US" smtClean="0"/>
-              <a:t>7/17/2021</a:t>
+              <a:t>7/20/2021</a:t>
             </a:fld>
             <a:endParaRPr lang="en-US"/>
           </a:p>
@@ -4852,7 +4852,7 @@
           <a:p>
             <a:fld id="{8C792E63-5F21-4F54-A864-D84D9F273FCA}" type="datetimeFigureOut">
               <a:rPr lang="en-US" smtClean="0"/>
-              <a:t>7/17/2021</a:t>
+              <a:t>7/20/2021</a:t>
             </a:fld>
             <a:endParaRPr lang="en-US"/>
           </a:p>
@@ -5156,7 +5156,7 @@
           <a:p>
             <a:fld id="{8C792E63-5F21-4F54-A864-D84D9F273FCA}" type="datetimeFigureOut">
               <a:rPr lang="en-US" smtClean="0"/>
-              <a:t>7/17/2021</a:t>
+              <a:t>7/20/2021</a:t>
             </a:fld>
             <a:endParaRPr lang="en-US"/>
           </a:p>
@@ -5448,7 +5448,7 @@
           <a:p>
             <a:fld id="{8C792E63-5F21-4F54-A864-D84D9F273FCA}" type="datetimeFigureOut">
               <a:rPr lang="en-US" smtClean="0"/>
-              <a:t>7/17/2021</a:t>
+              <a:t>7/20/2021</a:t>
             </a:fld>
             <a:endParaRPr lang="en-US"/>
           </a:p>
@@ -7296,7 +7296,7 @@
             <a:fld id="{8C792E63-5F21-4F54-A864-D84D9F273FCA}" type="datetimeFigureOut">
               <a:rPr lang="en-US" smtClean="0"/>
               <a:pPr/>
-              <a:t>7/17/2021</a:t>
+              <a:t>7/20/2021</a:t>
             </a:fld>
             <a:endParaRPr lang="en-US" dirty="0"/>
           </a:p>
@@ -9351,7 +9351,7 @@
             <a:fld id="{8C792E63-5F21-4F54-A864-D84D9F273FCA}" type="datetimeFigureOut">
               <a:rPr lang="en-US" smtClean="0"/>
               <a:pPr/>
-              <a:t>7/17/2021</a:t>
+              <a:t>7/20/2021</a:t>
             </a:fld>
             <a:endParaRPr lang="en-US" dirty="0"/>
           </a:p>
@@ -10514,7 +10514,7 @@
             <a:fld id="{8C792E63-5F21-4F54-A864-D84D9F273FCA}" type="datetimeFigureOut">
               <a:rPr lang="en-US" smtClean="0"/>
               <a:pPr/>
-              <a:t>7/17/2021</a:t>
+              <a:t>7/20/2021</a:t>
             </a:fld>
             <a:endParaRPr lang="en-US" dirty="0"/>
           </a:p>
@@ -12219,7 +12219,7 @@
             <a:fld id="{8C792E63-5F21-4F54-A864-D84D9F273FCA}" type="datetimeFigureOut">
               <a:rPr lang="en-US" smtClean="0"/>
               <a:pPr/>
-              <a:t>7/17/2021</a:t>
+              <a:t>7/20/2021</a:t>
             </a:fld>
             <a:endParaRPr lang="en-US" dirty="0"/>
           </a:p>
@@ -14086,7 +14086,7 @@
             <a:fld id="{8C792E63-5F21-4F54-A864-D84D9F273FCA}" type="datetimeFigureOut">
               <a:rPr lang="en-US" smtClean="0"/>
               <a:pPr/>
-              <a:t>7/17/2021</a:t>
+              <a:t>7/20/2021</a:t>
             </a:fld>
             <a:endParaRPr lang="en-US" dirty="0"/>
           </a:p>
@@ -15334,7 +15334,7 @@
             <a:fld id="{8C792E63-5F21-4F54-A864-D84D9F273FCA}" type="datetimeFigureOut">
               <a:rPr lang="en-US" smtClean="0"/>
               <a:pPr/>
-              <a:t>7/17/2021</a:t>
+              <a:t>7/20/2021</a:t>
             </a:fld>
             <a:endParaRPr lang="en-US" dirty="0"/>
           </a:p>
@@ -16582,7 +16582,7 @@
             <a:fld id="{8C792E63-5F21-4F54-A864-D84D9F273FCA}" type="datetimeFigureOut">
               <a:rPr lang="en-US" smtClean="0"/>
               <a:pPr/>
-              <a:t>7/17/2021</a:t>
+              <a:t>7/20/2021</a:t>
             </a:fld>
             <a:endParaRPr lang="en-US" dirty="0"/>
           </a:p>
@@ -18228,7 +18228,7 @@
             <a:fld id="{8C792E63-5F21-4F54-A864-D84D9F273FCA}" type="datetimeFigureOut">
               <a:rPr lang="en-US" smtClean="0"/>
               <a:pPr/>
-              <a:t>7/17/2021</a:t>
+              <a:t>7/20/2021</a:t>
             </a:fld>
             <a:endParaRPr lang="en-US" dirty="0"/>
           </a:p>
@@ -19523,7 +19523,7 @@
             <a:fld id="{8C792E63-5F21-4F54-A864-D84D9F273FCA}" type="datetimeFigureOut">
               <a:rPr lang="en-US" smtClean="0"/>
               <a:pPr/>
-              <a:t>7/17/2021</a:t>
+              <a:t>7/20/2021</a:t>
             </a:fld>
             <a:endParaRPr lang="en-US" dirty="0"/>
           </a:p>
@@ -20766,7 +20766,7 @@
             <a:fld id="{8C792E63-5F21-4F54-A864-D84D9F273FCA}" type="datetimeFigureOut">
               <a:rPr lang="en-US" smtClean="0"/>
               <a:pPr/>
-              <a:t>7/17/2021</a:t>
+              <a:t>7/20/2021</a:t>
             </a:fld>
             <a:endParaRPr lang="en-US" dirty="0"/>
           </a:p>
@@ -21206,7 +21206,7 @@
             <a:fld id="{8C792E63-5F21-4F54-A864-D84D9F273FCA}" type="datetimeFigureOut">
               <a:rPr lang="en-US" smtClean="0"/>
               <a:pPr/>
-              <a:t>7/17/2021</a:t>
+              <a:t>7/20/2021</a:t>
             </a:fld>
             <a:endParaRPr lang="en-US" dirty="0"/>
           </a:p>
@@ -22449,7 +22449,7 @@
             <a:fld id="{8C792E63-5F21-4F54-A864-D84D9F273FCA}" type="datetimeFigureOut">
               <a:rPr lang="en-US" smtClean="0"/>
               <a:pPr/>
-              <a:t>7/17/2021</a:t>
+              <a:t>7/20/2021</a:t>
             </a:fld>
             <a:endParaRPr lang="en-US" dirty="0"/>
           </a:p>
@@ -23361,7 +23361,7 @@
             <a:fld id="{8C792E63-5F21-4F54-A864-D84D9F273FCA}" type="datetimeFigureOut">
               <a:rPr lang="en-US" smtClean="0"/>
               <a:pPr/>
-              <a:t>7/17/2021</a:t>
+              <a:t>7/20/2021</a:t>
             </a:fld>
             <a:endParaRPr lang="en-US" dirty="0"/>
           </a:p>
@@ -24408,7 +24408,7 @@
             <a:fld id="{8C792E63-5F21-4F54-A864-D84D9F273FCA}" type="datetimeFigureOut">
               <a:rPr lang="en-US" smtClean="0"/>
               <a:pPr/>
-              <a:t>7/17/2021</a:t>
+              <a:t>7/20/2021</a:t>
             </a:fld>
             <a:endParaRPr lang="en-US" dirty="0"/>
           </a:p>
@@ -25593,7 +25593,7 @@
             <a:fld id="{8C792E63-5F21-4F54-A864-D84D9F273FCA}" type="datetimeFigureOut">
               <a:rPr lang="en-US" smtClean="0"/>
               <a:pPr/>
-              <a:t>7/17/2021</a:t>
+              <a:t>7/20/2021</a:t>
             </a:fld>
             <a:endParaRPr lang="en-US" dirty="0"/>
           </a:p>
@@ -26057,7 +26057,7 @@
             <a:fld id="{8C792E63-5F21-4F54-A864-D84D9F273FCA}" type="datetimeFigureOut">
               <a:rPr lang="en-US" smtClean="0"/>
               <a:pPr/>
-              <a:t>7/17/2021</a:t>
+              <a:t>7/20/2021</a:t>
             </a:fld>
             <a:endParaRPr lang="en-US" dirty="0"/>
           </a:p>
@@ -26549,7 +26549,7 @@
             <a:fld id="{8C792E63-5F21-4F54-A864-D84D9F273FCA}" type="datetimeFigureOut">
               <a:rPr lang="en-US" smtClean="0"/>
               <a:pPr/>
-              <a:t>7/17/2021</a:t>
+              <a:t>7/20/2021</a:t>
             </a:fld>
             <a:endParaRPr lang="en-US" dirty="0"/>
           </a:p>
@@ -26799,7 +26799,15 @@
             </a:pPr>
             <a:r>
               <a:rPr lang="en-US" sz="2000" dirty="0"/>
-              <a:t>Use Case 1 targets the definition of requirements for a communication architecture using the existing BRSKI components and call model (pledge as initiator, PULL) to enable the use of alternative enrollment protocols for certificate enrollment (voucher handling untouched).  </a:t>
+              <a:t>Use Case 1 targets the definition of requirements for a communication architecture using the existing BRSKI components and call model (pledge-initiator-mode</a:t>
+            </a:r>
+            <a:r>
+              <a:rPr lang="en-US" sz="2000"/>
+              <a:t>, formerly </a:t>
+            </a:r>
+            <a:r>
+              <a:rPr lang="en-US" sz="2000" dirty="0"/>
+              <a:t>PULL) to enable the use of alternative enrollment protocols for certificate enrollment (voucher handling untouched).  </a:t>
             </a:r>
           </a:p>
           <a:p>
@@ -26813,7 +26821,7 @@
             </a:pPr>
             <a:r>
               <a:rPr lang="en-US" sz="2000" dirty="0"/>
-              <a:t>Use Case 2 targets the specification of a reversed call model (pledge as responder, PUSH) in which the pledge has no or only limited connectivity to a registrar or cannot initiate requests to a registrar. To facilitate the interaction between pledge and registrar, the registrar-agent component is established. The interaction between pledge and registrar-agent results in new or enhanced data objects (voucher-request-trigger, voucher-request, voucher, enrollment-request-trigger, enrollment-request). Exchanges between registrar-agent and registrar follow</a:t>
+              <a:t>Use Case 2 targets the specification of a reversed call model (pledge-responder-mode, formerly PUSH) in which the pledge has no or only limited connectivity to a registrar or cannot initiate requests to a registrar. To facilitate the interaction between pledge and registrar, the registrar-agent component is established. The interaction between pledge and registrar-agent results in new or enhanced data objects (voucher-request-trigger, voucher-request, voucher, enrollment-request-trigger, enrollment-request). Exchanges between registrar-agent and registrar follow</a:t>
             </a:r>
             <a:r>
               <a:rPr lang="en-US" sz="2000" strike="sngStrike" dirty="0"/>
@@ -26994,7 +27002,7 @@
             <a:fld id="{8C792E63-5F21-4F54-A864-D84D9F273FCA}" type="datetimeFigureOut">
               <a:rPr lang="en-US" smtClean="0"/>
               <a:pPr/>
-              <a:t>7/17/2021</a:t>
+              <a:t>7/20/2021</a:t>
             </a:fld>
             <a:endParaRPr lang="en-US" dirty="0"/>
           </a:p>
@@ -27411,7 +27419,7 @@
             <a:fld id="{8C792E63-5F21-4F54-A864-D84D9F273FCA}" type="datetimeFigureOut">
               <a:rPr lang="en-US" smtClean="0"/>
               <a:pPr/>
-              <a:t>7/17/2021</a:t>
+              <a:t>7/20/2021</a:t>
             </a:fld>
             <a:endParaRPr lang="en-US" dirty="0"/>
           </a:p>
@@ -32156,7 +32164,7 @@
             <a:fld id="{8C792E63-5F21-4F54-A864-D84D9F273FCA}" type="datetimeFigureOut">
               <a:rPr lang="en-US" smtClean="0"/>
               <a:pPr/>
-              <a:t>7/17/2021</a:t>
+              <a:t>7/20/2021</a:t>
             </a:fld>
             <a:endParaRPr lang="en-US"/>
           </a:p>
@@ -37671,7 +37679,7 @@
             <a:fld id="{8C792E63-5F21-4F54-A864-D84D9F273FCA}" type="datetimeFigureOut">
               <a:rPr lang="en-US" smtClean="0"/>
               <a:pPr/>
-              <a:t>7/17/2021</a:t>
+              <a:t>7/20/2021</a:t>
             </a:fld>
             <a:endParaRPr lang="en-US" dirty="0"/>
           </a:p>
@@ -38002,7 +38010,7 @@
             <a:fld id="{8C792E63-5F21-4F54-A864-D84D9F273FCA}" type="datetimeFigureOut">
               <a:rPr lang="en-US" smtClean="0"/>
               <a:pPr/>
-              <a:t>7/19/2021</a:t>
+              <a:t>7/20/2021</a:t>
             </a:fld>
             <a:endParaRPr lang="en-US" dirty="0"/>
           </a:p>
@@ -39657,7 +39665,7 @@
             <a:fld id="{8C792E63-5F21-4F54-A864-D84D9F273FCA}" type="datetimeFigureOut">
               <a:rPr lang="en-US" smtClean="0"/>
               <a:pPr/>
-              <a:t>7/17/2021</a:t>
+              <a:t>7/20/2021</a:t>
             </a:fld>
             <a:endParaRPr lang="en-US" dirty="0"/>
           </a:p>
@@ -40764,7 +40772,7 @@
             <a:fld id="{8C792E63-5F21-4F54-A864-D84D9F273FCA}" type="datetimeFigureOut">
               <a:rPr lang="en-US" smtClean="0"/>
               <a:pPr/>
-              <a:t>7/17/2021</a:t>
+              <a:t>7/20/2021</a:t>
             </a:fld>
             <a:endParaRPr lang="en-US" dirty="0"/>
           </a:p>
@@ -42038,7 +42046,7 @@
             <a:fld id="{8C792E63-5F21-4F54-A864-D84D9F273FCA}" type="datetimeFigureOut">
               <a:rPr lang="en-US" smtClean="0"/>
               <a:pPr/>
-              <a:t>7/17/2021</a:t>
+              <a:t>7/20/2021</a:t>
             </a:fld>
             <a:endParaRPr lang="en-US" dirty="0"/>
           </a:p>

--- a/presentations/slides-111-BRSKI-AE.pptx
+++ b/presentations/slides-111-BRSKI-AE.pptx
@@ -258,7 +258,7 @@
           <a:p>
             <a:fld id="{33B5B5E8-CA78-4A82-83A0-867EF5A818AE}" type="datetimeFigureOut">
               <a:rPr lang="en-US" smtClean="0"/>
-              <a:t>7/20/2021</a:t>
+              <a:t>7/21/2021</a:t>
             </a:fld>
             <a:endParaRPr lang="en-US"/>
           </a:p>
@@ -2583,7 +2583,7 @@
           <a:p>
             <a:fld id="{8C792E63-5F21-4F54-A864-D84D9F273FCA}" type="datetimeFigureOut">
               <a:rPr lang="en-US" smtClean="0"/>
-              <a:t>7/20/2021</a:t>
+              <a:t>7/21/2021</a:t>
             </a:fld>
             <a:endParaRPr lang="en-US" dirty="0"/>
           </a:p>
@@ -2801,7 +2801,7 @@
           <a:p>
             <a:fld id="{8C792E63-5F21-4F54-A864-D84D9F273FCA}" type="datetimeFigureOut">
               <a:rPr lang="en-US" smtClean="0"/>
-              <a:t>7/20/2021</a:t>
+              <a:t>7/21/2021</a:t>
             </a:fld>
             <a:endParaRPr lang="en-US"/>
           </a:p>
@@ -3025,7 +3025,7 @@
           <a:p>
             <a:fld id="{8C792E63-5F21-4F54-A864-D84D9F273FCA}" type="datetimeFigureOut">
               <a:rPr lang="en-US" smtClean="0"/>
-              <a:t>7/20/2021</a:t>
+              <a:t>7/21/2021</a:t>
             </a:fld>
             <a:endParaRPr lang="en-US"/>
           </a:p>
@@ -3239,7 +3239,7 @@
           <a:p>
             <a:fld id="{8C792E63-5F21-4F54-A864-D84D9F273FCA}" type="datetimeFigureOut">
               <a:rPr lang="en-US" smtClean="0"/>
-              <a:t>7/20/2021</a:t>
+              <a:t>7/21/2021</a:t>
             </a:fld>
             <a:endParaRPr lang="en-US"/>
           </a:p>
@@ -3530,7 +3530,7 @@
           <a:p>
             <a:fld id="{8C792E63-5F21-4F54-A864-D84D9F273FCA}" type="datetimeFigureOut">
               <a:rPr lang="en-US" smtClean="0"/>
-              <a:t>7/20/2021</a:t>
+              <a:t>7/21/2021</a:t>
             </a:fld>
             <a:endParaRPr lang="en-US"/>
           </a:p>
@@ -3811,7 +3811,7 @@
           <a:p>
             <a:fld id="{8C792E63-5F21-4F54-A864-D84D9F273FCA}" type="datetimeFigureOut">
               <a:rPr lang="en-US" smtClean="0"/>
-              <a:t>7/20/2021</a:t>
+              <a:t>7/21/2021</a:t>
             </a:fld>
             <a:endParaRPr lang="en-US"/>
           </a:p>
@@ -4239,7 +4239,7 @@
           <a:p>
             <a:fld id="{8C792E63-5F21-4F54-A864-D84D9F273FCA}" type="datetimeFigureOut">
               <a:rPr lang="en-US" smtClean="0"/>
-              <a:t>7/20/2021</a:t>
+              <a:t>7/21/2021</a:t>
             </a:fld>
             <a:endParaRPr lang="en-US"/>
           </a:p>
@@ -4396,7 +4396,7 @@
           <a:p>
             <a:fld id="{8C792E63-5F21-4F54-A864-D84D9F273FCA}" type="datetimeFigureOut">
               <a:rPr lang="en-US" smtClean="0"/>
-              <a:t>7/20/2021</a:t>
+              <a:t>7/21/2021</a:t>
             </a:fld>
             <a:endParaRPr lang="en-US"/>
           </a:p>
@@ -4525,7 +4525,7 @@
           <a:p>
             <a:fld id="{8C792E63-5F21-4F54-A864-D84D9F273FCA}" type="datetimeFigureOut">
               <a:rPr lang="en-US" smtClean="0"/>
-              <a:t>7/20/2021</a:t>
+              <a:t>7/21/2021</a:t>
             </a:fld>
             <a:endParaRPr lang="en-US"/>
           </a:p>
@@ -4852,7 +4852,7 @@
           <a:p>
             <a:fld id="{8C792E63-5F21-4F54-A864-D84D9F273FCA}" type="datetimeFigureOut">
               <a:rPr lang="en-US" smtClean="0"/>
-              <a:t>7/20/2021</a:t>
+              <a:t>7/21/2021</a:t>
             </a:fld>
             <a:endParaRPr lang="en-US"/>
           </a:p>
@@ -5156,7 +5156,7 @@
           <a:p>
             <a:fld id="{8C792E63-5F21-4F54-A864-D84D9F273FCA}" type="datetimeFigureOut">
               <a:rPr lang="en-US" smtClean="0"/>
-              <a:t>7/20/2021</a:t>
+              <a:t>7/21/2021</a:t>
             </a:fld>
             <a:endParaRPr lang="en-US"/>
           </a:p>
@@ -5448,7 +5448,7 @@
           <a:p>
             <a:fld id="{8C792E63-5F21-4F54-A864-D84D9F273FCA}" type="datetimeFigureOut">
               <a:rPr lang="en-US" smtClean="0"/>
-              <a:t>7/20/2021</a:t>
+              <a:t>7/21/2021</a:t>
             </a:fld>
             <a:endParaRPr lang="en-US"/>
           </a:p>
@@ -7296,7 +7296,7 @@
             <a:fld id="{8C792E63-5F21-4F54-A864-D84D9F273FCA}" type="datetimeFigureOut">
               <a:rPr lang="en-US" smtClean="0"/>
               <a:pPr/>
-              <a:t>7/20/2021</a:t>
+              <a:t>7/21/2021</a:t>
             </a:fld>
             <a:endParaRPr lang="en-US" dirty="0"/>
           </a:p>
@@ -9351,7 +9351,7 @@
             <a:fld id="{8C792E63-5F21-4F54-A864-D84D9F273FCA}" type="datetimeFigureOut">
               <a:rPr lang="en-US" smtClean="0"/>
               <a:pPr/>
-              <a:t>7/20/2021</a:t>
+              <a:t>7/21/2021</a:t>
             </a:fld>
             <a:endParaRPr lang="en-US" dirty="0"/>
           </a:p>
@@ -10514,7 +10514,7 @@
             <a:fld id="{8C792E63-5F21-4F54-A864-D84D9F273FCA}" type="datetimeFigureOut">
               <a:rPr lang="en-US" smtClean="0"/>
               <a:pPr/>
-              <a:t>7/20/2021</a:t>
+              <a:t>7/21/2021</a:t>
             </a:fld>
             <a:endParaRPr lang="en-US" dirty="0"/>
           </a:p>
@@ -12219,7 +12219,7 @@
             <a:fld id="{8C792E63-5F21-4F54-A864-D84D9F273FCA}" type="datetimeFigureOut">
               <a:rPr lang="en-US" smtClean="0"/>
               <a:pPr/>
-              <a:t>7/20/2021</a:t>
+              <a:t>7/21/2021</a:t>
             </a:fld>
             <a:endParaRPr lang="en-US" dirty="0"/>
           </a:p>
@@ -14086,7 +14086,7 @@
             <a:fld id="{8C792E63-5F21-4F54-A864-D84D9F273FCA}" type="datetimeFigureOut">
               <a:rPr lang="en-US" smtClean="0"/>
               <a:pPr/>
-              <a:t>7/20/2021</a:t>
+              <a:t>7/21/2021</a:t>
             </a:fld>
             <a:endParaRPr lang="en-US" dirty="0"/>
           </a:p>
@@ -15334,7 +15334,7 @@
             <a:fld id="{8C792E63-5F21-4F54-A864-D84D9F273FCA}" type="datetimeFigureOut">
               <a:rPr lang="en-US" smtClean="0"/>
               <a:pPr/>
-              <a:t>7/20/2021</a:t>
+              <a:t>7/21/2021</a:t>
             </a:fld>
             <a:endParaRPr lang="en-US" dirty="0"/>
           </a:p>
@@ -16582,7 +16582,7 @@
             <a:fld id="{8C792E63-5F21-4F54-A864-D84D9F273FCA}" type="datetimeFigureOut">
               <a:rPr lang="en-US" smtClean="0"/>
               <a:pPr/>
-              <a:t>7/20/2021</a:t>
+              <a:t>7/21/2021</a:t>
             </a:fld>
             <a:endParaRPr lang="en-US" dirty="0"/>
           </a:p>
@@ -18228,7 +18228,7 @@
             <a:fld id="{8C792E63-5F21-4F54-A864-D84D9F273FCA}" type="datetimeFigureOut">
               <a:rPr lang="en-US" smtClean="0"/>
               <a:pPr/>
-              <a:t>7/20/2021</a:t>
+              <a:t>7/21/2021</a:t>
             </a:fld>
             <a:endParaRPr lang="en-US" dirty="0"/>
           </a:p>
@@ -19523,7 +19523,7 @@
             <a:fld id="{8C792E63-5F21-4F54-A864-D84D9F273FCA}" type="datetimeFigureOut">
               <a:rPr lang="en-US" smtClean="0"/>
               <a:pPr/>
-              <a:t>7/20/2021</a:t>
+              <a:t>7/21/2021</a:t>
             </a:fld>
             <a:endParaRPr lang="en-US" dirty="0"/>
           </a:p>
@@ -20766,7 +20766,7 @@
             <a:fld id="{8C792E63-5F21-4F54-A864-D84D9F273FCA}" type="datetimeFigureOut">
               <a:rPr lang="en-US" smtClean="0"/>
               <a:pPr/>
-              <a:t>7/20/2021</a:t>
+              <a:t>7/21/2021</a:t>
             </a:fld>
             <a:endParaRPr lang="en-US" dirty="0"/>
           </a:p>
@@ -21206,7 +21206,7 @@
             <a:fld id="{8C792E63-5F21-4F54-A864-D84D9F273FCA}" type="datetimeFigureOut">
               <a:rPr lang="en-US" smtClean="0"/>
               <a:pPr/>
-              <a:t>7/20/2021</a:t>
+              <a:t>7/21/2021</a:t>
             </a:fld>
             <a:endParaRPr lang="en-US" dirty="0"/>
           </a:p>
@@ -22449,7 +22449,7 @@
             <a:fld id="{8C792E63-5F21-4F54-A864-D84D9F273FCA}" type="datetimeFigureOut">
               <a:rPr lang="en-US" smtClean="0"/>
               <a:pPr/>
-              <a:t>7/20/2021</a:t>
+              <a:t>7/21/2021</a:t>
             </a:fld>
             <a:endParaRPr lang="en-US" dirty="0"/>
           </a:p>
@@ -23361,7 +23361,7 @@
             <a:fld id="{8C792E63-5F21-4F54-A864-D84D9F273FCA}" type="datetimeFigureOut">
               <a:rPr lang="en-US" smtClean="0"/>
               <a:pPr/>
-              <a:t>7/20/2021</a:t>
+              <a:t>7/21/2021</a:t>
             </a:fld>
             <a:endParaRPr lang="en-US" dirty="0"/>
           </a:p>
@@ -24408,7 +24408,7 @@
             <a:fld id="{8C792E63-5F21-4F54-A864-D84D9F273FCA}" type="datetimeFigureOut">
               <a:rPr lang="en-US" smtClean="0"/>
               <a:pPr/>
-              <a:t>7/20/2021</a:t>
+              <a:t>7/21/2021</a:t>
             </a:fld>
             <a:endParaRPr lang="en-US" dirty="0"/>
           </a:p>
@@ -25593,7 +25593,7 @@
             <a:fld id="{8C792E63-5F21-4F54-A864-D84D9F273FCA}" type="datetimeFigureOut">
               <a:rPr lang="en-US" smtClean="0"/>
               <a:pPr/>
-              <a:t>7/20/2021</a:t>
+              <a:t>7/21/2021</a:t>
             </a:fld>
             <a:endParaRPr lang="en-US" dirty="0"/>
           </a:p>
@@ -26057,7 +26057,7 @@
             <a:fld id="{8C792E63-5F21-4F54-A864-D84D9F273FCA}" type="datetimeFigureOut">
               <a:rPr lang="en-US" smtClean="0"/>
               <a:pPr/>
-              <a:t>7/20/2021</a:t>
+              <a:t>7/21/2021</a:t>
             </a:fld>
             <a:endParaRPr lang="en-US" dirty="0"/>
           </a:p>
@@ -26549,7 +26549,7 @@
             <a:fld id="{8C792E63-5F21-4F54-A864-D84D9F273FCA}" type="datetimeFigureOut">
               <a:rPr lang="en-US" smtClean="0"/>
               <a:pPr/>
-              <a:t>7/20/2021</a:t>
+              <a:t>7/21/2021</a:t>
             </a:fld>
             <a:endParaRPr lang="en-US" dirty="0"/>
           </a:p>
@@ -27002,7 +27002,7 @@
             <a:fld id="{8C792E63-5F21-4F54-A864-D84D9F273FCA}" type="datetimeFigureOut">
               <a:rPr lang="en-US" smtClean="0"/>
               <a:pPr/>
-              <a:t>7/20/2021</a:t>
+              <a:t>7/21/2021</a:t>
             </a:fld>
             <a:endParaRPr lang="en-US" dirty="0"/>
           </a:p>
@@ -27268,6 +27268,25 @@
             </a:pPr>
             <a:r>
               <a:rPr lang="en-US" sz="2200" dirty="0"/>
+              <a:t>Split into two </a:t>
+            </a:r>
+            <a:r>
+              <a:rPr lang="en-US" sz="2200"/>
+              <a:t>drafts concentrating </a:t>
+            </a:r>
+            <a:r>
+              <a:rPr lang="en-US" sz="2200" dirty="0"/>
+              <a:t>on the distinct use cases, depending on WG view</a:t>
+            </a:r>
+          </a:p>
+          <a:p>
+            <a:pPr>
+              <a:lnSpc>
+                <a:spcPct val="100000"/>
+              </a:lnSpc>
+            </a:pPr>
+            <a:r>
+              <a:rPr lang="en-US" sz="2200" dirty="0"/>
               <a:t>Circulate outcome on the mailing list for further discussion</a:t>
             </a:r>
           </a:p>
@@ -27419,7 +27438,7 @@
             <a:fld id="{8C792E63-5F21-4F54-A864-D84D9F273FCA}" type="datetimeFigureOut">
               <a:rPr lang="en-US" smtClean="0"/>
               <a:pPr/>
-              <a:t>7/20/2021</a:t>
+              <a:t>7/21/2021</a:t>
             </a:fld>
             <a:endParaRPr lang="en-US" dirty="0"/>
           </a:p>
@@ -32164,7 +32183,7 @@
             <a:fld id="{8C792E63-5F21-4F54-A864-D84D9F273FCA}" type="datetimeFigureOut">
               <a:rPr lang="en-US" smtClean="0"/>
               <a:pPr/>
-              <a:t>7/20/2021</a:t>
+              <a:t>7/21/2021</a:t>
             </a:fld>
             <a:endParaRPr lang="en-US"/>
           </a:p>
@@ -37679,7 +37698,7 @@
             <a:fld id="{8C792E63-5F21-4F54-A864-D84D9F273FCA}" type="datetimeFigureOut">
               <a:rPr lang="en-US" smtClean="0"/>
               <a:pPr/>
-              <a:t>7/20/2021</a:t>
+              <a:t>7/21/2021</a:t>
             </a:fld>
             <a:endParaRPr lang="en-US" dirty="0"/>
           </a:p>
@@ -38010,7 +38029,7 @@
             <a:fld id="{8C792E63-5F21-4F54-A864-D84D9F273FCA}" type="datetimeFigureOut">
               <a:rPr lang="en-US" smtClean="0"/>
               <a:pPr/>
-              <a:t>7/20/2021</a:t>
+              <a:t>7/21/2021</a:t>
             </a:fld>
             <a:endParaRPr lang="en-US" dirty="0"/>
           </a:p>
@@ -39665,7 +39684,7 @@
             <a:fld id="{8C792E63-5F21-4F54-A864-D84D9F273FCA}" type="datetimeFigureOut">
               <a:rPr lang="en-US" smtClean="0"/>
               <a:pPr/>
-              <a:t>7/20/2021</a:t>
+              <a:t>7/21/2021</a:t>
             </a:fld>
             <a:endParaRPr lang="en-US" dirty="0"/>
           </a:p>
@@ -40772,7 +40791,7 @@
             <a:fld id="{8C792E63-5F21-4F54-A864-D84D9F273FCA}" type="datetimeFigureOut">
               <a:rPr lang="en-US" smtClean="0"/>
               <a:pPr/>
-              <a:t>7/20/2021</a:t>
+              <a:t>7/21/2021</a:t>
             </a:fld>
             <a:endParaRPr lang="en-US" dirty="0"/>
           </a:p>
@@ -42046,7 +42065,7 @@
             <a:fld id="{8C792E63-5F21-4F54-A864-D84D9F273FCA}" type="datetimeFigureOut">
               <a:rPr lang="en-US" smtClean="0"/>
               <a:pPr/>
-              <a:t>7/20/2021</a:t>
+              <a:t>7/21/2021</a:t>
             </a:fld>
             <a:endParaRPr lang="en-US" dirty="0"/>
           </a:p>

--- a/presentations/slides-111-BRSKI-AE.pptx
+++ b/presentations/slides-111-BRSKI-AE.pptx
@@ -37560,13 +37560,13 @@
               <a:rPr lang="en-US" sz="2200" dirty="0" err="1">
                 <a:sym typeface="Wingdings" panose="05000000000000000000" pitchFamily="2" charset="2"/>
               </a:rPr>
-              <a:t>ietf-csr-types.yang</a:t>
+              <a:t>csr</a:t>
             </a:r>
             <a:r>
               <a:rPr lang="en-US" sz="2200" dirty="0">
                 <a:sym typeface="Wingdings" panose="05000000000000000000" pitchFamily="2" charset="2"/>
               </a:rPr>
-              <a:t> as part of SZTP-CSR</a:t>
+              <a:t> types independent of the embedding protocol as part of SZTP-CSR is currently discussed </a:t>
             </a:r>
             <a:endParaRPr lang="en-US" sz="2200" dirty="0"/>
           </a:p>

--- a/presentations/slides-111-BRSKI-AE.pptx
+++ b/presentations/slides-111-BRSKI-AE.pptx
@@ -258,7 +258,7 @@
           <a:p>
             <a:fld id="{33B5B5E8-CA78-4A82-83A0-867EF5A818AE}" type="datetimeFigureOut">
               <a:rPr lang="en-US" smtClean="0"/>
-              <a:t>7/21/2021</a:t>
+              <a:t>7/27/2021</a:t>
             </a:fld>
             <a:endParaRPr lang="en-US"/>
           </a:p>
@@ -2583,7 +2583,7 @@
           <a:p>
             <a:fld id="{8C792E63-5F21-4F54-A864-D84D9F273FCA}" type="datetimeFigureOut">
               <a:rPr lang="en-US" smtClean="0"/>
-              <a:t>7/21/2021</a:t>
+              <a:t>7/27/2021</a:t>
             </a:fld>
             <a:endParaRPr lang="en-US" dirty="0"/>
           </a:p>
@@ -2801,7 +2801,7 @@
           <a:p>
             <a:fld id="{8C792E63-5F21-4F54-A864-D84D9F273FCA}" type="datetimeFigureOut">
               <a:rPr lang="en-US" smtClean="0"/>
-              <a:t>7/21/2021</a:t>
+              <a:t>7/27/2021</a:t>
             </a:fld>
             <a:endParaRPr lang="en-US"/>
           </a:p>
@@ -3025,7 +3025,7 @@
           <a:p>
             <a:fld id="{8C792E63-5F21-4F54-A864-D84D9F273FCA}" type="datetimeFigureOut">
               <a:rPr lang="en-US" smtClean="0"/>
-              <a:t>7/21/2021</a:t>
+              <a:t>7/27/2021</a:t>
             </a:fld>
             <a:endParaRPr lang="en-US"/>
           </a:p>
@@ -3239,7 +3239,7 @@
           <a:p>
             <a:fld id="{8C792E63-5F21-4F54-A864-D84D9F273FCA}" type="datetimeFigureOut">
               <a:rPr lang="en-US" smtClean="0"/>
-              <a:t>7/21/2021</a:t>
+              <a:t>7/27/2021</a:t>
             </a:fld>
             <a:endParaRPr lang="en-US"/>
           </a:p>
@@ -3530,7 +3530,7 @@
           <a:p>
             <a:fld id="{8C792E63-5F21-4F54-A864-D84D9F273FCA}" type="datetimeFigureOut">
               <a:rPr lang="en-US" smtClean="0"/>
-              <a:t>7/21/2021</a:t>
+              <a:t>7/27/2021</a:t>
             </a:fld>
             <a:endParaRPr lang="en-US"/>
           </a:p>
@@ -3811,7 +3811,7 @@
           <a:p>
             <a:fld id="{8C792E63-5F21-4F54-A864-D84D9F273FCA}" type="datetimeFigureOut">
               <a:rPr lang="en-US" smtClean="0"/>
-              <a:t>7/21/2021</a:t>
+              <a:t>7/27/2021</a:t>
             </a:fld>
             <a:endParaRPr lang="en-US"/>
           </a:p>
@@ -4239,7 +4239,7 @@
           <a:p>
             <a:fld id="{8C792E63-5F21-4F54-A864-D84D9F273FCA}" type="datetimeFigureOut">
               <a:rPr lang="en-US" smtClean="0"/>
-              <a:t>7/21/2021</a:t>
+              <a:t>7/27/2021</a:t>
             </a:fld>
             <a:endParaRPr lang="en-US"/>
           </a:p>
@@ -4396,7 +4396,7 @@
           <a:p>
             <a:fld id="{8C792E63-5F21-4F54-A864-D84D9F273FCA}" type="datetimeFigureOut">
               <a:rPr lang="en-US" smtClean="0"/>
-              <a:t>7/21/2021</a:t>
+              <a:t>7/27/2021</a:t>
             </a:fld>
             <a:endParaRPr lang="en-US"/>
           </a:p>
@@ -4525,7 +4525,7 @@
           <a:p>
             <a:fld id="{8C792E63-5F21-4F54-A864-D84D9F273FCA}" type="datetimeFigureOut">
               <a:rPr lang="en-US" smtClean="0"/>
-              <a:t>7/21/2021</a:t>
+              <a:t>7/27/2021</a:t>
             </a:fld>
             <a:endParaRPr lang="en-US"/>
           </a:p>
@@ -4852,7 +4852,7 @@
           <a:p>
             <a:fld id="{8C792E63-5F21-4F54-A864-D84D9F273FCA}" type="datetimeFigureOut">
               <a:rPr lang="en-US" smtClean="0"/>
-              <a:t>7/21/2021</a:t>
+              <a:t>7/27/2021</a:t>
             </a:fld>
             <a:endParaRPr lang="en-US"/>
           </a:p>
@@ -5156,7 +5156,7 @@
           <a:p>
             <a:fld id="{8C792E63-5F21-4F54-A864-D84D9F273FCA}" type="datetimeFigureOut">
               <a:rPr lang="en-US" smtClean="0"/>
-              <a:t>7/21/2021</a:t>
+              <a:t>7/27/2021</a:t>
             </a:fld>
             <a:endParaRPr lang="en-US"/>
           </a:p>
@@ -5448,7 +5448,7 @@
           <a:p>
             <a:fld id="{8C792E63-5F21-4F54-A864-D84D9F273FCA}" type="datetimeFigureOut">
               <a:rPr lang="en-US" smtClean="0"/>
-              <a:t>7/21/2021</a:t>
+              <a:t>7/27/2021</a:t>
             </a:fld>
             <a:endParaRPr lang="en-US"/>
           </a:p>
@@ -7296,7 +7296,7 @@
             <a:fld id="{8C792E63-5F21-4F54-A864-D84D9F273FCA}" type="datetimeFigureOut">
               <a:rPr lang="en-US" smtClean="0"/>
               <a:pPr/>
-              <a:t>7/21/2021</a:t>
+              <a:t>7/27/2021</a:t>
             </a:fld>
             <a:endParaRPr lang="en-US" dirty="0"/>
           </a:p>
@@ -9351,7 +9351,7 @@
             <a:fld id="{8C792E63-5F21-4F54-A864-D84D9F273FCA}" type="datetimeFigureOut">
               <a:rPr lang="en-US" smtClean="0"/>
               <a:pPr/>
-              <a:t>7/21/2021</a:t>
+              <a:t>7/27/2021</a:t>
             </a:fld>
             <a:endParaRPr lang="en-US" dirty="0"/>
           </a:p>
@@ -10514,7 +10514,7 @@
             <a:fld id="{8C792E63-5F21-4F54-A864-D84D9F273FCA}" type="datetimeFigureOut">
               <a:rPr lang="en-US" smtClean="0"/>
               <a:pPr/>
-              <a:t>7/21/2021</a:t>
+              <a:t>7/27/2021</a:t>
             </a:fld>
             <a:endParaRPr lang="en-US" dirty="0"/>
           </a:p>
@@ -12219,7 +12219,7 @@
             <a:fld id="{8C792E63-5F21-4F54-A864-D84D9F273FCA}" type="datetimeFigureOut">
               <a:rPr lang="en-US" smtClean="0"/>
               <a:pPr/>
-              <a:t>7/21/2021</a:t>
+              <a:t>7/27/2021</a:t>
             </a:fld>
             <a:endParaRPr lang="en-US" dirty="0"/>
           </a:p>
@@ -14086,7 +14086,7 @@
             <a:fld id="{8C792E63-5F21-4F54-A864-D84D9F273FCA}" type="datetimeFigureOut">
               <a:rPr lang="en-US" smtClean="0"/>
               <a:pPr/>
-              <a:t>7/21/2021</a:t>
+              <a:t>7/27/2021</a:t>
             </a:fld>
             <a:endParaRPr lang="en-US" dirty="0"/>
           </a:p>
@@ -15334,7 +15334,7 @@
             <a:fld id="{8C792E63-5F21-4F54-A864-D84D9F273FCA}" type="datetimeFigureOut">
               <a:rPr lang="en-US" smtClean="0"/>
               <a:pPr/>
-              <a:t>7/21/2021</a:t>
+              <a:t>7/27/2021</a:t>
             </a:fld>
             <a:endParaRPr lang="en-US" dirty="0"/>
           </a:p>
@@ -16582,7 +16582,7 @@
             <a:fld id="{8C792E63-5F21-4F54-A864-D84D9F273FCA}" type="datetimeFigureOut">
               <a:rPr lang="en-US" smtClean="0"/>
               <a:pPr/>
-              <a:t>7/21/2021</a:t>
+              <a:t>7/27/2021</a:t>
             </a:fld>
             <a:endParaRPr lang="en-US" dirty="0"/>
           </a:p>
@@ -18228,7 +18228,7 @@
             <a:fld id="{8C792E63-5F21-4F54-A864-D84D9F273FCA}" type="datetimeFigureOut">
               <a:rPr lang="en-US" smtClean="0"/>
               <a:pPr/>
-              <a:t>7/21/2021</a:t>
+              <a:t>7/27/2021</a:t>
             </a:fld>
             <a:endParaRPr lang="en-US" dirty="0"/>
           </a:p>
@@ -19523,7 +19523,7 @@
             <a:fld id="{8C792E63-5F21-4F54-A864-D84D9F273FCA}" type="datetimeFigureOut">
               <a:rPr lang="en-US" smtClean="0"/>
               <a:pPr/>
-              <a:t>7/21/2021</a:t>
+              <a:t>7/27/2021</a:t>
             </a:fld>
             <a:endParaRPr lang="en-US" dirty="0"/>
           </a:p>
@@ -20766,7 +20766,7 @@
             <a:fld id="{8C792E63-5F21-4F54-A864-D84D9F273FCA}" type="datetimeFigureOut">
               <a:rPr lang="en-US" smtClean="0"/>
               <a:pPr/>
-              <a:t>7/21/2021</a:t>
+              <a:t>7/27/2021</a:t>
             </a:fld>
             <a:endParaRPr lang="en-US" dirty="0"/>
           </a:p>
@@ -21206,7 +21206,7 @@
             <a:fld id="{8C792E63-5F21-4F54-A864-D84D9F273FCA}" type="datetimeFigureOut">
               <a:rPr lang="en-US" smtClean="0"/>
               <a:pPr/>
-              <a:t>7/21/2021</a:t>
+              <a:t>7/27/2021</a:t>
             </a:fld>
             <a:endParaRPr lang="en-US" dirty="0"/>
           </a:p>
@@ -22449,7 +22449,7 @@
             <a:fld id="{8C792E63-5F21-4F54-A864-D84D9F273FCA}" type="datetimeFigureOut">
               <a:rPr lang="en-US" smtClean="0"/>
               <a:pPr/>
-              <a:t>7/21/2021</a:t>
+              <a:t>7/27/2021</a:t>
             </a:fld>
             <a:endParaRPr lang="en-US" dirty="0"/>
           </a:p>
@@ -23361,7 +23361,7 @@
             <a:fld id="{8C792E63-5F21-4F54-A864-D84D9F273FCA}" type="datetimeFigureOut">
               <a:rPr lang="en-US" smtClean="0"/>
               <a:pPr/>
-              <a:t>7/21/2021</a:t>
+              <a:t>7/27/2021</a:t>
             </a:fld>
             <a:endParaRPr lang="en-US" dirty="0"/>
           </a:p>
@@ -24408,7 +24408,7 @@
             <a:fld id="{8C792E63-5F21-4F54-A864-D84D9F273FCA}" type="datetimeFigureOut">
               <a:rPr lang="en-US" smtClean="0"/>
               <a:pPr/>
-              <a:t>7/21/2021</a:t>
+              <a:t>7/27/2021</a:t>
             </a:fld>
             <a:endParaRPr lang="en-US" dirty="0"/>
           </a:p>
@@ -25593,7 +25593,7 @@
             <a:fld id="{8C792E63-5F21-4F54-A864-D84D9F273FCA}" type="datetimeFigureOut">
               <a:rPr lang="en-US" smtClean="0"/>
               <a:pPr/>
-              <a:t>7/21/2021</a:t>
+              <a:t>7/27/2021</a:t>
             </a:fld>
             <a:endParaRPr lang="en-US" dirty="0"/>
           </a:p>
@@ -25926,7 +25926,7 @@
             </a:pPr>
             <a:r>
               <a:rPr lang="en-US" sz="1800" dirty="0"/>
-              <a:t>“proximity” is a statement that the proximity-registrar-certificate was received directly (via TLS) and that the pledge could verify proof-of-possession during the TLS handshake before voucher-request creation.</a:t>
+              <a:t>“proximity” refers to proximity-registrar-certificate was received directly (via TLS) and that the pledge could verify proof-of-possession during the TLS handshake before voucher-request creation.</a:t>
             </a:r>
           </a:p>
         </p:txBody>
@@ -26057,7 +26057,7 @@
             <a:fld id="{8C792E63-5F21-4F54-A864-D84D9F273FCA}" type="datetimeFigureOut">
               <a:rPr lang="en-US" smtClean="0"/>
               <a:pPr/>
-              <a:t>7/21/2021</a:t>
+              <a:t>7/27/2021</a:t>
             </a:fld>
             <a:endParaRPr lang="en-US" dirty="0"/>
           </a:p>
@@ -26549,7 +26549,7 @@
             <a:fld id="{8C792E63-5F21-4F54-A864-D84D9F273FCA}" type="datetimeFigureOut">
               <a:rPr lang="en-US" smtClean="0"/>
               <a:pPr/>
-              <a:t>7/21/2021</a:t>
+              <a:t>7/27/2021</a:t>
             </a:fld>
             <a:endParaRPr lang="en-US" dirty="0"/>
           </a:p>
@@ -27002,7 +27002,7 @@
             <a:fld id="{8C792E63-5F21-4F54-A864-D84D9F273FCA}" type="datetimeFigureOut">
               <a:rPr lang="en-US" smtClean="0"/>
               <a:pPr/>
-              <a:t>7/21/2021</a:t>
+              <a:t>7/27/2021</a:t>
             </a:fld>
             <a:endParaRPr lang="en-US" dirty="0"/>
           </a:p>
@@ -27438,7 +27438,7 @@
             <a:fld id="{8C792E63-5F21-4F54-A864-D84D9F273FCA}" type="datetimeFigureOut">
               <a:rPr lang="en-US" smtClean="0"/>
               <a:pPr/>
-              <a:t>7/21/2021</a:t>
+              <a:t>7/27/2021</a:t>
             </a:fld>
             <a:endParaRPr lang="en-US" dirty="0"/>
           </a:p>
@@ -31998,17 +31998,17 @@
             </a:pPr>
             <a:r>
               <a:rPr lang="en-US" sz="2200" dirty="0"/>
-              <a:t>Defined detailed call flow and exchanged objects for interactions in UC2 between pledge – registrar-agent – registrar and MASA.  Object format aligns with </a:t>
+              <a:t>Defined detailed call flow and exchanged objects for interactions in UC2 between pledge – registrar-agent – registrar and MASA.  Object format aligns with proposed format in </a:t>
             </a:r>
             <a:r>
               <a:rPr lang="en-US" sz="2200" dirty="0">
                 <a:hlinkClick r:id="rId3"/>
               </a:rPr>
-              <a:t>draft JOSE signed voucher artifacts </a:t>
+              <a:t>draft JWS signed Voucher Artifacts</a:t>
             </a:r>
             <a:r>
               <a:rPr lang="en-US" sz="2200" dirty="0"/>
-              <a:t>(Section 5.2.3).</a:t>
+              <a:t> (Section 5.2.3).</a:t>
             </a:r>
           </a:p>
           <a:p>
@@ -32183,7 +32183,7 @@
             <a:fld id="{8C792E63-5F21-4F54-A864-D84D9F273FCA}" type="datetimeFigureOut">
               <a:rPr lang="en-US" smtClean="0"/>
               <a:pPr/>
-              <a:t>7/21/2021</a:t>
+              <a:t>7/27/2021</a:t>
             </a:fld>
             <a:endParaRPr lang="en-US"/>
           </a:p>
@@ -37698,7 +37698,7 @@
             <a:fld id="{8C792E63-5F21-4F54-A864-D84D9F273FCA}" type="datetimeFigureOut">
               <a:rPr lang="en-US" smtClean="0"/>
               <a:pPr/>
-              <a:t>7/21/2021</a:t>
+              <a:t>7/27/2021</a:t>
             </a:fld>
             <a:endParaRPr lang="en-US" dirty="0"/>
           </a:p>
@@ -38029,7 +38029,7 @@
             <a:fld id="{8C792E63-5F21-4F54-A864-D84D9F273FCA}" type="datetimeFigureOut">
               <a:rPr lang="en-US" smtClean="0"/>
               <a:pPr/>
-              <a:t>7/21/2021</a:t>
+              <a:t>7/27/2021</a:t>
             </a:fld>
             <a:endParaRPr lang="en-US" dirty="0"/>
           </a:p>
@@ -39684,7 +39684,7 @@
             <a:fld id="{8C792E63-5F21-4F54-A864-D84D9F273FCA}" type="datetimeFigureOut">
               <a:rPr lang="en-US" smtClean="0"/>
               <a:pPr/>
-              <a:t>7/21/2021</a:t>
+              <a:t>7/27/2021</a:t>
             </a:fld>
             <a:endParaRPr lang="en-US" dirty="0"/>
           </a:p>
@@ -40791,7 +40791,7 @@
             <a:fld id="{8C792E63-5F21-4F54-A864-D84D9F273FCA}" type="datetimeFigureOut">
               <a:rPr lang="en-US" smtClean="0"/>
               <a:pPr/>
-              <a:t>7/21/2021</a:t>
+              <a:t>7/27/2021</a:t>
             </a:fld>
             <a:endParaRPr lang="en-US" dirty="0"/>
           </a:p>
@@ -42065,7 +42065,7 @@
             <a:fld id="{8C792E63-5F21-4F54-A864-D84D9F273FCA}" type="datetimeFigureOut">
               <a:rPr lang="en-US" smtClean="0"/>
               <a:pPr/>
-              <a:t>7/21/2021</a:t>
+              <a:t>7/27/2021</a:t>
             </a:fld>
             <a:endParaRPr lang="en-US" dirty="0"/>
           </a:p>
